--- a/Figures.pptx
+++ b/Figures.pptx
@@ -202,7 +202,7 @@
           <a:p>
             <a:fld id="{FBE30875-4028-481A-8091-6EDB19798FA1}" type="datetimeFigureOut">
               <a:rPr lang="en-NL" smtClean="0"/>
-              <a:t>29/01/2021</a:t>
+              <a:t>09/02/2021</a:t>
             </a:fld>
             <a:endParaRPr lang="en-NL"/>
           </a:p>
@@ -763,7 +763,7 @@
           <a:p>
             <a:fld id="{766785BB-7706-4DEE-A3EF-8F6193F80700}" type="datetimeFigureOut">
               <a:rPr lang="en-NL" smtClean="0"/>
-              <a:t>29/01/2021</a:t>
+              <a:t>09/02/2021</a:t>
             </a:fld>
             <a:endParaRPr lang="en-NL"/>
           </a:p>
@@ -963,7 +963,7 @@
           <a:p>
             <a:fld id="{766785BB-7706-4DEE-A3EF-8F6193F80700}" type="datetimeFigureOut">
               <a:rPr lang="en-NL" smtClean="0"/>
-              <a:t>29/01/2021</a:t>
+              <a:t>09/02/2021</a:t>
             </a:fld>
             <a:endParaRPr lang="en-NL"/>
           </a:p>
@@ -1173,7 +1173,7 @@
           <a:p>
             <a:fld id="{766785BB-7706-4DEE-A3EF-8F6193F80700}" type="datetimeFigureOut">
               <a:rPr lang="en-NL" smtClean="0"/>
-              <a:t>29/01/2021</a:t>
+              <a:t>09/02/2021</a:t>
             </a:fld>
             <a:endParaRPr lang="en-NL"/>
           </a:p>
@@ -1395,7 +1395,7 @@
           <a:p>
             <a:fld id="{705B85CB-7326-4CDB-B6DC-66899E5F8844}" type="datetimeFigureOut">
               <a:rPr lang="nl-NL" smtClean="0"/>
-              <a:t>29-1-2021</a:t>
+              <a:t>9-2-2021</a:t>
             </a:fld>
             <a:endParaRPr lang="nl-NL"/>
           </a:p>
@@ -1595,7 +1595,7 @@
           <a:p>
             <a:fld id="{705B85CB-7326-4CDB-B6DC-66899E5F8844}" type="datetimeFigureOut">
               <a:rPr lang="nl-NL" smtClean="0"/>
-              <a:t>29-1-2021</a:t>
+              <a:t>9-2-2021</a:t>
             </a:fld>
             <a:endParaRPr lang="nl-NL"/>
           </a:p>
@@ -1871,7 +1871,7 @@
           <a:p>
             <a:fld id="{705B85CB-7326-4CDB-B6DC-66899E5F8844}" type="datetimeFigureOut">
               <a:rPr lang="nl-NL" smtClean="0"/>
-              <a:t>29-1-2021</a:t>
+              <a:t>9-2-2021</a:t>
             </a:fld>
             <a:endParaRPr lang="nl-NL"/>
           </a:p>
@@ -2139,7 +2139,7 @@
           <a:p>
             <a:fld id="{705B85CB-7326-4CDB-B6DC-66899E5F8844}" type="datetimeFigureOut">
               <a:rPr lang="nl-NL" smtClean="0"/>
-              <a:t>29-1-2021</a:t>
+              <a:t>9-2-2021</a:t>
             </a:fld>
             <a:endParaRPr lang="nl-NL"/>
           </a:p>
@@ -2554,7 +2554,7 @@
           <a:p>
             <a:fld id="{705B85CB-7326-4CDB-B6DC-66899E5F8844}" type="datetimeFigureOut">
               <a:rPr lang="nl-NL" smtClean="0"/>
-              <a:t>29-1-2021</a:t>
+              <a:t>9-2-2021</a:t>
             </a:fld>
             <a:endParaRPr lang="nl-NL"/>
           </a:p>
@@ -2696,7 +2696,7 @@
           <a:p>
             <a:fld id="{705B85CB-7326-4CDB-B6DC-66899E5F8844}" type="datetimeFigureOut">
               <a:rPr lang="nl-NL" smtClean="0"/>
-              <a:t>29-1-2021</a:t>
+              <a:t>9-2-2021</a:t>
             </a:fld>
             <a:endParaRPr lang="nl-NL"/>
           </a:p>
@@ -2809,7 +2809,7 @@
           <a:p>
             <a:fld id="{705B85CB-7326-4CDB-B6DC-66899E5F8844}" type="datetimeFigureOut">
               <a:rPr lang="nl-NL" smtClean="0"/>
-              <a:t>29-1-2021</a:t>
+              <a:t>9-2-2021</a:t>
             </a:fld>
             <a:endParaRPr lang="nl-NL"/>
           </a:p>
@@ -3122,7 +3122,7 @@
           <a:p>
             <a:fld id="{705B85CB-7326-4CDB-B6DC-66899E5F8844}" type="datetimeFigureOut">
               <a:rPr lang="nl-NL" smtClean="0"/>
-              <a:t>29-1-2021</a:t>
+              <a:t>9-2-2021</a:t>
             </a:fld>
             <a:endParaRPr lang="nl-NL"/>
           </a:p>
@@ -3322,7 +3322,7 @@
           <a:p>
             <a:fld id="{766785BB-7706-4DEE-A3EF-8F6193F80700}" type="datetimeFigureOut">
               <a:rPr lang="en-NL" smtClean="0"/>
-              <a:t>29/01/2021</a:t>
+              <a:t>09/02/2021</a:t>
             </a:fld>
             <a:endParaRPr lang="en-NL"/>
           </a:p>
@@ -3611,7 +3611,7 @@
           <a:p>
             <a:fld id="{705B85CB-7326-4CDB-B6DC-66899E5F8844}" type="datetimeFigureOut">
               <a:rPr lang="nl-NL" smtClean="0"/>
-              <a:t>29-1-2021</a:t>
+              <a:t>9-2-2021</a:t>
             </a:fld>
             <a:endParaRPr lang="nl-NL"/>
           </a:p>
@@ -3811,7 +3811,7 @@
           <a:p>
             <a:fld id="{705B85CB-7326-4CDB-B6DC-66899E5F8844}" type="datetimeFigureOut">
               <a:rPr lang="nl-NL" smtClean="0"/>
-              <a:t>29-1-2021</a:t>
+              <a:t>9-2-2021</a:t>
             </a:fld>
             <a:endParaRPr lang="nl-NL"/>
           </a:p>
@@ -4021,7 +4021,7 @@
           <a:p>
             <a:fld id="{705B85CB-7326-4CDB-B6DC-66899E5F8844}" type="datetimeFigureOut">
               <a:rPr lang="nl-NL" smtClean="0"/>
-              <a:t>29-1-2021</a:t>
+              <a:t>9-2-2021</a:t>
             </a:fld>
             <a:endParaRPr lang="nl-NL"/>
           </a:p>
@@ -4297,7 +4297,7 @@
           <a:p>
             <a:fld id="{766785BB-7706-4DEE-A3EF-8F6193F80700}" type="datetimeFigureOut">
               <a:rPr lang="en-NL" smtClean="0"/>
-              <a:t>29/01/2021</a:t>
+              <a:t>09/02/2021</a:t>
             </a:fld>
             <a:endParaRPr lang="en-NL"/>
           </a:p>
@@ -4565,7 +4565,7 @@
           <a:p>
             <a:fld id="{766785BB-7706-4DEE-A3EF-8F6193F80700}" type="datetimeFigureOut">
               <a:rPr lang="en-NL" smtClean="0"/>
-              <a:t>29/01/2021</a:t>
+              <a:t>09/02/2021</a:t>
             </a:fld>
             <a:endParaRPr lang="en-NL"/>
           </a:p>
@@ -4980,7 +4980,7 @@
           <a:p>
             <a:fld id="{766785BB-7706-4DEE-A3EF-8F6193F80700}" type="datetimeFigureOut">
               <a:rPr lang="en-NL" smtClean="0"/>
-              <a:t>29/01/2021</a:t>
+              <a:t>09/02/2021</a:t>
             </a:fld>
             <a:endParaRPr lang="en-NL"/>
           </a:p>
@@ -5122,7 +5122,7 @@
           <a:p>
             <a:fld id="{766785BB-7706-4DEE-A3EF-8F6193F80700}" type="datetimeFigureOut">
               <a:rPr lang="en-NL" smtClean="0"/>
-              <a:t>29/01/2021</a:t>
+              <a:t>09/02/2021</a:t>
             </a:fld>
             <a:endParaRPr lang="en-NL"/>
           </a:p>
@@ -5235,7 +5235,7 @@
           <a:p>
             <a:fld id="{766785BB-7706-4DEE-A3EF-8F6193F80700}" type="datetimeFigureOut">
               <a:rPr lang="en-NL" smtClean="0"/>
-              <a:t>29/01/2021</a:t>
+              <a:t>09/02/2021</a:t>
             </a:fld>
             <a:endParaRPr lang="en-NL"/>
           </a:p>
@@ -5548,7 +5548,7 @@
           <a:p>
             <a:fld id="{766785BB-7706-4DEE-A3EF-8F6193F80700}" type="datetimeFigureOut">
               <a:rPr lang="en-NL" smtClean="0"/>
-              <a:t>29/01/2021</a:t>
+              <a:t>09/02/2021</a:t>
             </a:fld>
             <a:endParaRPr lang="en-NL"/>
           </a:p>
@@ -5837,7 +5837,7 @@
           <a:p>
             <a:fld id="{766785BB-7706-4DEE-A3EF-8F6193F80700}" type="datetimeFigureOut">
               <a:rPr lang="en-NL" smtClean="0"/>
-              <a:t>29/01/2021</a:t>
+              <a:t>09/02/2021</a:t>
             </a:fld>
             <a:endParaRPr lang="en-NL"/>
           </a:p>
@@ -6080,7 +6080,7 @@
           <a:p>
             <a:fld id="{766785BB-7706-4DEE-A3EF-8F6193F80700}" type="datetimeFigureOut">
               <a:rPr lang="en-NL" smtClean="0"/>
-              <a:t>29/01/2021</a:t>
+              <a:t>09/02/2021</a:t>
             </a:fld>
             <a:endParaRPr lang="en-NL"/>
           </a:p>
@@ -6650,7 +6650,7 @@
           <a:p>
             <a:fld id="{705B85CB-7326-4CDB-B6DC-66899E5F8844}" type="datetimeFigureOut">
               <a:rPr lang="nl-NL" smtClean="0"/>
-              <a:t>29-1-2021</a:t>
+              <a:t>9-2-2021</a:t>
             </a:fld>
             <a:endParaRPr lang="nl-NL"/>
           </a:p>
@@ -11346,6 +11346,9 @@
           <a:solidFill>
             <a:srgbClr val="002060"/>
           </a:solidFill>
+          <a:ln>
+            <a:noFill/>
+          </a:ln>
         </p:spPr>
         <p:style>
           <a:lnRef idx="2">
@@ -11443,6 +11446,9 @@
           <a:solidFill>
             <a:srgbClr val="002060"/>
           </a:solidFill>
+          <a:ln>
+            <a:noFill/>
+          </a:ln>
         </p:spPr>
         <p:style>
           <a:lnRef idx="2">
@@ -11540,6 +11546,109 @@
           <a:solidFill>
             <a:srgbClr val="002060"/>
           </a:solidFill>
+          <a:ln>
+            <a:noFill/>
+          </a:ln>
+        </p:spPr>
+        <p:style>
+          <a:lnRef idx="2">
+            <a:schemeClr val="accent6">
+              <a:shade val="50000"/>
+            </a:schemeClr>
+          </a:lnRef>
+          <a:fillRef idx="1">
+            <a:schemeClr val="accent6"/>
+          </a:fillRef>
+          <a:effectRef idx="0">
+            <a:schemeClr val="accent6"/>
+          </a:effectRef>
+          <a:fontRef idx="minor">
+            <a:schemeClr val="lt1"/>
+          </a:fontRef>
+        </p:style>
+        <p:txBody>
+          <a:bodyPr rtlCol="0" anchor="ctr"/>
+          <a:lstStyle/>
+          <a:p>
+            <a:pPr marL="0" marR="0" lvl="0" indent="0" algn="ctr" defTabSz="914400" rtl="0" eaLnBrk="1" fontAlgn="auto" latinLnBrk="0" hangingPunct="1">
+              <a:lnSpc>
+                <a:spcPct val="100000"/>
+              </a:lnSpc>
+              <a:spcBef>
+                <a:spcPts val="0"/>
+              </a:spcBef>
+              <a:spcAft>
+                <a:spcPts val="0"/>
+              </a:spcAft>
+              <a:buClrTx/>
+              <a:buSzTx/>
+              <a:buFontTx/>
+              <a:buNone/>
+              <a:tabLst/>
+              <a:defRPr/>
+            </a:pPr>
+            <a:r>
+              <a:rPr kumimoji="0" lang="nl-NL" sz="1400" b="0" i="0" u="none" strike="noStrike" kern="1200" cap="none" spc="0" normalizeH="0" baseline="0" noProof="0" dirty="0" err="1">
+                <a:ln>
+                  <a:noFill/>
+                </a:ln>
+                <a:solidFill>
+                  <a:prstClr val="white"/>
+                </a:solidFill>
+                <a:effectLst/>
+                <a:uLnTx/>
+                <a:uFillTx/>
+                <a:latin typeface="Calibri" panose="020F0502020204030204"/>
+                <a:ea typeface="+mn-ea"/>
+                <a:cs typeface="+mn-cs"/>
+              </a:rPr>
+              <a:t>VehicleInfo</a:t>
+            </a:r>
+            <a:endParaRPr kumimoji="0" lang="en-US" sz="1400" b="0" i="0" u="none" strike="noStrike" kern="1200" cap="none" spc="0" normalizeH="0" baseline="0" noProof="0" dirty="0">
+              <a:ln>
+                <a:noFill/>
+              </a:ln>
+              <a:solidFill>
+                <a:prstClr val="white"/>
+              </a:solidFill>
+              <a:effectLst/>
+              <a:uLnTx/>
+              <a:uFillTx/>
+              <a:latin typeface="Calibri" panose="020F0502020204030204"/>
+              <a:ea typeface="+mn-ea"/>
+              <a:cs typeface="+mn-cs"/>
+            </a:endParaRPr>
+          </a:p>
+        </p:txBody>
+      </p:sp>
+      <p:sp>
+        <p:nvSpPr>
+          <p:cNvPr id="31" name="Rectangle: Rounded Corners 30">
+            <a:extLst>
+              <a:ext uri="{FF2B5EF4-FFF2-40B4-BE49-F238E27FC236}">
+                <a16:creationId xmlns:a16="http://schemas.microsoft.com/office/drawing/2014/main" id="{8BE3FE1E-9AF8-4982-A76E-71DF12239796}"/>
+              </a:ext>
+            </a:extLst>
+          </p:cNvPr>
+          <p:cNvSpPr/>
+          <p:nvPr/>
+        </p:nvSpPr>
+        <p:spPr>
+          <a:xfrm>
+            <a:off x="7959938" y="3051212"/>
+            <a:ext cx="1251174" cy="332509"/>
+          </a:xfrm>
+          <a:prstGeom prst="roundRect">
+            <a:avLst>
+              <a:gd name="adj" fmla="val 50000"/>
+            </a:avLst>
+          </a:prstGeom>
+          <a:solidFill>
+            <a:srgbClr val="002060"/>
+          </a:solidFill>
+          <a:ln>
+            <a:noFill/>
+          </a:ln>
         </p:spPr>
         <p:style>
           <a:lnRef idx="2">
@@ -11593,104 +11702,7 @@
                 <a:ea typeface="+mn-ea"/>
                 <a:cs typeface="+mn-cs"/>
               </a:rPr>
-              <a:t>RDW</a:t>
-            </a:r>
-            <a:endParaRPr kumimoji="0" lang="en-US" sz="1400" b="0" i="0" u="none" strike="noStrike" kern="1200" cap="none" spc="0" normalizeH="0" baseline="0" noProof="0" dirty="0">
-              <a:ln>
-                <a:noFill/>
-              </a:ln>
-              <a:solidFill>
-                <a:prstClr val="white"/>
-              </a:solidFill>
-              <a:effectLst/>
-              <a:uLnTx/>
-              <a:uFillTx/>
-              <a:latin typeface="Calibri" panose="020F0502020204030204"/>
-              <a:ea typeface="+mn-ea"/>
-              <a:cs typeface="+mn-cs"/>
-            </a:endParaRPr>
-          </a:p>
-        </p:txBody>
-      </p:sp>
-      <p:sp>
-        <p:nvSpPr>
-          <p:cNvPr id="31" name="Rectangle: Rounded Corners 30">
-            <a:extLst>
-              <a:ext uri="{FF2B5EF4-FFF2-40B4-BE49-F238E27FC236}">
-                <a16:creationId xmlns:a16="http://schemas.microsoft.com/office/drawing/2014/main" id="{8BE3FE1E-9AF8-4982-A76E-71DF12239796}"/>
-              </a:ext>
-            </a:extLst>
-          </p:cNvPr>
-          <p:cNvSpPr/>
-          <p:nvPr/>
-        </p:nvSpPr>
-        <p:spPr>
-          <a:xfrm>
-            <a:off x="7959938" y="3051212"/>
-            <a:ext cx="1251174" cy="332509"/>
-          </a:xfrm>
-          <a:prstGeom prst="roundRect">
-            <a:avLst>
-              <a:gd name="adj" fmla="val 50000"/>
-            </a:avLst>
-          </a:prstGeom>
-          <a:solidFill>
-            <a:srgbClr val="002060"/>
-          </a:solidFill>
-        </p:spPr>
-        <p:style>
-          <a:lnRef idx="2">
-            <a:schemeClr val="accent6">
-              <a:shade val="50000"/>
-            </a:schemeClr>
-          </a:lnRef>
-          <a:fillRef idx="1">
-            <a:schemeClr val="accent6"/>
-          </a:fillRef>
-          <a:effectRef idx="0">
-            <a:schemeClr val="accent6"/>
-          </a:effectRef>
-          <a:fontRef idx="minor">
-            <a:schemeClr val="lt1"/>
-          </a:fontRef>
-        </p:style>
-        <p:txBody>
-          <a:bodyPr rtlCol="0" anchor="ctr"/>
-          <a:lstStyle/>
-          <a:p>
-            <a:pPr marL="0" marR="0" lvl="0" indent="0" algn="ctr" defTabSz="914400" rtl="0" eaLnBrk="1" fontAlgn="auto" latinLnBrk="0" hangingPunct="1">
-              <a:lnSpc>
-                <a:spcPct val="100000"/>
-              </a:lnSpc>
-              <a:spcBef>
-                <a:spcPts val="0"/>
-              </a:spcBef>
-              <a:spcAft>
-                <a:spcPts val="0"/>
-              </a:spcAft>
-              <a:buClrTx/>
-              <a:buSzTx/>
-              <a:buFontTx/>
-              <a:buNone/>
-              <a:tabLst/>
-              <a:defRPr/>
-            </a:pPr>
-            <a:r>
-              <a:rPr kumimoji="0" lang="nl-NL" sz="1400" b="0" i="0" u="none" strike="noStrike" kern="1200" cap="none" spc="0" normalizeH="0" baseline="0" noProof="0" dirty="0">
-                <a:ln>
-                  <a:noFill/>
-                </a:ln>
-                <a:solidFill>
-                  <a:prstClr val="white"/>
-                </a:solidFill>
-                <a:effectLst/>
-                <a:uLnTx/>
-                <a:uFillTx/>
-                <a:latin typeface="Calibri" panose="020F0502020204030204"/>
-                <a:ea typeface="+mn-ea"/>
-                <a:cs typeface="+mn-cs"/>
-              </a:rPr>
-              <a:t>CJIB</a:t>
+              <a:t>Collection</a:t>
             </a:r>
             <a:endParaRPr kumimoji="0" lang="en-US" sz="1400" b="0" i="0" u="none" strike="noStrike" kern="1200" cap="none" spc="0" normalizeH="0" baseline="0" noProof="0" dirty="0">
               <a:ln>
@@ -12617,7 +12629,7 @@
               <a:defRPr/>
             </a:pPr>
             <a:r>
-              <a:rPr kumimoji="0" lang="nl-NL" sz="1100" b="0" i="0" u="none" strike="noStrike" kern="0" cap="none" spc="0" normalizeH="0" baseline="0" noProof="0" dirty="0">
+              <a:rPr kumimoji="0" lang="nl-NL" sz="1100" b="0" i="0" u="none" strike="noStrike" kern="0" cap="none" spc="0" normalizeH="0" baseline="0" noProof="0" dirty="0" err="1">
                 <a:ln>
                   <a:noFill/>
                 </a:ln>
@@ -12628,7 +12640,7 @@
                 <a:uLnTx/>
                 <a:uFillTx/>
               </a:rPr>
-              <a:t>RDW</a:t>
+              <a:t>VehicleInfo</a:t>
             </a:r>
             <a:endParaRPr kumimoji="0" lang="en-US" sz="1100" b="0" i="0" u="none" strike="noStrike" kern="0" cap="none" spc="0" normalizeH="0" baseline="0" noProof="0" dirty="0">
               <a:ln>
@@ -12709,7 +12721,7 @@
                 <a:uLnTx/>
                 <a:uFillTx/>
               </a:rPr>
-              <a:t>CJIB</a:t>
+              <a:t>Collection</a:t>
             </a:r>
             <a:endParaRPr kumimoji="0" lang="en-US" sz="1100" b="0" i="0" u="none" strike="noStrike" kern="0" cap="none" spc="0" normalizeH="0" baseline="0" noProof="0" dirty="0">
               <a:ln>
@@ -13759,42 +13771,6 @@
           </p:spPr>
         </p:pic>
       </p:grpSp>
-      <p:cxnSp>
-        <p:nvCxnSpPr>
-          <p:cNvPr id="37" name="Connector: Elbow 36">
-            <a:extLst>
-              <a:ext uri="{FF2B5EF4-FFF2-40B4-BE49-F238E27FC236}">
-                <a16:creationId xmlns:a16="http://schemas.microsoft.com/office/drawing/2014/main" id="{080F7CB8-C32E-455D-A609-5A6DFE78FC7A}"/>
-              </a:ext>
-            </a:extLst>
-          </p:cNvPr>
-          <p:cNvCxnSpPr>
-            <a:cxnSpLocks/>
-            <a:stCxn id="46" idx="0"/>
-            <a:endCxn id="35" idx="1"/>
-          </p:cNvCxnSpPr>
-          <p:nvPr/>
-        </p:nvCxnSpPr>
-        <p:spPr>
-          <a:xfrm rot="5400000" flipH="1" flipV="1">
-            <a:off x="4867003" y="2895845"/>
-            <a:ext cx="473759" cy="1117282"/>
-          </a:xfrm>
-          <a:prstGeom prst="bentConnector2">
-            <a:avLst/>
-          </a:prstGeom>
-          <a:noFill/>
-          <a:ln w="12700" cap="flat" cmpd="sng" algn="ctr">
-            <a:solidFill>
-              <a:sysClr val="windowText" lastClr="000000"/>
-            </a:solidFill>
-            <a:prstDash val="sysDot"/>
-            <a:miter lim="800000"/>
-            <a:tailEnd type="triangle"/>
-          </a:ln>
-          <a:effectLst/>
-        </p:spPr>
-      </p:cxnSp>
       <p:sp>
         <p:nvSpPr>
           <p:cNvPr id="38" name="Oval 37">
@@ -14343,85 +14319,6 @@
       </p:sp>
       <p:sp>
         <p:nvSpPr>
-          <p:cNvPr id="45" name="Oval 44">
-            <a:extLst>
-              <a:ext uri="{FF2B5EF4-FFF2-40B4-BE49-F238E27FC236}">
-                <a16:creationId xmlns:a16="http://schemas.microsoft.com/office/drawing/2014/main" id="{22521597-931C-44B2-BF3E-169D46130330}"/>
-              </a:ext>
-            </a:extLst>
-          </p:cNvPr>
-          <p:cNvSpPr/>
-          <p:nvPr/>
-        </p:nvSpPr>
-        <p:spPr>
-          <a:xfrm>
-            <a:off x="5061100" y="3129727"/>
-            <a:ext cx="173366" cy="173366"/>
-          </a:xfrm>
-          <a:prstGeom prst="ellipse">
-            <a:avLst/>
-          </a:prstGeom>
-          <a:solidFill>
-            <a:sysClr val="windowText" lastClr="000000"/>
-          </a:solidFill>
-          <a:ln w="12700" cap="flat" cmpd="sng" algn="ctr">
-            <a:noFill/>
-            <a:prstDash val="solid"/>
-            <a:miter lim="800000"/>
-          </a:ln>
-          <a:effectLst/>
-        </p:spPr>
-        <p:txBody>
-          <a:bodyPr rtlCol="0" anchor="ctr"/>
-          <a:lstStyle/>
-          <a:p>
-            <a:pPr marL="0" marR="0" lvl="0" indent="0" algn="ctr" defTabSz="914400" eaLnBrk="1" fontAlgn="auto" latinLnBrk="0" hangingPunct="1">
-              <a:lnSpc>
-                <a:spcPct val="100000"/>
-              </a:lnSpc>
-              <a:spcBef>
-                <a:spcPts val="0"/>
-              </a:spcBef>
-              <a:spcAft>
-                <a:spcPts val="0"/>
-              </a:spcAft>
-              <a:buClrTx/>
-              <a:buSzTx/>
-              <a:buFontTx/>
-              <a:buNone/>
-              <a:tabLst/>
-              <a:defRPr/>
-            </a:pPr>
-            <a:r>
-              <a:rPr kumimoji="0" lang="nl-NL" sz="1050" b="0" i="0" u="none" strike="noStrike" kern="0" cap="none" spc="0" normalizeH="0" baseline="0" noProof="0">
-                <a:ln>
-                  <a:noFill/>
-                </a:ln>
-                <a:solidFill>
-                  <a:prstClr val="white"/>
-                </a:solidFill>
-                <a:effectLst/>
-                <a:uLnTx/>
-                <a:uFillTx/>
-              </a:rPr>
-              <a:t>1</a:t>
-            </a:r>
-            <a:endParaRPr kumimoji="0" lang="en-US" sz="1050" b="0" i="0" u="none" strike="noStrike" kern="0" cap="none" spc="0" normalizeH="0" baseline="0" noProof="0">
-              <a:ln>
-                <a:noFill/>
-              </a:ln>
-              <a:solidFill>
-                <a:prstClr val="white"/>
-              </a:solidFill>
-              <a:effectLst/>
-              <a:uLnTx/>
-              <a:uFillTx/>
-            </a:endParaRPr>
-          </a:p>
-        </p:txBody>
-      </p:sp>
-      <p:sp>
-        <p:nvSpPr>
           <p:cNvPr id="46" name="Rectangle 45">
             <a:extLst>
               <a:ext uri="{FF2B5EF4-FFF2-40B4-BE49-F238E27FC236}">
@@ -14542,121 +14439,6 @@
           </a:prstGeom>
         </p:spPr>
       </p:pic>
-      <p:cxnSp>
-        <p:nvCxnSpPr>
-          <p:cNvPr id="48" name="Connector: Elbow 47">
-            <a:extLst>
-              <a:ext uri="{FF2B5EF4-FFF2-40B4-BE49-F238E27FC236}">
-                <a16:creationId xmlns:a16="http://schemas.microsoft.com/office/drawing/2014/main" id="{5C968A26-6F72-4865-BAB5-5D9E71D54965}"/>
-              </a:ext>
-            </a:extLst>
-          </p:cNvPr>
-          <p:cNvCxnSpPr>
-            <a:cxnSpLocks/>
-            <a:stCxn id="35" idx="3"/>
-            <a:endCxn id="21" idx="0"/>
-          </p:cNvCxnSpPr>
-          <p:nvPr/>
-        </p:nvCxnSpPr>
-        <p:spPr>
-          <a:xfrm>
-            <a:off x="6356108" y="3217606"/>
-            <a:ext cx="1130163" cy="473759"/>
-          </a:xfrm>
-          <a:prstGeom prst="bentConnector2">
-            <a:avLst/>
-          </a:prstGeom>
-          <a:noFill/>
-          <a:ln w="12700" cap="flat" cmpd="sng" algn="ctr">
-            <a:solidFill>
-              <a:sysClr val="windowText" lastClr="000000"/>
-            </a:solidFill>
-            <a:prstDash val="sysDot"/>
-            <a:miter lim="800000"/>
-            <a:tailEnd type="triangle"/>
-          </a:ln>
-          <a:effectLst/>
-        </p:spPr>
-      </p:cxnSp>
-      <p:sp>
-        <p:nvSpPr>
-          <p:cNvPr id="49" name="Oval 48">
-            <a:extLst>
-              <a:ext uri="{FF2B5EF4-FFF2-40B4-BE49-F238E27FC236}">
-                <a16:creationId xmlns:a16="http://schemas.microsoft.com/office/drawing/2014/main" id="{22843193-00C4-4B13-9596-B9B3B4DFC6CD}"/>
-              </a:ext>
-            </a:extLst>
-          </p:cNvPr>
-          <p:cNvSpPr/>
-          <p:nvPr/>
-        </p:nvSpPr>
-        <p:spPr>
-          <a:xfrm>
-            <a:off x="6701574" y="3129727"/>
-            <a:ext cx="173366" cy="173366"/>
-          </a:xfrm>
-          <a:prstGeom prst="ellipse">
-            <a:avLst/>
-          </a:prstGeom>
-          <a:solidFill>
-            <a:sysClr val="windowText" lastClr="000000"/>
-          </a:solidFill>
-          <a:ln w="12700" cap="flat" cmpd="sng" algn="ctr">
-            <a:noFill/>
-            <a:prstDash val="solid"/>
-            <a:miter lim="800000"/>
-          </a:ln>
-          <a:effectLst/>
-        </p:spPr>
-        <p:txBody>
-          <a:bodyPr rtlCol="0" anchor="ctr"/>
-          <a:lstStyle/>
-          <a:p>
-            <a:pPr marL="0" marR="0" lvl="0" indent="0" algn="ctr" defTabSz="914400" eaLnBrk="1" fontAlgn="auto" latinLnBrk="0" hangingPunct="1">
-              <a:lnSpc>
-                <a:spcPct val="100000"/>
-              </a:lnSpc>
-              <a:spcBef>
-                <a:spcPts val="0"/>
-              </a:spcBef>
-              <a:spcAft>
-                <a:spcPts val="0"/>
-              </a:spcAft>
-              <a:buClrTx/>
-              <a:buSzTx/>
-              <a:buFontTx/>
-              <a:buNone/>
-              <a:tabLst/>
-              <a:defRPr/>
-            </a:pPr>
-            <a:r>
-              <a:rPr kumimoji="0" lang="nl-NL" sz="1050" b="0" i="0" u="none" strike="noStrike" kern="0" cap="none" spc="0" normalizeH="0" baseline="0" noProof="0">
-                <a:ln>
-                  <a:noFill/>
-                </a:ln>
-                <a:solidFill>
-                  <a:prstClr val="white"/>
-                </a:solidFill>
-                <a:effectLst/>
-                <a:uLnTx/>
-                <a:uFillTx/>
-              </a:rPr>
-              <a:t>1</a:t>
-            </a:r>
-            <a:endParaRPr kumimoji="0" lang="en-US" sz="1050" b="0" i="0" u="none" strike="noStrike" kern="0" cap="none" spc="0" normalizeH="0" baseline="0" noProof="0">
-              <a:ln>
-                <a:noFill/>
-              </a:ln>
-              <a:solidFill>
-                <a:prstClr val="white"/>
-              </a:solidFill>
-              <a:effectLst/>
-              <a:uLnTx/>
-              <a:uFillTx/>
-            </a:endParaRPr>
-          </a:p>
-        </p:txBody>
-      </p:sp>
       <p:cxnSp>
         <p:nvCxnSpPr>
           <p:cNvPr id="50" name="Connector: Elbow 49">
@@ -16824,164 +16606,6 @@
                       </p:childTnLst>
                     </p:cTn>
                   </p:par>
-                  <p:par>
-                    <p:cTn id="144" fill="hold">
-                      <p:stCondLst>
-                        <p:cond delay="indefinite"/>
-                      </p:stCondLst>
-                      <p:childTnLst>
-                        <p:par>
-                          <p:cTn id="145" fill="hold">
-                            <p:stCondLst>
-                              <p:cond delay="0"/>
-                            </p:stCondLst>
-                            <p:childTnLst>
-                              <p:par>
-                                <p:cTn id="146" presetID="10" presetClass="entr" presetSubtype="0" fill="hold" nodeType="clickEffect">
-                                  <p:stCondLst>
-                                    <p:cond delay="0"/>
-                                  </p:stCondLst>
-                                  <p:childTnLst>
-                                    <p:set>
-                                      <p:cBhvr>
-                                        <p:cTn id="147" dur="1" fill="hold">
-                                          <p:stCondLst>
-                                            <p:cond delay="0"/>
-                                          </p:stCondLst>
-                                        </p:cTn>
-                                        <p:tgtEl>
-                                          <p:spTgt spid="37"/>
-                                        </p:tgtEl>
-                                        <p:attrNameLst>
-                                          <p:attrName>style.visibility</p:attrName>
-                                        </p:attrNameLst>
-                                      </p:cBhvr>
-                                      <p:to>
-                                        <p:strVal val="visible"/>
-                                      </p:to>
-                                    </p:set>
-                                    <p:animEffect transition="in" filter="fade">
-                                      <p:cBhvr>
-                                        <p:cTn id="148" dur="500"/>
-                                        <p:tgtEl>
-                                          <p:spTgt spid="37"/>
-                                        </p:tgtEl>
-                                      </p:cBhvr>
-                                    </p:animEffect>
-                                  </p:childTnLst>
-                                </p:cTn>
-                              </p:par>
-                              <p:par>
-                                <p:cTn id="149" presetID="10" presetClass="entr" presetSubtype="0" fill="hold" grpId="0" nodeType="withEffect">
-                                  <p:stCondLst>
-                                    <p:cond delay="0"/>
-                                  </p:stCondLst>
-                                  <p:childTnLst>
-                                    <p:set>
-                                      <p:cBhvr>
-                                        <p:cTn id="150" dur="1" fill="hold">
-                                          <p:stCondLst>
-                                            <p:cond delay="0"/>
-                                          </p:stCondLst>
-                                        </p:cTn>
-                                        <p:tgtEl>
-                                          <p:spTgt spid="45"/>
-                                        </p:tgtEl>
-                                        <p:attrNameLst>
-                                          <p:attrName>style.visibility</p:attrName>
-                                        </p:attrNameLst>
-                                      </p:cBhvr>
-                                      <p:to>
-                                        <p:strVal val="visible"/>
-                                      </p:to>
-                                    </p:set>
-                                    <p:animEffect transition="in" filter="fade">
-                                      <p:cBhvr>
-                                        <p:cTn id="151" dur="500"/>
-                                        <p:tgtEl>
-                                          <p:spTgt spid="45"/>
-                                        </p:tgtEl>
-                                      </p:cBhvr>
-                                    </p:animEffect>
-                                  </p:childTnLst>
-                                </p:cTn>
-                              </p:par>
-                              <p:par>
-                                <p:cTn id="152" presetID="10" presetClass="entr" presetSubtype="0" fill="hold" nodeType="withEffect">
-                                  <p:stCondLst>
-                                    <p:cond delay="0"/>
-                                  </p:stCondLst>
-                                  <p:childTnLst>
-                                    <p:set>
-                                      <p:cBhvr>
-                                        <p:cTn id="153" dur="1" fill="hold">
-                                          <p:stCondLst>
-                                            <p:cond delay="0"/>
-                                          </p:stCondLst>
-                                        </p:cTn>
-                                        <p:tgtEl>
-                                          <p:spTgt spid="48"/>
-                                        </p:tgtEl>
-                                        <p:attrNameLst>
-                                          <p:attrName>style.visibility</p:attrName>
-                                        </p:attrNameLst>
-                                      </p:cBhvr>
-                                      <p:to>
-                                        <p:strVal val="visible"/>
-                                      </p:to>
-                                    </p:set>
-                                    <p:animEffect transition="in" filter="fade">
-                                      <p:cBhvr>
-                                        <p:cTn id="154" dur="500"/>
-                                        <p:tgtEl>
-                                          <p:spTgt spid="48"/>
-                                        </p:tgtEl>
-                                      </p:cBhvr>
-                                    </p:animEffect>
-                                  </p:childTnLst>
-                                </p:cTn>
-                              </p:par>
-                              <p:par>
-                                <p:cTn id="155" presetID="10" presetClass="entr" presetSubtype="0" fill="hold" grpId="0" nodeType="withEffect">
-                                  <p:stCondLst>
-                                    <p:cond delay="0"/>
-                                  </p:stCondLst>
-                                  <p:childTnLst>
-                                    <p:set>
-                                      <p:cBhvr>
-                                        <p:cTn id="156" dur="1" fill="hold">
-                                          <p:stCondLst>
-                                            <p:cond delay="0"/>
-                                          </p:stCondLst>
-                                        </p:cTn>
-                                        <p:tgtEl>
-                                          <p:spTgt spid="49"/>
-                                        </p:tgtEl>
-                                        <p:attrNameLst>
-                                          <p:attrName>style.visibility</p:attrName>
-                                        </p:attrNameLst>
-                                      </p:cBhvr>
-                                      <p:to>
-                                        <p:strVal val="visible"/>
-                                      </p:to>
-                                    </p:set>
-                                    <p:animEffect transition="in" filter="fade">
-                                      <p:cBhvr>
-                                        <p:cTn id="157" dur="500"/>
-                                        <p:tgtEl>
-                                          <p:spTgt spid="49"/>
-                                        </p:tgtEl>
-                                      </p:cBhvr>
-                                    </p:animEffect>
-                                  </p:childTnLst>
-                                </p:cTn>
-                              </p:par>
-                            </p:childTnLst>
-                          </p:cTn>
-                        </p:par>
-                      </p:childTnLst>
-                    </p:cTn>
-                  </p:par>
                 </p:childTnLst>
               </p:cTn>
               <p:prevCondLst>
@@ -17026,9 +16650,7 @@
       <p:bldP spid="41" grpId="0"/>
       <p:bldP spid="43" grpId="0" animBg="1"/>
       <p:bldP spid="44" grpId="0" animBg="1"/>
-      <p:bldP spid="45" grpId="0" animBg="1"/>
       <p:bldP spid="46" grpId="0" animBg="1"/>
-      <p:bldP spid="49" grpId="0" animBg="1"/>
       <p:bldP spid="51" grpId="0" animBg="1"/>
       <p:bldP spid="52" grpId="0" animBg="1"/>
     </p:bldLst>
@@ -18123,7 +17745,7 @@
               <a:defRPr/>
             </a:pPr>
             <a:r>
-              <a:rPr kumimoji="0" lang="nl-NL" sz="1100" b="0" i="0" u="none" strike="noStrike" kern="0" cap="none" spc="0" normalizeH="0" baseline="0" noProof="0" dirty="0">
+              <a:rPr kumimoji="0" lang="nl-NL" sz="1100" b="0" i="0" u="none" strike="noStrike" kern="0" cap="none" spc="0" normalizeH="0" baseline="0" noProof="0" dirty="0" err="1">
                 <a:ln>
                   <a:noFill/>
                 </a:ln>
@@ -18134,7 +17756,7 @@
                 <a:uLnTx/>
                 <a:uFillTx/>
               </a:rPr>
-              <a:t>RDW</a:t>
+              <a:t>VehicleInfo</a:t>
             </a:r>
             <a:endParaRPr kumimoji="0" lang="en-US" sz="1100" b="0" i="0" u="none" strike="noStrike" kern="0" cap="none" spc="0" normalizeH="0" baseline="0" noProof="0" dirty="0">
               <a:ln>
@@ -18215,7 +17837,7 @@
                 <a:uLnTx/>
                 <a:uFillTx/>
               </a:rPr>
-              <a:t>CJIB</a:t>
+              <a:t>Collection</a:t>
             </a:r>
             <a:endParaRPr kumimoji="0" lang="en-US" sz="1100" b="0" i="0" u="none" strike="noStrike" kern="0" cap="none" spc="0" normalizeH="0" baseline="0" noProof="0" dirty="0">
               <a:ln>
@@ -19265,42 +18887,6 @@
           </p:spPr>
         </p:pic>
       </p:grpSp>
-      <p:cxnSp>
-        <p:nvCxnSpPr>
-          <p:cNvPr id="37" name="Connector: Elbow 36">
-            <a:extLst>
-              <a:ext uri="{FF2B5EF4-FFF2-40B4-BE49-F238E27FC236}">
-                <a16:creationId xmlns:a16="http://schemas.microsoft.com/office/drawing/2014/main" id="{080F7CB8-C32E-455D-A609-5A6DFE78FC7A}"/>
-              </a:ext>
-            </a:extLst>
-          </p:cNvPr>
-          <p:cNvCxnSpPr>
-            <a:cxnSpLocks/>
-            <a:stCxn id="46" idx="0"/>
-            <a:endCxn id="35" idx="1"/>
-          </p:cNvCxnSpPr>
-          <p:nvPr/>
-        </p:nvCxnSpPr>
-        <p:spPr>
-          <a:xfrm rot="5400000" flipH="1" flipV="1">
-            <a:off x="4867003" y="2895845"/>
-            <a:ext cx="473759" cy="1117282"/>
-          </a:xfrm>
-          <a:prstGeom prst="bentConnector2">
-            <a:avLst/>
-          </a:prstGeom>
-          <a:noFill/>
-          <a:ln w="12700" cap="flat" cmpd="sng" algn="ctr">
-            <a:solidFill>
-              <a:sysClr val="windowText" lastClr="000000"/>
-            </a:solidFill>
-            <a:prstDash val="sysDot"/>
-            <a:miter lim="800000"/>
-            <a:tailEnd type="triangle"/>
-          </a:ln>
-          <a:effectLst/>
-        </p:spPr>
-      </p:cxnSp>
       <p:sp>
         <p:nvSpPr>
           <p:cNvPr id="38" name="Oval 37">
@@ -19849,85 +19435,6 @@
       </p:sp>
       <p:sp>
         <p:nvSpPr>
-          <p:cNvPr id="45" name="Oval 44">
-            <a:extLst>
-              <a:ext uri="{FF2B5EF4-FFF2-40B4-BE49-F238E27FC236}">
-                <a16:creationId xmlns:a16="http://schemas.microsoft.com/office/drawing/2014/main" id="{22521597-931C-44B2-BF3E-169D46130330}"/>
-              </a:ext>
-            </a:extLst>
-          </p:cNvPr>
-          <p:cNvSpPr/>
-          <p:nvPr/>
-        </p:nvSpPr>
-        <p:spPr>
-          <a:xfrm>
-            <a:off x="5061100" y="3129727"/>
-            <a:ext cx="173366" cy="173366"/>
-          </a:xfrm>
-          <a:prstGeom prst="ellipse">
-            <a:avLst/>
-          </a:prstGeom>
-          <a:solidFill>
-            <a:sysClr val="windowText" lastClr="000000"/>
-          </a:solidFill>
-          <a:ln w="12700" cap="flat" cmpd="sng" algn="ctr">
-            <a:noFill/>
-            <a:prstDash val="solid"/>
-            <a:miter lim="800000"/>
-          </a:ln>
-          <a:effectLst/>
-        </p:spPr>
-        <p:txBody>
-          <a:bodyPr rtlCol="0" anchor="ctr"/>
-          <a:lstStyle/>
-          <a:p>
-            <a:pPr marL="0" marR="0" lvl="0" indent="0" algn="ctr" defTabSz="914400" eaLnBrk="1" fontAlgn="auto" latinLnBrk="0" hangingPunct="1">
-              <a:lnSpc>
-                <a:spcPct val="100000"/>
-              </a:lnSpc>
-              <a:spcBef>
-                <a:spcPts val="0"/>
-              </a:spcBef>
-              <a:spcAft>
-                <a:spcPts val="0"/>
-              </a:spcAft>
-              <a:buClrTx/>
-              <a:buSzTx/>
-              <a:buFontTx/>
-              <a:buNone/>
-              <a:tabLst/>
-              <a:defRPr/>
-            </a:pPr>
-            <a:r>
-              <a:rPr kumimoji="0" lang="nl-NL" sz="1050" b="0" i="0" u="none" strike="noStrike" kern="0" cap="none" spc="0" normalizeH="0" baseline="0" noProof="0">
-                <a:ln>
-                  <a:noFill/>
-                </a:ln>
-                <a:solidFill>
-                  <a:prstClr val="white"/>
-                </a:solidFill>
-                <a:effectLst/>
-                <a:uLnTx/>
-                <a:uFillTx/>
-              </a:rPr>
-              <a:t>1</a:t>
-            </a:r>
-            <a:endParaRPr kumimoji="0" lang="en-US" sz="1050" b="0" i="0" u="none" strike="noStrike" kern="0" cap="none" spc="0" normalizeH="0" baseline="0" noProof="0">
-              <a:ln>
-                <a:noFill/>
-              </a:ln>
-              <a:solidFill>
-                <a:prstClr val="white"/>
-              </a:solidFill>
-              <a:effectLst/>
-              <a:uLnTx/>
-              <a:uFillTx/>
-            </a:endParaRPr>
-          </a:p>
-        </p:txBody>
-      </p:sp>
-      <p:sp>
-        <p:nvSpPr>
           <p:cNvPr id="46" name="Rectangle 45">
             <a:extLst>
               <a:ext uri="{FF2B5EF4-FFF2-40B4-BE49-F238E27FC236}">
@@ -20048,121 +19555,6 @@
           </a:prstGeom>
         </p:spPr>
       </p:pic>
-      <p:cxnSp>
-        <p:nvCxnSpPr>
-          <p:cNvPr id="48" name="Connector: Elbow 47">
-            <a:extLst>
-              <a:ext uri="{FF2B5EF4-FFF2-40B4-BE49-F238E27FC236}">
-                <a16:creationId xmlns:a16="http://schemas.microsoft.com/office/drawing/2014/main" id="{5C968A26-6F72-4865-BAB5-5D9E71D54965}"/>
-              </a:ext>
-            </a:extLst>
-          </p:cNvPr>
-          <p:cNvCxnSpPr>
-            <a:cxnSpLocks/>
-            <a:stCxn id="35" idx="3"/>
-            <a:endCxn id="21" idx="0"/>
-          </p:cNvCxnSpPr>
-          <p:nvPr/>
-        </p:nvCxnSpPr>
-        <p:spPr>
-          <a:xfrm>
-            <a:off x="6356108" y="3217606"/>
-            <a:ext cx="1130163" cy="473759"/>
-          </a:xfrm>
-          <a:prstGeom prst="bentConnector2">
-            <a:avLst/>
-          </a:prstGeom>
-          <a:noFill/>
-          <a:ln w="12700" cap="flat" cmpd="sng" algn="ctr">
-            <a:solidFill>
-              <a:sysClr val="windowText" lastClr="000000"/>
-            </a:solidFill>
-            <a:prstDash val="sysDot"/>
-            <a:miter lim="800000"/>
-            <a:tailEnd type="triangle"/>
-          </a:ln>
-          <a:effectLst/>
-        </p:spPr>
-      </p:cxnSp>
-      <p:sp>
-        <p:nvSpPr>
-          <p:cNvPr id="49" name="Oval 48">
-            <a:extLst>
-              <a:ext uri="{FF2B5EF4-FFF2-40B4-BE49-F238E27FC236}">
-                <a16:creationId xmlns:a16="http://schemas.microsoft.com/office/drawing/2014/main" id="{22843193-00C4-4B13-9596-B9B3B4DFC6CD}"/>
-              </a:ext>
-            </a:extLst>
-          </p:cNvPr>
-          <p:cNvSpPr/>
-          <p:nvPr/>
-        </p:nvSpPr>
-        <p:spPr>
-          <a:xfrm>
-            <a:off x="6701574" y="3129727"/>
-            <a:ext cx="173366" cy="173366"/>
-          </a:xfrm>
-          <a:prstGeom prst="ellipse">
-            <a:avLst/>
-          </a:prstGeom>
-          <a:solidFill>
-            <a:sysClr val="windowText" lastClr="000000"/>
-          </a:solidFill>
-          <a:ln w="12700" cap="flat" cmpd="sng" algn="ctr">
-            <a:noFill/>
-            <a:prstDash val="solid"/>
-            <a:miter lim="800000"/>
-          </a:ln>
-          <a:effectLst/>
-        </p:spPr>
-        <p:txBody>
-          <a:bodyPr rtlCol="0" anchor="ctr"/>
-          <a:lstStyle/>
-          <a:p>
-            <a:pPr marL="0" marR="0" lvl="0" indent="0" algn="ctr" defTabSz="914400" eaLnBrk="1" fontAlgn="auto" latinLnBrk="0" hangingPunct="1">
-              <a:lnSpc>
-                <a:spcPct val="100000"/>
-              </a:lnSpc>
-              <a:spcBef>
-                <a:spcPts val="0"/>
-              </a:spcBef>
-              <a:spcAft>
-                <a:spcPts val="0"/>
-              </a:spcAft>
-              <a:buClrTx/>
-              <a:buSzTx/>
-              <a:buFontTx/>
-              <a:buNone/>
-              <a:tabLst/>
-              <a:defRPr/>
-            </a:pPr>
-            <a:r>
-              <a:rPr kumimoji="0" lang="nl-NL" sz="1050" b="0" i="0" u="none" strike="noStrike" kern="0" cap="none" spc="0" normalizeH="0" baseline="0" noProof="0">
-                <a:ln>
-                  <a:noFill/>
-                </a:ln>
-                <a:solidFill>
-                  <a:prstClr val="white"/>
-                </a:solidFill>
-                <a:effectLst/>
-                <a:uLnTx/>
-                <a:uFillTx/>
-              </a:rPr>
-              <a:t>1</a:t>
-            </a:r>
-            <a:endParaRPr kumimoji="0" lang="en-US" sz="1050" b="0" i="0" u="none" strike="noStrike" kern="0" cap="none" spc="0" normalizeH="0" baseline="0" noProof="0">
-              <a:ln>
-                <a:noFill/>
-              </a:ln>
-              <a:solidFill>
-                <a:prstClr val="white"/>
-              </a:solidFill>
-              <a:effectLst/>
-              <a:uLnTx/>
-              <a:uFillTx/>
-            </a:endParaRPr>
-          </a:p>
-        </p:txBody>
-      </p:sp>
       <p:cxnSp>
         <p:nvCxnSpPr>
           <p:cNvPr id="50" name="Connector: Elbow 49">
@@ -22464,7 +21856,7 @@
                                           </p:stCondLst>
                                         </p:cTn>
                                         <p:tgtEl>
-                                          <p:spTgt spid="37"/>
+                                          <p:spTgt spid="53"/>
                                         </p:tgtEl>
                                         <p:attrNameLst>
                                           <p:attrName>style.visibility</p:attrName>
@@ -22478,164 +21870,6 @@
                                       <p:cBhvr>
                                         <p:cTn id="148" dur="500"/>
                                         <p:tgtEl>
-                                          <p:spTgt spid="37"/>
-                                        </p:tgtEl>
-                                      </p:cBhvr>
-                                    </p:animEffect>
-                                  </p:childTnLst>
-                                </p:cTn>
-                              </p:par>
-                              <p:par>
-                                <p:cTn id="149" presetID="10" presetClass="entr" presetSubtype="0" fill="hold" grpId="0" nodeType="withEffect">
-                                  <p:stCondLst>
-                                    <p:cond delay="0"/>
-                                  </p:stCondLst>
-                                  <p:childTnLst>
-                                    <p:set>
-                                      <p:cBhvr>
-                                        <p:cTn id="150" dur="1" fill="hold">
-                                          <p:stCondLst>
-                                            <p:cond delay="0"/>
-                                          </p:stCondLst>
-                                        </p:cTn>
-                                        <p:tgtEl>
-                                          <p:spTgt spid="45"/>
-                                        </p:tgtEl>
-                                        <p:attrNameLst>
-                                          <p:attrName>style.visibility</p:attrName>
-                                        </p:attrNameLst>
-                                      </p:cBhvr>
-                                      <p:to>
-                                        <p:strVal val="visible"/>
-                                      </p:to>
-                                    </p:set>
-                                    <p:animEffect transition="in" filter="fade">
-                                      <p:cBhvr>
-                                        <p:cTn id="151" dur="500"/>
-                                        <p:tgtEl>
-                                          <p:spTgt spid="45"/>
-                                        </p:tgtEl>
-                                      </p:cBhvr>
-                                    </p:animEffect>
-                                  </p:childTnLst>
-                                </p:cTn>
-                              </p:par>
-                              <p:par>
-                                <p:cTn id="152" presetID="10" presetClass="entr" presetSubtype="0" fill="hold" nodeType="withEffect">
-                                  <p:stCondLst>
-                                    <p:cond delay="0"/>
-                                  </p:stCondLst>
-                                  <p:childTnLst>
-                                    <p:set>
-                                      <p:cBhvr>
-                                        <p:cTn id="153" dur="1" fill="hold">
-                                          <p:stCondLst>
-                                            <p:cond delay="0"/>
-                                          </p:stCondLst>
-                                        </p:cTn>
-                                        <p:tgtEl>
-                                          <p:spTgt spid="48"/>
-                                        </p:tgtEl>
-                                        <p:attrNameLst>
-                                          <p:attrName>style.visibility</p:attrName>
-                                        </p:attrNameLst>
-                                      </p:cBhvr>
-                                      <p:to>
-                                        <p:strVal val="visible"/>
-                                      </p:to>
-                                    </p:set>
-                                    <p:animEffect transition="in" filter="fade">
-                                      <p:cBhvr>
-                                        <p:cTn id="154" dur="500"/>
-                                        <p:tgtEl>
-                                          <p:spTgt spid="48"/>
-                                        </p:tgtEl>
-                                      </p:cBhvr>
-                                    </p:animEffect>
-                                  </p:childTnLst>
-                                </p:cTn>
-                              </p:par>
-                              <p:par>
-                                <p:cTn id="155" presetID="10" presetClass="entr" presetSubtype="0" fill="hold" grpId="0" nodeType="withEffect">
-                                  <p:stCondLst>
-                                    <p:cond delay="0"/>
-                                  </p:stCondLst>
-                                  <p:childTnLst>
-                                    <p:set>
-                                      <p:cBhvr>
-                                        <p:cTn id="156" dur="1" fill="hold">
-                                          <p:stCondLst>
-                                            <p:cond delay="0"/>
-                                          </p:stCondLst>
-                                        </p:cTn>
-                                        <p:tgtEl>
-                                          <p:spTgt spid="49"/>
-                                        </p:tgtEl>
-                                        <p:attrNameLst>
-                                          <p:attrName>style.visibility</p:attrName>
-                                        </p:attrNameLst>
-                                      </p:cBhvr>
-                                      <p:to>
-                                        <p:strVal val="visible"/>
-                                      </p:to>
-                                    </p:set>
-                                    <p:animEffect transition="in" filter="fade">
-                                      <p:cBhvr>
-                                        <p:cTn id="157" dur="500"/>
-                                        <p:tgtEl>
-                                          <p:spTgt spid="49"/>
-                                        </p:tgtEl>
-                                      </p:cBhvr>
-                                    </p:animEffect>
-                                  </p:childTnLst>
-                                </p:cTn>
-                              </p:par>
-                            </p:childTnLst>
-                          </p:cTn>
-                        </p:par>
-                      </p:childTnLst>
-                    </p:cTn>
-                  </p:par>
-                  <p:par>
-                    <p:cTn id="158" fill="hold">
-                      <p:stCondLst>
-                        <p:cond delay="indefinite"/>
-                      </p:stCondLst>
-                      <p:childTnLst>
-                        <p:par>
-                          <p:cTn id="159" fill="hold">
-                            <p:stCondLst>
-                              <p:cond delay="0"/>
-                            </p:stCondLst>
-                            <p:childTnLst>
-                              <p:par>
-                                <p:cTn id="160" presetID="10" presetClass="entr" presetSubtype="0" fill="hold" nodeType="clickEffect">
-                                  <p:stCondLst>
-                                    <p:cond delay="0"/>
-                                  </p:stCondLst>
-                                  <p:childTnLst>
-                                    <p:set>
-                                      <p:cBhvr>
-                                        <p:cTn id="161" dur="1" fill="hold">
-                                          <p:stCondLst>
-                                            <p:cond delay="0"/>
-                                          </p:stCondLst>
-                                        </p:cTn>
-                                        <p:tgtEl>
-                                          <p:spTgt spid="53"/>
-                                        </p:tgtEl>
-                                        <p:attrNameLst>
-                                          <p:attrName>style.visibility</p:attrName>
-                                        </p:attrNameLst>
-                                      </p:cBhvr>
-                                      <p:to>
-                                        <p:strVal val="visible"/>
-                                      </p:to>
-                                    </p:set>
-                                    <p:animEffect transition="in" filter="fade">
-                                      <p:cBhvr>
-                                        <p:cTn id="162" dur="500"/>
-                                        <p:tgtEl>
                                           <p:spTgt spid="53"/>
                                         </p:tgtEl>
                                       </p:cBhvr>
@@ -22644,14 +21878,14 @@
                                 </p:cTn>
                               </p:par>
                               <p:par>
-                                <p:cTn id="163" presetID="10" presetClass="entr" presetSubtype="0" fill="hold" nodeType="withEffect">
+                                <p:cTn id="149" presetID="10" presetClass="entr" presetSubtype="0" fill="hold" nodeType="withEffect">
                                   <p:stCondLst>
                                     <p:cond delay="0"/>
                                   </p:stCondLst>
                                   <p:childTnLst>
                                     <p:set>
                                       <p:cBhvr>
-                                        <p:cTn id="164" dur="1" fill="hold">
+                                        <p:cTn id="150" dur="1" fill="hold">
                                           <p:stCondLst>
                                             <p:cond delay="0"/>
                                           </p:stCondLst>
@@ -22669,7 +21903,7 @@
                                     </p:set>
                                     <p:animEffect transition="in" filter="fade">
                                       <p:cBhvr>
-                                        <p:cTn id="165" dur="500"/>
+                                        <p:cTn id="151" dur="500"/>
                                         <p:tgtEl>
                                           <p:spTgt spid="54"/>
                                         </p:tgtEl>
@@ -22679,14 +21913,14 @@
                                 </p:cTn>
                               </p:par>
                               <p:par>
-                                <p:cTn id="166" presetID="10" presetClass="entr" presetSubtype="0" fill="hold" grpId="0" nodeType="withEffect">
+                                <p:cTn id="152" presetID="10" presetClass="entr" presetSubtype="0" fill="hold" grpId="0" nodeType="withEffect">
                                   <p:stCondLst>
                                     <p:cond delay="0"/>
                                   </p:stCondLst>
                                   <p:childTnLst>
                                     <p:set>
                                       <p:cBhvr>
-                                        <p:cTn id="167" dur="1" fill="hold">
+                                        <p:cTn id="153" dur="1" fill="hold">
                                           <p:stCondLst>
                                             <p:cond delay="0"/>
                                           </p:stCondLst>
@@ -22704,7 +21938,7 @@
                                     </p:set>
                                     <p:animEffect transition="in" filter="fade">
                                       <p:cBhvr>
-                                        <p:cTn id="168" dur="500"/>
+                                        <p:cTn id="154" dur="500"/>
                                         <p:tgtEl>
                                           <p:spTgt spid="11"/>
                                         </p:tgtEl>
@@ -22714,14 +21948,14 @@
                                 </p:cTn>
                               </p:par>
                               <p:par>
-                                <p:cTn id="169" presetID="10" presetClass="entr" presetSubtype="0" fill="hold" nodeType="withEffect">
+                                <p:cTn id="155" presetID="10" presetClass="entr" presetSubtype="0" fill="hold" nodeType="withEffect">
                                   <p:stCondLst>
                                     <p:cond delay="0"/>
                                   </p:stCondLst>
                                   <p:childTnLst>
                                     <p:set>
                                       <p:cBhvr>
-                                        <p:cTn id="170" dur="1" fill="hold">
+                                        <p:cTn id="156" dur="1" fill="hold">
                                           <p:stCondLst>
                                             <p:cond delay="0"/>
                                           </p:stCondLst>
@@ -22739,7 +21973,7 @@
                                     </p:set>
                                     <p:animEffect transition="in" filter="fade">
                                       <p:cBhvr>
-                                        <p:cTn id="171" dur="500"/>
+                                        <p:cTn id="157" dur="500"/>
                                         <p:tgtEl>
                                           <p:spTgt spid="10"/>
                                         </p:tgtEl>
@@ -22749,14 +21983,14 @@
                                 </p:cTn>
                               </p:par>
                               <p:par>
-                                <p:cTn id="172" presetID="10" presetClass="entr" presetSubtype="0" fill="hold" grpId="0" nodeType="withEffect">
+                                <p:cTn id="158" presetID="10" presetClass="entr" presetSubtype="0" fill="hold" grpId="0" nodeType="withEffect">
                                   <p:stCondLst>
                                     <p:cond delay="0"/>
                                   </p:stCondLst>
                                   <p:childTnLst>
                                     <p:set>
                                       <p:cBhvr>
-                                        <p:cTn id="173" dur="1" fill="hold">
+                                        <p:cTn id="159" dur="1" fill="hold">
                                           <p:stCondLst>
                                             <p:cond delay="0"/>
                                           </p:stCondLst>
@@ -22774,7 +22008,7 @@
                                     </p:set>
                                     <p:animEffect transition="in" filter="fade">
                                       <p:cBhvr>
-                                        <p:cTn id="174" dur="500"/>
+                                        <p:cTn id="160" dur="500"/>
                                         <p:tgtEl>
                                           <p:spTgt spid="9"/>
                                         </p:tgtEl>
@@ -22784,14 +22018,14 @@
                                 </p:cTn>
                               </p:par>
                               <p:par>
-                                <p:cTn id="175" presetID="10" presetClass="entr" presetSubtype="0" fill="hold" grpId="0" nodeType="withEffect">
+                                <p:cTn id="161" presetID="10" presetClass="entr" presetSubtype="0" fill="hold" grpId="0" nodeType="withEffect">
                                   <p:stCondLst>
                                     <p:cond delay="0"/>
                                   </p:stCondLst>
                                   <p:childTnLst>
                                     <p:set>
                                       <p:cBhvr>
-                                        <p:cTn id="176" dur="1" fill="hold">
+                                        <p:cTn id="162" dur="1" fill="hold">
                                           <p:stCondLst>
                                             <p:cond delay="0"/>
                                           </p:stCondLst>
@@ -22809,7 +22043,7 @@
                                     </p:set>
                                     <p:animEffect transition="in" filter="fade">
                                       <p:cBhvr>
-                                        <p:cTn id="177" dur="500"/>
+                                        <p:cTn id="163" dur="500"/>
                                         <p:tgtEl>
                                           <p:spTgt spid="7"/>
                                         </p:tgtEl>
@@ -22819,14 +22053,14 @@
                                 </p:cTn>
                               </p:par>
                               <p:par>
-                                <p:cTn id="178" presetID="10" presetClass="entr" presetSubtype="0" fill="hold" nodeType="withEffect">
+                                <p:cTn id="164" presetID="10" presetClass="entr" presetSubtype="0" fill="hold" nodeType="withEffect">
                                   <p:stCondLst>
                                     <p:cond delay="0"/>
                                   </p:stCondLst>
                                   <p:childTnLst>
                                     <p:set>
                                       <p:cBhvr>
-                                        <p:cTn id="179" dur="1" fill="hold">
+                                        <p:cTn id="165" dur="1" fill="hold">
                                           <p:stCondLst>
                                             <p:cond delay="0"/>
                                           </p:stCondLst>
@@ -22844,7 +22078,7 @@
                                     </p:set>
                                     <p:animEffect transition="in" filter="fade">
                                       <p:cBhvr>
-                                        <p:cTn id="180" dur="500"/>
+                                        <p:cTn id="166" dur="500"/>
                                         <p:tgtEl>
                                           <p:spTgt spid="8"/>
                                         </p:tgtEl>
@@ -22854,14 +22088,14 @@
                                 </p:cTn>
                               </p:par>
                               <p:par>
-                                <p:cTn id="181" presetID="10" presetClass="entr" presetSubtype="0" fill="hold" grpId="0" nodeType="withEffect">
+                                <p:cTn id="167" presetID="10" presetClass="entr" presetSubtype="0" fill="hold" grpId="0" nodeType="withEffect">
                                   <p:stCondLst>
                                     <p:cond delay="0"/>
                                   </p:stCondLst>
                                   <p:childTnLst>
                                     <p:set>
                                       <p:cBhvr>
-                                        <p:cTn id="182" dur="1" fill="hold">
+                                        <p:cTn id="168" dur="1" fill="hold">
                                           <p:stCondLst>
                                             <p:cond delay="0"/>
                                           </p:stCondLst>
@@ -22879,7 +22113,7 @@
                                     </p:set>
                                     <p:animEffect transition="in" filter="fade">
                                       <p:cBhvr>
-                                        <p:cTn id="183" dur="500"/>
+                                        <p:cTn id="169" dur="500"/>
                                         <p:tgtEl>
                                           <p:spTgt spid="5"/>
                                         </p:tgtEl>
@@ -22889,14 +22123,14 @@
                                 </p:cTn>
                               </p:par>
                               <p:par>
-                                <p:cTn id="184" presetID="10" presetClass="entr" presetSubtype="0" fill="hold" nodeType="withEffect">
+                                <p:cTn id="170" presetID="10" presetClass="entr" presetSubtype="0" fill="hold" nodeType="withEffect">
                                   <p:stCondLst>
                                     <p:cond delay="0"/>
                                   </p:stCondLst>
                                   <p:childTnLst>
                                     <p:set>
                                       <p:cBhvr>
-                                        <p:cTn id="185" dur="1" fill="hold">
+                                        <p:cTn id="171" dur="1" fill="hold">
                                           <p:stCondLst>
                                             <p:cond delay="0"/>
                                           </p:stCondLst>
@@ -22914,7 +22148,7 @@
                                     </p:set>
                                     <p:animEffect transition="in" filter="fade">
                                       <p:cBhvr>
-                                        <p:cTn id="186" dur="500"/>
+                                        <p:cTn id="172" dur="500"/>
                                         <p:tgtEl>
                                           <p:spTgt spid="6"/>
                                         </p:tgtEl>
@@ -22924,14 +22158,14 @@
                                 </p:cTn>
                               </p:par>
                               <p:par>
-                                <p:cTn id="187" presetID="10" presetClass="entr" presetSubtype="0" fill="hold" nodeType="withEffect">
+                                <p:cTn id="173" presetID="10" presetClass="entr" presetSubtype="0" fill="hold" nodeType="withEffect">
                                   <p:stCondLst>
                                     <p:cond delay="0"/>
                                   </p:stCondLst>
                                   <p:childTnLst>
                                     <p:set>
                                       <p:cBhvr>
-                                        <p:cTn id="188" dur="1" fill="hold">
+                                        <p:cTn id="174" dur="1" fill="hold">
                                           <p:stCondLst>
                                             <p:cond delay="0"/>
                                           </p:stCondLst>
@@ -22949,7 +22183,7 @@
                                     </p:set>
                                     <p:animEffect transition="in" filter="fade">
                                       <p:cBhvr>
-                                        <p:cTn id="189" dur="500"/>
+                                        <p:cTn id="175" dur="500"/>
                                         <p:tgtEl>
                                           <p:spTgt spid="55"/>
                                         </p:tgtEl>
@@ -22959,14 +22193,14 @@
                                 </p:cTn>
                               </p:par>
                               <p:par>
-                                <p:cTn id="190" presetID="10" presetClass="entr" presetSubtype="0" fill="hold" grpId="0" nodeType="withEffect">
+                                <p:cTn id="176" presetID="10" presetClass="entr" presetSubtype="0" fill="hold" grpId="0" nodeType="withEffect">
                                   <p:stCondLst>
                                     <p:cond delay="0"/>
                                   </p:stCondLst>
                                   <p:childTnLst>
                                     <p:set>
                                       <p:cBhvr>
-                                        <p:cTn id="191" dur="1" fill="hold">
+                                        <p:cTn id="177" dur="1" fill="hold">
                                           <p:stCondLst>
                                             <p:cond delay="0"/>
                                           </p:stCondLst>
@@ -22984,7 +22218,7 @@
                                     </p:set>
                                     <p:animEffect transition="in" filter="fade">
                                       <p:cBhvr>
-                                        <p:cTn id="192" dur="500"/>
+                                        <p:cTn id="178" dur="500"/>
                                         <p:tgtEl>
                                           <p:spTgt spid="4"/>
                                         </p:tgtEl>
@@ -23048,9 +22282,7 @@
       <p:bldP spid="41" grpId="0"/>
       <p:bldP spid="43" grpId="0" animBg="1"/>
       <p:bldP spid="44" grpId="0" animBg="1"/>
-      <p:bldP spid="45" grpId="0" animBg="1"/>
       <p:bldP spid="46" grpId="0" animBg="1"/>
-      <p:bldP spid="49" grpId="0" animBg="1"/>
       <p:bldP spid="51" grpId="0" animBg="1"/>
       <p:bldP spid="52" grpId="0" animBg="1"/>
     </p:bldLst>
@@ -23547,8 +22779,50 @@
                 <a:ea typeface="+mn-ea"/>
                 <a:cs typeface="+mn-cs"/>
               </a:rPr>
-              <a:t>RDW</a:t>
+              <a:t>Vehicle</a:t>
             </a:r>
+          </a:p>
+          <a:p>
+            <a:pPr marL="0" marR="0" lvl="0" indent="0" algn="ctr" defTabSz="914400" rtl="0" eaLnBrk="1" fontAlgn="auto" latinLnBrk="0" hangingPunct="1">
+              <a:lnSpc>
+                <a:spcPct val="100000"/>
+              </a:lnSpc>
+              <a:spcBef>
+                <a:spcPts val="0"/>
+              </a:spcBef>
+              <a:spcAft>
+                <a:spcPts val="0"/>
+              </a:spcAft>
+              <a:buClrTx/>
+              <a:buSzTx/>
+              <a:buFontTx/>
+              <a:buNone/>
+              <a:tabLst/>
+              <a:defRPr/>
+            </a:pPr>
+            <a:r>
+              <a:rPr lang="en-US" sz="1050" b="1" dirty="0">
+                <a:solidFill>
+                  <a:prstClr val="white"/>
+                </a:solidFill>
+                <a:latin typeface="Calibri" panose="020F0502020204030204"/>
+              </a:rPr>
+              <a:t>Info</a:t>
+            </a:r>
+            <a:endParaRPr kumimoji="0" lang="en-US" sz="1050" b="1" i="0" u="none" strike="noStrike" kern="1200" cap="none" spc="0" normalizeH="0" baseline="0" noProof="0" dirty="0">
+              <a:ln>
+                <a:noFill/>
+              </a:ln>
+              <a:solidFill>
+                <a:prstClr val="white"/>
+              </a:solidFill>
+              <a:effectLst/>
+              <a:uLnTx/>
+              <a:uFillTx/>
+              <a:latin typeface="Calibri" panose="020F0502020204030204"/>
+              <a:ea typeface="+mn-ea"/>
+              <a:cs typeface="+mn-cs"/>
+            </a:endParaRPr>
           </a:p>
         </p:txBody>
       </p:sp>
@@ -23633,7 +22907,7 @@
                 <a:ea typeface="+mn-ea"/>
                 <a:cs typeface="+mn-cs"/>
               </a:rPr>
-              <a:t>CJIB</a:t>
+              <a:t>Collection</a:t>
             </a:r>
           </a:p>
         </p:txBody>
@@ -23828,7 +23102,7 @@
         <p:spPr>
           <a:xfrm>
             <a:off x="912504" y="1405321"/>
-            <a:ext cx="0" cy="5215687"/>
+            <a:ext cx="0" cy="4978701"/>
           </a:xfrm>
           <a:prstGeom prst="line">
             <a:avLst/>
@@ -23991,7 +23265,7 @@
         <p:spPr>
           <a:xfrm>
             <a:off x="3893865" y="1405321"/>
-            <a:ext cx="0" cy="5215687"/>
+            <a:ext cx="0" cy="4978701"/>
           </a:xfrm>
           <a:prstGeom prst="line">
             <a:avLst/>
@@ -24034,8 +23308,8 @@
         </p:nvCxnSpPr>
         <p:spPr>
           <a:xfrm flipH="1">
-            <a:off x="8965613" y="1405321"/>
-            <a:ext cx="30330" cy="5322650"/>
+            <a:off x="8967573" y="1405321"/>
+            <a:ext cx="28370" cy="4978701"/>
           </a:xfrm>
           <a:prstGeom prst="line">
             <a:avLst/>
@@ -24078,7 +23352,7 @@
         <p:spPr>
           <a:xfrm>
             <a:off x="5592591" y="1405321"/>
-            <a:ext cx="0" cy="5322650"/>
+            <a:ext cx="0" cy="4978701"/>
           </a:xfrm>
           <a:prstGeom prst="line">
             <a:avLst/>
@@ -24122,7 +23396,7 @@
         <p:spPr>
           <a:xfrm>
             <a:off x="10626489" y="1405321"/>
-            <a:ext cx="0" cy="5322650"/>
+            <a:ext cx="0" cy="4978701"/>
           </a:xfrm>
           <a:prstGeom prst="line">
             <a:avLst/>
@@ -24162,7 +23436,7 @@
         </p:nvSpPr>
         <p:spPr>
           <a:xfrm>
-            <a:off x="3893864" y="4823781"/>
+            <a:off x="5568426" y="4823781"/>
             <a:ext cx="1285929" cy="253916"/>
           </a:xfrm>
           <a:prstGeom prst="rect">
@@ -24687,7 +23961,7 @@
         <p:spPr>
           <a:xfrm>
             <a:off x="7455406" y="1405321"/>
-            <a:ext cx="0" cy="5322650"/>
+            <a:ext cx="0" cy="4978701"/>
           </a:xfrm>
           <a:prstGeom prst="line">
             <a:avLst/>
@@ -25278,9 +24552,9 @@
           <p:nvPr/>
         </p:nvCxnSpPr>
         <p:spPr>
-          <a:xfrm>
-            <a:off x="2251978" y="5252044"/>
-            <a:ext cx="3337061" cy="0"/>
+          <a:xfrm flipH="1">
+            <a:off x="5589039" y="5252044"/>
+            <a:ext cx="5035248" cy="0"/>
           </a:xfrm>
           <a:prstGeom prst="straightConnector1">
             <a:avLst/>
@@ -25319,8 +24593,8 @@
         </p:nvSpPr>
         <p:spPr>
           <a:xfrm>
-            <a:off x="3887545" y="4990343"/>
-            <a:ext cx="1680268" cy="253916"/>
+            <a:off x="5562107" y="4990343"/>
+            <a:ext cx="686406" cy="253916"/>
           </a:xfrm>
           <a:prstGeom prst="rect">
             <a:avLst/>
@@ -25333,7 +24607,7 @@
           </a:bodyPr>
           <a:lstStyle/>
           <a:p>
-            <a:pPr marL="0" marR="0" lvl="0" indent="0" algn="ctr" defTabSz="914400" rtl="0" eaLnBrk="1" fontAlgn="auto" latinLnBrk="0" hangingPunct="1">
+            <a:pPr marL="0" marR="0" lvl="0" indent="0" defTabSz="914400" rtl="0" eaLnBrk="1" fontAlgn="auto" latinLnBrk="0" hangingPunct="1">
               <a:lnSpc>
                 <a:spcPct val="100000"/>
               </a:lnSpc>
@@ -25365,7 +24639,7 @@
                 <a:ea typeface="+mn-ea"/>
                 <a:cs typeface="+mn-cs"/>
               </a:rPr>
-              <a:t>SpeedingViolationDetected</a:t>
+              <a:t>SendFine</a:t>
             </a:r>
             <a:endParaRPr kumimoji="0" lang="nl-NL" sz="1050" b="0" i="0" u="none" strike="noStrike" kern="1200" cap="none" spc="0" normalizeH="0" baseline="0" noProof="0" dirty="0">
               <a:ln>
@@ -25576,196 +24850,6 @@
       </p:grpSp>
       <p:grpSp>
         <p:nvGrpSpPr>
-          <p:cNvPr id="108" name="Group 107">
-            <a:extLst>
-              <a:ext uri="{FF2B5EF4-FFF2-40B4-BE49-F238E27FC236}">
-                <a16:creationId xmlns:a16="http://schemas.microsoft.com/office/drawing/2014/main" id="{49F362F3-4593-4107-A915-66C8AA7AF885}"/>
-              </a:ext>
-            </a:extLst>
-          </p:cNvPr>
-          <p:cNvGrpSpPr/>
-          <p:nvPr/>
-        </p:nvGrpSpPr>
-        <p:grpSpPr>
-          <a:xfrm>
-            <a:off x="3751183" y="5066876"/>
-            <a:ext cx="162636" cy="115101"/>
-            <a:chOff x="10585174" y="1490390"/>
-            <a:chExt cx="407492" cy="286109"/>
-          </a:xfrm>
-        </p:grpSpPr>
-        <p:sp>
-          <p:nvSpPr>
-            <p:cNvPr id="109" name="Rectangle 108">
-              <a:extLst>
-                <a:ext uri="{FF2B5EF4-FFF2-40B4-BE49-F238E27FC236}">
-                  <a16:creationId xmlns:a16="http://schemas.microsoft.com/office/drawing/2014/main" id="{C06C91CF-7036-436C-A660-6DB82335742F}"/>
-                </a:ext>
-              </a:extLst>
-            </p:cNvPr>
-            <p:cNvSpPr/>
-            <p:nvPr/>
-          </p:nvSpPr>
-          <p:spPr>
-            <a:xfrm>
-              <a:off x="10585174" y="1490390"/>
-              <a:ext cx="407492" cy="286109"/>
-            </a:xfrm>
-            <a:prstGeom prst="rect">
-              <a:avLst/>
-            </a:prstGeom>
-            <a:solidFill>
-              <a:srgbClr val="FFFFCC"/>
-            </a:solidFill>
-            <a:ln>
-              <a:solidFill>
-                <a:srgbClr val="002060"/>
-              </a:solidFill>
-            </a:ln>
-          </p:spPr>
-          <p:style>
-            <a:lnRef idx="2">
-              <a:schemeClr val="accent1">
-                <a:shade val="50000"/>
-              </a:schemeClr>
-            </a:lnRef>
-            <a:fillRef idx="1">
-              <a:schemeClr val="accent1"/>
-            </a:fillRef>
-            <a:effectRef idx="0">
-              <a:schemeClr val="accent1"/>
-            </a:effectRef>
-            <a:fontRef idx="minor">
-              <a:schemeClr val="lt1"/>
-            </a:fontRef>
-          </p:style>
-          <p:txBody>
-            <a:bodyPr rtlCol="0" anchor="ctr"/>
-            <a:lstStyle/>
-            <a:p>
-              <a:pPr marL="0" marR="0" lvl="0" indent="0" algn="ctr" defTabSz="914400" rtl="0" eaLnBrk="1" fontAlgn="auto" latinLnBrk="0" hangingPunct="1">
-                <a:lnSpc>
-                  <a:spcPct val="100000"/>
-                </a:lnSpc>
-                <a:spcBef>
-                  <a:spcPts val="0"/>
-                </a:spcBef>
-                <a:spcAft>
-                  <a:spcPts val="0"/>
-                </a:spcAft>
-                <a:buClrTx/>
-                <a:buSzTx/>
-                <a:buFontTx/>
-                <a:buNone/>
-                <a:tabLst/>
-                <a:defRPr/>
-              </a:pPr>
-              <a:endParaRPr kumimoji="0" lang="en-US" sz="1800" b="0" i="0" u="none" strike="noStrike" kern="1200" cap="none" spc="0" normalizeH="0" baseline="0" noProof="0">
-                <a:ln>
-                  <a:noFill/>
-                </a:ln>
-                <a:solidFill>
-                  <a:prstClr val="white"/>
-                </a:solidFill>
-                <a:effectLst/>
-                <a:uLnTx/>
-                <a:uFillTx/>
-                <a:latin typeface="Calibri" panose="020F0502020204030204"/>
-                <a:ea typeface="+mn-ea"/>
-                <a:cs typeface="+mn-cs"/>
-              </a:endParaRPr>
-            </a:p>
-          </p:txBody>
-        </p:sp>
-        <p:cxnSp>
-          <p:nvCxnSpPr>
-            <p:cNvPr id="110" name="Straight Connector 109">
-              <a:extLst>
-                <a:ext uri="{FF2B5EF4-FFF2-40B4-BE49-F238E27FC236}">
-                  <a16:creationId xmlns:a16="http://schemas.microsoft.com/office/drawing/2014/main" id="{0DD1D980-FF6B-4649-A37F-04CD777E7076}"/>
-                </a:ext>
-              </a:extLst>
-            </p:cNvPr>
-            <p:cNvCxnSpPr>
-              <a:cxnSpLocks/>
-            </p:cNvCxnSpPr>
-            <p:nvPr/>
-          </p:nvCxnSpPr>
-          <p:spPr>
-            <a:xfrm>
-              <a:off x="10585174" y="1490390"/>
-              <a:ext cx="207286" cy="246970"/>
-            </a:xfrm>
-            <a:prstGeom prst="line">
-              <a:avLst/>
-            </a:prstGeom>
-            <a:ln w="12700">
-              <a:solidFill>
-                <a:srgbClr val="002060"/>
-              </a:solidFill>
-            </a:ln>
-          </p:spPr>
-          <p:style>
-            <a:lnRef idx="1">
-              <a:schemeClr val="accent1"/>
-            </a:lnRef>
-            <a:fillRef idx="0">
-              <a:schemeClr val="accent1"/>
-            </a:fillRef>
-            <a:effectRef idx="0">
-              <a:schemeClr val="accent1"/>
-            </a:effectRef>
-            <a:fontRef idx="minor">
-              <a:schemeClr val="tx1"/>
-            </a:fontRef>
-          </p:style>
-        </p:cxnSp>
-        <p:cxnSp>
-          <p:nvCxnSpPr>
-            <p:cNvPr id="111" name="Straight Connector 110">
-              <a:extLst>
-                <a:ext uri="{FF2B5EF4-FFF2-40B4-BE49-F238E27FC236}">
-                  <a16:creationId xmlns:a16="http://schemas.microsoft.com/office/drawing/2014/main" id="{458D1844-1F57-41DC-8A3B-63BF3F1F144C}"/>
-                </a:ext>
-              </a:extLst>
-            </p:cNvPr>
-            <p:cNvCxnSpPr>
-              <a:cxnSpLocks/>
-            </p:cNvCxnSpPr>
-            <p:nvPr/>
-          </p:nvCxnSpPr>
-          <p:spPr>
-            <a:xfrm flipH="1">
-              <a:off x="10788015" y="1490390"/>
-              <a:ext cx="201111" cy="243160"/>
-            </a:xfrm>
-            <a:prstGeom prst="line">
-              <a:avLst/>
-            </a:prstGeom>
-            <a:ln w="12700">
-              <a:solidFill>
-                <a:srgbClr val="002060"/>
-              </a:solidFill>
-            </a:ln>
-          </p:spPr>
-          <p:style>
-            <a:lnRef idx="1">
-              <a:schemeClr val="accent1"/>
-            </a:lnRef>
-            <a:fillRef idx="0">
-              <a:schemeClr val="accent1"/>
-            </a:fillRef>
-            <a:effectRef idx="0">
-              <a:schemeClr val="accent1"/>
-            </a:effectRef>
-            <a:fontRef idx="minor">
-              <a:schemeClr val="tx1"/>
-            </a:fontRef>
-          </p:style>
-        </p:cxnSp>
-      </p:grpSp>
-      <p:grpSp>
-        <p:nvGrpSpPr>
           <p:cNvPr id="244" name="Group 243">
             <a:extLst>
               <a:ext uri="{FF2B5EF4-FFF2-40B4-BE49-F238E27FC236}">
@@ -26041,7 +25125,7 @@
         </p:nvGrpSpPr>
         <p:grpSpPr>
           <a:xfrm>
-            <a:off x="10611099" y="5824421"/>
+            <a:off x="10611099" y="5479503"/>
             <a:ext cx="299274" cy="259267"/>
             <a:chOff x="4738943" y="4803764"/>
             <a:chExt cx="361377" cy="259267"/>
@@ -26188,7 +25272,7 @@
         </p:nvSpPr>
         <p:spPr>
           <a:xfrm>
-            <a:off x="10863672" y="5827336"/>
+            <a:off x="10863672" y="5482418"/>
             <a:ext cx="947695" cy="253916"/>
           </a:xfrm>
           <a:prstGeom prst="rect">
@@ -26272,7 +25356,7 @@
         </p:nvCxnSpPr>
         <p:spPr>
           <a:xfrm>
-            <a:off x="10624287" y="6436749"/>
+            <a:off x="10624287" y="6091831"/>
             <a:ext cx="784740" cy="0"/>
           </a:xfrm>
           <a:prstGeom prst="straightConnector1">
@@ -26311,7 +25395,7 @@
         </p:nvSpPr>
         <p:spPr>
           <a:xfrm>
-            <a:off x="10599612" y="6182833"/>
+            <a:off x="10599612" y="5837915"/>
             <a:ext cx="716864" cy="253916"/>
           </a:xfrm>
           <a:prstGeom prst="rect">
@@ -26393,7 +25477,7 @@
         </p:nvSpPr>
         <p:spPr>
           <a:xfrm>
-            <a:off x="11471433" y="6208605"/>
+            <a:off x="11471433" y="5863687"/>
             <a:ext cx="569363" cy="412403"/>
           </a:xfrm>
           <a:prstGeom prst="cloud">
@@ -26604,7 +25688,7 @@
         <p:spPr>
           <a:xfrm>
             <a:off x="2237270" y="1405321"/>
-            <a:ext cx="0" cy="5215687"/>
+            <a:ext cx="0" cy="4978701"/>
           </a:xfrm>
           <a:prstGeom prst="line">
             <a:avLst/>
@@ -27214,316 +26298,6 @@
               <a:extLst>
                 <a:ext uri="{FF2B5EF4-FFF2-40B4-BE49-F238E27FC236}">
                   <a16:creationId xmlns:a16="http://schemas.microsoft.com/office/drawing/2014/main" id="{B6B93B23-6376-43C9-B770-4D4540A23C8C}"/>
-                </a:ext>
-              </a:extLst>
-            </p:cNvPr>
-            <p:cNvCxnSpPr>
-              <a:cxnSpLocks/>
-            </p:cNvCxnSpPr>
-            <p:nvPr/>
-          </p:nvCxnSpPr>
-          <p:spPr>
-            <a:xfrm flipH="1">
-              <a:off x="10788015" y="1490390"/>
-              <a:ext cx="201111" cy="243160"/>
-            </a:xfrm>
-            <a:prstGeom prst="line">
-              <a:avLst/>
-            </a:prstGeom>
-            <a:ln w="12700">
-              <a:solidFill>
-                <a:srgbClr val="002060"/>
-              </a:solidFill>
-            </a:ln>
-          </p:spPr>
-          <p:style>
-            <a:lnRef idx="1">
-              <a:schemeClr val="accent1"/>
-            </a:lnRef>
-            <a:fillRef idx="0">
-              <a:schemeClr val="accent1"/>
-            </a:fillRef>
-            <a:effectRef idx="0">
-              <a:schemeClr val="accent1"/>
-            </a:effectRef>
-            <a:fontRef idx="minor">
-              <a:schemeClr val="tx1"/>
-            </a:fontRef>
-          </p:style>
-        </p:cxnSp>
-      </p:grpSp>
-      <p:cxnSp>
-        <p:nvCxnSpPr>
-          <p:cNvPr id="92" name="Straight Arrow Connector 91">
-            <a:extLst>
-              <a:ext uri="{FF2B5EF4-FFF2-40B4-BE49-F238E27FC236}">
-                <a16:creationId xmlns:a16="http://schemas.microsoft.com/office/drawing/2014/main" id="{9B747E74-1C3A-4FBC-9B44-217CBED6A35D}"/>
-              </a:ext>
-            </a:extLst>
-          </p:cNvPr>
-          <p:cNvCxnSpPr>
-            <a:cxnSpLocks/>
-          </p:cNvCxnSpPr>
-          <p:nvPr/>
-        </p:nvCxnSpPr>
-        <p:spPr>
-          <a:xfrm>
-            <a:off x="2251978" y="5604382"/>
-            <a:ext cx="8374511" cy="0"/>
-          </a:xfrm>
-          <a:prstGeom prst="straightConnector1">
-            <a:avLst/>
-          </a:prstGeom>
-          <a:ln w="19050">
-            <a:tailEnd type="triangle"/>
-          </a:ln>
-        </p:spPr>
-        <p:style>
-          <a:lnRef idx="1">
-            <a:schemeClr val="accent1"/>
-          </a:lnRef>
-          <a:fillRef idx="0">
-            <a:schemeClr val="accent1"/>
-          </a:fillRef>
-          <a:effectRef idx="0">
-            <a:schemeClr val="accent1"/>
-          </a:effectRef>
-          <a:fontRef idx="minor">
-            <a:schemeClr val="tx1"/>
-          </a:fontRef>
-        </p:style>
-      </p:cxnSp>
-      <p:sp>
-        <p:nvSpPr>
-          <p:cNvPr id="93" name="TextBox 92">
-            <a:extLst>
-              <a:ext uri="{FF2B5EF4-FFF2-40B4-BE49-F238E27FC236}">
-                <a16:creationId xmlns:a16="http://schemas.microsoft.com/office/drawing/2014/main" id="{05A2B273-BB71-4ABF-8D03-14FA5A005775}"/>
-              </a:ext>
-            </a:extLst>
-          </p:cNvPr>
-          <p:cNvSpPr txBox="1"/>
-          <p:nvPr/>
-        </p:nvSpPr>
-        <p:spPr>
-          <a:xfrm>
-            <a:off x="2436695" y="5347539"/>
-            <a:ext cx="1680268" cy="253916"/>
-          </a:xfrm>
-          <a:prstGeom prst="rect">
-            <a:avLst/>
-          </a:prstGeom>
-          <a:noFill/>
-        </p:spPr>
-        <p:txBody>
-          <a:bodyPr wrap="none" rtlCol="0">
-            <a:spAutoFit/>
-          </a:bodyPr>
-          <a:lstStyle/>
-          <a:p>
-            <a:pPr marL="0" marR="0" lvl="0" indent="0" algn="ctr" defTabSz="914400" rtl="0" eaLnBrk="1" fontAlgn="auto" latinLnBrk="0" hangingPunct="1">
-              <a:lnSpc>
-                <a:spcPct val="100000"/>
-              </a:lnSpc>
-              <a:spcBef>
-                <a:spcPts val="0"/>
-              </a:spcBef>
-              <a:spcAft>
-                <a:spcPts val="0"/>
-              </a:spcAft>
-              <a:buClrTx/>
-              <a:buSzTx/>
-              <a:buFontTx/>
-              <a:buNone/>
-              <a:tabLst/>
-              <a:defRPr/>
-            </a:pPr>
-            <a:r>
-              <a:rPr kumimoji="0" lang="nl-NL" sz="1050" b="0" i="0" u="none" strike="noStrike" kern="1200" cap="none" spc="0" normalizeH="0" baseline="0" noProof="0" dirty="0" err="1">
-                <a:ln>
-                  <a:noFill/>
-                </a:ln>
-                <a:solidFill>
-                  <a:prstClr val="black"/>
-                </a:solidFill>
-                <a:effectLst/>
-                <a:uLnTx/>
-                <a:uFillTx/>
-                <a:latin typeface="Calibri" panose="020F0502020204030204"/>
-                <a:ea typeface="+mn-ea"/>
-                <a:cs typeface="+mn-cs"/>
-              </a:rPr>
-              <a:t>SpeedingViolationDetected</a:t>
-            </a:r>
-            <a:endParaRPr kumimoji="0" lang="nl-NL" sz="1050" b="0" i="0" u="none" strike="noStrike" kern="1200" cap="none" spc="0" normalizeH="0" baseline="0" noProof="0" dirty="0">
-              <a:ln>
-                <a:noFill/>
-              </a:ln>
-              <a:solidFill>
-                <a:prstClr val="black"/>
-              </a:solidFill>
-              <a:effectLst/>
-              <a:uLnTx/>
-              <a:uFillTx/>
-              <a:latin typeface="Calibri" panose="020F0502020204030204"/>
-              <a:ea typeface="+mn-ea"/>
-              <a:cs typeface="+mn-cs"/>
-            </a:endParaRPr>
-          </a:p>
-        </p:txBody>
-      </p:sp>
-      <p:grpSp>
-        <p:nvGrpSpPr>
-          <p:cNvPr id="98" name="Group 97">
-            <a:extLst>
-              <a:ext uri="{FF2B5EF4-FFF2-40B4-BE49-F238E27FC236}">
-                <a16:creationId xmlns:a16="http://schemas.microsoft.com/office/drawing/2014/main" id="{E814512B-5E26-41F7-B124-8FC270B6AAB8}"/>
-              </a:ext>
-            </a:extLst>
-          </p:cNvPr>
-          <p:cNvGrpSpPr/>
-          <p:nvPr/>
-        </p:nvGrpSpPr>
-        <p:grpSpPr>
-          <a:xfrm>
-            <a:off x="2300333" y="5424072"/>
-            <a:ext cx="162636" cy="115101"/>
-            <a:chOff x="10585174" y="1490390"/>
-            <a:chExt cx="407492" cy="286109"/>
-          </a:xfrm>
-        </p:grpSpPr>
-        <p:sp>
-          <p:nvSpPr>
-            <p:cNvPr id="99" name="Rectangle 98">
-              <a:extLst>
-                <a:ext uri="{FF2B5EF4-FFF2-40B4-BE49-F238E27FC236}">
-                  <a16:creationId xmlns:a16="http://schemas.microsoft.com/office/drawing/2014/main" id="{D04CC121-3675-4008-81BD-BD5C5565F2F9}"/>
-                </a:ext>
-              </a:extLst>
-            </p:cNvPr>
-            <p:cNvSpPr/>
-            <p:nvPr/>
-          </p:nvSpPr>
-          <p:spPr>
-            <a:xfrm>
-              <a:off x="10585174" y="1490390"/>
-              <a:ext cx="407492" cy="286109"/>
-            </a:xfrm>
-            <a:prstGeom prst="rect">
-              <a:avLst/>
-            </a:prstGeom>
-            <a:solidFill>
-              <a:srgbClr val="FFFFCC"/>
-            </a:solidFill>
-            <a:ln>
-              <a:solidFill>
-                <a:srgbClr val="002060"/>
-              </a:solidFill>
-            </a:ln>
-          </p:spPr>
-          <p:style>
-            <a:lnRef idx="2">
-              <a:schemeClr val="accent1">
-                <a:shade val="50000"/>
-              </a:schemeClr>
-            </a:lnRef>
-            <a:fillRef idx="1">
-              <a:schemeClr val="accent1"/>
-            </a:fillRef>
-            <a:effectRef idx="0">
-              <a:schemeClr val="accent1"/>
-            </a:effectRef>
-            <a:fontRef idx="minor">
-              <a:schemeClr val="lt1"/>
-            </a:fontRef>
-          </p:style>
-          <p:txBody>
-            <a:bodyPr rtlCol="0" anchor="ctr"/>
-            <a:lstStyle/>
-            <a:p>
-              <a:pPr marL="0" marR="0" lvl="0" indent="0" algn="ctr" defTabSz="914400" rtl="0" eaLnBrk="1" fontAlgn="auto" latinLnBrk="0" hangingPunct="1">
-                <a:lnSpc>
-                  <a:spcPct val="100000"/>
-                </a:lnSpc>
-                <a:spcBef>
-                  <a:spcPts val="0"/>
-                </a:spcBef>
-                <a:spcAft>
-                  <a:spcPts val="0"/>
-                </a:spcAft>
-                <a:buClrTx/>
-                <a:buSzTx/>
-                <a:buFontTx/>
-                <a:buNone/>
-                <a:tabLst/>
-                <a:defRPr/>
-              </a:pPr>
-              <a:endParaRPr kumimoji="0" lang="en-US" sz="1800" b="0" i="0" u="none" strike="noStrike" kern="1200" cap="none" spc="0" normalizeH="0" baseline="0" noProof="0">
-                <a:ln>
-                  <a:noFill/>
-                </a:ln>
-                <a:solidFill>
-                  <a:prstClr val="white"/>
-                </a:solidFill>
-                <a:effectLst/>
-                <a:uLnTx/>
-                <a:uFillTx/>
-                <a:latin typeface="Calibri" panose="020F0502020204030204"/>
-                <a:ea typeface="+mn-ea"/>
-                <a:cs typeface="+mn-cs"/>
-              </a:endParaRPr>
-            </a:p>
-          </p:txBody>
-        </p:sp>
-        <p:cxnSp>
-          <p:nvCxnSpPr>
-            <p:cNvPr id="100" name="Straight Connector 99">
-              <a:extLst>
-                <a:ext uri="{FF2B5EF4-FFF2-40B4-BE49-F238E27FC236}">
-                  <a16:creationId xmlns:a16="http://schemas.microsoft.com/office/drawing/2014/main" id="{DD687D86-93BC-4A27-AB52-DF607387D5FD}"/>
-                </a:ext>
-              </a:extLst>
-            </p:cNvPr>
-            <p:cNvCxnSpPr>
-              <a:cxnSpLocks/>
-            </p:cNvCxnSpPr>
-            <p:nvPr/>
-          </p:nvCxnSpPr>
-          <p:spPr>
-            <a:xfrm>
-              <a:off x="10585174" y="1490390"/>
-              <a:ext cx="207286" cy="246970"/>
-            </a:xfrm>
-            <a:prstGeom prst="line">
-              <a:avLst/>
-            </a:prstGeom>
-            <a:ln w="12700">
-              <a:solidFill>
-                <a:srgbClr val="002060"/>
-              </a:solidFill>
-            </a:ln>
-          </p:spPr>
-          <p:style>
-            <a:lnRef idx="1">
-              <a:schemeClr val="accent1"/>
-            </a:lnRef>
-            <a:fillRef idx="0">
-              <a:schemeClr val="accent1"/>
-            </a:fillRef>
-            <a:effectRef idx="0">
-              <a:schemeClr val="accent1"/>
-            </a:effectRef>
-            <a:fontRef idx="minor">
-              <a:schemeClr val="tx1"/>
-            </a:fontRef>
-          </p:style>
-        </p:cxnSp>
-        <p:cxnSp>
-          <p:nvCxnSpPr>
-            <p:cNvPr id="101" name="Straight Connector 100">
-              <a:extLst>
-                <a:ext uri="{FF2B5EF4-FFF2-40B4-BE49-F238E27FC236}">
-                  <a16:creationId xmlns:a16="http://schemas.microsoft.com/office/drawing/2014/main" id="{0FF24088-DA4A-4E1F-88F9-36777EC760CA}"/>
                 </a:ext>
               </a:extLst>
             </p:cNvPr>

--- a/Figures.pptx
+++ b/Figures.pptx
@@ -202,7 +202,7 @@
           <a:p>
             <a:fld id="{FBE30875-4028-481A-8091-6EDB19798FA1}" type="datetimeFigureOut">
               <a:rPr lang="en-NL" smtClean="0"/>
-              <a:t>17/02/2021</a:t>
+              <a:t>26/02/2021</a:t>
             </a:fld>
             <a:endParaRPr lang="en-NL"/>
           </a:p>
@@ -907,7 +907,7 @@
           <a:p>
             <a:fld id="{766785BB-7706-4DEE-A3EF-8F6193F80700}" type="datetimeFigureOut">
               <a:rPr lang="en-NL" smtClean="0"/>
-              <a:t>17/02/2021</a:t>
+              <a:t>26/02/2021</a:t>
             </a:fld>
             <a:endParaRPr lang="en-NL"/>
           </a:p>
@@ -1107,7 +1107,7 @@
           <a:p>
             <a:fld id="{766785BB-7706-4DEE-A3EF-8F6193F80700}" type="datetimeFigureOut">
               <a:rPr lang="en-NL" smtClean="0"/>
-              <a:t>17/02/2021</a:t>
+              <a:t>26/02/2021</a:t>
             </a:fld>
             <a:endParaRPr lang="en-NL"/>
           </a:p>
@@ -1317,7 +1317,7 @@
           <a:p>
             <a:fld id="{766785BB-7706-4DEE-A3EF-8F6193F80700}" type="datetimeFigureOut">
               <a:rPr lang="en-NL" smtClean="0"/>
-              <a:t>17/02/2021</a:t>
+              <a:t>26/02/2021</a:t>
             </a:fld>
             <a:endParaRPr lang="en-NL"/>
           </a:p>
@@ -1539,7 +1539,7 @@
           <a:p>
             <a:fld id="{705B85CB-7326-4CDB-B6DC-66899E5F8844}" type="datetimeFigureOut">
               <a:rPr lang="nl-NL" smtClean="0"/>
-              <a:t>17-2-2021</a:t>
+              <a:t>26-2-2021</a:t>
             </a:fld>
             <a:endParaRPr lang="nl-NL"/>
           </a:p>
@@ -1739,7 +1739,7 @@
           <a:p>
             <a:fld id="{705B85CB-7326-4CDB-B6DC-66899E5F8844}" type="datetimeFigureOut">
               <a:rPr lang="nl-NL" smtClean="0"/>
-              <a:t>17-2-2021</a:t>
+              <a:t>26-2-2021</a:t>
             </a:fld>
             <a:endParaRPr lang="nl-NL"/>
           </a:p>
@@ -2015,7 +2015,7 @@
           <a:p>
             <a:fld id="{705B85CB-7326-4CDB-B6DC-66899E5F8844}" type="datetimeFigureOut">
               <a:rPr lang="nl-NL" smtClean="0"/>
-              <a:t>17-2-2021</a:t>
+              <a:t>26-2-2021</a:t>
             </a:fld>
             <a:endParaRPr lang="nl-NL"/>
           </a:p>
@@ -2283,7 +2283,7 @@
           <a:p>
             <a:fld id="{705B85CB-7326-4CDB-B6DC-66899E5F8844}" type="datetimeFigureOut">
               <a:rPr lang="nl-NL" smtClean="0"/>
-              <a:t>17-2-2021</a:t>
+              <a:t>26-2-2021</a:t>
             </a:fld>
             <a:endParaRPr lang="nl-NL"/>
           </a:p>
@@ -2698,7 +2698,7 @@
           <a:p>
             <a:fld id="{705B85CB-7326-4CDB-B6DC-66899E5F8844}" type="datetimeFigureOut">
               <a:rPr lang="nl-NL" smtClean="0"/>
-              <a:t>17-2-2021</a:t>
+              <a:t>26-2-2021</a:t>
             </a:fld>
             <a:endParaRPr lang="nl-NL"/>
           </a:p>
@@ -2840,7 +2840,7 @@
           <a:p>
             <a:fld id="{705B85CB-7326-4CDB-B6DC-66899E5F8844}" type="datetimeFigureOut">
               <a:rPr lang="nl-NL" smtClean="0"/>
-              <a:t>17-2-2021</a:t>
+              <a:t>26-2-2021</a:t>
             </a:fld>
             <a:endParaRPr lang="nl-NL"/>
           </a:p>
@@ -2953,7 +2953,7 @@
           <a:p>
             <a:fld id="{705B85CB-7326-4CDB-B6DC-66899E5F8844}" type="datetimeFigureOut">
               <a:rPr lang="nl-NL" smtClean="0"/>
-              <a:t>17-2-2021</a:t>
+              <a:t>26-2-2021</a:t>
             </a:fld>
             <a:endParaRPr lang="nl-NL"/>
           </a:p>
@@ -3266,7 +3266,7 @@
           <a:p>
             <a:fld id="{705B85CB-7326-4CDB-B6DC-66899E5F8844}" type="datetimeFigureOut">
               <a:rPr lang="nl-NL" smtClean="0"/>
-              <a:t>17-2-2021</a:t>
+              <a:t>26-2-2021</a:t>
             </a:fld>
             <a:endParaRPr lang="nl-NL"/>
           </a:p>
@@ -3466,7 +3466,7 @@
           <a:p>
             <a:fld id="{766785BB-7706-4DEE-A3EF-8F6193F80700}" type="datetimeFigureOut">
               <a:rPr lang="en-NL" smtClean="0"/>
-              <a:t>17/02/2021</a:t>
+              <a:t>26/02/2021</a:t>
             </a:fld>
             <a:endParaRPr lang="en-NL"/>
           </a:p>
@@ -3755,7 +3755,7 @@
           <a:p>
             <a:fld id="{705B85CB-7326-4CDB-B6DC-66899E5F8844}" type="datetimeFigureOut">
               <a:rPr lang="nl-NL" smtClean="0"/>
-              <a:t>17-2-2021</a:t>
+              <a:t>26-2-2021</a:t>
             </a:fld>
             <a:endParaRPr lang="nl-NL"/>
           </a:p>
@@ -3955,7 +3955,7 @@
           <a:p>
             <a:fld id="{705B85CB-7326-4CDB-B6DC-66899E5F8844}" type="datetimeFigureOut">
               <a:rPr lang="nl-NL" smtClean="0"/>
-              <a:t>17-2-2021</a:t>
+              <a:t>26-2-2021</a:t>
             </a:fld>
             <a:endParaRPr lang="nl-NL"/>
           </a:p>
@@ -4165,7 +4165,7 @@
           <a:p>
             <a:fld id="{705B85CB-7326-4CDB-B6DC-66899E5F8844}" type="datetimeFigureOut">
               <a:rPr lang="nl-NL" smtClean="0"/>
-              <a:t>17-2-2021</a:t>
+              <a:t>26-2-2021</a:t>
             </a:fld>
             <a:endParaRPr lang="nl-NL"/>
           </a:p>
@@ -4441,7 +4441,7 @@
           <a:p>
             <a:fld id="{766785BB-7706-4DEE-A3EF-8F6193F80700}" type="datetimeFigureOut">
               <a:rPr lang="en-NL" smtClean="0"/>
-              <a:t>17/02/2021</a:t>
+              <a:t>26/02/2021</a:t>
             </a:fld>
             <a:endParaRPr lang="en-NL"/>
           </a:p>
@@ -4709,7 +4709,7 @@
           <a:p>
             <a:fld id="{766785BB-7706-4DEE-A3EF-8F6193F80700}" type="datetimeFigureOut">
               <a:rPr lang="en-NL" smtClean="0"/>
-              <a:t>17/02/2021</a:t>
+              <a:t>26/02/2021</a:t>
             </a:fld>
             <a:endParaRPr lang="en-NL"/>
           </a:p>
@@ -5124,7 +5124,7 @@
           <a:p>
             <a:fld id="{766785BB-7706-4DEE-A3EF-8F6193F80700}" type="datetimeFigureOut">
               <a:rPr lang="en-NL" smtClean="0"/>
-              <a:t>17/02/2021</a:t>
+              <a:t>26/02/2021</a:t>
             </a:fld>
             <a:endParaRPr lang="en-NL"/>
           </a:p>
@@ -5266,7 +5266,7 @@
           <a:p>
             <a:fld id="{766785BB-7706-4DEE-A3EF-8F6193F80700}" type="datetimeFigureOut">
               <a:rPr lang="en-NL" smtClean="0"/>
-              <a:t>17/02/2021</a:t>
+              <a:t>26/02/2021</a:t>
             </a:fld>
             <a:endParaRPr lang="en-NL"/>
           </a:p>
@@ -5379,7 +5379,7 @@
           <a:p>
             <a:fld id="{766785BB-7706-4DEE-A3EF-8F6193F80700}" type="datetimeFigureOut">
               <a:rPr lang="en-NL" smtClean="0"/>
-              <a:t>17/02/2021</a:t>
+              <a:t>26/02/2021</a:t>
             </a:fld>
             <a:endParaRPr lang="en-NL"/>
           </a:p>
@@ -5692,7 +5692,7 @@
           <a:p>
             <a:fld id="{766785BB-7706-4DEE-A3EF-8F6193F80700}" type="datetimeFigureOut">
               <a:rPr lang="en-NL" smtClean="0"/>
-              <a:t>17/02/2021</a:t>
+              <a:t>26/02/2021</a:t>
             </a:fld>
             <a:endParaRPr lang="en-NL"/>
           </a:p>
@@ -5981,7 +5981,7 @@
           <a:p>
             <a:fld id="{766785BB-7706-4DEE-A3EF-8F6193F80700}" type="datetimeFigureOut">
               <a:rPr lang="en-NL" smtClean="0"/>
-              <a:t>17/02/2021</a:t>
+              <a:t>26/02/2021</a:t>
             </a:fld>
             <a:endParaRPr lang="en-NL"/>
           </a:p>
@@ -6224,7 +6224,7 @@
           <a:p>
             <a:fld id="{766785BB-7706-4DEE-A3EF-8F6193F80700}" type="datetimeFigureOut">
               <a:rPr lang="en-NL" smtClean="0"/>
-              <a:t>17/02/2021</a:t>
+              <a:t>26/02/2021</a:t>
             </a:fld>
             <a:endParaRPr lang="en-NL"/>
           </a:p>
@@ -6794,7 +6794,7 @@
           <a:p>
             <a:fld id="{705B85CB-7326-4CDB-B6DC-66899E5F8844}" type="datetimeFigureOut">
               <a:rPr lang="nl-NL" smtClean="0"/>
-              <a:t>17-2-2021</a:t>
+              <a:t>26-2-2021</a:t>
             </a:fld>
             <a:endParaRPr lang="nl-NL"/>
           </a:p>
@@ -11124,7 +11124,7 @@
         <p:spPr>
           <a:xfrm>
             <a:off x="8433934" y="2633932"/>
-            <a:ext cx="2122251" cy="796566"/>
+            <a:ext cx="2230956" cy="796566"/>
           </a:xfrm>
           <a:prstGeom prst="rect">
             <a:avLst/>
@@ -11150,7 +11150,7 @@
           </a:fontRef>
         </p:style>
         <p:txBody>
-          <a:bodyPr lIns="828000" rtlCol="0" anchor="ctr"/>
+          <a:bodyPr lIns="1044000" rIns="0" rtlCol="0" anchor="ctr"/>
           <a:lstStyle/>
           <a:p>
             <a:pPr marL="0" marR="0" lvl="0" indent="0" algn="ctr" defTabSz="914400" rtl="0" eaLnBrk="1" fontAlgn="auto" latinLnBrk="0" hangingPunct="1">
@@ -11820,6 +11820,23 @@
               <a:defRPr/>
             </a:pPr>
             <a:r>
+              <a:rPr kumimoji="0" lang="nl-NL" sz="1050" b="0" i="0" u="none" strike="noStrike" kern="1200" cap="none" spc="0" normalizeH="0" baseline="0" noProof="0" dirty="0">
+                <a:ln>
+                  <a:noFill/>
+                </a:ln>
+                <a:solidFill>
+                  <a:prstClr val="white"/>
+                </a:solidFill>
+                <a:effectLst/>
+                <a:uLnTx/>
+                <a:uFillTx/>
+                <a:latin typeface="Calibri" panose="020F0502020204030204"/>
+                <a:ea typeface="+mn-ea"/>
+                <a:cs typeface="+mn-cs"/>
+              </a:rPr>
+              <a:t>/</a:t>
+            </a:r>
+            <a:r>
               <a:rPr kumimoji="0" lang="nl-NL" sz="1050" b="0" i="0" u="none" strike="noStrike" kern="1200" cap="none" spc="0" normalizeH="0" baseline="0" noProof="0" dirty="0" err="1">
                 <a:ln>
                   <a:noFill/>
@@ -11834,7 +11851,7 @@
                 <a:ea typeface="+mn-ea"/>
                 <a:cs typeface="+mn-cs"/>
               </a:rPr>
-              <a:t>EntryCam</a:t>
+              <a:t>entrycam</a:t>
             </a:r>
             <a:endParaRPr kumimoji="0" lang="en-US" sz="1050" b="0" i="0" u="none" strike="noStrike" kern="1200" cap="none" spc="0" normalizeH="0" baseline="0" noProof="0" dirty="0">
               <a:ln>
@@ -11920,6 +11937,23 @@
               <a:defRPr/>
             </a:pPr>
             <a:r>
+              <a:rPr kumimoji="0" lang="nl-NL" sz="1050" b="0" i="0" u="none" strike="noStrike" kern="1200" cap="none" spc="0" normalizeH="0" baseline="0" noProof="0" dirty="0">
+                <a:ln>
+                  <a:noFill/>
+                </a:ln>
+                <a:solidFill>
+                  <a:prstClr val="white"/>
+                </a:solidFill>
+                <a:effectLst/>
+                <a:uLnTx/>
+                <a:uFillTx/>
+                <a:latin typeface="Calibri" panose="020F0502020204030204"/>
+                <a:ea typeface="+mn-ea"/>
+                <a:cs typeface="+mn-cs"/>
+              </a:rPr>
+              <a:t>/</a:t>
+            </a:r>
+            <a:r>
               <a:rPr kumimoji="0" lang="nl-NL" sz="1050" b="0" i="0" u="none" strike="noStrike" kern="1200" cap="none" spc="0" normalizeH="0" baseline="0" noProof="0" dirty="0" err="1">
                 <a:ln>
                   <a:noFill/>
@@ -11934,7 +11968,7 @@
                 <a:ea typeface="+mn-ea"/>
                 <a:cs typeface="+mn-cs"/>
               </a:rPr>
-              <a:t>ExitCam</a:t>
+              <a:t>exitcam</a:t>
             </a:r>
             <a:endParaRPr kumimoji="0" lang="en-US" sz="1050" b="0" i="0" u="none" strike="noStrike" kern="1200" cap="none" spc="0" normalizeH="0" baseline="0" noProof="0" dirty="0">
               <a:ln>
@@ -11967,8 +12001,8 @@
         </p:nvSpPr>
         <p:spPr>
           <a:xfrm>
-            <a:off x="8245098" y="2893886"/>
-            <a:ext cx="1063097" cy="273662"/>
+            <a:off x="8245098" y="2795723"/>
+            <a:ext cx="1262796" cy="469988"/>
           </a:xfrm>
           <a:prstGeom prst="roundRect">
             <a:avLst>
@@ -12020,6 +12054,23 @@
               <a:defRPr/>
             </a:pPr>
             <a:r>
+              <a:rPr kumimoji="0" lang="nl-NL" sz="1050" b="0" i="0" u="none" strike="noStrike" kern="1200" cap="none" spc="0" normalizeH="0" baseline="0" noProof="0" dirty="0">
+                <a:ln>
+                  <a:noFill/>
+                </a:ln>
+                <a:solidFill>
+                  <a:prstClr val="white"/>
+                </a:solidFill>
+                <a:effectLst/>
+                <a:uLnTx/>
+                <a:uFillTx/>
+                <a:latin typeface="Calibri" panose="020F0502020204030204"/>
+                <a:ea typeface="+mn-ea"/>
+                <a:cs typeface="+mn-cs"/>
+              </a:rPr>
+              <a:t>/</a:t>
+            </a:r>
+            <a:r>
               <a:rPr kumimoji="0" lang="nl-NL" sz="1050" b="0" i="0" u="none" strike="noStrike" kern="1200" cap="none" spc="0" normalizeH="0" baseline="0" noProof="0" dirty="0" err="1">
                 <a:ln>
                   <a:noFill/>
@@ -12034,7 +12085,91 @@
                 <a:ea typeface="+mn-ea"/>
                 <a:cs typeface="+mn-cs"/>
               </a:rPr>
-              <a:t>GetOwnerInfo</a:t>
+              <a:t>vehicleinfo</a:t>
+            </a:r>
+            <a:r>
+              <a:rPr kumimoji="0" lang="nl-NL" sz="1050" b="0" i="0" u="none" strike="noStrike" kern="1200" cap="none" spc="0" normalizeH="0" baseline="0" noProof="0" dirty="0">
+                <a:ln>
+                  <a:noFill/>
+                </a:ln>
+                <a:solidFill>
+                  <a:prstClr val="white"/>
+                </a:solidFill>
+                <a:effectLst/>
+                <a:uLnTx/>
+                <a:uFillTx/>
+                <a:latin typeface="Calibri" panose="020F0502020204030204"/>
+                <a:ea typeface="+mn-ea"/>
+                <a:cs typeface="+mn-cs"/>
+              </a:rPr>
+              <a:t>/</a:t>
+            </a:r>
+            <a:br>
+              <a:rPr kumimoji="0" lang="nl-NL" sz="1050" b="0" i="0" u="none" strike="noStrike" kern="1200" cap="none" spc="0" normalizeH="0" baseline="0" noProof="0" dirty="0">
+                <a:ln>
+                  <a:noFill/>
+                </a:ln>
+                <a:solidFill>
+                  <a:prstClr val="white"/>
+                </a:solidFill>
+                <a:effectLst/>
+                <a:uLnTx/>
+                <a:uFillTx/>
+                <a:latin typeface="Calibri" panose="020F0502020204030204"/>
+                <a:ea typeface="+mn-ea"/>
+                <a:cs typeface="+mn-cs"/>
+              </a:rPr>
+            </a:br>
+            <a:r>
+              <a:rPr kumimoji="0" lang="nl-NL" sz="1050" b="0" i="0" u="none" strike="noStrike" kern="1200" cap="none" spc="0" normalizeH="0" baseline="0" noProof="0" dirty="0">
+                <a:ln>
+                  <a:noFill/>
+                </a:ln>
+                <a:solidFill>
+                  <a:prstClr val="white"/>
+                </a:solidFill>
+                <a:effectLst/>
+                <a:uLnTx/>
+                <a:uFillTx/>
+                <a:latin typeface="Calibri" panose="020F0502020204030204"/>
+                <a:ea typeface="+mn-ea"/>
+                <a:cs typeface="+mn-cs"/>
+              </a:rPr>
+              <a:t>{</a:t>
+            </a:r>
+            <a:r>
+              <a:rPr kumimoji="0" lang="nl-NL" sz="1050" b="0" i="0" u="none" strike="noStrike" kern="1200" cap="none" spc="0" normalizeH="0" baseline="0" noProof="0" dirty="0" err="1">
+                <a:ln>
+                  <a:noFill/>
+                </a:ln>
+                <a:solidFill>
+                  <a:prstClr val="white"/>
+                </a:solidFill>
+                <a:effectLst/>
+                <a:uLnTx/>
+                <a:uFillTx/>
+                <a:latin typeface="Calibri" panose="020F0502020204030204"/>
+                <a:ea typeface="+mn-ea"/>
+                <a:cs typeface="+mn-cs"/>
+              </a:rPr>
+              <a:t>license-number</a:t>
+            </a:r>
+            <a:r>
+              <a:rPr kumimoji="0" lang="nl-NL" sz="1050" b="0" i="0" u="none" strike="noStrike" kern="1200" cap="none" spc="0" normalizeH="0" baseline="0" noProof="0" dirty="0">
+                <a:ln>
+                  <a:noFill/>
+                </a:ln>
+                <a:solidFill>
+                  <a:prstClr val="white"/>
+                </a:solidFill>
+                <a:effectLst/>
+                <a:uLnTx/>
+                <a:uFillTx/>
+                <a:latin typeface="Calibri" panose="020F0502020204030204"/>
+                <a:ea typeface="+mn-ea"/>
+                <a:cs typeface="+mn-cs"/>
+              </a:rPr>
+              <a:t>}</a:t>
             </a:r>
             <a:endParaRPr kumimoji="0" lang="en-US" sz="1050" b="0" i="0" u="none" strike="noStrike" kern="1200" cap="none" spc="0" normalizeH="0" baseline="0" noProof="0" dirty="0">
               <a:ln>
@@ -12120,13 +12255,22 @@
               <a:defRPr/>
             </a:pPr>
             <a:r>
+              <a:rPr lang="nl-NL" sz="1050" dirty="0">
+                <a:solidFill>
+                  <a:prstClr val="white"/>
+                </a:solidFill>
+                <a:latin typeface="Calibri" panose="020F0502020204030204"/>
+              </a:rPr>
+              <a:t>/</a:t>
+            </a:r>
+            <a:r>
               <a:rPr lang="nl-NL" sz="1050" dirty="0" err="1">
                 <a:solidFill>
                   <a:prstClr val="white"/>
                 </a:solidFill>
                 <a:latin typeface="Calibri" panose="020F0502020204030204"/>
               </a:rPr>
-              <a:t>CollectFine</a:t>
+              <a:t>collectfine</a:t>
             </a:r>
             <a:endParaRPr kumimoji="0" lang="en-US" sz="1050" b="0" i="0" u="none" strike="noStrike" kern="1200" cap="none" spc="0" normalizeH="0" baseline="0" noProof="0" dirty="0">
               <a:ln>
@@ -12406,7 +12550,137 @@
           <a:lstStyle/>
           <a:p>
             <a:pPr algn="ctr"/>
-            <a:endParaRPr lang="en-NL"/>
+            <a:endParaRPr lang="en-NL" dirty="0"/>
+          </a:p>
+        </p:txBody>
+      </p:sp>
+      <p:sp>
+        <p:nvSpPr>
+          <p:cNvPr id="72" name="TextBox 71">
+            <a:extLst>
+              <a:ext uri="{FF2B5EF4-FFF2-40B4-BE49-F238E27FC236}">
+                <a16:creationId xmlns:a16="http://schemas.microsoft.com/office/drawing/2014/main" id="{97FAC314-413F-42CB-BB6B-CCCD7EADE1DC}"/>
+              </a:ext>
+            </a:extLst>
+          </p:cNvPr>
+          <p:cNvSpPr txBox="1"/>
+          <p:nvPr/>
+        </p:nvSpPr>
+        <p:spPr>
+          <a:xfrm>
+            <a:off x="6975472" y="4972194"/>
+            <a:ext cx="1635384" cy="253916"/>
+          </a:xfrm>
+          <a:prstGeom prst="rect">
+            <a:avLst/>
+          </a:prstGeom>
+          <a:noFill/>
+        </p:spPr>
+        <p:txBody>
+          <a:bodyPr wrap="none" rtlCol="0">
+            <a:spAutoFit/>
+          </a:bodyPr>
+          <a:lstStyle/>
+          <a:p>
+            <a:pPr marL="0" marR="0" lvl="0" indent="0" algn="ctr" defTabSz="914400" rtl="0" eaLnBrk="1" fontAlgn="auto" latinLnBrk="0" hangingPunct="1">
+              <a:lnSpc>
+                <a:spcPct val="100000"/>
+              </a:lnSpc>
+              <a:spcBef>
+                <a:spcPts val="0"/>
+              </a:spcBef>
+              <a:spcAft>
+                <a:spcPts val="0"/>
+              </a:spcAft>
+              <a:buClrTx/>
+              <a:buSzTx/>
+              <a:buFontTx/>
+              <a:buNone/>
+              <a:tabLst/>
+              <a:defRPr/>
+            </a:pPr>
+            <a:r>
+              <a:rPr kumimoji="0" lang="nl-NL" sz="1050" b="1" i="0" u="none" strike="noStrike" kern="1200" cap="none" spc="0" normalizeH="0" baseline="0" noProof="0" dirty="0">
+                <a:ln>
+                  <a:noFill/>
+                </a:ln>
+                <a:solidFill>
+                  <a:prstClr val="black"/>
+                </a:solidFill>
+                <a:effectLst/>
+                <a:uLnTx/>
+                <a:uFillTx/>
+                <a:latin typeface="Calibri" panose="020F0502020204030204"/>
+                <a:ea typeface="+mn-ea"/>
+                <a:cs typeface="+mn-cs"/>
+              </a:rPr>
+              <a:t>GET </a:t>
+            </a:r>
+            <a:r>
+              <a:rPr kumimoji="0" lang="nl-NL" sz="1050" i="0" u="none" strike="noStrike" kern="1200" cap="none" spc="0" normalizeH="0" baseline="0" noProof="0" dirty="0">
+                <a:ln>
+                  <a:noFill/>
+                </a:ln>
+                <a:solidFill>
+                  <a:prstClr val="black"/>
+                </a:solidFill>
+                <a:effectLst/>
+                <a:uLnTx/>
+                <a:uFillTx/>
+                <a:latin typeface="Calibri" panose="020F0502020204030204"/>
+                <a:ea typeface="+mn-ea"/>
+                <a:cs typeface="+mn-cs"/>
+              </a:rPr>
+              <a:t>/</a:t>
+            </a:r>
+            <a:r>
+              <a:rPr kumimoji="0" lang="nl-NL" sz="1050" i="0" u="none" strike="noStrike" kern="1200" cap="none" spc="0" normalizeH="0" baseline="0" noProof="0" dirty="0" err="1">
+                <a:ln>
+                  <a:noFill/>
+                </a:ln>
+                <a:solidFill>
+                  <a:prstClr val="black"/>
+                </a:solidFill>
+                <a:effectLst/>
+                <a:uLnTx/>
+                <a:uFillTx/>
+                <a:latin typeface="Calibri" panose="020F0502020204030204"/>
+                <a:ea typeface="+mn-ea"/>
+                <a:cs typeface="+mn-cs"/>
+              </a:rPr>
+              <a:t>vehicleinfo</a:t>
+            </a:r>
+            <a:r>
+              <a:rPr kumimoji="0" lang="nl-NL" sz="1050" i="0" u="none" strike="noStrike" kern="1200" cap="none" spc="0" normalizeH="0" baseline="0" noProof="0" dirty="0">
+                <a:ln>
+                  <a:noFill/>
+                </a:ln>
+                <a:solidFill>
+                  <a:prstClr val="black"/>
+                </a:solidFill>
+                <a:effectLst/>
+                <a:uLnTx/>
+                <a:uFillTx/>
+                <a:latin typeface="Calibri" panose="020F0502020204030204"/>
+                <a:ea typeface="+mn-ea"/>
+                <a:cs typeface="+mn-cs"/>
+              </a:rPr>
+              <a:t>/13-XK-46</a:t>
+            </a:r>
+            <a:endParaRPr kumimoji="0" lang="nl-NL" sz="1050" b="1" i="0" u="none" strike="noStrike" kern="1200" cap="none" spc="0" normalizeH="0" baseline="0" noProof="0" dirty="0">
+              <a:ln>
+                <a:noFill/>
+              </a:ln>
+              <a:solidFill>
+                <a:prstClr val="black"/>
+              </a:solidFill>
+              <a:effectLst/>
+              <a:uLnTx/>
+              <a:uFillTx/>
+              <a:latin typeface="Calibri" panose="020F0502020204030204"/>
+              <a:ea typeface="+mn-ea"/>
+              <a:cs typeface="+mn-cs"/>
+            </a:endParaRPr>
           </a:p>
         </p:txBody>
       </p:sp>
@@ -12684,7 +12958,7 @@
         </p:nvSpPr>
         <p:spPr>
           <a:xfrm>
-            <a:off x="7858448" y="362867"/>
+            <a:off x="8176368" y="362867"/>
             <a:ext cx="1338194" cy="1433355"/>
           </a:xfrm>
           <a:prstGeom prst="roundRect">
@@ -13048,8 +13322,39 @@
                 <a:ea typeface="+mn-ea"/>
                 <a:cs typeface="+mn-cs"/>
               </a:rPr>
-              <a:t>Entry Cam</a:t>
-            </a:r>
+              <a:t>/</a:t>
+            </a:r>
+            <a:r>
+              <a:rPr kumimoji="0" lang="en-US" sz="1050" b="1" i="0" u="none" strike="noStrike" kern="1200" cap="none" spc="0" normalizeH="0" baseline="0" noProof="0" dirty="0" err="1">
+                <a:ln>
+                  <a:noFill/>
+                </a:ln>
+                <a:solidFill>
+                  <a:prstClr val="white"/>
+                </a:solidFill>
+                <a:effectLst/>
+                <a:uLnTx/>
+                <a:uFillTx/>
+                <a:latin typeface="Calibri" panose="020F0502020204030204"/>
+                <a:ea typeface="+mn-ea"/>
+                <a:cs typeface="+mn-cs"/>
+              </a:rPr>
+              <a:t>entrycam</a:t>
+            </a:r>
+            <a:endParaRPr kumimoji="0" lang="en-US" sz="1050" b="1" i="0" u="none" strike="noStrike" kern="1200" cap="none" spc="0" normalizeH="0" baseline="0" noProof="0" dirty="0">
+              <a:ln>
+                <a:noFill/>
+              </a:ln>
+              <a:solidFill>
+                <a:prstClr val="white"/>
+              </a:solidFill>
+              <a:effectLst/>
+              <a:uLnTx/>
+              <a:uFillTx/>
+              <a:latin typeface="Calibri" panose="020F0502020204030204"/>
+              <a:ea typeface="+mn-ea"/>
+              <a:cs typeface="+mn-cs"/>
+            </a:endParaRPr>
           </a:p>
         </p:txBody>
       </p:sp>
@@ -13067,7 +13372,7 @@
         </p:nvSpPr>
         <p:spPr>
           <a:xfrm>
-            <a:off x="8139604" y="821311"/>
+            <a:off x="8457524" y="821311"/>
             <a:ext cx="844839" cy="844839"/>
           </a:xfrm>
           <a:prstGeom prst="ellipse">
@@ -13134,8 +13439,31 @@
                 <a:ea typeface="+mn-ea"/>
                 <a:cs typeface="+mn-cs"/>
               </a:rPr>
-              <a:t>Get</a:t>
-            </a:r>
+              <a:t>/</a:t>
+            </a:r>
+            <a:r>
+              <a:rPr lang="en-US" sz="1050" b="1" dirty="0">
+                <a:solidFill>
+                  <a:prstClr val="white"/>
+                </a:solidFill>
+                <a:latin typeface="Calibri" panose="020F0502020204030204"/>
+              </a:rPr>
+              <a:t>vehicle</a:t>
+            </a:r>
+            <a:endParaRPr kumimoji="0" lang="en-US" sz="1050" b="1" i="0" u="none" strike="noStrike" kern="1200" cap="none" spc="0" normalizeH="0" baseline="0" noProof="0" dirty="0">
+              <a:ln>
+                <a:noFill/>
+              </a:ln>
+              <a:solidFill>
+                <a:prstClr val="white"/>
+              </a:solidFill>
+              <a:effectLst/>
+              <a:uLnTx/>
+              <a:uFillTx/>
+              <a:latin typeface="Calibri" panose="020F0502020204030204"/>
+              <a:ea typeface="+mn-ea"/>
+              <a:cs typeface="+mn-cs"/>
+            </a:endParaRPr>
           </a:p>
           <a:p>
             <a:pPr marL="0" marR="0" lvl="0" indent="0" algn="ctr" defTabSz="914400" rtl="0" eaLnBrk="1" fontAlgn="auto" latinLnBrk="0" hangingPunct="1">
@@ -13162,49 +13490,7 @@
                 </a:solidFill>
                 <a:latin typeface="Calibri" panose="020F0502020204030204"/>
               </a:rPr>
-              <a:t>Owner</a:t>
-            </a:r>
-            <a:endParaRPr kumimoji="0" lang="en-US" sz="1050" b="1" i="0" u="none" strike="noStrike" kern="1200" cap="none" spc="0" normalizeH="0" baseline="0" noProof="0" dirty="0">
-              <a:ln>
-                <a:noFill/>
-              </a:ln>
-              <a:solidFill>
-                <a:prstClr val="white"/>
-              </a:solidFill>
-              <a:effectLst/>
-              <a:uLnTx/>
-              <a:uFillTx/>
-              <a:latin typeface="Calibri" panose="020F0502020204030204"/>
-              <a:ea typeface="+mn-ea"/>
-              <a:cs typeface="+mn-cs"/>
-            </a:endParaRPr>
-          </a:p>
-          <a:p>
-            <a:pPr marL="0" marR="0" lvl="0" indent="0" algn="ctr" defTabSz="914400" rtl="0" eaLnBrk="1" fontAlgn="auto" latinLnBrk="0" hangingPunct="1">
-              <a:lnSpc>
-                <a:spcPct val="100000"/>
-              </a:lnSpc>
-              <a:spcBef>
-                <a:spcPts val="0"/>
-              </a:spcBef>
-              <a:spcAft>
-                <a:spcPts val="0"/>
-              </a:spcAft>
-              <a:buClrTx/>
-              <a:buSzTx/>
-              <a:buFontTx/>
-              <a:buNone/>
-              <a:tabLst/>
-              <a:defRPr/>
-            </a:pPr>
-            <a:r>
-              <a:rPr lang="en-US" sz="1050" b="1" dirty="0">
-                <a:solidFill>
-                  <a:prstClr val="white"/>
-                </a:solidFill>
-                <a:latin typeface="Calibri" panose="020F0502020204030204"/>
-              </a:rPr>
-              <a:t>Info</a:t>
+              <a:t>info</a:t>
             </a:r>
             <a:endParaRPr kumimoji="0" lang="en-US" sz="1050" b="1" i="0" u="none" strike="noStrike" kern="1200" cap="none" spc="0" normalizeH="0" baseline="0" noProof="0" dirty="0">
               <a:ln>
@@ -13304,7 +13590,7 @@
                 <a:ea typeface="+mn-ea"/>
                 <a:cs typeface="+mn-cs"/>
               </a:rPr>
-              <a:t>Collect</a:t>
+              <a:t>/collect</a:t>
             </a:r>
             <a:br>
               <a:rPr kumimoji="0" lang="en-US" sz="1050" b="1" i="0" u="none" strike="noStrike" kern="1200" cap="none" spc="0" normalizeH="0" baseline="0" noProof="0" dirty="0">
@@ -13337,7 +13623,7 @@
                 <a:ea typeface="+mn-ea"/>
                 <a:cs typeface="+mn-cs"/>
               </a:rPr>
-              <a:t>Fine</a:t>
+              <a:t>fine</a:t>
             </a:r>
           </a:p>
         </p:txBody>
@@ -13423,8 +13709,39 @@
                 <a:ea typeface="+mn-ea"/>
                 <a:cs typeface="+mn-cs"/>
               </a:rPr>
-              <a:t>Exit Cam</a:t>
-            </a:r>
+              <a:t>/</a:t>
+            </a:r>
+            <a:r>
+              <a:rPr kumimoji="0" lang="en-US" sz="1050" b="1" i="0" u="none" strike="noStrike" kern="1200" cap="none" spc="0" normalizeH="0" baseline="0" noProof="0" dirty="0" err="1">
+                <a:ln>
+                  <a:noFill/>
+                </a:ln>
+                <a:solidFill>
+                  <a:prstClr val="white"/>
+                </a:solidFill>
+                <a:effectLst/>
+                <a:uLnTx/>
+                <a:uFillTx/>
+                <a:latin typeface="Calibri" panose="020F0502020204030204"/>
+                <a:ea typeface="+mn-ea"/>
+                <a:cs typeface="+mn-cs"/>
+              </a:rPr>
+              <a:t>exitcam</a:t>
+            </a:r>
+            <a:endParaRPr kumimoji="0" lang="en-US" sz="1050" b="1" i="0" u="none" strike="noStrike" kern="1200" cap="none" spc="0" normalizeH="0" baseline="0" noProof="0" dirty="0">
+              <a:ln>
+                <a:noFill/>
+              </a:ln>
+              <a:solidFill>
+                <a:prstClr val="white"/>
+              </a:solidFill>
+              <a:effectLst/>
+              <a:uLnTx/>
+              <a:uFillTx/>
+              <a:latin typeface="Calibri" panose="020F0502020204030204"/>
+              <a:ea typeface="+mn-ea"/>
+              <a:cs typeface="+mn-cs"/>
+            </a:endParaRPr>
           </a:p>
         </p:txBody>
       </p:sp>
@@ -13655,8 +13972,8 @@
         </p:nvSpPr>
         <p:spPr>
           <a:xfrm>
-            <a:off x="2642969" y="1946948"/>
-            <a:ext cx="1170513" cy="253916"/>
+            <a:off x="2400147" y="1974941"/>
+            <a:ext cx="1487908" cy="253916"/>
           </a:xfrm>
           <a:prstGeom prst="rect">
             <a:avLst/>
@@ -13669,7 +13986,7 @@
           </a:bodyPr>
           <a:lstStyle/>
           <a:p>
-            <a:pPr marL="0" marR="0" lvl="0" indent="0" algn="ctr" defTabSz="914400" rtl="0" eaLnBrk="1" fontAlgn="auto" latinLnBrk="0" hangingPunct="1">
+            <a:pPr marL="0" marR="0" lvl="0" indent="0" defTabSz="914400" rtl="0" eaLnBrk="1" fontAlgn="auto" latinLnBrk="0" hangingPunct="1">
               <a:lnSpc>
                 <a:spcPct val="100000"/>
               </a:lnSpc>
@@ -13686,6 +14003,40 @@
               <a:tabLst/>
               <a:defRPr/>
             </a:pPr>
+            <a:r>
+              <a:rPr kumimoji="0" lang="nl-NL" sz="1050" b="1" i="0" u="none" strike="noStrike" kern="1200" cap="none" spc="0" normalizeH="0" baseline="0" noProof="0" dirty="0">
+                <a:ln>
+                  <a:noFill/>
+                </a:ln>
+                <a:solidFill>
+                  <a:prstClr val="black"/>
+                </a:solidFill>
+                <a:effectLst/>
+                <a:uLnTx/>
+                <a:uFillTx/>
+                <a:latin typeface="Calibri" panose="020F0502020204030204"/>
+                <a:ea typeface="+mn-ea"/>
+                <a:cs typeface="+mn-cs"/>
+              </a:rPr>
+              <a:t>POST</a:t>
+            </a:r>
+            <a:r>
+              <a:rPr kumimoji="0" lang="nl-NL" sz="1050" b="0" i="0" u="none" strike="noStrike" kern="1200" cap="none" spc="0" normalizeH="0" baseline="0" noProof="0" dirty="0">
+                <a:ln>
+                  <a:noFill/>
+                </a:ln>
+                <a:solidFill>
+                  <a:prstClr val="black"/>
+                </a:solidFill>
+                <a:effectLst/>
+                <a:uLnTx/>
+                <a:uFillTx/>
+                <a:latin typeface="Calibri" panose="020F0502020204030204"/>
+                <a:ea typeface="+mn-ea"/>
+                <a:cs typeface="+mn-cs"/>
+              </a:rPr>
+              <a:t> </a:t>
+            </a:r>
             <a:r>
               <a:rPr kumimoji="0" lang="nl-NL" sz="1050" b="0" i="0" u="none" strike="noStrike" kern="1200" cap="none" spc="0" normalizeH="0" baseline="0" noProof="0" dirty="0" err="1">
                 <a:ln>
@@ -13780,7 +14131,7 @@
         </p:nvCxnSpPr>
         <p:spPr>
           <a:xfrm flipH="1">
-            <a:off x="8536068" y="1666150"/>
+            <a:off x="8853988" y="1666150"/>
             <a:ext cx="25956" cy="4555097"/>
           </a:xfrm>
           <a:prstGeom prst="line">
@@ -13908,7 +14259,7 @@
         </p:nvSpPr>
         <p:spPr>
           <a:xfrm>
-            <a:off x="5248379" y="3914137"/>
+            <a:off x="5248379" y="3942130"/>
             <a:ext cx="1285929" cy="253916"/>
           </a:xfrm>
           <a:prstGeom prst="rect">
@@ -14065,8 +14416,8 @@
         </p:nvSpPr>
         <p:spPr>
           <a:xfrm>
-            <a:off x="2642969" y="2736252"/>
-            <a:ext cx="1170513" cy="253916"/>
+            <a:off x="2379876" y="2764245"/>
+            <a:ext cx="1487908" cy="253916"/>
           </a:xfrm>
           <a:prstGeom prst="rect">
             <a:avLst/>
@@ -14079,7 +14430,7 @@
           </a:bodyPr>
           <a:lstStyle/>
           <a:p>
-            <a:pPr marL="0" marR="0" lvl="0" indent="0" algn="ctr" defTabSz="914400" rtl="0" eaLnBrk="1" fontAlgn="auto" latinLnBrk="0" hangingPunct="1">
+            <a:pPr marL="0" marR="0" lvl="0" indent="0" defTabSz="914400" rtl="0" eaLnBrk="1" fontAlgn="auto" latinLnBrk="0" hangingPunct="1">
               <a:lnSpc>
                 <a:spcPct val="100000"/>
               </a:lnSpc>
@@ -14097,6 +14448,40 @@
               <a:defRPr/>
             </a:pPr>
             <a:r>
+              <a:rPr kumimoji="0" lang="nl-NL" sz="1050" b="1" i="0" u="none" strike="noStrike" kern="1200" cap="none" spc="0" normalizeH="0" baseline="0" noProof="0" dirty="0">
+                <a:ln>
+                  <a:noFill/>
+                </a:ln>
+                <a:solidFill>
+                  <a:prstClr val="black"/>
+                </a:solidFill>
+                <a:effectLst/>
+                <a:uLnTx/>
+                <a:uFillTx/>
+                <a:latin typeface="Calibri" panose="020F0502020204030204"/>
+                <a:ea typeface="+mn-ea"/>
+                <a:cs typeface="+mn-cs"/>
+              </a:rPr>
+              <a:t>POST</a:t>
+            </a:r>
+            <a:r>
+              <a:rPr kumimoji="0" lang="nl-NL" sz="1050" b="0" i="0" u="none" strike="noStrike" kern="1200" cap="none" spc="0" normalizeH="0" baseline="0" noProof="0" dirty="0">
+                <a:ln>
+                  <a:noFill/>
+                </a:ln>
+                <a:solidFill>
+                  <a:prstClr val="black"/>
+                </a:solidFill>
+                <a:effectLst/>
+                <a:uLnTx/>
+                <a:uFillTx/>
+                <a:latin typeface="Calibri" panose="020F0502020204030204"/>
+                <a:ea typeface="+mn-ea"/>
+                <a:cs typeface="+mn-cs"/>
+              </a:rPr>
+              <a:t> </a:t>
+            </a:r>
+            <a:r>
               <a:rPr kumimoji="0" lang="nl-NL" sz="1050" b="0" i="0" u="none" strike="noStrike" kern="1200" cap="none" spc="0" normalizeH="0" baseline="0" noProof="0" dirty="0" err="1">
                 <a:ln>
                   <a:noFill/>
@@ -14147,7 +14532,7 @@
         <p:spPr>
           <a:xfrm>
             <a:off x="7022792" y="5187240"/>
-            <a:ext cx="1504753" cy="0"/>
+            <a:ext cx="1822673" cy="0"/>
           </a:xfrm>
           <a:prstGeom prst="straightConnector1">
             <a:avLst/>
@@ -14171,85 +14556,6 @@
           </a:fontRef>
         </p:style>
       </p:cxnSp>
-      <p:sp>
-        <p:nvSpPr>
-          <p:cNvPr id="72" name="TextBox 71">
-            <a:extLst>
-              <a:ext uri="{FF2B5EF4-FFF2-40B4-BE49-F238E27FC236}">
-                <a16:creationId xmlns:a16="http://schemas.microsoft.com/office/drawing/2014/main" id="{97FAC314-413F-42CB-BB6B-CCCD7EADE1DC}"/>
-              </a:ext>
-            </a:extLst>
-          </p:cNvPr>
-          <p:cNvSpPr txBox="1"/>
-          <p:nvPr/>
-        </p:nvSpPr>
-        <p:spPr>
-          <a:xfrm>
-            <a:off x="6994270" y="4925539"/>
-            <a:ext cx="968535" cy="253916"/>
-          </a:xfrm>
-          <a:prstGeom prst="rect">
-            <a:avLst/>
-          </a:prstGeom>
-          <a:noFill/>
-        </p:spPr>
-        <p:txBody>
-          <a:bodyPr wrap="none" rtlCol="0">
-            <a:spAutoFit/>
-          </a:bodyPr>
-          <a:lstStyle/>
-          <a:p>
-            <a:pPr marL="0" marR="0" lvl="0" indent="0" algn="ctr" defTabSz="914400" rtl="0" eaLnBrk="1" fontAlgn="auto" latinLnBrk="0" hangingPunct="1">
-              <a:lnSpc>
-                <a:spcPct val="100000"/>
-              </a:lnSpc>
-              <a:spcBef>
-                <a:spcPts val="0"/>
-              </a:spcBef>
-              <a:spcAft>
-                <a:spcPts val="0"/>
-              </a:spcAft>
-              <a:buClrTx/>
-              <a:buSzTx/>
-              <a:buFontTx/>
-              <a:buNone/>
-              <a:tabLst/>
-              <a:defRPr/>
-            </a:pPr>
-            <a:r>
-              <a:rPr kumimoji="0" lang="nl-NL" sz="1050" b="0" i="0" u="none" strike="noStrike" kern="1200" cap="none" spc="0" normalizeH="0" baseline="0" noProof="0" dirty="0" err="1">
-                <a:ln>
-                  <a:noFill/>
-                </a:ln>
-                <a:solidFill>
-                  <a:prstClr val="black"/>
-                </a:solidFill>
-                <a:effectLst/>
-                <a:uLnTx/>
-                <a:uFillTx/>
-                <a:latin typeface="Calibri" panose="020F0502020204030204"/>
-                <a:ea typeface="+mn-ea"/>
-                <a:cs typeface="+mn-cs"/>
-              </a:rPr>
-              <a:t>GetOwnerInfo</a:t>
-            </a:r>
-            <a:endParaRPr kumimoji="0" lang="nl-NL" sz="1050" b="0" i="0" u="none" strike="noStrike" kern="1200" cap="none" spc="0" normalizeH="0" baseline="0" noProof="0" dirty="0">
-              <a:ln>
-                <a:noFill/>
-              </a:ln>
-              <a:solidFill>
-                <a:prstClr val="black"/>
-              </a:solidFill>
-              <a:effectLst/>
-              <a:uLnTx/>
-              <a:uFillTx/>
-              <a:latin typeface="Calibri" panose="020F0502020204030204"/>
-              <a:ea typeface="+mn-ea"/>
-              <a:cs typeface="+mn-cs"/>
-            </a:endParaRPr>
-          </a:p>
-        </p:txBody>
-      </p:sp>
       <p:cxnSp>
         <p:nvCxnSpPr>
           <p:cNvPr id="73" name="Straight Arrow Connector 72">
@@ -14267,7 +14573,7 @@
         <p:spPr>
           <a:xfrm>
             <a:off x="7018945" y="5334859"/>
-            <a:ext cx="1510474" cy="0"/>
+            <a:ext cx="1826520" cy="0"/>
           </a:xfrm>
           <a:prstGeom prst="straightConnector1">
             <a:avLst/>
@@ -14405,196 +14711,6 @@
           </a:p>
         </p:txBody>
       </p:sp>
-      <p:grpSp>
-        <p:nvGrpSpPr>
-          <p:cNvPr id="26" name="Group 25">
-            <a:extLst>
-              <a:ext uri="{FF2B5EF4-FFF2-40B4-BE49-F238E27FC236}">
-                <a16:creationId xmlns:a16="http://schemas.microsoft.com/office/drawing/2014/main" id="{19054E3D-492D-4612-BF13-59DE3ADE57D3}"/>
-              </a:ext>
-            </a:extLst>
-          </p:cNvPr>
-          <p:cNvGrpSpPr/>
-          <p:nvPr/>
-        </p:nvGrpSpPr>
-        <p:grpSpPr>
-          <a:xfrm>
-            <a:off x="2520062" y="2019386"/>
-            <a:ext cx="162636" cy="115101"/>
-            <a:chOff x="10585174" y="1490390"/>
-            <a:chExt cx="407492" cy="286109"/>
-          </a:xfrm>
-        </p:grpSpPr>
-        <p:sp>
-          <p:nvSpPr>
-            <p:cNvPr id="13" name="Rectangle 12">
-              <a:extLst>
-                <a:ext uri="{FF2B5EF4-FFF2-40B4-BE49-F238E27FC236}">
-                  <a16:creationId xmlns:a16="http://schemas.microsoft.com/office/drawing/2014/main" id="{5600122B-FECC-47DF-A028-A27A9FE62F43}"/>
-                </a:ext>
-              </a:extLst>
-            </p:cNvPr>
-            <p:cNvSpPr/>
-            <p:nvPr/>
-          </p:nvSpPr>
-          <p:spPr>
-            <a:xfrm>
-              <a:off x="10585174" y="1490390"/>
-              <a:ext cx="407492" cy="286109"/>
-            </a:xfrm>
-            <a:prstGeom prst="rect">
-              <a:avLst/>
-            </a:prstGeom>
-            <a:solidFill>
-              <a:srgbClr val="FFFFCC"/>
-            </a:solidFill>
-            <a:ln>
-              <a:solidFill>
-                <a:srgbClr val="002060"/>
-              </a:solidFill>
-            </a:ln>
-          </p:spPr>
-          <p:style>
-            <a:lnRef idx="2">
-              <a:schemeClr val="accent1">
-                <a:shade val="50000"/>
-              </a:schemeClr>
-            </a:lnRef>
-            <a:fillRef idx="1">
-              <a:schemeClr val="accent1"/>
-            </a:fillRef>
-            <a:effectRef idx="0">
-              <a:schemeClr val="accent1"/>
-            </a:effectRef>
-            <a:fontRef idx="minor">
-              <a:schemeClr val="lt1"/>
-            </a:fontRef>
-          </p:style>
-          <p:txBody>
-            <a:bodyPr rtlCol="0" anchor="ctr"/>
-            <a:lstStyle/>
-            <a:p>
-              <a:pPr marL="0" marR="0" lvl="0" indent="0" algn="ctr" defTabSz="914400" rtl="0" eaLnBrk="1" fontAlgn="auto" latinLnBrk="0" hangingPunct="1">
-                <a:lnSpc>
-                  <a:spcPct val="100000"/>
-                </a:lnSpc>
-                <a:spcBef>
-                  <a:spcPts val="0"/>
-                </a:spcBef>
-                <a:spcAft>
-                  <a:spcPts val="0"/>
-                </a:spcAft>
-                <a:buClrTx/>
-                <a:buSzTx/>
-                <a:buFontTx/>
-                <a:buNone/>
-                <a:tabLst/>
-                <a:defRPr/>
-              </a:pPr>
-              <a:endParaRPr kumimoji="0" lang="en-US" sz="1800" b="0" i="0" u="none" strike="noStrike" kern="1200" cap="none" spc="0" normalizeH="0" baseline="0" noProof="0">
-                <a:ln>
-                  <a:noFill/>
-                </a:ln>
-                <a:solidFill>
-                  <a:prstClr val="white"/>
-                </a:solidFill>
-                <a:effectLst/>
-                <a:uLnTx/>
-                <a:uFillTx/>
-                <a:latin typeface="Calibri" panose="020F0502020204030204"/>
-                <a:ea typeface="+mn-ea"/>
-                <a:cs typeface="+mn-cs"/>
-              </a:endParaRPr>
-            </a:p>
-          </p:txBody>
-        </p:sp>
-        <p:cxnSp>
-          <p:nvCxnSpPr>
-            <p:cNvPr id="15" name="Straight Connector 14">
-              <a:extLst>
-                <a:ext uri="{FF2B5EF4-FFF2-40B4-BE49-F238E27FC236}">
-                  <a16:creationId xmlns:a16="http://schemas.microsoft.com/office/drawing/2014/main" id="{72C7101A-AE59-4DB6-8450-A64895EA5ABB}"/>
-                </a:ext>
-              </a:extLst>
-            </p:cNvPr>
-            <p:cNvCxnSpPr>
-              <a:cxnSpLocks/>
-            </p:cNvCxnSpPr>
-            <p:nvPr/>
-          </p:nvCxnSpPr>
-          <p:spPr>
-            <a:xfrm>
-              <a:off x="10585174" y="1490390"/>
-              <a:ext cx="207286" cy="246970"/>
-            </a:xfrm>
-            <a:prstGeom prst="line">
-              <a:avLst/>
-            </a:prstGeom>
-            <a:ln w="12700">
-              <a:solidFill>
-                <a:srgbClr val="002060"/>
-              </a:solidFill>
-            </a:ln>
-          </p:spPr>
-          <p:style>
-            <a:lnRef idx="1">
-              <a:schemeClr val="accent1"/>
-            </a:lnRef>
-            <a:fillRef idx="0">
-              <a:schemeClr val="accent1"/>
-            </a:fillRef>
-            <a:effectRef idx="0">
-              <a:schemeClr val="accent1"/>
-            </a:effectRef>
-            <a:fontRef idx="minor">
-              <a:schemeClr val="tx1"/>
-            </a:fontRef>
-          </p:style>
-        </p:cxnSp>
-        <p:cxnSp>
-          <p:nvCxnSpPr>
-            <p:cNvPr id="81" name="Straight Connector 80">
-              <a:extLst>
-                <a:ext uri="{FF2B5EF4-FFF2-40B4-BE49-F238E27FC236}">
-                  <a16:creationId xmlns:a16="http://schemas.microsoft.com/office/drawing/2014/main" id="{6C800649-0B39-49D8-A111-118BBF5FC02A}"/>
-                </a:ext>
-              </a:extLst>
-            </p:cNvPr>
-            <p:cNvCxnSpPr>
-              <a:cxnSpLocks/>
-            </p:cNvCxnSpPr>
-            <p:nvPr/>
-          </p:nvCxnSpPr>
-          <p:spPr>
-            <a:xfrm flipH="1">
-              <a:off x="10788015" y="1490390"/>
-              <a:ext cx="201111" cy="243160"/>
-            </a:xfrm>
-            <a:prstGeom prst="line">
-              <a:avLst/>
-            </a:prstGeom>
-            <a:ln w="12700">
-              <a:solidFill>
-                <a:srgbClr val="002060"/>
-              </a:solidFill>
-            </a:ln>
-          </p:spPr>
-          <p:style>
-            <a:lnRef idx="1">
-              <a:schemeClr val="accent1"/>
-            </a:lnRef>
-            <a:fillRef idx="0">
-              <a:schemeClr val="accent1"/>
-            </a:fillRef>
-            <a:effectRef idx="0">
-              <a:schemeClr val="accent1"/>
-            </a:effectRef>
-            <a:fontRef idx="minor">
-              <a:schemeClr val="tx1"/>
-            </a:fontRef>
-          </p:style>
-        </p:cxnSp>
-      </p:grpSp>
       <p:sp>
         <p:nvSpPr>
           <p:cNvPr id="94" name="TextBox 93">
@@ -14747,8 +14863,8 @@
         </p:nvSpPr>
         <p:spPr>
           <a:xfrm>
-            <a:off x="5242060" y="4080699"/>
-            <a:ext cx="788999" cy="253916"/>
+            <a:off x="5242060" y="4108692"/>
+            <a:ext cx="1494320" cy="253916"/>
           </a:xfrm>
           <a:prstGeom prst="rect">
             <a:avLst/>
@@ -14779,6 +14895,40 @@
               <a:defRPr/>
             </a:pPr>
             <a:r>
+              <a:rPr kumimoji="0" lang="nl-NL" sz="1050" b="1" i="0" u="none" strike="noStrike" kern="1200" cap="none" spc="0" normalizeH="0" baseline="0" noProof="0" dirty="0">
+                <a:ln>
+                  <a:noFill/>
+                </a:ln>
+                <a:solidFill>
+                  <a:prstClr val="black"/>
+                </a:solidFill>
+                <a:effectLst/>
+                <a:uLnTx/>
+                <a:uFillTx/>
+                <a:latin typeface="Calibri" panose="020F0502020204030204"/>
+                <a:ea typeface="+mn-ea"/>
+                <a:cs typeface="+mn-cs"/>
+              </a:rPr>
+              <a:t>POST</a:t>
+            </a:r>
+            <a:r>
+              <a:rPr kumimoji="0" lang="nl-NL" sz="1050" b="0" i="0" u="none" strike="noStrike" kern="1200" cap="none" spc="0" normalizeH="0" baseline="0" noProof="0" dirty="0">
+                <a:ln>
+                  <a:noFill/>
+                </a:ln>
+                <a:solidFill>
+                  <a:prstClr val="black"/>
+                </a:solidFill>
+                <a:effectLst/>
+                <a:uLnTx/>
+                <a:uFillTx/>
+                <a:latin typeface="Calibri" panose="020F0502020204030204"/>
+                <a:ea typeface="+mn-ea"/>
+                <a:cs typeface="+mn-cs"/>
+              </a:rPr>
+              <a:t> </a:t>
+            </a:r>
+            <a:r>
               <a:rPr kumimoji="0" lang="nl-NL" sz="1050" b="0" i="0" u="none" strike="noStrike" kern="1200" cap="none" spc="0" normalizeH="0" baseline="0" noProof="0" dirty="0" err="1">
                 <a:ln>
                   <a:noFill/>
@@ -14793,7 +14943,7 @@
                 <a:ea typeface="+mn-ea"/>
                 <a:cs typeface="+mn-cs"/>
               </a:rPr>
-              <a:t>CollectFine</a:t>
+              <a:t>SpeedingViolation</a:t>
             </a:r>
             <a:endParaRPr kumimoji="0" lang="nl-NL" sz="1050" b="0" i="0" u="none" strike="noStrike" kern="1200" cap="none" spc="0" normalizeH="0" baseline="0" noProof="0" dirty="0">
               <a:ln>
@@ -14812,196 +14962,6 @@
           </a:p>
         </p:txBody>
       </p:sp>
-      <p:grpSp>
-        <p:nvGrpSpPr>
-          <p:cNvPr id="104" name="Group 103">
-            <a:extLst>
-              <a:ext uri="{FF2B5EF4-FFF2-40B4-BE49-F238E27FC236}">
-                <a16:creationId xmlns:a16="http://schemas.microsoft.com/office/drawing/2014/main" id="{EB9A319F-31BF-4CC3-B34B-70CA7BCA5B60}"/>
-              </a:ext>
-            </a:extLst>
-          </p:cNvPr>
-          <p:cNvGrpSpPr/>
-          <p:nvPr/>
-        </p:nvGrpSpPr>
-        <p:grpSpPr>
-          <a:xfrm>
-            <a:off x="2530001" y="2812106"/>
-            <a:ext cx="162636" cy="115101"/>
-            <a:chOff x="10585174" y="1490390"/>
-            <a:chExt cx="407492" cy="286109"/>
-          </a:xfrm>
-        </p:grpSpPr>
-        <p:sp>
-          <p:nvSpPr>
-            <p:cNvPr id="105" name="Rectangle 104">
-              <a:extLst>
-                <a:ext uri="{FF2B5EF4-FFF2-40B4-BE49-F238E27FC236}">
-                  <a16:creationId xmlns:a16="http://schemas.microsoft.com/office/drawing/2014/main" id="{7032EA70-9707-4039-8F02-3AE4535CD77D}"/>
-                </a:ext>
-              </a:extLst>
-            </p:cNvPr>
-            <p:cNvSpPr/>
-            <p:nvPr/>
-          </p:nvSpPr>
-          <p:spPr>
-            <a:xfrm>
-              <a:off x="10585174" y="1490390"/>
-              <a:ext cx="407492" cy="286109"/>
-            </a:xfrm>
-            <a:prstGeom prst="rect">
-              <a:avLst/>
-            </a:prstGeom>
-            <a:solidFill>
-              <a:srgbClr val="FFFFCC"/>
-            </a:solidFill>
-            <a:ln>
-              <a:solidFill>
-                <a:srgbClr val="002060"/>
-              </a:solidFill>
-            </a:ln>
-          </p:spPr>
-          <p:style>
-            <a:lnRef idx="2">
-              <a:schemeClr val="accent1">
-                <a:shade val="50000"/>
-              </a:schemeClr>
-            </a:lnRef>
-            <a:fillRef idx="1">
-              <a:schemeClr val="accent1"/>
-            </a:fillRef>
-            <a:effectRef idx="0">
-              <a:schemeClr val="accent1"/>
-            </a:effectRef>
-            <a:fontRef idx="minor">
-              <a:schemeClr val="lt1"/>
-            </a:fontRef>
-          </p:style>
-          <p:txBody>
-            <a:bodyPr rtlCol="0" anchor="ctr"/>
-            <a:lstStyle/>
-            <a:p>
-              <a:pPr marL="0" marR="0" lvl="0" indent="0" algn="ctr" defTabSz="914400" rtl="0" eaLnBrk="1" fontAlgn="auto" latinLnBrk="0" hangingPunct="1">
-                <a:lnSpc>
-                  <a:spcPct val="100000"/>
-                </a:lnSpc>
-                <a:spcBef>
-                  <a:spcPts val="0"/>
-                </a:spcBef>
-                <a:spcAft>
-                  <a:spcPts val="0"/>
-                </a:spcAft>
-                <a:buClrTx/>
-                <a:buSzTx/>
-                <a:buFontTx/>
-                <a:buNone/>
-                <a:tabLst/>
-                <a:defRPr/>
-              </a:pPr>
-              <a:endParaRPr kumimoji="0" lang="en-US" sz="1800" b="0" i="0" u="none" strike="noStrike" kern="1200" cap="none" spc="0" normalizeH="0" baseline="0" noProof="0">
-                <a:ln>
-                  <a:noFill/>
-                </a:ln>
-                <a:solidFill>
-                  <a:prstClr val="white"/>
-                </a:solidFill>
-                <a:effectLst/>
-                <a:uLnTx/>
-                <a:uFillTx/>
-                <a:latin typeface="Calibri" panose="020F0502020204030204"/>
-                <a:ea typeface="+mn-ea"/>
-                <a:cs typeface="+mn-cs"/>
-              </a:endParaRPr>
-            </a:p>
-          </p:txBody>
-        </p:sp>
-        <p:cxnSp>
-          <p:nvCxnSpPr>
-            <p:cNvPr id="106" name="Straight Connector 105">
-              <a:extLst>
-                <a:ext uri="{FF2B5EF4-FFF2-40B4-BE49-F238E27FC236}">
-                  <a16:creationId xmlns:a16="http://schemas.microsoft.com/office/drawing/2014/main" id="{5B68B218-8AA2-4827-ACC9-8E8D91511848}"/>
-                </a:ext>
-              </a:extLst>
-            </p:cNvPr>
-            <p:cNvCxnSpPr>
-              <a:cxnSpLocks/>
-            </p:cNvCxnSpPr>
-            <p:nvPr/>
-          </p:nvCxnSpPr>
-          <p:spPr>
-            <a:xfrm>
-              <a:off x="10585174" y="1490390"/>
-              <a:ext cx="207286" cy="246970"/>
-            </a:xfrm>
-            <a:prstGeom prst="line">
-              <a:avLst/>
-            </a:prstGeom>
-            <a:ln w="12700">
-              <a:solidFill>
-                <a:srgbClr val="002060"/>
-              </a:solidFill>
-            </a:ln>
-          </p:spPr>
-          <p:style>
-            <a:lnRef idx="1">
-              <a:schemeClr val="accent1"/>
-            </a:lnRef>
-            <a:fillRef idx="0">
-              <a:schemeClr val="accent1"/>
-            </a:fillRef>
-            <a:effectRef idx="0">
-              <a:schemeClr val="accent1"/>
-            </a:effectRef>
-            <a:fontRef idx="minor">
-              <a:schemeClr val="tx1"/>
-            </a:fontRef>
-          </p:style>
-        </p:cxnSp>
-        <p:cxnSp>
-          <p:nvCxnSpPr>
-            <p:cNvPr id="107" name="Straight Connector 106">
-              <a:extLst>
-                <a:ext uri="{FF2B5EF4-FFF2-40B4-BE49-F238E27FC236}">
-                  <a16:creationId xmlns:a16="http://schemas.microsoft.com/office/drawing/2014/main" id="{4E8E5DD9-34E9-4BA7-A29A-1AF808129C7A}"/>
-                </a:ext>
-              </a:extLst>
-            </p:cNvPr>
-            <p:cNvCxnSpPr>
-              <a:cxnSpLocks/>
-            </p:cNvCxnSpPr>
-            <p:nvPr/>
-          </p:nvCxnSpPr>
-          <p:spPr>
-            <a:xfrm flipH="1">
-              <a:off x="10788015" y="1490390"/>
-              <a:ext cx="201111" cy="243160"/>
-            </a:xfrm>
-            <a:prstGeom prst="line">
-              <a:avLst/>
-            </a:prstGeom>
-            <a:ln w="12700">
-              <a:solidFill>
-                <a:srgbClr val="002060"/>
-              </a:solidFill>
-            </a:ln>
-          </p:spPr>
-          <p:style>
-            <a:lnRef idx="1">
-              <a:schemeClr val="accent1"/>
-            </a:lnRef>
-            <a:fillRef idx="0">
-              <a:schemeClr val="accent1"/>
-            </a:fillRef>
-            <a:effectRef idx="0">
-              <a:schemeClr val="accent1"/>
-            </a:effectRef>
-            <a:fontRef idx="minor">
-              <a:schemeClr val="tx1"/>
-            </a:fontRef>
-          </p:style>
-        </p:cxnSp>
-      </p:grpSp>
       <p:grpSp>
         <p:nvGrpSpPr>
           <p:cNvPr id="244" name="Group 243">
@@ -15544,7 +15504,7 @@
         <p:spPr>
           <a:xfrm>
             <a:off x="7018945" y="5747680"/>
-            <a:ext cx="1794469" cy="0"/>
+            <a:ext cx="2270203" cy="0"/>
           </a:xfrm>
           <a:prstGeom prst="straightConnector1">
             <a:avLst/>
@@ -15582,7 +15542,7 @@
         </p:nvSpPr>
         <p:spPr>
           <a:xfrm>
-            <a:off x="7018945" y="5493764"/>
+            <a:off x="6978428" y="5531241"/>
             <a:ext cx="784190" cy="253916"/>
           </a:xfrm>
           <a:prstGeom prst="rect">
@@ -15664,7 +15624,7 @@
         </p:nvSpPr>
         <p:spPr>
           <a:xfrm>
-            <a:off x="8813414" y="5519536"/>
+            <a:off x="9289148" y="5519536"/>
             <a:ext cx="569363" cy="412403"/>
           </a:xfrm>
           <a:prstGeom prst="cloud">
@@ -16126,7 +16086,7 @@
         <p:spPr>
           <a:xfrm>
             <a:off x="6052586" y="4315211"/>
-            <a:ext cx="3881109" cy="1181100"/>
+            <a:ext cx="4044315" cy="1181100"/>
           </a:xfrm>
           <a:prstGeom prst="roundRect">
             <a:avLst/>
@@ -16177,7 +16137,7 @@
         <p:spPr>
           <a:xfrm>
             <a:off x="6052586" y="2689534"/>
-            <a:ext cx="3881109" cy="1181100"/>
+            <a:ext cx="4044315" cy="1181100"/>
           </a:xfrm>
           <a:prstGeom prst="roundRect">
             <a:avLst/>
@@ -16228,7 +16188,7 @@
         <p:spPr>
           <a:xfrm>
             <a:off x="6052586" y="517961"/>
-            <a:ext cx="3881109" cy="1181100"/>
+            <a:ext cx="4044315" cy="1181100"/>
           </a:xfrm>
           <a:prstGeom prst="roundRect">
             <a:avLst/>
@@ -16278,8 +16238,8 @@
         </p:nvSpPr>
         <p:spPr>
           <a:xfrm>
-            <a:off x="7718099" y="4495140"/>
-            <a:ext cx="2010456" cy="796566"/>
+            <a:off x="7718098" y="4495140"/>
+            <a:ext cx="2200335" cy="796566"/>
           </a:xfrm>
           <a:prstGeom prst="rect">
             <a:avLst/>
@@ -16310,7 +16270,7 @@
           </a:fontRef>
         </p:style>
         <p:txBody>
-          <a:bodyPr lIns="828000" rtlCol="0" anchor="ctr"/>
+          <a:bodyPr lIns="972000" rIns="0" rtlCol="0" anchor="ctr"/>
           <a:lstStyle/>
           <a:p>
             <a:pPr marL="0" marR="0" lvl="0" indent="0" algn="ctr" defTabSz="914400" rtl="0" eaLnBrk="1" fontAlgn="auto" latinLnBrk="0" hangingPunct="1">
@@ -16592,8 +16552,8 @@
         </p:nvSpPr>
         <p:spPr>
           <a:xfrm>
-            <a:off x="7718099" y="702470"/>
-            <a:ext cx="2010456" cy="796566"/>
+            <a:off x="7718098" y="702470"/>
+            <a:ext cx="2200335" cy="796566"/>
           </a:xfrm>
           <a:prstGeom prst="rect">
             <a:avLst/>
@@ -16764,8 +16724,8 @@
         </p:nvSpPr>
         <p:spPr>
           <a:xfrm>
-            <a:off x="7718100" y="2869463"/>
-            <a:ext cx="2010456" cy="801146"/>
+            <a:off x="7718099" y="2869463"/>
+            <a:ext cx="2200335" cy="801146"/>
           </a:xfrm>
           <a:prstGeom prst="rect">
             <a:avLst/>
@@ -16995,6 +16955,23 @@
               <a:defRPr/>
             </a:pPr>
             <a:r>
+              <a:rPr kumimoji="0" lang="nl-NL" sz="1050" b="0" i="0" u="none" strike="noStrike" kern="1200" cap="none" spc="0" normalizeH="0" baseline="0" noProof="0" dirty="0">
+                <a:ln>
+                  <a:noFill/>
+                </a:ln>
+                <a:solidFill>
+                  <a:prstClr val="white"/>
+                </a:solidFill>
+                <a:effectLst/>
+                <a:uLnTx/>
+                <a:uFillTx/>
+                <a:latin typeface="Calibri" panose="020F0502020204030204"/>
+                <a:ea typeface="+mn-ea"/>
+                <a:cs typeface="+mn-cs"/>
+              </a:rPr>
+              <a:t>/</a:t>
+            </a:r>
+            <a:r>
               <a:rPr kumimoji="0" lang="nl-NL" sz="1050" b="0" i="0" u="none" strike="noStrike" kern="1200" cap="none" spc="0" normalizeH="0" baseline="0" noProof="0" dirty="0" err="1">
                 <a:ln>
                   <a:noFill/>
@@ -17009,7 +16986,7 @@
                 <a:ea typeface="+mn-ea"/>
                 <a:cs typeface="+mn-cs"/>
               </a:rPr>
-              <a:t>EntryCam</a:t>
+              <a:t>entrycam</a:t>
             </a:r>
             <a:endParaRPr kumimoji="0" lang="en-US" sz="1050" b="0" i="0" u="none" strike="noStrike" kern="1200" cap="none" spc="0" normalizeH="0" baseline="0" noProof="0" dirty="0">
               <a:ln>
@@ -17095,6 +17072,23 @@
               <a:defRPr/>
             </a:pPr>
             <a:r>
+              <a:rPr kumimoji="0" lang="nl-NL" sz="1050" b="0" i="0" u="none" strike="noStrike" kern="1200" cap="none" spc="0" normalizeH="0" baseline="0" noProof="0" dirty="0">
+                <a:ln>
+                  <a:noFill/>
+                </a:ln>
+                <a:solidFill>
+                  <a:prstClr val="white"/>
+                </a:solidFill>
+                <a:effectLst/>
+                <a:uLnTx/>
+                <a:uFillTx/>
+                <a:latin typeface="Calibri" panose="020F0502020204030204"/>
+                <a:ea typeface="+mn-ea"/>
+                <a:cs typeface="+mn-cs"/>
+              </a:rPr>
+              <a:t>/</a:t>
+            </a:r>
+            <a:r>
               <a:rPr kumimoji="0" lang="nl-NL" sz="1050" b="0" i="0" u="none" strike="noStrike" kern="1200" cap="none" spc="0" normalizeH="0" baseline="0" noProof="0" dirty="0" err="1">
                 <a:ln>
                   <a:noFill/>
@@ -17109,7 +17103,7 @@
                 <a:ea typeface="+mn-ea"/>
                 <a:cs typeface="+mn-cs"/>
               </a:rPr>
-              <a:t>ExitCam</a:t>
+              <a:t>exitcam</a:t>
             </a:r>
             <a:endParaRPr kumimoji="0" lang="en-US" sz="1050" b="0" i="0" u="none" strike="noStrike" kern="1200" cap="none" spc="0" normalizeH="0" baseline="0" noProof="0" dirty="0">
               <a:ln>
@@ -17142,8 +17136,8 @@
         </p:nvSpPr>
         <p:spPr>
           <a:xfrm>
-            <a:off x="7511956" y="4760728"/>
-            <a:ext cx="1063097" cy="273662"/>
+            <a:off x="7511956" y="4703500"/>
+            <a:ext cx="1277481" cy="388118"/>
           </a:xfrm>
           <a:prstGeom prst="roundRect">
             <a:avLst>
@@ -17195,6 +17189,23 @@
               <a:defRPr/>
             </a:pPr>
             <a:r>
+              <a:rPr kumimoji="0" lang="nl-NL" sz="1050" b="0" i="0" u="none" strike="noStrike" kern="1200" cap="none" spc="0" normalizeH="0" baseline="0" noProof="0" dirty="0">
+                <a:ln>
+                  <a:noFill/>
+                </a:ln>
+                <a:solidFill>
+                  <a:prstClr val="white"/>
+                </a:solidFill>
+                <a:effectLst/>
+                <a:uLnTx/>
+                <a:uFillTx/>
+                <a:latin typeface="Calibri" panose="020F0502020204030204"/>
+                <a:ea typeface="+mn-ea"/>
+                <a:cs typeface="+mn-cs"/>
+              </a:rPr>
+              <a:t>/</a:t>
+            </a:r>
+            <a:r>
               <a:rPr kumimoji="0" lang="nl-NL" sz="1050" b="0" i="0" u="none" strike="noStrike" kern="1200" cap="none" spc="0" normalizeH="0" baseline="0" noProof="0" dirty="0" err="1">
                 <a:ln>
                   <a:noFill/>
@@ -17209,7 +17220,91 @@
                 <a:ea typeface="+mn-ea"/>
                 <a:cs typeface="+mn-cs"/>
               </a:rPr>
-              <a:t>GetOwnerInfo</a:t>
+              <a:t>vehicleinfo</a:t>
+            </a:r>
+            <a:r>
+              <a:rPr kumimoji="0" lang="nl-NL" sz="1050" b="0" i="0" u="none" strike="noStrike" kern="1200" cap="none" spc="0" normalizeH="0" baseline="0" noProof="0" dirty="0">
+                <a:ln>
+                  <a:noFill/>
+                </a:ln>
+                <a:solidFill>
+                  <a:prstClr val="white"/>
+                </a:solidFill>
+                <a:effectLst/>
+                <a:uLnTx/>
+                <a:uFillTx/>
+                <a:latin typeface="Calibri" panose="020F0502020204030204"/>
+                <a:ea typeface="+mn-ea"/>
+                <a:cs typeface="+mn-cs"/>
+              </a:rPr>
+              <a:t>/</a:t>
+            </a:r>
+            <a:br>
+              <a:rPr kumimoji="0" lang="nl-NL" sz="1050" b="0" i="0" u="none" strike="noStrike" kern="1200" cap="none" spc="0" normalizeH="0" baseline="0" noProof="0" dirty="0">
+                <a:ln>
+                  <a:noFill/>
+                </a:ln>
+                <a:solidFill>
+                  <a:prstClr val="white"/>
+                </a:solidFill>
+                <a:effectLst/>
+                <a:uLnTx/>
+                <a:uFillTx/>
+                <a:latin typeface="Calibri" panose="020F0502020204030204"/>
+                <a:ea typeface="+mn-ea"/>
+                <a:cs typeface="+mn-cs"/>
+              </a:rPr>
+            </a:br>
+            <a:r>
+              <a:rPr kumimoji="0" lang="nl-NL" sz="1050" b="0" i="0" u="none" strike="noStrike" kern="1200" cap="none" spc="0" normalizeH="0" baseline="0" noProof="0" dirty="0">
+                <a:ln>
+                  <a:noFill/>
+                </a:ln>
+                <a:solidFill>
+                  <a:prstClr val="white"/>
+                </a:solidFill>
+                <a:effectLst/>
+                <a:uLnTx/>
+                <a:uFillTx/>
+                <a:latin typeface="Calibri" panose="020F0502020204030204"/>
+                <a:ea typeface="+mn-ea"/>
+                <a:cs typeface="+mn-cs"/>
+              </a:rPr>
+              <a:t>{</a:t>
+            </a:r>
+            <a:r>
+              <a:rPr kumimoji="0" lang="nl-NL" sz="1050" b="0" i="0" u="none" strike="noStrike" kern="1200" cap="none" spc="0" normalizeH="0" baseline="0" noProof="0" dirty="0" err="1">
+                <a:ln>
+                  <a:noFill/>
+                </a:ln>
+                <a:solidFill>
+                  <a:prstClr val="white"/>
+                </a:solidFill>
+                <a:effectLst/>
+                <a:uLnTx/>
+                <a:uFillTx/>
+                <a:latin typeface="Calibri" panose="020F0502020204030204"/>
+                <a:ea typeface="+mn-ea"/>
+                <a:cs typeface="+mn-cs"/>
+              </a:rPr>
+              <a:t>license-number</a:t>
+            </a:r>
+            <a:r>
+              <a:rPr kumimoji="0" lang="nl-NL" sz="1050" b="0" i="0" u="none" strike="noStrike" kern="1200" cap="none" spc="0" normalizeH="0" baseline="0" noProof="0" dirty="0">
+                <a:ln>
+                  <a:noFill/>
+                </a:ln>
+                <a:solidFill>
+                  <a:prstClr val="white"/>
+                </a:solidFill>
+                <a:effectLst/>
+                <a:uLnTx/>
+                <a:uFillTx/>
+                <a:latin typeface="Calibri" panose="020F0502020204030204"/>
+                <a:ea typeface="+mn-ea"/>
+                <a:cs typeface="+mn-cs"/>
+              </a:rPr>
+              <a:t>}</a:t>
             </a:r>
             <a:endParaRPr kumimoji="0" lang="en-US" sz="1050" b="0" i="0" u="none" strike="noStrike" kern="1200" cap="none" spc="0" normalizeH="0" baseline="0" noProof="0" dirty="0">
               <a:ln>
@@ -17295,13 +17390,22 @@
               <a:defRPr/>
             </a:pPr>
             <a:r>
+              <a:rPr lang="nl-NL" sz="1050" dirty="0">
+                <a:solidFill>
+                  <a:prstClr val="white"/>
+                </a:solidFill>
+                <a:latin typeface="Calibri" panose="020F0502020204030204"/>
+              </a:rPr>
+              <a:t>/</a:t>
+            </a:r>
+            <a:r>
               <a:rPr lang="nl-NL" sz="1050" dirty="0" err="1">
                 <a:solidFill>
                   <a:prstClr val="white"/>
                 </a:solidFill>
                 <a:latin typeface="Calibri" panose="020F0502020204030204"/>
               </a:rPr>
-              <a:t>CollectFine</a:t>
+              <a:t>collectfine</a:t>
             </a:r>
             <a:endParaRPr kumimoji="0" lang="en-US" sz="1050" b="0" i="0" u="none" strike="noStrike" kern="1200" cap="none" spc="0" normalizeH="0" baseline="0" noProof="0" dirty="0">
               <a:ln>
@@ -23588,7 +23692,7 @@
         </p:nvSpPr>
         <p:spPr>
           <a:xfrm>
-            <a:off x="73329" y="101333"/>
+            <a:off x="98729" y="101333"/>
             <a:ext cx="12068337" cy="6590897"/>
           </a:xfrm>
           <a:prstGeom prst="rect">
@@ -23628,6 +23732,136 @@
       </p:sp>
       <p:sp>
         <p:nvSpPr>
+          <p:cNvPr id="72" name="TextBox 71">
+            <a:extLst>
+              <a:ext uri="{FF2B5EF4-FFF2-40B4-BE49-F238E27FC236}">
+                <a16:creationId xmlns:a16="http://schemas.microsoft.com/office/drawing/2014/main" id="{97FAC314-413F-42CB-BB6B-CCCD7EADE1DC}"/>
+              </a:ext>
+            </a:extLst>
+          </p:cNvPr>
+          <p:cNvSpPr txBox="1"/>
+          <p:nvPr/>
+        </p:nvSpPr>
+        <p:spPr>
+          <a:xfrm>
+            <a:off x="8527138" y="5645809"/>
+            <a:ext cx="1774845" cy="253916"/>
+          </a:xfrm>
+          <a:prstGeom prst="rect">
+            <a:avLst/>
+          </a:prstGeom>
+          <a:noFill/>
+        </p:spPr>
+        <p:txBody>
+          <a:bodyPr wrap="none" rtlCol="0">
+            <a:spAutoFit/>
+          </a:bodyPr>
+          <a:lstStyle/>
+          <a:p>
+            <a:pPr marL="0" marR="0" lvl="0" indent="0" algn="ctr" defTabSz="914400" rtl="0" eaLnBrk="1" fontAlgn="auto" latinLnBrk="0" hangingPunct="1">
+              <a:lnSpc>
+                <a:spcPct val="100000"/>
+              </a:lnSpc>
+              <a:spcBef>
+                <a:spcPts val="0"/>
+              </a:spcBef>
+              <a:spcAft>
+                <a:spcPts val="0"/>
+              </a:spcAft>
+              <a:buClrTx/>
+              <a:buSzTx/>
+              <a:buFontTx/>
+              <a:buNone/>
+              <a:tabLst/>
+              <a:defRPr/>
+            </a:pPr>
+            <a:r>
+              <a:rPr kumimoji="0" lang="nl-NL" sz="1050" i="0" u="none" strike="noStrike" kern="1200" cap="none" spc="0" normalizeH="0" baseline="0" noProof="0" dirty="0" err="1">
+                <a:ln>
+                  <a:noFill/>
+                </a:ln>
+                <a:solidFill>
+                  <a:prstClr val="black"/>
+                </a:solidFill>
+                <a:effectLst/>
+                <a:uLnTx/>
+                <a:uFillTx/>
+                <a:latin typeface="Calibri" panose="020F0502020204030204"/>
+                <a:ea typeface="+mn-ea"/>
+                <a:cs typeface="+mn-cs"/>
+              </a:rPr>
+              <a:t>Invoke</a:t>
+            </a:r>
+            <a:r>
+              <a:rPr kumimoji="0" lang="nl-NL" sz="1050" i="0" u="none" strike="noStrike" kern="1200" cap="none" spc="0" normalizeH="0" baseline="0" noProof="0" dirty="0">
+                <a:ln>
+                  <a:noFill/>
+                </a:ln>
+                <a:solidFill>
+                  <a:prstClr val="black"/>
+                </a:solidFill>
+                <a:effectLst/>
+                <a:uLnTx/>
+                <a:uFillTx/>
+                <a:latin typeface="Calibri" panose="020F0502020204030204"/>
+                <a:ea typeface="+mn-ea"/>
+                <a:cs typeface="+mn-cs"/>
+              </a:rPr>
+              <a:t> /</a:t>
+            </a:r>
+            <a:r>
+              <a:rPr kumimoji="0" lang="nl-NL" sz="1050" i="0" u="none" strike="noStrike" kern="1200" cap="none" spc="0" normalizeH="0" baseline="0" noProof="0" dirty="0" err="1">
+                <a:ln>
+                  <a:noFill/>
+                </a:ln>
+                <a:solidFill>
+                  <a:prstClr val="black"/>
+                </a:solidFill>
+                <a:effectLst/>
+                <a:uLnTx/>
+                <a:uFillTx/>
+                <a:latin typeface="Calibri" panose="020F0502020204030204"/>
+                <a:ea typeface="+mn-ea"/>
+                <a:cs typeface="+mn-cs"/>
+              </a:rPr>
+              <a:t>vehicleinfo</a:t>
+            </a:r>
+            <a:r>
+              <a:rPr kumimoji="0" lang="nl-NL" sz="1050" i="0" u="none" strike="noStrike" kern="1200" cap="none" spc="0" normalizeH="0" baseline="0" noProof="0" dirty="0">
+                <a:ln>
+                  <a:noFill/>
+                </a:ln>
+                <a:solidFill>
+                  <a:prstClr val="black"/>
+                </a:solidFill>
+                <a:effectLst/>
+                <a:uLnTx/>
+                <a:uFillTx/>
+                <a:latin typeface="Calibri" panose="020F0502020204030204"/>
+                <a:ea typeface="+mn-ea"/>
+                <a:cs typeface="+mn-cs"/>
+              </a:rPr>
+              <a:t>/13-XK-46</a:t>
+            </a:r>
+            <a:endParaRPr kumimoji="0" lang="nl-NL" sz="1050" b="1" i="0" u="none" strike="noStrike" kern="1200" cap="none" spc="0" normalizeH="0" baseline="0" noProof="0" dirty="0">
+              <a:ln>
+                <a:noFill/>
+              </a:ln>
+              <a:solidFill>
+                <a:prstClr val="black"/>
+              </a:solidFill>
+              <a:effectLst/>
+              <a:uLnTx/>
+              <a:uFillTx/>
+              <a:latin typeface="Calibri" panose="020F0502020204030204"/>
+              <a:ea typeface="+mn-ea"/>
+              <a:cs typeface="+mn-cs"/>
+            </a:endParaRPr>
+          </a:p>
+        </p:txBody>
+      </p:sp>
+      <p:sp>
+        <p:nvSpPr>
           <p:cNvPr id="87" name="Rectangle: Rounded Corners 86">
             <a:extLst>
               <a:ext uri="{FF2B5EF4-FFF2-40B4-BE49-F238E27FC236}">
@@ -23640,7 +23874,7 @@
         </p:nvSpPr>
         <p:spPr>
           <a:xfrm>
-            <a:off x="196605" y="228643"/>
+            <a:off x="204895" y="228643"/>
             <a:ext cx="1241185" cy="1433355"/>
           </a:xfrm>
           <a:prstGeom prst="roundRect">
@@ -23770,7 +24004,7 @@
         </p:nvSpPr>
         <p:spPr>
           <a:xfrm>
-            <a:off x="8052687" y="228643"/>
+            <a:off x="7856898" y="228643"/>
             <a:ext cx="1338194" cy="1433355"/>
           </a:xfrm>
           <a:prstGeom prst="roundRect">
@@ -23900,7 +24134,7 @@
         </p:nvSpPr>
         <p:spPr>
           <a:xfrm>
-            <a:off x="9604760" y="228643"/>
+            <a:off x="9735546" y="228643"/>
             <a:ext cx="1338194" cy="1433355"/>
           </a:xfrm>
           <a:prstGeom prst="roundRect">
@@ -24064,7 +24298,7 @@
         </p:nvSpPr>
         <p:spPr>
           <a:xfrm>
-            <a:off x="3171092" y="228643"/>
+            <a:off x="3133930" y="228643"/>
             <a:ext cx="2294394" cy="1433355"/>
           </a:xfrm>
           <a:prstGeom prst="roundRect">
@@ -24197,7 +24431,7 @@
         </p:nvSpPr>
         <p:spPr>
           <a:xfrm>
-            <a:off x="3290206" y="687087"/>
+            <a:off x="3253044" y="687087"/>
             <a:ext cx="844839" cy="844839"/>
           </a:xfrm>
           <a:prstGeom prst="ellipse">
@@ -24264,8 +24498,39 @@
                 <a:ea typeface="+mn-ea"/>
                 <a:cs typeface="+mn-cs"/>
               </a:rPr>
-              <a:t>Entry Cam</a:t>
-            </a:r>
+              <a:t>/</a:t>
+            </a:r>
+            <a:r>
+              <a:rPr kumimoji="0" lang="en-US" sz="1050" b="1" i="0" u="none" strike="noStrike" kern="1200" cap="none" spc="0" normalizeH="0" baseline="0" noProof="0" dirty="0" err="1">
+                <a:ln>
+                  <a:noFill/>
+                </a:ln>
+                <a:solidFill>
+                  <a:prstClr val="white"/>
+                </a:solidFill>
+                <a:effectLst/>
+                <a:uLnTx/>
+                <a:uFillTx/>
+                <a:latin typeface="Calibri" panose="020F0502020204030204"/>
+                <a:ea typeface="+mn-ea"/>
+                <a:cs typeface="+mn-cs"/>
+              </a:rPr>
+              <a:t>entrycam</a:t>
+            </a:r>
+            <a:endParaRPr kumimoji="0" lang="en-US" sz="1050" b="1" i="0" u="none" strike="noStrike" kern="1200" cap="none" spc="0" normalizeH="0" baseline="0" noProof="0" dirty="0">
+              <a:ln>
+                <a:noFill/>
+              </a:ln>
+              <a:solidFill>
+                <a:prstClr val="white"/>
+              </a:solidFill>
+              <a:effectLst/>
+              <a:uLnTx/>
+              <a:uFillTx/>
+              <a:latin typeface="Calibri" panose="020F0502020204030204"/>
+              <a:ea typeface="+mn-ea"/>
+              <a:cs typeface="+mn-cs"/>
+            </a:endParaRPr>
           </a:p>
         </p:txBody>
       </p:sp>
@@ -24283,7 +24548,7 @@
         </p:nvSpPr>
         <p:spPr>
           <a:xfrm>
-            <a:off x="9885916" y="687087"/>
+            <a:off x="10016702" y="687087"/>
             <a:ext cx="844839" cy="844839"/>
           </a:xfrm>
           <a:prstGeom prst="ellipse">
@@ -24350,92 +24615,41 @@
                 <a:ea typeface="+mn-ea"/>
                 <a:cs typeface="+mn-cs"/>
               </a:rPr>
-              <a:t>Get</a:t>
-            </a:r>
-          </a:p>
-          <a:p>
-            <a:pPr marL="0" marR="0" lvl="0" indent="0" algn="ctr" defTabSz="914400" rtl="0" eaLnBrk="1" fontAlgn="auto" latinLnBrk="0" hangingPunct="1">
-              <a:lnSpc>
-                <a:spcPct val="100000"/>
-              </a:lnSpc>
-              <a:spcBef>
-                <a:spcPts val="0"/>
-              </a:spcBef>
-              <a:spcAft>
-                <a:spcPts val="0"/>
-              </a:spcAft>
-              <a:buClrTx/>
-              <a:buSzTx/>
-              <a:buFontTx/>
-              <a:buNone/>
-              <a:tabLst/>
-              <a:defRPr/>
-            </a:pPr>
-            <a:r>
-              <a:rPr lang="en-US" sz="1050" b="1" dirty="0">
+              <a:t>/vehicle</a:t>
+            </a:r>
+            <a:br>
+              <a:rPr kumimoji="0" lang="en-US" sz="1050" b="1" i="0" u="none" strike="noStrike" kern="1200" cap="none" spc="0" normalizeH="0" baseline="0" noProof="0" dirty="0">
+                <a:ln>
+                  <a:noFill/>
+                </a:ln>
                 <a:solidFill>
                   <a:prstClr val="white"/>
                 </a:solidFill>
+                <a:effectLst/>
+                <a:uLnTx/>
+                <a:uFillTx/>
                 <a:latin typeface="Calibri" panose="020F0502020204030204"/>
+                <a:ea typeface="+mn-ea"/>
+                <a:cs typeface="+mn-cs"/>
               </a:rPr>
-              <a:t>Owner</a:t>
-            </a:r>
-            <a:endParaRPr kumimoji="0" lang="en-US" sz="1050" b="1" i="0" u="none" strike="noStrike" kern="1200" cap="none" spc="0" normalizeH="0" baseline="0" noProof="0" dirty="0">
-              <a:ln>
-                <a:noFill/>
-              </a:ln>
-              <a:solidFill>
-                <a:prstClr val="white"/>
-              </a:solidFill>
-              <a:effectLst/>
-              <a:uLnTx/>
-              <a:uFillTx/>
-              <a:latin typeface="Calibri" panose="020F0502020204030204"/>
-              <a:ea typeface="+mn-ea"/>
-              <a:cs typeface="+mn-cs"/>
-            </a:endParaRPr>
-          </a:p>
-          <a:p>
-            <a:pPr marL="0" marR="0" lvl="0" indent="0" algn="ctr" defTabSz="914400" rtl="0" eaLnBrk="1" fontAlgn="auto" latinLnBrk="0" hangingPunct="1">
-              <a:lnSpc>
-                <a:spcPct val="100000"/>
-              </a:lnSpc>
-              <a:spcBef>
-                <a:spcPts val="0"/>
-              </a:spcBef>
-              <a:spcAft>
-                <a:spcPts val="0"/>
-              </a:spcAft>
-              <a:buClrTx/>
-              <a:buSzTx/>
-              <a:buFontTx/>
-              <a:buNone/>
-              <a:tabLst/>
-              <a:defRPr/>
-            </a:pPr>
-            <a:r>
-              <a:rPr lang="en-US" sz="1050" b="1" dirty="0">
+            </a:br>
+            <a:r>
+              <a:rPr kumimoji="0" lang="en-US" sz="1050" b="1" i="0" u="none" strike="noStrike" kern="1200" cap="none" spc="0" normalizeH="0" baseline="0" noProof="0" dirty="0">
+                <a:ln>
+                  <a:noFill/>
+                </a:ln>
                 <a:solidFill>
                   <a:prstClr val="white"/>
                 </a:solidFill>
+                <a:effectLst/>
+                <a:uLnTx/>
+                <a:uFillTx/>
                 <a:latin typeface="Calibri" panose="020F0502020204030204"/>
+                <a:ea typeface="+mn-ea"/>
+                <a:cs typeface="+mn-cs"/>
               </a:rPr>
-              <a:t>Info</a:t>
-            </a:r>
-            <a:endParaRPr kumimoji="0" lang="en-US" sz="1050" b="1" i="0" u="none" strike="noStrike" kern="1200" cap="none" spc="0" normalizeH="0" baseline="0" noProof="0" dirty="0">
-              <a:ln>
-                <a:noFill/>
-              </a:ln>
-              <a:solidFill>
-                <a:prstClr val="white"/>
-              </a:solidFill>
-              <a:effectLst/>
-              <a:uLnTx/>
-              <a:uFillTx/>
-              <a:latin typeface="Calibri" panose="020F0502020204030204"/>
-              <a:ea typeface="+mn-ea"/>
-              <a:cs typeface="+mn-cs"/>
-            </a:endParaRPr>
+              <a:t>info</a:t>
+            </a:r>
           </a:p>
         </p:txBody>
       </p:sp>
@@ -24453,7 +24667,7 @@
         </p:nvSpPr>
         <p:spPr>
           <a:xfrm>
-            <a:off x="8345039" y="687087"/>
+            <a:off x="8149250" y="687087"/>
             <a:ext cx="844839" cy="844839"/>
           </a:xfrm>
           <a:prstGeom prst="ellipse">
@@ -24520,7 +24734,7 @@
                 <a:ea typeface="+mn-ea"/>
                 <a:cs typeface="+mn-cs"/>
               </a:rPr>
-              <a:t>Collect</a:t>
+              <a:t>/collect</a:t>
             </a:r>
             <a:br>
               <a:rPr kumimoji="0" lang="en-US" sz="1050" b="1" i="0" u="none" strike="noStrike" kern="1200" cap="none" spc="0" normalizeH="0" baseline="0" noProof="0" dirty="0">
@@ -24553,7 +24767,7 @@
                 <a:ea typeface="+mn-ea"/>
                 <a:cs typeface="+mn-cs"/>
               </a:rPr>
-              <a:t>Fine</a:t>
+              <a:t>fine</a:t>
             </a:r>
           </a:p>
         </p:txBody>
@@ -24572,7 +24786,7 @@
         </p:nvSpPr>
         <p:spPr>
           <a:xfrm>
-            <a:off x="4492267" y="687087"/>
+            <a:off x="4389788" y="687087"/>
             <a:ext cx="844839" cy="844839"/>
           </a:xfrm>
           <a:prstGeom prst="ellipse">
@@ -24639,8 +24853,39 @@
                 <a:ea typeface="+mn-ea"/>
                 <a:cs typeface="+mn-cs"/>
               </a:rPr>
-              <a:t>Exit Cam</a:t>
-            </a:r>
+              <a:t>/</a:t>
+            </a:r>
+            <a:r>
+              <a:rPr kumimoji="0" lang="en-US" sz="1050" b="1" i="0" u="none" strike="noStrike" kern="1200" cap="none" spc="0" normalizeH="0" baseline="0" noProof="0" dirty="0" err="1">
+                <a:ln>
+                  <a:noFill/>
+                </a:ln>
+                <a:solidFill>
+                  <a:prstClr val="white"/>
+                </a:solidFill>
+                <a:effectLst/>
+                <a:uLnTx/>
+                <a:uFillTx/>
+                <a:latin typeface="Calibri" panose="020F0502020204030204"/>
+                <a:ea typeface="+mn-ea"/>
+                <a:cs typeface="+mn-cs"/>
+              </a:rPr>
+              <a:t>exitcam</a:t>
+            </a:r>
+            <a:endParaRPr kumimoji="0" lang="en-US" sz="1050" b="1" i="0" u="none" strike="noStrike" kern="1200" cap="none" spc="0" normalizeH="0" baseline="0" noProof="0" dirty="0">
+              <a:ln>
+                <a:noFill/>
+              </a:ln>
+              <a:solidFill>
+                <a:prstClr val="white"/>
+              </a:solidFill>
+              <a:effectLst/>
+              <a:uLnTx/>
+              <a:uFillTx/>
+              <a:latin typeface="Calibri" panose="020F0502020204030204"/>
+              <a:ea typeface="+mn-ea"/>
+              <a:cs typeface="+mn-cs"/>
+            </a:endParaRPr>
           </a:p>
         </p:txBody>
       </p:sp>
@@ -24658,7 +24903,7 @@
         </p:nvSpPr>
         <p:spPr>
           <a:xfrm>
-            <a:off x="384346" y="687087"/>
+            <a:off x="392636" y="687087"/>
             <a:ext cx="844839" cy="844839"/>
           </a:xfrm>
           <a:prstGeom prst="ellipse">
@@ -24789,7 +25034,7 @@
         </p:nvCxnSpPr>
         <p:spPr>
           <a:xfrm>
-            <a:off x="806766" y="1531926"/>
+            <a:off x="815056" y="1531926"/>
             <a:ext cx="0" cy="4978701"/>
           </a:xfrm>
           <a:prstGeom prst="line">
@@ -24832,8 +25077,8 @@
         </p:nvCxnSpPr>
         <p:spPr>
           <a:xfrm>
-            <a:off x="806765" y="2074425"/>
-            <a:ext cx="1466511" cy="0"/>
+            <a:off x="832158" y="2074425"/>
+            <a:ext cx="1403956" cy="0"/>
           </a:xfrm>
           <a:prstGeom prst="straightConnector1">
             <a:avLst/>
@@ -24871,7 +25116,7 @@
         </p:nvSpPr>
         <p:spPr>
           <a:xfrm>
-            <a:off x="1007535" y="1812724"/>
+            <a:off x="969170" y="1831386"/>
             <a:ext cx="1170513" cy="253916"/>
           </a:xfrm>
           <a:prstGeom prst="rect">
@@ -24952,7 +25197,7 @@
         </p:nvCxnSpPr>
         <p:spPr>
           <a:xfrm>
-            <a:off x="3712626" y="1531926"/>
+            <a:off x="3675464" y="1531926"/>
             <a:ext cx="0" cy="4978701"/>
           </a:xfrm>
           <a:prstGeom prst="line">
@@ -24996,7 +25241,7 @@
         </p:nvCxnSpPr>
         <p:spPr>
           <a:xfrm flipH="1">
-            <a:off x="10279966" y="1531926"/>
+            <a:off x="10410752" y="1531926"/>
             <a:ext cx="28370" cy="4978701"/>
           </a:xfrm>
           <a:prstGeom prst="line">
@@ -25039,7 +25284,7 @@
         </p:nvCxnSpPr>
         <p:spPr>
           <a:xfrm>
-            <a:off x="4918238" y="1531926"/>
+            <a:off x="4815759" y="1531926"/>
             <a:ext cx="0" cy="4978701"/>
           </a:xfrm>
           <a:prstGeom prst="line">
@@ -25083,7 +25328,7 @@
         </p:nvCxnSpPr>
         <p:spPr>
           <a:xfrm>
-            <a:off x="8767459" y="1531926"/>
+            <a:off x="8571670" y="1531926"/>
             <a:ext cx="0" cy="4978701"/>
           </a:xfrm>
           <a:prstGeom prst="line">
@@ -25124,7 +25369,7 @@
         </p:nvSpPr>
         <p:spPr>
           <a:xfrm>
-            <a:off x="5084430" y="4414171"/>
+            <a:off x="4981951" y="4442164"/>
             <a:ext cx="1285929" cy="253916"/>
           </a:xfrm>
           <a:prstGeom prst="rect">
@@ -25242,8 +25487,8 @@
         </p:nvCxnSpPr>
         <p:spPr>
           <a:xfrm>
-            <a:off x="806765" y="2975275"/>
-            <a:ext cx="1466511" cy="0"/>
+            <a:off x="832158" y="2975275"/>
+            <a:ext cx="1403956" cy="0"/>
           </a:xfrm>
           <a:prstGeom prst="straightConnector1">
             <a:avLst/>
@@ -25281,7 +25526,7 @@
         </p:nvSpPr>
         <p:spPr>
           <a:xfrm>
-            <a:off x="1007535" y="2713574"/>
+            <a:off x="969170" y="2732236"/>
             <a:ext cx="1170513" cy="253916"/>
           </a:xfrm>
           <a:prstGeom prst="rect">
@@ -25362,8 +25607,8 @@
         </p:nvCxnSpPr>
         <p:spPr>
           <a:xfrm>
-            <a:off x="8769104" y="5863217"/>
-            <a:ext cx="1504753" cy="0"/>
+            <a:off x="8573315" y="5863217"/>
+            <a:ext cx="1837437" cy="0"/>
           </a:xfrm>
           <a:prstGeom prst="straightConnector1">
             <a:avLst/>
@@ -25387,85 +25632,6 @@
           </a:fontRef>
         </p:style>
       </p:cxnSp>
-      <p:sp>
-        <p:nvSpPr>
-          <p:cNvPr id="72" name="TextBox 71">
-            <a:extLst>
-              <a:ext uri="{FF2B5EF4-FFF2-40B4-BE49-F238E27FC236}">
-                <a16:creationId xmlns:a16="http://schemas.microsoft.com/office/drawing/2014/main" id="{97FAC314-413F-42CB-BB6B-CCCD7EADE1DC}"/>
-              </a:ext>
-            </a:extLst>
-          </p:cNvPr>
-          <p:cNvSpPr txBox="1"/>
-          <p:nvPr/>
-        </p:nvSpPr>
-        <p:spPr>
-          <a:xfrm>
-            <a:off x="8740582" y="5591991"/>
-            <a:ext cx="968535" cy="253916"/>
-          </a:xfrm>
-          <a:prstGeom prst="rect">
-            <a:avLst/>
-          </a:prstGeom>
-          <a:noFill/>
-        </p:spPr>
-        <p:txBody>
-          <a:bodyPr wrap="none" rtlCol="0">
-            <a:spAutoFit/>
-          </a:bodyPr>
-          <a:lstStyle/>
-          <a:p>
-            <a:pPr marL="0" marR="0" lvl="0" indent="0" algn="ctr" defTabSz="914400" rtl="0" eaLnBrk="1" fontAlgn="auto" latinLnBrk="0" hangingPunct="1">
-              <a:lnSpc>
-                <a:spcPct val="100000"/>
-              </a:lnSpc>
-              <a:spcBef>
-                <a:spcPts val="0"/>
-              </a:spcBef>
-              <a:spcAft>
-                <a:spcPts val="0"/>
-              </a:spcAft>
-              <a:buClrTx/>
-              <a:buSzTx/>
-              <a:buFontTx/>
-              <a:buNone/>
-              <a:tabLst/>
-              <a:defRPr/>
-            </a:pPr>
-            <a:r>
-              <a:rPr kumimoji="0" lang="nl-NL" sz="1050" b="0" i="0" u="none" strike="noStrike" kern="1200" cap="none" spc="0" normalizeH="0" baseline="0" noProof="0" dirty="0" err="1">
-                <a:ln>
-                  <a:noFill/>
-                </a:ln>
-                <a:solidFill>
-                  <a:prstClr val="black"/>
-                </a:solidFill>
-                <a:effectLst/>
-                <a:uLnTx/>
-                <a:uFillTx/>
-                <a:latin typeface="Calibri" panose="020F0502020204030204"/>
-                <a:ea typeface="+mn-ea"/>
-                <a:cs typeface="+mn-cs"/>
-              </a:rPr>
-              <a:t>GetOwnerInfo</a:t>
-            </a:r>
-            <a:endParaRPr kumimoji="0" lang="nl-NL" sz="1050" b="0" i="0" u="none" strike="noStrike" kern="1200" cap="none" spc="0" normalizeH="0" baseline="0" noProof="0" dirty="0">
-              <a:ln>
-                <a:noFill/>
-              </a:ln>
-              <a:solidFill>
-                <a:prstClr val="black"/>
-              </a:solidFill>
-              <a:effectLst/>
-              <a:uLnTx/>
-              <a:uFillTx/>
-              <a:latin typeface="Calibri" panose="020F0502020204030204"/>
-              <a:ea typeface="+mn-ea"/>
-              <a:cs typeface="+mn-cs"/>
-            </a:endParaRPr>
-          </a:p>
-        </p:txBody>
-      </p:sp>
       <p:cxnSp>
         <p:nvCxnSpPr>
           <p:cNvPr id="73" name="Straight Arrow Connector 72">
@@ -25482,8 +25648,8 @@
         </p:nvCxnSpPr>
         <p:spPr>
           <a:xfrm>
-            <a:off x="8774783" y="6010836"/>
-            <a:ext cx="1510474" cy="0"/>
+            <a:off x="8578994" y="6010836"/>
+            <a:ext cx="1831758" cy="0"/>
           </a:xfrm>
           <a:prstGeom prst="straightConnector1">
             <a:avLst/>
@@ -25523,7 +25689,7 @@
         </p:nvSpPr>
         <p:spPr>
           <a:xfrm>
-            <a:off x="5949975" y="687087"/>
+            <a:off x="5847496" y="687087"/>
             <a:ext cx="844839" cy="844839"/>
           </a:xfrm>
           <a:prstGeom prst="ellipse">
@@ -25612,7 +25778,7 @@
         </p:nvCxnSpPr>
         <p:spPr>
           <a:xfrm>
-            <a:off x="6372395" y="1531926"/>
+            <a:off x="6269916" y="1531926"/>
             <a:ext cx="0" cy="4978701"/>
           </a:xfrm>
           <a:prstGeom prst="line">
@@ -25655,8 +25821,8 @@
         </p:nvCxnSpPr>
         <p:spPr>
           <a:xfrm>
-            <a:off x="3712626" y="2572311"/>
-            <a:ext cx="2659769" cy="0"/>
+            <a:off x="3675464" y="2572311"/>
+            <a:ext cx="2587087" cy="0"/>
           </a:xfrm>
           <a:prstGeom prst="straightConnector1">
             <a:avLst/>
@@ -25694,7 +25860,7 @@
         </p:nvSpPr>
         <p:spPr>
           <a:xfrm>
-            <a:off x="3679620" y="2310610"/>
+            <a:off x="3642458" y="2310610"/>
             <a:ext cx="1191352" cy="253916"/>
           </a:xfrm>
           <a:prstGeom prst="rect">
@@ -25790,7 +25956,7 @@
         </p:nvGrpSpPr>
         <p:grpSpPr>
           <a:xfrm>
-            <a:off x="884628" y="1885162"/>
+            <a:off x="846263" y="1903824"/>
             <a:ext cx="162636" cy="115101"/>
             <a:chOff x="10585174" y="1490390"/>
             <a:chExt cx="407492" cy="286109"/>
@@ -25982,7 +26148,7 @@
         </p:nvCxnSpPr>
         <p:spPr>
           <a:xfrm>
-            <a:off x="4938414" y="3731567"/>
+            <a:off x="4835935" y="3731567"/>
             <a:ext cx="1426616" cy="0"/>
           </a:xfrm>
           <a:prstGeom prst="straightConnector1">
@@ -26021,7 +26187,7 @@
         </p:nvSpPr>
         <p:spPr>
           <a:xfrm>
-            <a:off x="4887912" y="3469866"/>
+            <a:off x="4785433" y="3497859"/>
             <a:ext cx="1096775" cy="253916"/>
           </a:xfrm>
           <a:prstGeom prst="rect">
@@ -26119,7 +26285,7 @@
         </p:nvCxnSpPr>
         <p:spPr>
           <a:xfrm>
-            <a:off x="4925226" y="3880222"/>
+            <a:off x="4822747" y="3880222"/>
             <a:ext cx="1439804" cy="0"/>
           </a:xfrm>
           <a:prstGeom prst="straightConnector1">
@@ -26162,8 +26328,8 @@
         </p:nvCxnSpPr>
         <p:spPr>
           <a:xfrm flipH="1">
-            <a:off x="4925227" y="4842434"/>
-            <a:ext cx="2485897" cy="0"/>
+            <a:off x="4822749" y="4842434"/>
+            <a:ext cx="2392586" cy="0"/>
           </a:xfrm>
           <a:prstGeom prst="straightConnector1">
             <a:avLst/>
@@ -26202,8 +26368,8 @@
         </p:nvSpPr>
         <p:spPr>
           <a:xfrm>
-            <a:off x="5078111" y="4580733"/>
-            <a:ext cx="788999" cy="253916"/>
+            <a:off x="4975632" y="4608726"/>
+            <a:ext cx="1176925" cy="253916"/>
           </a:xfrm>
           <a:prstGeom prst="rect">
             <a:avLst/>
@@ -26248,7 +26414,7 @@
                 <a:ea typeface="+mn-ea"/>
                 <a:cs typeface="+mn-cs"/>
               </a:rPr>
-              <a:t>CollectFine</a:t>
+              <a:t>SpeedingViolation</a:t>
             </a:r>
             <a:endParaRPr kumimoji="0" lang="nl-NL" sz="1050" b="0" i="0" u="none" strike="noStrike" kern="1200" cap="none" spc="0" normalizeH="0" baseline="0" noProof="0" dirty="0">
               <a:ln>
@@ -26281,7 +26447,7 @@
         </p:nvGrpSpPr>
         <p:grpSpPr>
           <a:xfrm>
-            <a:off x="894567" y="2789428"/>
+            <a:off x="856202" y="2808090"/>
             <a:ext cx="162636" cy="115101"/>
             <a:chOff x="10585174" y="1490390"/>
             <a:chExt cx="407492" cy="286109"/>
@@ -26471,7 +26637,7 @@
         </p:nvGrpSpPr>
         <p:grpSpPr>
           <a:xfrm>
-            <a:off x="4925226" y="4088508"/>
+            <a:off x="4822747" y="4088508"/>
             <a:ext cx="299274" cy="259267"/>
             <a:chOff x="4738943" y="4803764"/>
             <a:chExt cx="361377" cy="259267"/>
@@ -26618,7 +26784,7 @@
         </p:nvSpPr>
         <p:spPr>
           <a:xfrm>
-            <a:off x="5183373" y="3990887"/>
+            <a:off x="5080894" y="3990887"/>
             <a:ext cx="1196161" cy="415498"/>
           </a:xfrm>
           <a:prstGeom prst="rect">
@@ -26767,7 +26933,7 @@
         </p:nvGrpSpPr>
         <p:grpSpPr>
           <a:xfrm>
-            <a:off x="8773610" y="5243699"/>
+            <a:off x="8577821" y="5243699"/>
             <a:ext cx="299274" cy="259267"/>
             <a:chOff x="4738943" y="4803764"/>
             <a:chExt cx="361377" cy="259267"/>
@@ -26914,7 +27080,7 @@
         </p:nvSpPr>
         <p:spPr>
           <a:xfrm>
-            <a:off x="9004642" y="5246614"/>
+            <a:off x="8808853" y="5246614"/>
             <a:ext cx="947695" cy="253916"/>
           </a:xfrm>
           <a:prstGeom prst="rect">
@@ -26998,8 +27164,8 @@
         </p:nvCxnSpPr>
         <p:spPr>
           <a:xfrm>
-            <a:off x="8765257" y="6414132"/>
-            <a:ext cx="2790077" cy="0"/>
+            <a:off x="8569468" y="6414132"/>
+            <a:ext cx="3004681" cy="0"/>
           </a:xfrm>
           <a:prstGeom prst="straightConnector1">
             <a:avLst/>
@@ -27037,8 +27203,8 @@
         </p:nvSpPr>
         <p:spPr>
           <a:xfrm>
-            <a:off x="8869289" y="6160216"/>
-            <a:ext cx="785793" cy="253916"/>
+            <a:off x="8563777" y="6160216"/>
+            <a:ext cx="958917" cy="253916"/>
           </a:xfrm>
           <a:prstGeom prst="rect">
             <a:avLst/>
@@ -27083,25 +27249,22 @@
                 <a:ea typeface="+mn-ea"/>
                 <a:cs typeface="+mn-cs"/>
               </a:rPr>
-              <a:t>Send</a:t>
-            </a:r>
-            <a:r>
-              <a:rPr kumimoji="0" lang="nl-NL" sz="1050" b="0" i="0" u="none" strike="noStrike" kern="1200" cap="none" spc="0" normalizeH="0" baseline="0" noProof="0" dirty="0">
-                <a:ln>
-                  <a:noFill/>
-                </a:ln>
-                <a:solidFill>
-                  <a:prstClr val="black"/>
-                </a:solidFill>
-                <a:effectLst/>
-                <a:uLnTx/>
-                <a:uFillTx/>
-                <a:latin typeface="Calibri" panose="020F0502020204030204"/>
-                <a:ea typeface="+mn-ea"/>
-                <a:cs typeface="+mn-cs"/>
-              </a:rPr>
-              <a:t> email</a:t>
-            </a:r>
+              <a:t>InvokeBinding</a:t>
+            </a:r>
+            <a:endParaRPr kumimoji="0" lang="nl-NL" sz="1050" b="0" i="0" u="none" strike="noStrike" kern="1200" cap="none" spc="0" normalizeH="0" baseline="0" noProof="0" dirty="0">
+              <a:ln>
+                <a:noFill/>
+              </a:ln>
+              <a:solidFill>
+                <a:prstClr val="black"/>
+              </a:solidFill>
+              <a:effectLst/>
+              <a:uLnTx/>
+              <a:uFillTx/>
+              <a:latin typeface="Calibri" panose="020F0502020204030204"/>
+              <a:ea typeface="+mn-ea"/>
+              <a:cs typeface="+mn-cs"/>
+            </a:endParaRPr>
           </a:p>
         </p:txBody>
       </p:sp>
@@ -27119,7 +27282,7 @@
         </p:nvSpPr>
         <p:spPr>
           <a:xfrm>
-            <a:off x="1850856" y="687087"/>
+            <a:off x="1813694" y="687087"/>
             <a:ext cx="844839" cy="844839"/>
           </a:xfrm>
           <a:prstGeom prst="ellipse">
@@ -27214,7 +27377,7 @@
         </p:nvCxnSpPr>
         <p:spPr>
           <a:xfrm>
-            <a:off x="2273276" y="1531926"/>
+            <a:off x="2236114" y="1531926"/>
             <a:ext cx="0" cy="4978701"/>
           </a:xfrm>
           <a:prstGeom prst="line">
@@ -27257,7 +27420,7 @@
         </p:nvCxnSpPr>
         <p:spPr>
           <a:xfrm>
-            <a:off x="2273276" y="2343167"/>
+            <a:off x="2236114" y="2343167"/>
             <a:ext cx="1439350" cy="0"/>
           </a:xfrm>
           <a:prstGeom prst="straightConnector1">
@@ -27297,7 +27460,7 @@
         </p:nvSpPr>
         <p:spPr>
           <a:xfrm>
-            <a:off x="2476929" y="2089251"/>
+            <a:off x="2402443" y="2117244"/>
             <a:ext cx="1170513" cy="253916"/>
           </a:xfrm>
           <a:prstGeom prst="rect">
@@ -27376,7 +27539,7 @@
         </p:nvGrpSpPr>
         <p:grpSpPr>
           <a:xfrm>
-            <a:off x="2365069" y="2161689"/>
+            <a:off x="2290583" y="2189682"/>
             <a:ext cx="162636" cy="115101"/>
             <a:chOff x="10585174" y="1490390"/>
             <a:chExt cx="407492" cy="286109"/>
@@ -27568,8 +27731,8 @@
         </p:nvCxnSpPr>
         <p:spPr>
           <a:xfrm>
-            <a:off x="2273276" y="3318786"/>
-            <a:ext cx="2614636" cy="0"/>
+            <a:off x="2236114" y="3318786"/>
+            <a:ext cx="2549319" cy="0"/>
           </a:xfrm>
           <a:prstGeom prst="straightConnector1">
             <a:avLst/>
@@ -27608,7 +27771,7 @@
         </p:nvSpPr>
         <p:spPr>
           <a:xfrm>
-            <a:off x="2500623" y="3064870"/>
+            <a:off x="2426137" y="3092863"/>
             <a:ext cx="1170513" cy="253916"/>
           </a:xfrm>
           <a:prstGeom prst="rect">
@@ -27687,7 +27850,7 @@
         </p:nvGrpSpPr>
         <p:grpSpPr>
           <a:xfrm>
-            <a:off x="2367278" y="3137308"/>
+            <a:off x="2292792" y="3165301"/>
             <a:ext cx="162636" cy="115101"/>
             <a:chOff x="10585174" y="1490390"/>
             <a:chExt cx="407492" cy="286109"/>
@@ -27877,7 +28040,7 @@
         </p:nvGrpSpPr>
         <p:grpSpPr>
           <a:xfrm>
-            <a:off x="4962219" y="4652224"/>
+            <a:off x="4859740" y="4680217"/>
             <a:ext cx="162636" cy="115101"/>
             <a:chOff x="10585174" y="1490390"/>
             <a:chExt cx="407492" cy="286109"/>
@@ -28069,7 +28232,7 @@
         </p:nvCxnSpPr>
         <p:spPr>
           <a:xfrm flipH="1">
-            <a:off x="7419954" y="5134075"/>
+            <a:off x="7224165" y="5134075"/>
             <a:ext cx="1345303" cy="0"/>
           </a:xfrm>
           <a:prstGeom prst="straightConnector1">
@@ -28109,8 +28272,8 @@
         </p:nvSpPr>
         <p:spPr>
           <a:xfrm>
-            <a:off x="7573995" y="4872374"/>
-            <a:ext cx="788999" cy="253916"/>
+            <a:off x="7378206" y="4872374"/>
+            <a:ext cx="1176925" cy="253916"/>
           </a:xfrm>
           <a:prstGeom prst="rect">
             <a:avLst/>
@@ -28155,7 +28318,7 @@
                 <a:ea typeface="+mn-ea"/>
                 <a:cs typeface="+mn-cs"/>
               </a:rPr>
-              <a:t>CollectFine</a:t>
+              <a:t>SpeedingViolation</a:t>
             </a:r>
             <a:endParaRPr kumimoji="0" lang="nl-NL" sz="1050" b="0" i="0" u="none" strike="noStrike" kern="1200" cap="none" spc="0" normalizeH="0" baseline="0" noProof="0" dirty="0">
               <a:ln>
@@ -28188,7 +28351,7 @@
         </p:nvGrpSpPr>
         <p:grpSpPr>
           <a:xfrm>
-            <a:off x="7458103" y="4943865"/>
+            <a:off x="7262314" y="4943865"/>
             <a:ext cx="162636" cy="115101"/>
             <a:chOff x="10585174" y="1490390"/>
             <a:chExt cx="407492" cy="286109"/>
@@ -28378,7 +28541,7 @@
         </p:nvSpPr>
         <p:spPr>
           <a:xfrm>
-            <a:off x="6988704" y="687087"/>
+            <a:off x="6792915" y="687087"/>
             <a:ext cx="844839" cy="844839"/>
           </a:xfrm>
           <a:prstGeom prst="ellipse">
@@ -28481,7 +28644,7 @@
         </p:nvCxnSpPr>
         <p:spPr>
           <a:xfrm>
-            <a:off x="7411124" y="1531926"/>
+            <a:off x="7215335" y="1531926"/>
             <a:ext cx="0" cy="4978701"/>
           </a:xfrm>
           <a:prstGeom prst="line">
@@ -28539,7 +28702,7 @@
         </p:blipFill>
         <p:spPr>
           <a:xfrm>
-            <a:off x="6197823" y="885445"/>
+            <a:off x="6095344" y="885445"/>
             <a:ext cx="323890" cy="278286"/>
           </a:xfrm>
           <a:prstGeom prst="rect">
@@ -28575,7 +28738,7 @@
         </p:blipFill>
         <p:spPr>
           <a:xfrm>
-            <a:off x="2088620" y="907871"/>
+            <a:off x="2051458" y="907871"/>
             <a:ext cx="360096" cy="266432"/>
           </a:xfrm>
           <a:prstGeom prst="rect">
@@ -28611,7 +28774,7 @@
         </p:blipFill>
         <p:spPr>
           <a:xfrm>
-            <a:off x="7296273" y="891960"/>
+            <a:off x="7100484" y="891960"/>
             <a:ext cx="266410" cy="281950"/>
           </a:xfrm>
           <a:prstGeom prst="rect">
@@ -28633,7 +28796,7 @@
         </p:nvSpPr>
         <p:spPr>
           <a:xfrm>
-            <a:off x="11161284" y="687087"/>
+            <a:off x="11180099" y="687087"/>
             <a:ext cx="844839" cy="844839"/>
           </a:xfrm>
           <a:prstGeom prst="ellipse">
@@ -28722,7 +28885,7 @@
         </p:nvCxnSpPr>
         <p:spPr>
           <a:xfrm flipH="1">
-            <a:off x="11555334" y="1531926"/>
+            <a:off x="11574149" y="1531926"/>
             <a:ext cx="28370" cy="4978701"/>
           </a:xfrm>
           <a:prstGeom prst="line">

--- a/Figures.pptx
+++ b/Figures.pptx
@@ -202,7 +202,7 @@
           <a:p>
             <a:fld id="{FBE30875-4028-481A-8091-6EDB19798FA1}" type="datetimeFigureOut">
               <a:rPr lang="en-NL" smtClean="0"/>
-              <a:t>26/02/2021</a:t>
+              <a:t>01/03/2021</a:t>
             </a:fld>
             <a:endParaRPr lang="en-NL"/>
           </a:p>
@@ -907,7 +907,7 @@
           <a:p>
             <a:fld id="{766785BB-7706-4DEE-A3EF-8F6193F80700}" type="datetimeFigureOut">
               <a:rPr lang="en-NL" smtClean="0"/>
-              <a:t>26/02/2021</a:t>
+              <a:t>01/03/2021</a:t>
             </a:fld>
             <a:endParaRPr lang="en-NL"/>
           </a:p>
@@ -1107,7 +1107,7 @@
           <a:p>
             <a:fld id="{766785BB-7706-4DEE-A3EF-8F6193F80700}" type="datetimeFigureOut">
               <a:rPr lang="en-NL" smtClean="0"/>
-              <a:t>26/02/2021</a:t>
+              <a:t>01/03/2021</a:t>
             </a:fld>
             <a:endParaRPr lang="en-NL"/>
           </a:p>
@@ -1317,7 +1317,7 @@
           <a:p>
             <a:fld id="{766785BB-7706-4DEE-A3EF-8F6193F80700}" type="datetimeFigureOut">
               <a:rPr lang="en-NL" smtClean="0"/>
-              <a:t>26/02/2021</a:t>
+              <a:t>01/03/2021</a:t>
             </a:fld>
             <a:endParaRPr lang="en-NL"/>
           </a:p>
@@ -1539,7 +1539,7 @@
           <a:p>
             <a:fld id="{705B85CB-7326-4CDB-B6DC-66899E5F8844}" type="datetimeFigureOut">
               <a:rPr lang="nl-NL" smtClean="0"/>
-              <a:t>26-2-2021</a:t>
+              <a:t>1-3-2021</a:t>
             </a:fld>
             <a:endParaRPr lang="nl-NL"/>
           </a:p>
@@ -1739,7 +1739,7 @@
           <a:p>
             <a:fld id="{705B85CB-7326-4CDB-B6DC-66899E5F8844}" type="datetimeFigureOut">
               <a:rPr lang="nl-NL" smtClean="0"/>
-              <a:t>26-2-2021</a:t>
+              <a:t>1-3-2021</a:t>
             </a:fld>
             <a:endParaRPr lang="nl-NL"/>
           </a:p>
@@ -2015,7 +2015,7 @@
           <a:p>
             <a:fld id="{705B85CB-7326-4CDB-B6DC-66899E5F8844}" type="datetimeFigureOut">
               <a:rPr lang="nl-NL" smtClean="0"/>
-              <a:t>26-2-2021</a:t>
+              <a:t>1-3-2021</a:t>
             </a:fld>
             <a:endParaRPr lang="nl-NL"/>
           </a:p>
@@ -2283,7 +2283,7 @@
           <a:p>
             <a:fld id="{705B85CB-7326-4CDB-B6DC-66899E5F8844}" type="datetimeFigureOut">
               <a:rPr lang="nl-NL" smtClean="0"/>
-              <a:t>26-2-2021</a:t>
+              <a:t>1-3-2021</a:t>
             </a:fld>
             <a:endParaRPr lang="nl-NL"/>
           </a:p>
@@ -2698,7 +2698,7 @@
           <a:p>
             <a:fld id="{705B85CB-7326-4CDB-B6DC-66899E5F8844}" type="datetimeFigureOut">
               <a:rPr lang="nl-NL" smtClean="0"/>
-              <a:t>26-2-2021</a:t>
+              <a:t>1-3-2021</a:t>
             </a:fld>
             <a:endParaRPr lang="nl-NL"/>
           </a:p>
@@ -2840,7 +2840,7 @@
           <a:p>
             <a:fld id="{705B85CB-7326-4CDB-B6DC-66899E5F8844}" type="datetimeFigureOut">
               <a:rPr lang="nl-NL" smtClean="0"/>
-              <a:t>26-2-2021</a:t>
+              <a:t>1-3-2021</a:t>
             </a:fld>
             <a:endParaRPr lang="nl-NL"/>
           </a:p>
@@ -2953,7 +2953,7 @@
           <a:p>
             <a:fld id="{705B85CB-7326-4CDB-B6DC-66899E5F8844}" type="datetimeFigureOut">
               <a:rPr lang="nl-NL" smtClean="0"/>
-              <a:t>26-2-2021</a:t>
+              <a:t>1-3-2021</a:t>
             </a:fld>
             <a:endParaRPr lang="nl-NL"/>
           </a:p>
@@ -3266,7 +3266,7 @@
           <a:p>
             <a:fld id="{705B85CB-7326-4CDB-B6DC-66899E5F8844}" type="datetimeFigureOut">
               <a:rPr lang="nl-NL" smtClean="0"/>
-              <a:t>26-2-2021</a:t>
+              <a:t>1-3-2021</a:t>
             </a:fld>
             <a:endParaRPr lang="nl-NL"/>
           </a:p>
@@ -3466,7 +3466,7 @@
           <a:p>
             <a:fld id="{766785BB-7706-4DEE-A3EF-8F6193F80700}" type="datetimeFigureOut">
               <a:rPr lang="en-NL" smtClean="0"/>
-              <a:t>26/02/2021</a:t>
+              <a:t>01/03/2021</a:t>
             </a:fld>
             <a:endParaRPr lang="en-NL"/>
           </a:p>
@@ -3755,7 +3755,7 @@
           <a:p>
             <a:fld id="{705B85CB-7326-4CDB-B6DC-66899E5F8844}" type="datetimeFigureOut">
               <a:rPr lang="nl-NL" smtClean="0"/>
-              <a:t>26-2-2021</a:t>
+              <a:t>1-3-2021</a:t>
             </a:fld>
             <a:endParaRPr lang="nl-NL"/>
           </a:p>
@@ -3955,7 +3955,7 @@
           <a:p>
             <a:fld id="{705B85CB-7326-4CDB-B6DC-66899E5F8844}" type="datetimeFigureOut">
               <a:rPr lang="nl-NL" smtClean="0"/>
-              <a:t>26-2-2021</a:t>
+              <a:t>1-3-2021</a:t>
             </a:fld>
             <a:endParaRPr lang="nl-NL"/>
           </a:p>
@@ -4165,7 +4165,7 @@
           <a:p>
             <a:fld id="{705B85CB-7326-4CDB-B6DC-66899E5F8844}" type="datetimeFigureOut">
               <a:rPr lang="nl-NL" smtClean="0"/>
-              <a:t>26-2-2021</a:t>
+              <a:t>1-3-2021</a:t>
             </a:fld>
             <a:endParaRPr lang="nl-NL"/>
           </a:p>
@@ -4441,7 +4441,7 @@
           <a:p>
             <a:fld id="{766785BB-7706-4DEE-A3EF-8F6193F80700}" type="datetimeFigureOut">
               <a:rPr lang="en-NL" smtClean="0"/>
-              <a:t>26/02/2021</a:t>
+              <a:t>01/03/2021</a:t>
             </a:fld>
             <a:endParaRPr lang="en-NL"/>
           </a:p>
@@ -4709,7 +4709,7 @@
           <a:p>
             <a:fld id="{766785BB-7706-4DEE-A3EF-8F6193F80700}" type="datetimeFigureOut">
               <a:rPr lang="en-NL" smtClean="0"/>
-              <a:t>26/02/2021</a:t>
+              <a:t>01/03/2021</a:t>
             </a:fld>
             <a:endParaRPr lang="en-NL"/>
           </a:p>
@@ -5124,7 +5124,7 @@
           <a:p>
             <a:fld id="{766785BB-7706-4DEE-A3EF-8F6193F80700}" type="datetimeFigureOut">
               <a:rPr lang="en-NL" smtClean="0"/>
-              <a:t>26/02/2021</a:t>
+              <a:t>01/03/2021</a:t>
             </a:fld>
             <a:endParaRPr lang="en-NL"/>
           </a:p>
@@ -5266,7 +5266,7 @@
           <a:p>
             <a:fld id="{766785BB-7706-4DEE-A3EF-8F6193F80700}" type="datetimeFigureOut">
               <a:rPr lang="en-NL" smtClean="0"/>
-              <a:t>26/02/2021</a:t>
+              <a:t>01/03/2021</a:t>
             </a:fld>
             <a:endParaRPr lang="en-NL"/>
           </a:p>
@@ -5379,7 +5379,7 @@
           <a:p>
             <a:fld id="{766785BB-7706-4DEE-A3EF-8F6193F80700}" type="datetimeFigureOut">
               <a:rPr lang="en-NL" smtClean="0"/>
-              <a:t>26/02/2021</a:t>
+              <a:t>01/03/2021</a:t>
             </a:fld>
             <a:endParaRPr lang="en-NL"/>
           </a:p>
@@ -5692,7 +5692,7 @@
           <a:p>
             <a:fld id="{766785BB-7706-4DEE-A3EF-8F6193F80700}" type="datetimeFigureOut">
               <a:rPr lang="en-NL" smtClean="0"/>
-              <a:t>26/02/2021</a:t>
+              <a:t>01/03/2021</a:t>
             </a:fld>
             <a:endParaRPr lang="en-NL"/>
           </a:p>
@@ -5981,7 +5981,7 @@
           <a:p>
             <a:fld id="{766785BB-7706-4DEE-A3EF-8F6193F80700}" type="datetimeFigureOut">
               <a:rPr lang="en-NL" smtClean="0"/>
-              <a:t>26/02/2021</a:t>
+              <a:t>01/03/2021</a:t>
             </a:fld>
             <a:endParaRPr lang="en-NL"/>
           </a:p>
@@ -6224,7 +6224,7 @@
           <a:p>
             <a:fld id="{766785BB-7706-4DEE-A3EF-8F6193F80700}" type="datetimeFigureOut">
               <a:rPr lang="en-NL" smtClean="0"/>
-              <a:t>26/02/2021</a:t>
+              <a:t>01/03/2021</a:t>
             </a:fld>
             <a:endParaRPr lang="en-NL"/>
           </a:p>
@@ -6794,7 +6794,7 @@
           <a:p>
             <a:fld id="{705B85CB-7326-4CDB-B6DC-66899E5F8844}" type="datetimeFigureOut">
               <a:rPr lang="nl-NL" smtClean="0"/>
-              <a:t>26-2-2021</a:t>
+              <a:t>1-3-2021</a:t>
             </a:fld>
             <a:endParaRPr lang="nl-NL"/>
           </a:p>
@@ -12516,8 +12516,8 @@
         </p:nvSpPr>
         <p:spPr>
           <a:xfrm>
-            <a:off x="1686188" y="235557"/>
-            <a:ext cx="7860483" cy="6215577"/>
+            <a:off x="1474944" y="235557"/>
+            <a:ext cx="8516781" cy="6215577"/>
           </a:xfrm>
           <a:prstGeom prst="rect">
             <a:avLst/>
@@ -12550,7 +12550,7 @@
           <a:lstStyle/>
           <a:p>
             <a:pPr algn="ctr"/>
-            <a:endParaRPr lang="en-NL" dirty="0"/>
+            <a:endParaRPr lang="en-NL" sz="1400" dirty="0"/>
           </a:p>
         </p:txBody>
       </p:sp>
@@ -12568,8 +12568,8 @@
         </p:nvSpPr>
         <p:spPr>
           <a:xfrm>
-            <a:off x="6975472" y="4972194"/>
-            <a:ext cx="1635384" cy="253916"/>
+            <a:off x="7081270" y="4972194"/>
+            <a:ext cx="1423788" cy="230832"/>
           </a:xfrm>
           <a:prstGeom prst="rect">
             <a:avLst/>
@@ -12600,7 +12600,7 @@
               <a:defRPr/>
             </a:pPr>
             <a:r>
-              <a:rPr kumimoji="0" lang="nl-NL" sz="1050" b="1" i="0" u="none" strike="noStrike" kern="1200" cap="none" spc="0" normalizeH="0" baseline="0" noProof="0" dirty="0">
+              <a:rPr kumimoji="0" lang="nl-NL" sz="900" b="1" i="0" u="none" strike="noStrike" kern="1200" cap="none" spc="0" normalizeH="0" baseline="0" noProof="0" dirty="0">
                 <a:ln>
                   <a:noFill/>
                 </a:ln>
@@ -12617,7 +12617,7 @@
               <a:t>GET </a:t>
             </a:r>
             <a:r>
-              <a:rPr kumimoji="0" lang="nl-NL" sz="1050" i="0" u="none" strike="noStrike" kern="1200" cap="none" spc="0" normalizeH="0" baseline="0" noProof="0" dirty="0">
+              <a:rPr kumimoji="0" lang="nl-NL" sz="900" i="0" u="none" strike="noStrike" kern="1200" cap="none" spc="0" normalizeH="0" baseline="0" noProof="0" dirty="0">
                 <a:ln>
                   <a:noFill/>
                 </a:ln>
@@ -12634,7 +12634,7 @@
               <a:t>/</a:t>
             </a:r>
             <a:r>
-              <a:rPr kumimoji="0" lang="nl-NL" sz="1050" i="0" u="none" strike="noStrike" kern="1200" cap="none" spc="0" normalizeH="0" baseline="0" noProof="0" dirty="0" err="1">
+              <a:rPr kumimoji="0" lang="nl-NL" sz="900" i="0" u="none" strike="noStrike" kern="1200" cap="none" spc="0" normalizeH="0" baseline="0" noProof="0" dirty="0" err="1">
                 <a:ln>
                   <a:noFill/>
                 </a:ln>
@@ -12651,7 +12651,7 @@
               <a:t>vehicleinfo</a:t>
             </a:r>
             <a:r>
-              <a:rPr kumimoji="0" lang="nl-NL" sz="1050" i="0" u="none" strike="noStrike" kern="1200" cap="none" spc="0" normalizeH="0" baseline="0" noProof="0" dirty="0">
+              <a:rPr kumimoji="0" lang="nl-NL" sz="900" i="0" u="none" strike="noStrike" kern="1200" cap="none" spc="0" normalizeH="0" baseline="0" noProof="0" dirty="0">
                 <a:ln>
                   <a:noFill/>
                 </a:ln>
@@ -12667,7 +12667,7 @@
               </a:rPr>
               <a:t>/13-XK-46</a:t>
             </a:r>
-            <a:endParaRPr kumimoji="0" lang="nl-NL" sz="1050" b="1" i="0" u="none" strike="noStrike" kern="1200" cap="none" spc="0" normalizeH="0" baseline="0" noProof="0" dirty="0">
+            <a:endParaRPr kumimoji="0" lang="nl-NL" sz="900" b="1" i="0" u="none" strike="noStrike" kern="1200" cap="none" spc="0" normalizeH="0" baseline="0" noProof="0" dirty="0">
               <a:ln>
                 <a:noFill/>
               </a:ln>
@@ -12748,7 +12748,7 @@
               <a:defRPr/>
             </a:pPr>
             <a:r>
-              <a:rPr kumimoji="0" lang="nl-NL" sz="1100" b="1" i="0" u="none" strike="noStrike" kern="1200" cap="none" spc="0" normalizeH="0" baseline="0" noProof="0" dirty="0">
+              <a:rPr kumimoji="0" lang="nl-NL" sz="1000" b="1" i="0" u="none" strike="noStrike" kern="1200" cap="none" spc="0" normalizeH="0" baseline="0" noProof="0" dirty="0">
                 <a:ln>
                   <a:noFill/>
                 </a:ln>
@@ -12765,7 +12765,7 @@
               <a:t>Camera </a:t>
             </a:r>
             <a:br>
-              <a:rPr kumimoji="0" lang="nl-NL" sz="1100" b="1" i="0" u="none" strike="noStrike" kern="1200" cap="none" spc="0" normalizeH="0" baseline="0" noProof="0" dirty="0">
+              <a:rPr kumimoji="0" lang="nl-NL" sz="1000" b="1" i="0" u="none" strike="noStrike" kern="1200" cap="none" spc="0" normalizeH="0" baseline="0" noProof="0" dirty="0">
                 <a:ln>
                   <a:noFill/>
                 </a:ln>
@@ -12781,7 +12781,7 @@
               </a:rPr>
             </a:br>
             <a:r>
-              <a:rPr kumimoji="0" lang="nl-NL" sz="1100" b="1" i="0" u="none" strike="noStrike" kern="1200" cap="none" spc="0" normalizeH="0" baseline="0" noProof="0" dirty="0" err="1">
+              <a:rPr kumimoji="0" lang="nl-NL" sz="1000" b="1" i="0" u="none" strike="noStrike" kern="1200" cap="none" spc="0" normalizeH="0" baseline="0" noProof="0" dirty="0" err="1">
                 <a:ln>
                   <a:noFill/>
                 </a:ln>
@@ -12797,7 +12797,7 @@
               </a:rPr>
               <a:t>Simulation</a:t>
             </a:r>
-            <a:endParaRPr kumimoji="0" lang="nl-NL" sz="1100" b="1" i="0" u="none" strike="noStrike" kern="1200" cap="none" spc="0" normalizeH="0" baseline="0" noProof="0" dirty="0">
+            <a:endParaRPr kumimoji="0" lang="nl-NL" sz="1000" b="1" i="0" u="none" strike="noStrike" kern="1200" cap="none" spc="0" normalizeH="0" baseline="0" noProof="0" dirty="0">
               <a:ln>
                 <a:noFill/>
               </a:ln>
@@ -12878,7 +12878,7 @@
               <a:defRPr/>
             </a:pPr>
             <a:r>
-              <a:rPr kumimoji="0" lang="nl-NL" sz="1100" b="1" i="0" u="none" strike="noStrike" kern="1200" cap="none" spc="0" normalizeH="0" baseline="0" noProof="0" dirty="0">
+              <a:rPr kumimoji="0" lang="nl-NL" sz="1000" b="1" i="0" u="none" strike="noStrike" kern="1200" cap="none" spc="0" normalizeH="0" baseline="0" noProof="0" dirty="0">
                 <a:ln>
                   <a:noFill/>
                 </a:ln>
@@ -12895,7 +12895,7 @@
               <a:t>Fine Collection</a:t>
             </a:r>
             <a:br>
-              <a:rPr kumimoji="0" lang="nl-NL" sz="1100" b="1" i="0" u="none" strike="noStrike" kern="1200" cap="none" spc="0" normalizeH="0" baseline="0" noProof="0" dirty="0">
+              <a:rPr kumimoji="0" lang="nl-NL" sz="1000" b="1" i="0" u="none" strike="noStrike" kern="1200" cap="none" spc="0" normalizeH="0" baseline="0" noProof="0" dirty="0">
                 <a:ln>
                   <a:noFill/>
                 </a:ln>
@@ -12911,7 +12911,7 @@
               </a:rPr>
             </a:br>
             <a:r>
-              <a:rPr kumimoji="0" lang="nl-NL" sz="1100" b="1" i="0" u="none" strike="noStrike" kern="1200" cap="none" spc="0" normalizeH="0" baseline="0" noProof="0" dirty="0">
+              <a:rPr kumimoji="0" lang="nl-NL" sz="1000" b="1" i="0" u="none" strike="noStrike" kern="1200" cap="none" spc="0" normalizeH="0" baseline="0" noProof="0" dirty="0">
                 <a:ln>
                   <a:noFill/>
                 </a:ln>
@@ -12927,7 +12927,7 @@
               </a:rPr>
               <a:t>Service</a:t>
             </a:r>
-            <a:endParaRPr kumimoji="0" lang="en-US" sz="1100" b="1" i="0" u="none" strike="noStrike" kern="1200" cap="none" spc="0" normalizeH="0" baseline="0" noProof="0" dirty="0">
+            <a:endParaRPr kumimoji="0" lang="en-US" sz="1000" b="1" i="0" u="none" strike="noStrike" kern="1200" cap="none" spc="0" normalizeH="0" baseline="0" noProof="0" dirty="0">
               <a:ln>
                 <a:noFill/>
               </a:ln>
@@ -13008,7 +13008,7 @@
               <a:defRPr/>
             </a:pPr>
             <a:r>
-              <a:rPr kumimoji="0" lang="nl-NL" sz="1100" b="1" i="0" u="none" strike="noStrike" kern="1200" cap="none" spc="0" normalizeH="0" baseline="0" noProof="0" dirty="0">
+              <a:rPr kumimoji="0" lang="nl-NL" sz="1000" b="1" i="0" u="none" strike="noStrike" kern="1200" cap="none" spc="0" normalizeH="0" baseline="0" noProof="0" dirty="0">
                 <a:ln>
                   <a:noFill/>
                 </a:ln>
@@ -13025,7 +13025,7 @@
               <a:t>Vehicle </a:t>
             </a:r>
             <a:r>
-              <a:rPr kumimoji="0" lang="nl-NL" sz="1100" b="1" i="0" u="none" strike="noStrike" kern="1200" cap="none" spc="0" normalizeH="0" baseline="0" noProof="0" dirty="0" err="1">
+              <a:rPr kumimoji="0" lang="nl-NL" sz="1000" b="1" i="0" u="none" strike="noStrike" kern="1200" cap="none" spc="0" normalizeH="0" baseline="0" noProof="0" dirty="0" err="1">
                 <a:ln>
                   <a:noFill/>
                 </a:ln>
@@ -13042,7 +13042,7 @@
               <a:t>Registration</a:t>
             </a:r>
             <a:r>
-              <a:rPr kumimoji="0" lang="nl-NL" sz="1100" b="1" i="0" u="none" strike="noStrike" kern="1200" cap="none" spc="0" normalizeH="0" baseline="0" noProof="0" dirty="0">
+              <a:rPr kumimoji="0" lang="nl-NL" sz="1000" b="1" i="0" u="none" strike="noStrike" kern="1200" cap="none" spc="0" normalizeH="0" baseline="0" noProof="0" dirty="0">
                 <a:ln>
                   <a:noFill/>
                 </a:ln>
@@ -13059,7 +13059,7 @@
               <a:t> </a:t>
             </a:r>
             <a:br>
-              <a:rPr kumimoji="0" lang="nl-NL" sz="1100" b="1" i="0" u="none" strike="noStrike" kern="1200" cap="none" spc="0" normalizeH="0" baseline="0" noProof="0" dirty="0">
+              <a:rPr kumimoji="0" lang="nl-NL" sz="1000" b="1" i="0" u="none" strike="noStrike" kern="1200" cap="none" spc="0" normalizeH="0" baseline="0" noProof="0" dirty="0">
                 <a:ln>
                   <a:noFill/>
                 </a:ln>
@@ -13075,7 +13075,7 @@
               </a:rPr>
             </a:br>
             <a:r>
-              <a:rPr kumimoji="0" lang="nl-NL" sz="1100" b="1" i="0" u="none" strike="noStrike" kern="1200" cap="none" spc="0" normalizeH="0" baseline="0" noProof="0" dirty="0">
+              <a:rPr kumimoji="0" lang="nl-NL" sz="1000" b="1" i="0" u="none" strike="noStrike" kern="1200" cap="none" spc="0" normalizeH="0" baseline="0" noProof="0" dirty="0">
                 <a:ln>
                   <a:noFill/>
                 </a:ln>
@@ -13091,7 +13091,7 @@
               </a:rPr>
               <a:t>Service</a:t>
             </a:r>
-            <a:endParaRPr kumimoji="0" lang="en-US" sz="1100" b="1" i="0" u="none" strike="noStrike" kern="1200" cap="none" spc="0" normalizeH="0" baseline="0" noProof="0" dirty="0">
+            <a:endParaRPr kumimoji="0" lang="en-US" sz="1000" b="1" i="0" u="none" strike="noStrike" kern="1200" cap="none" spc="0" normalizeH="0" baseline="0" noProof="0" dirty="0">
               <a:ln>
                 <a:noFill/>
               </a:ln>
@@ -13172,7 +13172,7 @@
               <a:defRPr/>
             </a:pPr>
             <a:r>
-              <a:rPr kumimoji="0" lang="nl-NL" sz="1100" b="1" i="0" u="none" strike="noStrike" kern="1200" cap="none" spc="0" normalizeH="0" baseline="0" noProof="0" dirty="0">
+              <a:rPr kumimoji="0" lang="nl-NL" sz="1000" b="1" i="0" u="none" strike="noStrike" kern="1200" cap="none" spc="0" normalizeH="0" baseline="0" noProof="0" dirty="0">
                 <a:ln>
                   <a:noFill/>
                 </a:ln>
@@ -13208,7 +13208,7 @@
               <a:defRPr/>
             </a:pPr>
             <a:r>
-              <a:rPr kumimoji="0" lang="nl-NL" sz="1100" b="1" i="0" u="none" strike="noStrike" kern="1200" cap="none" spc="0" normalizeH="0" baseline="0" noProof="0" dirty="0">
+              <a:rPr kumimoji="0" lang="nl-NL" sz="1000" b="1" i="0" u="none" strike="noStrike" kern="1200" cap="none" spc="0" normalizeH="0" baseline="0" noProof="0" dirty="0">
                 <a:ln>
                   <a:noFill/>
                 </a:ln>
@@ -13224,7 +13224,7 @@
               </a:rPr>
               <a:t>Service</a:t>
             </a:r>
-            <a:endParaRPr kumimoji="0" lang="en-US" sz="1100" b="1" i="0" u="none" strike="noStrike" kern="1200" cap="none" spc="0" normalizeH="0" baseline="0" noProof="0" dirty="0">
+            <a:endParaRPr kumimoji="0" lang="en-US" sz="1000" b="1" i="0" u="none" strike="noStrike" kern="1200" cap="none" spc="0" normalizeH="0" baseline="0" noProof="0" dirty="0">
               <a:ln>
                 <a:noFill/>
               </a:ln>
@@ -13308,7 +13308,7 @@
               <a:defRPr/>
             </a:pPr>
             <a:r>
-              <a:rPr kumimoji="0" lang="en-US" sz="1050" b="1" i="0" u="none" strike="noStrike" kern="1200" cap="none" spc="0" normalizeH="0" baseline="0" noProof="0" dirty="0">
+              <a:rPr kumimoji="0" lang="en-US" sz="900" b="1" i="0" u="none" strike="noStrike" kern="1200" cap="none" spc="0" normalizeH="0" baseline="0" noProof="0" dirty="0">
                 <a:ln>
                   <a:noFill/>
                 </a:ln>
@@ -13325,7 +13325,7 @@
               <a:t>/</a:t>
             </a:r>
             <a:r>
-              <a:rPr kumimoji="0" lang="en-US" sz="1050" b="1" i="0" u="none" strike="noStrike" kern="1200" cap="none" spc="0" normalizeH="0" baseline="0" noProof="0" dirty="0" err="1">
+              <a:rPr kumimoji="0" lang="en-US" sz="900" b="1" i="0" u="none" strike="noStrike" kern="1200" cap="none" spc="0" normalizeH="0" baseline="0" noProof="0" dirty="0" err="1">
                 <a:ln>
                   <a:noFill/>
                 </a:ln>
@@ -13341,7 +13341,7 @@
               </a:rPr>
               <a:t>entrycam</a:t>
             </a:r>
-            <a:endParaRPr kumimoji="0" lang="en-US" sz="1050" b="1" i="0" u="none" strike="noStrike" kern="1200" cap="none" spc="0" normalizeH="0" baseline="0" noProof="0" dirty="0">
+            <a:endParaRPr kumimoji="0" lang="en-US" sz="900" b="1" i="0" u="none" strike="noStrike" kern="1200" cap="none" spc="0" normalizeH="0" baseline="0" noProof="0" dirty="0">
               <a:ln>
                 <a:noFill/>
               </a:ln>
@@ -13425,7 +13425,7 @@
               <a:defRPr/>
             </a:pPr>
             <a:r>
-              <a:rPr kumimoji="0" lang="en-US" sz="1050" b="1" i="0" u="none" strike="noStrike" kern="1200" cap="none" spc="0" normalizeH="0" baseline="0" noProof="0" dirty="0">
+              <a:rPr kumimoji="0" lang="en-US" sz="900" b="1" i="0" u="none" strike="noStrike" kern="1200" cap="none" spc="0" normalizeH="0" baseline="0" noProof="0" dirty="0">
                 <a:ln>
                   <a:noFill/>
                 </a:ln>
@@ -13442,7 +13442,7 @@
               <a:t>/</a:t>
             </a:r>
             <a:r>
-              <a:rPr lang="en-US" sz="1050" b="1" dirty="0">
+              <a:rPr lang="en-US" sz="900" b="1" dirty="0">
                 <a:solidFill>
                   <a:prstClr val="white"/>
                 </a:solidFill>
@@ -13450,7 +13450,7 @@
               </a:rPr>
               <a:t>vehicle</a:t>
             </a:r>
-            <a:endParaRPr kumimoji="0" lang="en-US" sz="1050" b="1" i="0" u="none" strike="noStrike" kern="1200" cap="none" spc="0" normalizeH="0" baseline="0" noProof="0" dirty="0">
+            <a:endParaRPr kumimoji="0" lang="en-US" sz="900" b="1" i="0" u="none" strike="noStrike" kern="1200" cap="none" spc="0" normalizeH="0" baseline="0" noProof="0" dirty="0">
               <a:ln>
                 <a:noFill/>
               </a:ln>
@@ -13484,7 +13484,7 @@
               <a:defRPr/>
             </a:pPr>
             <a:r>
-              <a:rPr lang="en-US" sz="1050" b="1" dirty="0">
+              <a:rPr lang="en-US" sz="900" b="1" dirty="0">
                 <a:solidFill>
                   <a:prstClr val="white"/>
                 </a:solidFill>
@@ -13492,7 +13492,7 @@
               </a:rPr>
               <a:t>info</a:t>
             </a:r>
-            <a:endParaRPr kumimoji="0" lang="en-US" sz="1050" b="1" i="0" u="none" strike="noStrike" kern="1200" cap="none" spc="0" normalizeH="0" baseline="0" noProof="0" dirty="0">
+            <a:endParaRPr kumimoji="0" lang="en-US" sz="900" b="1" i="0" u="none" strike="noStrike" kern="1200" cap="none" spc="0" normalizeH="0" baseline="0" noProof="0" dirty="0">
               <a:ln>
                 <a:noFill/>
               </a:ln>
@@ -13576,7 +13576,7 @@
               <a:defRPr/>
             </a:pPr>
             <a:r>
-              <a:rPr kumimoji="0" lang="en-US" sz="1050" b="1" i="0" u="none" strike="noStrike" kern="1200" cap="none" spc="0" normalizeH="0" baseline="0" noProof="0" dirty="0">
+              <a:rPr kumimoji="0" lang="en-US" sz="900" b="1" i="0" u="none" strike="noStrike" kern="1200" cap="none" spc="0" normalizeH="0" baseline="0" noProof="0" dirty="0">
                 <a:ln>
                   <a:noFill/>
                 </a:ln>
@@ -13593,7 +13593,7 @@
               <a:t>/collect</a:t>
             </a:r>
             <a:br>
-              <a:rPr kumimoji="0" lang="en-US" sz="1050" b="1" i="0" u="none" strike="noStrike" kern="1200" cap="none" spc="0" normalizeH="0" baseline="0" noProof="0" dirty="0">
+              <a:rPr kumimoji="0" lang="en-US" sz="900" b="1" i="0" u="none" strike="noStrike" kern="1200" cap="none" spc="0" normalizeH="0" baseline="0" noProof="0" dirty="0">
                 <a:ln>
                   <a:noFill/>
                 </a:ln>
@@ -13609,7 +13609,7 @@
               </a:rPr>
             </a:br>
             <a:r>
-              <a:rPr kumimoji="0" lang="en-US" sz="1050" b="1" i="0" u="none" strike="noStrike" kern="1200" cap="none" spc="0" normalizeH="0" baseline="0" noProof="0" dirty="0">
+              <a:rPr kumimoji="0" lang="en-US" sz="900" b="1" i="0" u="none" strike="noStrike" kern="1200" cap="none" spc="0" normalizeH="0" baseline="0" noProof="0" dirty="0">
                 <a:ln>
                   <a:noFill/>
                 </a:ln>
@@ -13695,7 +13695,7 @@
               <a:defRPr/>
             </a:pPr>
             <a:r>
-              <a:rPr kumimoji="0" lang="en-US" sz="1050" b="1" i="0" u="none" strike="noStrike" kern="1200" cap="none" spc="0" normalizeH="0" baseline="0" noProof="0" dirty="0">
+              <a:rPr kumimoji="0" lang="en-US" sz="900" b="1" i="0" u="none" strike="noStrike" kern="1200" cap="none" spc="0" normalizeH="0" baseline="0" noProof="0" dirty="0">
                 <a:ln>
                   <a:noFill/>
                 </a:ln>
@@ -13712,7 +13712,7 @@
               <a:t>/</a:t>
             </a:r>
             <a:r>
-              <a:rPr kumimoji="0" lang="en-US" sz="1050" b="1" i="0" u="none" strike="noStrike" kern="1200" cap="none" spc="0" normalizeH="0" baseline="0" noProof="0" dirty="0" err="1">
+              <a:rPr kumimoji="0" lang="en-US" sz="900" b="1" i="0" u="none" strike="noStrike" kern="1200" cap="none" spc="0" normalizeH="0" baseline="0" noProof="0" dirty="0" err="1">
                 <a:ln>
                   <a:noFill/>
                 </a:ln>
@@ -13728,7 +13728,7 @@
               </a:rPr>
               <a:t>exitcam</a:t>
             </a:r>
-            <a:endParaRPr kumimoji="0" lang="en-US" sz="1050" b="1" i="0" u="none" strike="noStrike" kern="1200" cap="none" spc="0" normalizeH="0" baseline="0" noProof="0" dirty="0">
+            <a:endParaRPr kumimoji="0" lang="en-US" sz="900" b="1" i="0" u="none" strike="noStrike" kern="1200" cap="none" spc="0" normalizeH="0" baseline="0" noProof="0" dirty="0">
               <a:ln>
                 <a:noFill/>
               </a:ln>
@@ -13812,7 +13812,7 @@
               <a:defRPr/>
             </a:pPr>
             <a:r>
-              <a:rPr kumimoji="0" lang="en-US" sz="1050" b="1" i="0" u="none" strike="noStrike" kern="1200" cap="none" spc="0" normalizeH="0" baseline="0" noProof="0" dirty="0">
+              <a:rPr kumimoji="0" lang="en-US" sz="900" b="1" i="0" u="none" strike="noStrike" kern="1200" cap="none" spc="0" normalizeH="0" baseline="0" noProof="0" dirty="0">
                 <a:ln>
                   <a:noFill/>
                 </a:ln>
@@ -13848,7 +13848,7 @@
               <a:defRPr/>
             </a:pPr>
             <a:r>
-              <a:rPr lang="en-US" sz="1050" b="1" dirty="0">
+              <a:rPr lang="en-US" sz="900" b="1" dirty="0">
                 <a:solidFill>
                   <a:prstClr val="white"/>
                 </a:solidFill>
@@ -13856,7 +13856,7 @@
               </a:rPr>
               <a:t>Simulation</a:t>
             </a:r>
-            <a:endParaRPr kumimoji="0" lang="en-US" sz="1050" b="1" i="0" u="none" strike="noStrike" kern="1200" cap="none" spc="0" normalizeH="0" baseline="0" noProof="0" dirty="0">
+            <a:endParaRPr kumimoji="0" lang="en-US" sz="900" b="1" i="0" u="none" strike="noStrike" kern="1200" cap="none" spc="0" normalizeH="0" baseline="0" noProof="0" dirty="0">
               <a:ln>
                 <a:noFill/>
               </a:ln>
@@ -13973,7 +13973,7 @@
         <p:spPr>
           <a:xfrm>
             <a:off x="2400147" y="1974941"/>
-            <a:ext cx="1487908" cy="253916"/>
+            <a:ext cx="1308371" cy="230832"/>
           </a:xfrm>
           <a:prstGeom prst="rect">
             <a:avLst/>
@@ -14004,7 +14004,7 @@
               <a:defRPr/>
             </a:pPr>
             <a:r>
-              <a:rPr kumimoji="0" lang="nl-NL" sz="1050" b="1" i="0" u="none" strike="noStrike" kern="1200" cap="none" spc="0" normalizeH="0" baseline="0" noProof="0" dirty="0">
+              <a:rPr kumimoji="0" lang="nl-NL" sz="900" b="1" i="0" u="none" strike="noStrike" kern="1200" cap="none" spc="0" normalizeH="0" baseline="0" noProof="0" dirty="0">
                 <a:ln>
                   <a:noFill/>
                 </a:ln>
@@ -14021,7 +14021,7 @@
               <a:t>POST</a:t>
             </a:r>
             <a:r>
-              <a:rPr kumimoji="0" lang="nl-NL" sz="1050" b="0" i="0" u="none" strike="noStrike" kern="1200" cap="none" spc="0" normalizeH="0" baseline="0" noProof="0" dirty="0">
+              <a:rPr kumimoji="0" lang="nl-NL" sz="900" b="0" i="0" u="none" strike="noStrike" kern="1200" cap="none" spc="0" normalizeH="0" baseline="0" noProof="0" dirty="0">
                 <a:ln>
                   <a:noFill/>
                 </a:ln>
@@ -14038,7 +14038,7 @@
               <a:t> </a:t>
             </a:r>
             <a:r>
-              <a:rPr kumimoji="0" lang="nl-NL" sz="1050" b="0" i="0" u="none" strike="noStrike" kern="1200" cap="none" spc="0" normalizeH="0" baseline="0" noProof="0" dirty="0" err="1">
+              <a:rPr kumimoji="0" lang="nl-NL" sz="900" b="0" i="0" u="none" strike="noStrike" kern="1200" cap="none" spc="0" normalizeH="0" baseline="0" noProof="0" dirty="0" err="1">
                 <a:ln>
                   <a:noFill/>
                 </a:ln>
@@ -14054,7 +14054,7 @@
               </a:rPr>
               <a:t>VehicleRegistered</a:t>
             </a:r>
-            <a:endParaRPr kumimoji="0" lang="nl-NL" sz="1050" b="0" i="0" u="none" strike="noStrike" kern="1200" cap="none" spc="0" normalizeH="0" baseline="0" noProof="0" dirty="0">
+            <a:endParaRPr kumimoji="0" lang="nl-NL" sz="900" b="0" i="0" u="none" strike="noStrike" kern="1200" cap="none" spc="0" normalizeH="0" baseline="0" noProof="0" dirty="0">
               <a:ln>
                 <a:noFill/>
               </a:ln>
@@ -14260,7 +14260,7 @@
         <p:spPr>
           <a:xfrm>
             <a:off x="5248379" y="3942130"/>
-            <a:ext cx="1285929" cy="253916"/>
+            <a:ext cx="1116011" cy="230832"/>
           </a:xfrm>
           <a:prstGeom prst="rect">
             <a:avLst/>
@@ -14291,7 +14291,7 @@
               <a:defRPr/>
             </a:pPr>
             <a:r>
-              <a:rPr kumimoji="0" lang="nl-NL" sz="900" b="0" i="1" u="none" strike="noStrike" kern="1200" cap="none" spc="0" normalizeH="0" baseline="0" noProof="0" dirty="0">
+              <a:rPr kumimoji="0" lang="nl-NL" sz="700" b="0" i="1" u="none" strike="noStrike" kern="1200" cap="none" spc="0" normalizeH="0" baseline="0" noProof="0" dirty="0">
                 <a:ln>
                   <a:noFill/>
                 </a:ln>
@@ -14308,6 +14308,23 @@
               <a:t>[</a:t>
             </a:r>
             <a:r>
+              <a:rPr kumimoji="0" lang="nl-NL" sz="700" b="0" i="1" u="none" strike="noStrike" kern="1200" cap="none" spc="0" normalizeH="0" baseline="0" noProof="0" dirty="0" err="1">
+                <a:ln>
+                  <a:noFill/>
+                </a:ln>
+                <a:solidFill>
+                  <a:srgbClr val="0070C0"/>
+                </a:solidFill>
+                <a:effectLst/>
+                <a:uLnTx/>
+                <a:uFillTx/>
+                <a:latin typeface="Calibri" panose="020F0502020204030204"/>
+                <a:ea typeface="+mn-ea"/>
+                <a:cs typeface="+mn-cs"/>
+              </a:rPr>
+              <a:t>Avg</a:t>
+            </a:r>
+            <a:r>
               <a:rPr kumimoji="0" lang="nl-NL" sz="900" b="0" i="1" u="none" strike="noStrike" kern="1200" cap="none" spc="0" normalizeH="0" baseline="0" noProof="0" dirty="0" err="1">
                 <a:ln>
                   <a:noFill/>
@@ -14322,27 +14339,10 @@
                 <a:ea typeface="+mn-ea"/>
                 <a:cs typeface="+mn-cs"/>
               </a:rPr>
-              <a:t>Avg</a:t>
-            </a:r>
-            <a:r>
-              <a:rPr kumimoji="0" lang="nl-NL" sz="1050" b="0" i="1" u="none" strike="noStrike" kern="1200" cap="none" spc="0" normalizeH="0" baseline="0" noProof="0" dirty="0" err="1">
-                <a:ln>
-                  <a:noFill/>
-                </a:ln>
-                <a:solidFill>
-                  <a:srgbClr val="0070C0"/>
-                </a:solidFill>
-                <a:effectLst/>
-                <a:uLnTx/>
-                <a:uFillTx/>
-                <a:latin typeface="Calibri" panose="020F0502020204030204"/>
-                <a:ea typeface="+mn-ea"/>
-                <a:cs typeface="+mn-cs"/>
-              </a:rPr>
               <a:t>SpeedOverLimit</a:t>
             </a:r>
             <a:r>
-              <a:rPr kumimoji="0" lang="nl-NL" sz="900" b="0" i="1" u="none" strike="noStrike" kern="1200" cap="none" spc="0" normalizeH="0" baseline="0" noProof="0" dirty="0">
+              <a:rPr kumimoji="0" lang="nl-NL" sz="700" b="0" i="1" u="none" strike="noStrike" kern="1200" cap="none" spc="0" normalizeH="0" baseline="0" noProof="0" dirty="0">
                 <a:ln>
                   <a:noFill/>
                 </a:ln>
@@ -14417,7 +14417,7 @@
         <p:spPr>
           <a:xfrm>
             <a:off x="2379876" y="2764245"/>
-            <a:ext cx="1487908" cy="253916"/>
+            <a:ext cx="1308371" cy="230832"/>
           </a:xfrm>
           <a:prstGeom prst="rect">
             <a:avLst/>
@@ -14448,7 +14448,7 @@
               <a:defRPr/>
             </a:pPr>
             <a:r>
-              <a:rPr kumimoji="0" lang="nl-NL" sz="1050" b="1" i="0" u="none" strike="noStrike" kern="1200" cap="none" spc="0" normalizeH="0" baseline="0" noProof="0" dirty="0">
+              <a:rPr kumimoji="0" lang="nl-NL" sz="900" b="1" i="0" u="none" strike="noStrike" kern="1200" cap="none" spc="0" normalizeH="0" baseline="0" noProof="0" dirty="0">
                 <a:ln>
                   <a:noFill/>
                 </a:ln>
@@ -14465,7 +14465,7 @@
               <a:t>POST</a:t>
             </a:r>
             <a:r>
-              <a:rPr kumimoji="0" lang="nl-NL" sz="1050" b="0" i="0" u="none" strike="noStrike" kern="1200" cap="none" spc="0" normalizeH="0" baseline="0" noProof="0" dirty="0">
+              <a:rPr kumimoji="0" lang="nl-NL" sz="900" b="0" i="0" u="none" strike="noStrike" kern="1200" cap="none" spc="0" normalizeH="0" baseline="0" noProof="0" dirty="0">
                 <a:ln>
                   <a:noFill/>
                 </a:ln>
@@ -14482,7 +14482,7 @@
               <a:t> </a:t>
             </a:r>
             <a:r>
-              <a:rPr kumimoji="0" lang="nl-NL" sz="1050" b="0" i="0" u="none" strike="noStrike" kern="1200" cap="none" spc="0" normalizeH="0" baseline="0" noProof="0" dirty="0" err="1">
+              <a:rPr kumimoji="0" lang="nl-NL" sz="900" b="0" i="0" u="none" strike="noStrike" kern="1200" cap="none" spc="0" normalizeH="0" baseline="0" noProof="0" dirty="0" err="1">
                 <a:ln>
                   <a:noFill/>
                 </a:ln>
@@ -14498,7 +14498,7 @@
               </a:rPr>
               <a:t>VehicleRegistered</a:t>
             </a:r>
-            <a:endParaRPr kumimoji="0" lang="nl-NL" sz="1050" b="0" i="0" u="none" strike="noStrike" kern="1200" cap="none" spc="0" normalizeH="0" baseline="0" noProof="0" dirty="0">
+            <a:endParaRPr kumimoji="0" lang="nl-NL" sz="900" b="0" i="0" u="none" strike="noStrike" kern="1200" cap="none" spc="0" normalizeH="0" baseline="0" noProof="0" dirty="0">
               <a:ln>
                 <a:noFill/>
               </a:ln>
@@ -14614,7 +14614,7 @@
         <p:spPr>
           <a:xfrm>
             <a:off x="4376193" y="2284661"/>
-            <a:ext cx="869149" cy="415498"/>
+            <a:ext cx="771365" cy="369332"/>
           </a:xfrm>
           <a:prstGeom prst="rect">
             <a:avLst/>
@@ -14645,7 +14645,7 @@
               <a:defRPr/>
             </a:pPr>
             <a:r>
-              <a:rPr kumimoji="0" lang="nl-NL" sz="1050" b="0" i="0" u="none" strike="noStrike" kern="1200" cap="none" spc="0" normalizeH="0" baseline="0" noProof="0" dirty="0">
+              <a:rPr kumimoji="0" lang="nl-NL" sz="900" b="0" i="0" u="none" strike="noStrike" kern="1200" cap="none" spc="0" normalizeH="0" baseline="0" noProof="0" dirty="0">
                 <a:ln>
                   <a:noFill/>
                 </a:ln>
@@ -14662,7 +14662,7 @@
               <a:t>Store </a:t>
             </a:r>
             <a:br>
-              <a:rPr kumimoji="0" lang="nl-NL" sz="1050" b="0" i="0" u="none" strike="noStrike" kern="1200" cap="none" spc="0" normalizeH="0" baseline="0" noProof="0" dirty="0">
+              <a:rPr kumimoji="0" lang="nl-NL" sz="900" b="0" i="0" u="none" strike="noStrike" kern="1200" cap="none" spc="0" normalizeH="0" baseline="0" noProof="0" dirty="0">
                 <a:ln>
                   <a:noFill/>
                 </a:ln>
@@ -14678,7 +14678,7 @@
               </a:rPr>
             </a:br>
             <a:r>
-              <a:rPr kumimoji="0" lang="nl-NL" sz="1050" b="0" i="0" u="none" strike="noStrike" kern="1200" cap="none" spc="0" normalizeH="0" baseline="0" noProof="0" dirty="0" err="1">
+              <a:rPr kumimoji="0" lang="nl-NL" sz="900" b="0" i="0" u="none" strike="noStrike" kern="1200" cap="none" spc="0" normalizeH="0" baseline="0" noProof="0" dirty="0" err="1">
                 <a:ln>
                   <a:noFill/>
                 </a:ln>
@@ -14694,7 +14694,7 @@
               </a:rPr>
               <a:t>VehicleState</a:t>
             </a:r>
-            <a:endParaRPr kumimoji="0" lang="nl-NL" sz="1050" b="0" i="0" u="none" strike="noStrike" kern="1200" cap="none" spc="0" normalizeH="0" baseline="0" noProof="0" dirty="0">
+            <a:endParaRPr kumimoji="0" lang="nl-NL" sz="900" b="0" i="0" u="none" strike="noStrike" kern="1200" cap="none" spc="0" normalizeH="0" baseline="0" noProof="0" dirty="0">
               <a:ln>
                 <a:noFill/>
               </a:ln>
@@ -14725,8 +14725,8 @@
         </p:nvSpPr>
         <p:spPr>
           <a:xfrm>
-            <a:off x="5503257" y="3170541"/>
-            <a:ext cx="1096775" cy="253916"/>
+            <a:off x="5568979" y="3170541"/>
+            <a:ext cx="965329" cy="230832"/>
           </a:xfrm>
           <a:prstGeom prst="rect">
             <a:avLst/>
@@ -14757,7 +14757,7 @@
               <a:defRPr/>
             </a:pPr>
             <a:r>
-              <a:rPr kumimoji="0" lang="nl-NL" sz="1050" b="0" i="0" u="none" strike="noStrike" kern="1200" cap="none" spc="0" normalizeH="0" baseline="0" noProof="0" dirty="0">
+              <a:rPr kumimoji="0" lang="nl-NL" sz="900" b="0" i="0" u="none" strike="noStrike" kern="1200" cap="none" spc="0" normalizeH="0" baseline="0" noProof="0" dirty="0">
                 <a:ln>
                   <a:noFill/>
                 </a:ln>
@@ -14774,7 +14774,7 @@
               <a:t>Get </a:t>
             </a:r>
             <a:r>
-              <a:rPr kumimoji="0" lang="nl-NL" sz="1050" b="0" i="0" u="none" strike="noStrike" kern="1200" cap="none" spc="0" normalizeH="0" baseline="0" noProof="0" dirty="0" err="1">
+              <a:rPr kumimoji="0" lang="nl-NL" sz="900" b="0" i="0" u="none" strike="noStrike" kern="1200" cap="none" spc="0" normalizeH="0" baseline="0" noProof="0" dirty="0" err="1">
                 <a:ln>
                   <a:noFill/>
                 </a:ln>
@@ -14790,7 +14790,7 @@
               </a:rPr>
               <a:t>VehicleState</a:t>
             </a:r>
-            <a:endParaRPr kumimoji="0" lang="nl-NL" sz="1050" b="0" i="0" u="none" strike="noStrike" kern="1200" cap="none" spc="0" normalizeH="0" baseline="0" noProof="0" dirty="0">
+            <a:endParaRPr kumimoji="0" lang="nl-NL" sz="900" b="0" i="0" u="none" strike="noStrike" kern="1200" cap="none" spc="0" normalizeH="0" baseline="0" noProof="0" dirty="0">
               <a:ln>
                 <a:noFill/>
               </a:ln>
@@ -14864,7 +14864,7 @@
         <p:spPr>
           <a:xfrm>
             <a:off x="5242060" y="4108692"/>
-            <a:ext cx="1494320" cy="253916"/>
+            <a:ext cx="1317990" cy="230832"/>
           </a:xfrm>
           <a:prstGeom prst="rect">
             <a:avLst/>
@@ -14895,7 +14895,7 @@
               <a:defRPr/>
             </a:pPr>
             <a:r>
-              <a:rPr kumimoji="0" lang="nl-NL" sz="1050" b="1" i="0" u="none" strike="noStrike" kern="1200" cap="none" spc="0" normalizeH="0" baseline="0" noProof="0" dirty="0">
+              <a:rPr kumimoji="0" lang="nl-NL" sz="900" b="1" i="0" u="none" strike="noStrike" kern="1200" cap="none" spc="0" normalizeH="0" baseline="0" noProof="0" dirty="0">
                 <a:ln>
                   <a:noFill/>
                 </a:ln>
@@ -14912,7 +14912,7 @@
               <a:t>POST</a:t>
             </a:r>
             <a:r>
-              <a:rPr kumimoji="0" lang="nl-NL" sz="1050" b="0" i="0" u="none" strike="noStrike" kern="1200" cap="none" spc="0" normalizeH="0" baseline="0" noProof="0" dirty="0">
+              <a:rPr kumimoji="0" lang="nl-NL" sz="900" b="0" i="0" u="none" strike="noStrike" kern="1200" cap="none" spc="0" normalizeH="0" baseline="0" noProof="0" dirty="0">
                 <a:ln>
                   <a:noFill/>
                 </a:ln>
@@ -14929,7 +14929,7 @@
               <a:t> </a:t>
             </a:r>
             <a:r>
-              <a:rPr kumimoji="0" lang="nl-NL" sz="1050" b="0" i="0" u="none" strike="noStrike" kern="1200" cap="none" spc="0" normalizeH="0" baseline="0" noProof="0" dirty="0" err="1">
+              <a:rPr kumimoji="0" lang="nl-NL" sz="900" b="0" i="0" u="none" strike="noStrike" kern="1200" cap="none" spc="0" normalizeH="0" baseline="0" noProof="0" dirty="0" err="1">
                 <a:ln>
                   <a:noFill/>
                 </a:ln>
@@ -14945,7 +14945,7 @@
               </a:rPr>
               <a:t>SpeedingViolation</a:t>
             </a:r>
-            <a:endParaRPr kumimoji="0" lang="nl-NL" sz="1050" b="0" i="0" u="none" strike="noStrike" kern="1200" cap="none" spc="0" normalizeH="0" baseline="0" noProof="0" dirty="0">
+            <a:endParaRPr kumimoji="0" lang="nl-NL" sz="900" b="0" i="0" u="none" strike="noStrike" kern="1200" cap="none" spc="0" normalizeH="0" baseline="0" noProof="0" dirty="0">
               <a:ln>
                 <a:noFill/>
               </a:ln>
@@ -15124,7 +15124,7 @@
         <p:spPr>
           <a:xfrm>
             <a:off x="5552328" y="3490853"/>
-            <a:ext cx="1196161" cy="415498"/>
+            <a:ext cx="1050288" cy="369332"/>
           </a:xfrm>
           <a:prstGeom prst="rect">
             <a:avLst/>
@@ -15155,7 +15155,7 @@
               <a:defRPr/>
             </a:pPr>
             <a:r>
-              <a:rPr kumimoji="0" lang="nl-NL" sz="1050" b="0" i="0" u="none" strike="noStrike" kern="1200" cap="none" spc="0" normalizeH="0" baseline="0" noProof="0" dirty="0" err="1">
+              <a:rPr kumimoji="0" lang="nl-NL" sz="900" b="0" i="0" u="none" strike="noStrike" kern="1200" cap="none" spc="0" normalizeH="0" baseline="0" noProof="0" dirty="0" err="1">
                 <a:ln>
                   <a:noFill/>
                 </a:ln>
@@ -15172,7 +15172,7 @@
               <a:t>Calculate</a:t>
             </a:r>
             <a:r>
-              <a:rPr kumimoji="0" lang="nl-NL" sz="1050" b="0" i="0" u="none" strike="noStrike" kern="1200" cap="none" spc="0" normalizeH="0" baseline="0" noProof="0" dirty="0">
+              <a:rPr kumimoji="0" lang="nl-NL" sz="900" b="0" i="0" u="none" strike="noStrike" kern="1200" cap="none" spc="0" normalizeH="0" baseline="0" noProof="0" dirty="0">
                 <a:ln>
                   <a:noFill/>
                 </a:ln>
@@ -15189,7 +15189,7 @@
               <a:t> </a:t>
             </a:r>
             <a:r>
-              <a:rPr kumimoji="0" lang="nl-NL" sz="1050" b="0" i="0" u="none" strike="noStrike" kern="1200" cap="none" spc="0" normalizeH="0" baseline="0" noProof="0" dirty="0" err="1">
+              <a:rPr kumimoji="0" lang="nl-NL" sz="900" b="0" i="0" u="none" strike="noStrike" kern="1200" cap="none" spc="0" normalizeH="0" baseline="0" noProof="0" dirty="0" err="1">
                 <a:ln>
                   <a:noFill/>
                 </a:ln>
@@ -15206,7 +15206,7 @@
               <a:t>Average</a:t>
             </a:r>
             <a:r>
-              <a:rPr kumimoji="0" lang="nl-NL" sz="1050" b="0" i="0" u="none" strike="noStrike" kern="1200" cap="none" spc="0" normalizeH="0" baseline="0" noProof="0" dirty="0">
+              <a:rPr kumimoji="0" lang="nl-NL" sz="900" b="0" i="0" u="none" strike="noStrike" kern="1200" cap="none" spc="0" normalizeH="0" baseline="0" noProof="0" dirty="0">
                 <a:ln>
                   <a:noFill/>
                 </a:ln>
@@ -15223,7 +15223,7 @@
               <a:t> </a:t>
             </a:r>
             <a:br>
-              <a:rPr kumimoji="0" lang="nl-NL" sz="1050" b="0" i="0" u="none" strike="noStrike" kern="1200" cap="none" spc="0" normalizeH="0" baseline="0" noProof="0" dirty="0">
+              <a:rPr kumimoji="0" lang="nl-NL" sz="900" b="0" i="0" u="none" strike="noStrike" kern="1200" cap="none" spc="0" normalizeH="0" baseline="0" noProof="0" dirty="0">
                 <a:ln>
                   <a:noFill/>
                 </a:ln>
@@ -15239,7 +15239,7 @@
               </a:rPr>
             </a:br>
             <a:r>
-              <a:rPr kumimoji="0" lang="nl-NL" sz="1050" b="0" i="0" u="none" strike="noStrike" kern="1200" cap="none" spc="0" normalizeH="0" baseline="0" noProof="0" dirty="0">
+              <a:rPr kumimoji="0" lang="nl-NL" sz="900" b="0" i="0" u="none" strike="noStrike" kern="1200" cap="none" spc="0" normalizeH="0" baseline="0" noProof="0" dirty="0">
                 <a:ln>
                   <a:noFill/>
                 </a:ln>
@@ -15419,8 +15419,8 @@
         </p:nvSpPr>
         <p:spPr>
           <a:xfrm>
-            <a:off x="7258330" y="4523012"/>
-            <a:ext cx="947695" cy="253916"/>
+            <a:off x="7312832" y="4523012"/>
+            <a:ext cx="838691" cy="230832"/>
           </a:xfrm>
           <a:prstGeom prst="rect">
             <a:avLst/>
@@ -15451,7 +15451,7 @@
               <a:defRPr/>
             </a:pPr>
             <a:r>
-              <a:rPr kumimoji="0" lang="nl-NL" sz="1050" b="0" i="0" u="none" strike="noStrike" kern="1200" cap="none" spc="0" normalizeH="0" baseline="0" noProof="0" dirty="0" err="1">
+              <a:rPr kumimoji="0" lang="nl-NL" sz="900" b="0" i="0" u="none" strike="noStrike" kern="1200" cap="none" spc="0" normalizeH="0" baseline="0" noProof="0" dirty="0" err="1">
                 <a:ln>
                   <a:noFill/>
                 </a:ln>
@@ -15468,7 +15468,7 @@
               <a:t>Calculate</a:t>
             </a:r>
             <a:r>
-              <a:rPr kumimoji="0" lang="nl-NL" sz="1050" b="0" i="0" u="none" strike="noStrike" kern="1200" cap="none" spc="0" normalizeH="0" baseline="0" noProof="0" dirty="0">
+              <a:rPr kumimoji="0" lang="nl-NL" sz="900" b="0" i="0" u="none" strike="noStrike" kern="1200" cap="none" spc="0" normalizeH="0" baseline="0" noProof="0" dirty="0">
                 <a:ln>
                   <a:noFill/>
                 </a:ln>
@@ -15542,8 +15542,8 @@
         </p:nvSpPr>
         <p:spPr>
           <a:xfrm>
-            <a:off x="6978428" y="5531241"/>
-            <a:ext cx="784190" cy="253916"/>
+            <a:off x="7020106" y="5531241"/>
+            <a:ext cx="700833" cy="230832"/>
           </a:xfrm>
           <a:prstGeom prst="rect">
             <a:avLst/>
@@ -15574,7 +15574,7 @@
               <a:defRPr/>
             </a:pPr>
             <a:r>
-              <a:rPr kumimoji="0" lang="nl-NL" sz="1050" b="0" i="0" u="none" strike="noStrike" kern="1200" cap="none" spc="0" normalizeH="0" baseline="0" noProof="0" dirty="0" err="1">
+              <a:rPr kumimoji="0" lang="nl-NL" sz="900" b="0" i="0" u="none" strike="noStrike" kern="1200" cap="none" spc="0" normalizeH="0" baseline="0" noProof="0" dirty="0" err="1">
                 <a:ln>
                   <a:noFill/>
                 </a:ln>
@@ -15591,7 +15591,7 @@
               <a:t>Send</a:t>
             </a:r>
             <a:r>
-              <a:rPr kumimoji="0" lang="nl-NL" sz="1050" b="0" i="0" u="none" strike="noStrike" kern="1200" cap="none" spc="0" normalizeH="0" baseline="0" noProof="0" dirty="0">
+              <a:rPr kumimoji="0" lang="nl-NL" sz="900" b="0" i="0" u="none" strike="noStrike" kern="1200" cap="none" spc="0" normalizeH="0" baseline="0" noProof="0" dirty="0">
                 <a:ln>
                   <a:noFill/>
                 </a:ln>
@@ -15678,7 +15678,7 @@
               <a:tabLst/>
               <a:defRPr/>
             </a:pPr>
-            <a:endParaRPr kumimoji="0" lang="en-US" sz="1800" b="0" i="0" u="none" strike="noStrike" kern="1200" cap="none" spc="0" normalizeH="0" baseline="0" noProof="0">
+            <a:endParaRPr kumimoji="0" lang="en-US" sz="1400" b="0" i="0" u="none" strike="noStrike" kern="1200" cap="none" spc="0" normalizeH="0" baseline="0" noProof="0">
               <a:ln>
                 <a:noFill/>
               </a:ln>
@@ -15989,6 +15989,160 @@
           </p:style>
         </p:cxnSp>
       </p:grpSp>
+      <p:sp>
+        <p:nvSpPr>
+          <p:cNvPr id="2" name="Left Brace 1">
+            <a:extLst>
+              <a:ext uri="{FF2B5EF4-FFF2-40B4-BE49-F238E27FC236}">
+                <a16:creationId xmlns:a16="http://schemas.microsoft.com/office/drawing/2014/main" id="{929C3D59-6104-4045-A044-441D344F5984}"/>
+              </a:ext>
+            </a:extLst>
+          </p:cNvPr>
+          <p:cNvSpPr/>
+          <p:nvPr/>
+        </p:nvSpPr>
+        <p:spPr>
+          <a:xfrm>
+            <a:off x="2109195" y="2208649"/>
+            <a:ext cx="198477" cy="789304"/>
+          </a:xfrm>
+          <a:prstGeom prst="leftBrace">
+            <a:avLst>
+              <a:gd name="adj1" fmla="val 38327"/>
+              <a:gd name="adj2" fmla="val 50000"/>
+            </a:avLst>
+          </a:prstGeom>
+        </p:spPr>
+        <p:style>
+          <a:lnRef idx="1">
+            <a:schemeClr val="accent1"/>
+          </a:lnRef>
+          <a:fillRef idx="0">
+            <a:schemeClr val="accent1"/>
+          </a:fillRef>
+          <a:effectRef idx="0">
+            <a:schemeClr val="accent1"/>
+          </a:effectRef>
+          <a:fontRef idx="minor">
+            <a:schemeClr val="tx1"/>
+          </a:fontRef>
+        </p:style>
+        <p:txBody>
+          <a:bodyPr rtlCol="0" anchor="ctr"/>
+          <a:lstStyle/>
+          <a:p>
+            <a:pPr algn="ctr"/>
+            <a:endParaRPr lang="en-NL" sz="1400"/>
+          </a:p>
+        </p:txBody>
+      </p:sp>
+      <p:sp>
+        <p:nvSpPr>
+          <p:cNvPr id="51" name="TextBox 50">
+            <a:extLst>
+              <a:ext uri="{FF2B5EF4-FFF2-40B4-BE49-F238E27FC236}">
+                <a16:creationId xmlns:a16="http://schemas.microsoft.com/office/drawing/2014/main" id="{9CD9E18C-FEA7-490E-B2DB-15C72E871FEB}"/>
+              </a:ext>
+            </a:extLst>
+          </p:cNvPr>
+          <p:cNvSpPr txBox="1"/>
+          <p:nvPr/>
+        </p:nvSpPr>
+        <p:spPr>
+          <a:xfrm>
+            <a:off x="1474944" y="2395552"/>
+            <a:ext cx="577402" cy="369332"/>
+          </a:xfrm>
+          <a:prstGeom prst="rect">
+            <a:avLst/>
+          </a:prstGeom>
+          <a:noFill/>
+        </p:spPr>
+        <p:txBody>
+          <a:bodyPr wrap="none" rtlCol="0">
+            <a:spAutoFit/>
+          </a:bodyPr>
+          <a:lstStyle/>
+          <a:p>
+            <a:pPr marL="0" marR="0" lvl="0" indent="0" defTabSz="914400" rtl="0" eaLnBrk="1" fontAlgn="auto" latinLnBrk="0" hangingPunct="1">
+              <a:lnSpc>
+                <a:spcPct val="100000"/>
+              </a:lnSpc>
+              <a:spcBef>
+                <a:spcPts val="0"/>
+              </a:spcBef>
+              <a:spcAft>
+                <a:spcPts val="0"/>
+              </a:spcAft>
+              <a:buClrTx/>
+              <a:buSzTx/>
+              <a:buFontTx/>
+              <a:buNone/>
+              <a:tabLst/>
+              <a:defRPr/>
+            </a:pPr>
+            <a:r>
+              <a:rPr kumimoji="0" lang="nl-NL" sz="900" i="0" u="none" strike="noStrike" kern="1200" cap="none" spc="0" normalizeH="0" baseline="0" noProof="0" dirty="0">
+                <a:ln>
+                  <a:noFill/>
+                </a:ln>
+                <a:solidFill>
+                  <a:prstClr val="black"/>
+                </a:solidFill>
+                <a:effectLst/>
+                <a:uLnTx/>
+                <a:uFillTx/>
+                <a:latin typeface="Calibri" panose="020F0502020204030204"/>
+                <a:ea typeface="+mn-ea"/>
+                <a:cs typeface="+mn-cs"/>
+              </a:rPr>
+              <a:t>Random</a:t>
+            </a:r>
+          </a:p>
+          <a:p>
+            <a:pPr marL="0" marR="0" lvl="0" indent="0" defTabSz="914400" rtl="0" eaLnBrk="1" fontAlgn="auto" latinLnBrk="0" hangingPunct="1">
+              <a:lnSpc>
+                <a:spcPct val="100000"/>
+              </a:lnSpc>
+              <a:spcBef>
+                <a:spcPts val="0"/>
+              </a:spcBef>
+              <a:spcAft>
+                <a:spcPts val="0"/>
+              </a:spcAft>
+              <a:buClrTx/>
+              <a:buSzTx/>
+              <a:buFontTx/>
+              <a:buNone/>
+              <a:tabLst/>
+              <a:defRPr/>
+            </a:pPr>
+            <a:r>
+              <a:rPr lang="nl-NL" sz="900" dirty="0">
+                <a:solidFill>
+                  <a:prstClr val="black"/>
+                </a:solidFill>
+                <a:latin typeface="Calibri" panose="020F0502020204030204"/>
+              </a:rPr>
+              <a:t>Interval</a:t>
+            </a:r>
+            <a:endParaRPr kumimoji="0" lang="nl-NL" sz="900" i="0" u="none" strike="noStrike" kern="1200" cap="none" spc="0" normalizeH="0" baseline="0" noProof="0" dirty="0">
+              <a:ln>
+                <a:noFill/>
+              </a:ln>
+              <a:solidFill>
+                <a:prstClr val="black"/>
+              </a:solidFill>
+              <a:effectLst/>
+              <a:uLnTx/>
+              <a:uFillTx/>
+              <a:latin typeface="Calibri" panose="020F0502020204030204"/>
+              <a:ea typeface="+mn-ea"/>
+              <a:cs typeface="+mn-cs"/>
+            </a:endParaRPr>
+          </a:p>
+        </p:txBody>
+      </p:sp>
     </p:spTree>
     <p:extLst>
       <p:ext uri="{BB962C8B-B14F-4D97-AF65-F5344CB8AC3E}">
@@ -23692,8 +23846,8 @@
         </p:nvSpPr>
         <p:spPr>
           <a:xfrm>
-            <a:off x="98729" y="101333"/>
-            <a:ext cx="12068337" cy="6590897"/>
+            <a:off x="203920" y="361816"/>
+            <a:ext cx="11784159" cy="6134367"/>
           </a:xfrm>
           <a:prstGeom prst="rect">
             <a:avLst/>
@@ -23726,7 +23880,7 @@
           <a:lstStyle/>
           <a:p>
             <a:pPr algn="ctr"/>
-            <a:endParaRPr lang="en-NL"/>
+            <a:endParaRPr lang="en-NL" sz="1400"/>
           </a:p>
         </p:txBody>
       </p:sp>
@@ -23744,8 +23898,8 @@
         </p:nvSpPr>
         <p:spPr>
           <a:xfrm>
-            <a:off x="8527138" y="5645809"/>
-            <a:ext cx="1774845" cy="253916"/>
+            <a:off x="7861195" y="5275570"/>
+            <a:ext cx="1420582" cy="230832"/>
           </a:xfrm>
           <a:prstGeom prst="rect">
             <a:avLst/>
@@ -23776,7 +23930,7 @@
               <a:defRPr/>
             </a:pPr>
             <a:r>
-              <a:rPr kumimoji="0" lang="nl-NL" sz="1050" i="0" u="none" strike="noStrike" kern="1200" cap="none" spc="0" normalizeH="0" baseline="0" noProof="0" dirty="0" err="1">
+              <a:rPr kumimoji="0" lang="nl-NL" sz="900" b="1" i="0" u="none" strike="noStrike" kern="1200" cap="none" spc="0" normalizeH="0" baseline="0" noProof="0" dirty="0">
                 <a:ln>
                   <a:noFill/>
                 </a:ln>
@@ -23790,10 +23944,10 @@
                 <a:ea typeface="+mn-ea"/>
                 <a:cs typeface="+mn-cs"/>
               </a:rPr>
-              <a:t>Invoke</a:t>
-            </a:r>
-            <a:r>
-              <a:rPr kumimoji="0" lang="nl-NL" sz="1050" i="0" u="none" strike="noStrike" kern="1200" cap="none" spc="0" normalizeH="0" baseline="0" noProof="0" dirty="0">
+              <a:t>GET</a:t>
+            </a:r>
+            <a:r>
+              <a:rPr kumimoji="0" lang="nl-NL" sz="900" i="0" u="none" strike="noStrike" kern="1200" cap="none" spc="0" normalizeH="0" baseline="0" noProof="0" dirty="0">
                 <a:ln>
                   <a:noFill/>
                 </a:ln>
@@ -23810,7 +23964,7 @@
               <a:t> /</a:t>
             </a:r>
             <a:r>
-              <a:rPr kumimoji="0" lang="nl-NL" sz="1050" i="0" u="none" strike="noStrike" kern="1200" cap="none" spc="0" normalizeH="0" baseline="0" noProof="0" dirty="0" err="1">
+              <a:rPr kumimoji="0" lang="nl-NL" sz="900" i="0" u="none" strike="noStrike" kern="1200" cap="none" spc="0" normalizeH="0" baseline="0" noProof="0" dirty="0" err="1">
                 <a:ln>
                   <a:noFill/>
                 </a:ln>
@@ -23827,7 +23981,7 @@
               <a:t>vehicleinfo</a:t>
             </a:r>
             <a:r>
-              <a:rPr kumimoji="0" lang="nl-NL" sz="1050" i="0" u="none" strike="noStrike" kern="1200" cap="none" spc="0" normalizeH="0" baseline="0" noProof="0" dirty="0">
+              <a:rPr kumimoji="0" lang="nl-NL" sz="900" i="0" u="none" strike="noStrike" kern="1200" cap="none" spc="0" normalizeH="0" baseline="0" noProof="0" dirty="0">
                 <a:ln>
                   <a:noFill/>
                 </a:ln>
@@ -23843,7 +23997,7 @@
               </a:rPr>
               <a:t>/13-XK-46</a:t>
             </a:r>
-            <a:endParaRPr kumimoji="0" lang="nl-NL" sz="1050" b="1" i="0" u="none" strike="noStrike" kern="1200" cap="none" spc="0" normalizeH="0" baseline="0" noProof="0" dirty="0">
+            <a:endParaRPr kumimoji="0" lang="nl-NL" sz="900" b="1" i="0" u="none" strike="noStrike" kern="1200" cap="none" spc="0" normalizeH="0" baseline="0" noProof="0" dirty="0">
               <a:ln>
                 <a:noFill/>
               </a:ln>
@@ -23874,8 +24028,8 @@
         </p:nvSpPr>
         <p:spPr>
           <a:xfrm>
-            <a:off x="204895" y="228643"/>
-            <a:ext cx="1241185" cy="1433355"/>
+            <a:off x="486680" y="474644"/>
+            <a:ext cx="1099991" cy="1270301"/>
           </a:xfrm>
           <a:prstGeom prst="roundRect">
             <a:avLst>
@@ -23924,7 +24078,7 @@
               <a:defRPr/>
             </a:pPr>
             <a:r>
-              <a:rPr kumimoji="0" lang="nl-NL" sz="1100" b="1" i="0" u="none" strike="noStrike" kern="1200" cap="none" spc="0" normalizeH="0" baseline="0" noProof="0" dirty="0">
+              <a:rPr kumimoji="0" lang="nl-NL" sz="1000" b="1" i="0" u="none" strike="noStrike" kern="1200" cap="none" spc="0" normalizeH="0" baseline="0" noProof="0" dirty="0">
                 <a:ln>
                   <a:noFill/>
                 </a:ln>
@@ -23941,7 +24095,7 @@
               <a:t>Camera </a:t>
             </a:r>
             <a:br>
-              <a:rPr kumimoji="0" lang="nl-NL" sz="1100" b="1" i="0" u="none" strike="noStrike" kern="1200" cap="none" spc="0" normalizeH="0" baseline="0" noProof="0" dirty="0">
+              <a:rPr kumimoji="0" lang="nl-NL" sz="1000" b="1" i="0" u="none" strike="noStrike" kern="1200" cap="none" spc="0" normalizeH="0" baseline="0" noProof="0" dirty="0">
                 <a:ln>
                   <a:noFill/>
                 </a:ln>
@@ -23957,7 +24111,7 @@
               </a:rPr>
             </a:br>
             <a:r>
-              <a:rPr kumimoji="0" lang="nl-NL" sz="1100" b="1" i="0" u="none" strike="noStrike" kern="1200" cap="none" spc="0" normalizeH="0" baseline="0" noProof="0" dirty="0" err="1">
+              <a:rPr kumimoji="0" lang="nl-NL" sz="1000" b="1" i="0" u="none" strike="noStrike" kern="1200" cap="none" spc="0" normalizeH="0" baseline="0" noProof="0" dirty="0" err="1">
                 <a:ln>
                   <a:noFill/>
                 </a:ln>
@@ -23973,7 +24127,7 @@
               </a:rPr>
               <a:t>Simulation</a:t>
             </a:r>
-            <a:endParaRPr kumimoji="0" lang="nl-NL" sz="1100" b="1" i="0" u="none" strike="noStrike" kern="1200" cap="none" spc="0" normalizeH="0" baseline="0" noProof="0" dirty="0">
+            <a:endParaRPr kumimoji="0" lang="nl-NL" sz="1000" b="1" i="0" u="none" strike="noStrike" kern="1200" cap="none" spc="0" normalizeH="0" baseline="0" noProof="0" dirty="0">
               <a:ln>
                 <a:noFill/>
               </a:ln>
@@ -24004,8 +24158,8 @@
         </p:nvSpPr>
         <p:spPr>
           <a:xfrm>
-            <a:off x="7856898" y="228643"/>
-            <a:ext cx="1338194" cy="1433355"/>
+            <a:off x="7268213" y="474644"/>
+            <a:ext cx="1185965" cy="1270301"/>
           </a:xfrm>
           <a:prstGeom prst="roundRect">
             <a:avLst>
@@ -24054,7 +24208,7 @@
               <a:defRPr/>
             </a:pPr>
             <a:r>
-              <a:rPr kumimoji="0" lang="nl-NL" sz="1100" b="1" i="0" u="none" strike="noStrike" kern="1200" cap="none" spc="0" normalizeH="0" baseline="0" noProof="0" dirty="0">
+              <a:rPr kumimoji="0" lang="nl-NL" sz="1000" b="1" i="0" u="none" strike="noStrike" kern="1200" cap="none" spc="0" normalizeH="0" baseline="0" noProof="0" dirty="0">
                 <a:ln>
                   <a:noFill/>
                 </a:ln>
@@ -24071,7 +24225,7 @@
               <a:t>Fine Collection</a:t>
             </a:r>
             <a:br>
-              <a:rPr kumimoji="0" lang="nl-NL" sz="1100" b="1" i="0" u="none" strike="noStrike" kern="1200" cap="none" spc="0" normalizeH="0" baseline="0" noProof="0" dirty="0">
+              <a:rPr kumimoji="0" lang="nl-NL" sz="1000" b="1" i="0" u="none" strike="noStrike" kern="1200" cap="none" spc="0" normalizeH="0" baseline="0" noProof="0" dirty="0">
                 <a:ln>
                   <a:noFill/>
                 </a:ln>
@@ -24087,7 +24241,7 @@
               </a:rPr>
             </a:br>
             <a:r>
-              <a:rPr kumimoji="0" lang="nl-NL" sz="1100" b="1" i="0" u="none" strike="noStrike" kern="1200" cap="none" spc="0" normalizeH="0" baseline="0" noProof="0" dirty="0">
+              <a:rPr kumimoji="0" lang="nl-NL" sz="1000" b="1" i="0" u="none" strike="noStrike" kern="1200" cap="none" spc="0" normalizeH="0" baseline="0" noProof="0" dirty="0">
                 <a:ln>
                   <a:noFill/>
                 </a:ln>
@@ -24103,7 +24257,7 @@
               </a:rPr>
               <a:t>Service</a:t>
             </a:r>
-            <a:endParaRPr kumimoji="0" lang="en-US" sz="1100" b="1" i="0" u="none" strike="noStrike" kern="1200" cap="none" spc="0" normalizeH="0" baseline="0" noProof="0" dirty="0">
+            <a:endParaRPr kumimoji="0" lang="en-US" sz="1000" b="1" i="0" u="none" strike="noStrike" kern="1200" cap="none" spc="0" normalizeH="0" baseline="0" noProof="0" dirty="0">
               <a:ln>
                 <a:noFill/>
               </a:ln>
@@ -24134,8 +24288,8 @@
         </p:nvSpPr>
         <p:spPr>
           <a:xfrm>
-            <a:off x="9735546" y="228643"/>
-            <a:ext cx="1338194" cy="1433355"/>
+            <a:off x="8933152" y="474644"/>
+            <a:ext cx="1185965" cy="1270301"/>
           </a:xfrm>
           <a:prstGeom prst="roundRect">
             <a:avLst>
@@ -24184,7 +24338,7 @@
               <a:defRPr/>
             </a:pPr>
             <a:r>
-              <a:rPr kumimoji="0" lang="nl-NL" sz="1100" b="1" i="0" u="none" strike="noStrike" kern="1200" cap="none" spc="0" normalizeH="0" baseline="0" noProof="0" dirty="0">
+              <a:rPr kumimoji="0" lang="nl-NL" sz="1000" b="1" i="0" u="none" strike="noStrike" kern="1200" cap="none" spc="0" normalizeH="0" baseline="0" noProof="0" dirty="0">
                 <a:ln>
                   <a:noFill/>
                 </a:ln>
@@ -24201,7 +24355,7 @@
               <a:t>Vehicle </a:t>
             </a:r>
             <a:r>
-              <a:rPr kumimoji="0" lang="nl-NL" sz="1100" b="1" i="0" u="none" strike="noStrike" kern="1200" cap="none" spc="0" normalizeH="0" baseline="0" noProof="0" dirty="0" err="1">
+              <a:rPr kumimoji="0" lang="nl-NL" sz="1000" b="1" i="0" u="none" strike="noStrike" kern="1200" cap="none" spc="0" normalizeH="0" baseline="0" noProof="0" dirty="0" err="1">
                 <a:ln>
                   <a:noFill/>
                 </a:ln>
@@ -24218,7 +24372,7 @@
               <a:t>Registration</a:t>
             </a:r>
             <a:r>
-              <a:rPr kumimoji="0" lang="nl-NL" sz="1100" b="1" i="0" u="none" strike="noStrike" kern="1200" cap="none" spc="0" normalizeH="0" baseline="0" noProof="0" dirty="0">
+              <a:rPr kumimoji="0" lang="nl-NL" sz="1000" b="1" i="0" u="none" strike="noStrike" kern="1200" cap="none" spc="0" normalizeH="0" baseline="0" noProof="0" dirty="0">
                 <a:ln>
                   <a:noFill/>
                 </a:ln>
@@ -24235,7 +24389,7 @@
               <a:t> </a:t>
             </a:r>
             <a:br>
-              <a:rPr kumimoji="0" lang="nl-NL" sz="1100" b="1" i="0" u="none" strike="noStrike" kern="1200" cap="none" spc="0" normalizeH="0" baseline="0" noProof="0" dirty="0">
+              <a:rPr kumimoji="0" lang="nl-NL" sz="1000" b="1" i="0" u="none" strike="noStrike" kern="1200" cap="none" spc="0" normalizeH="0" baseline="0" noProof="0" dirty="0">
                 <a:ln>
                   <a:noFill/>
                 </a:ln>
@@ -24251,7 +24405,7 @@
               </a:rPr>
             </a:br>
             <a:r>
-              <a:rPr kumimoji="0" lang="nl-NL" sz="1100" b="1" i="0" u="none" strike="noStrike" kern="1200" cap="none" spc="0" normalizeH="0" baseline="0" noProof="0" dirty="0">
+              <a:rPr kumimoji="0" lang="nl-NL" sz="1000" b="1" i="0" u="none" strike="noStrike" kern="1200" cap="none" spc="0" normalizeH="0" baseline="0" noProof="0" dirty="0">
                 <a:ln>
                   <a:noFill/>
                 </a:ln>
@@ -24267,7 +24421,7 @@
               </a:rPr>
               <a:t>Service</a:t>
             </a:r>
-            <a:endParaRPr kumimoji="0" lang="en-US" sz="1100" b="1" i="0" u="none" strike="noStrike" kern="1200" cap="none" spc="0" normalizeH="0" baseline="0" noProof="0" dirty="0">
+            <a:endParaRPr kumimoji="0" lang="en-US" sz="1000" b="1" i="0" u="none" strike="noStrike" kern="1200" cap="none" spc="0" normalizeH="0" baseline="0" noProof="0" dirty="0">
               <a:ln>
                 <a:noFill/>
               </a:ln>
@@ -24298,8 +24452,8 @@
         </p:nvSpPr>
         <p:spPr>
           <a:xfrm>
-            <a:off x="3133930" y="228643"/>
-            <a:ext cx="2294394" cy="1433355"/>
+            <a:off x="3082517" y="474644"/>
+            <a:ext cx="2033390" cy="1270301"/>
           </a:xfrm>
           <a:prstGeom prst="roundRect">
             <a:avLst>
@@ -24348,7 +24502,7 @@
               <a:defRPr/>
             </a:pPr>
             <a:r>
-              <a:rPr kumimoji="0" lang="nl-NL" sz="1100" b="1" i="0" u="none" strike="noStrike" kern="1200" cap="none" spc="0" normalizeH="0" baseline="0" noProof="0" dirty="0">
+              <a:rPr kumimoji="0" lang="nl-NL" sz="1000" b="1" i="0" u="none" strike="noStrike" kern="1200" cap="none" spc="0" normalizeH="0" baseline="0" noProof="0" dirty="0">
                 <a:ln>
                   <a:noFill/>
                 </a:ln>
@@ -24384,7 +24538,7 @@
               <a:defRPr/>
             </a:pPr>
             <a:r>
-              <a:rPr kumimoji="0" lang="nl-NL" sz="1100" b="1" i="0" u="none" strike="noStrike" kern="1200" cap="none" spc="0" normalizeH="0" baseline="0" noProof="0" dirty="0">
+              <a:rPr kumimoji="0" lang="nl-NL" sz="1000" b="1" i="0" u="none" strike="noStrike" kern="1200" cap="none" spc="0" normalizeH="0" baseline="0" noProof="0" dirty="0">
                 <a:ln>
                   <a:noFill/>
                 </a:ln>
@@ -24400,7 +24554,7 @@
               </a:rPr>
               <a:t>Service</a:t>
             </a:r>
-            <a:endParaRPr kumimoji="0" lang="en-US" sz="1100" b="1" i="0" u="none" strike="noStrike" kern="1200" cap="none" spc="0" normalizeH="0" baseline="0" noProof="0" dirty="0">
+            <a:endParaRPr kumimoji="0" lang="en-US" sz="1000" b="1" i="0" u="none" strike="noStrike" kern="1200" cap="none" spc="0" normalizeH="0" baseline="0" noProof="0" dirty="0">
               <a:ln>
                 <a:noFill/>
               </a:ln>
@@ -24431,8 +24585,8 @@
         </p:nvSpPr>
         <p:spPr>
           <a:xfrm>
-            <a:off x="3253044" y="687087"/>
-            <a:ext cx="844839" cy="844839"/>
+            <a:off x="3188081" y="880936"/>
+            <a:ext cx="748733" cy="748733"/>
           </a:xfrm>
           <a:prstGeom prst="ellipse">
             <a:avLst/>
@@ -24484,7 +24638,7 @@
               <a:defRPr/>
             </a:pPr>
             <a:r>
-              <a:rPr kumimoji="0" lang="en-US" sz="1050" b="1" i="0" u="none" strike="noStrike" kern="1200" cap="none" spc="0" normalizeH="0" baseline="0" noProof="0" dirty="0">
+              <a:rPr kumimoji="0" lang="en-US" sz="900" b="1" i="0" u="none" strike="noStrike" kern="1200" cap="none" spc="0" normalizeH="0" baseline="0" noProof="0" dirty="0">
                 <a:ln>
                   <a:noFill/>
                 </a:ln>
@@ -24501,7 +24655,7 @@
               <a:t>/</a:t>
             </a:r>
             <a:r>
-              <a:rPr kumimoji="0" lang="en-US" sz="1050" b="1" i="0" u="none" strike="noStrike" kern="1200" cap="none" spc="0" normalizeH="0" baseline="0" noProof="0" dirty="0" err="1">
+              <a:rPr kumimoji="0" lang="en-US" sz="900" b="1" i="0" u="none" strike="noStrike" kern="1200" cap="none" spc="0" normalizeH="0" baseline="0" noProof="0" dirty="0" err="1">
                 <a:ln>
                   <a:noFill/>
                 </a:ln>
@@ -24517,7 +24671,7 @@
               </a:rPr>
               <a:t>entrycam</a:t>
             </a:r>
-            <a:endParaRPr kumimoji="0" lang="en-US" sz="1050" b="1" i="0" u="none" strike="noStrike" kern="1200" cap="none" spc="0" normalizeH="0" baseline="0" noProof="0" dirty="0">
+            <a:endParaRPr kumimoji="0" lang="en-US" sz="900" b="1" i="0" u="none" strike="noStrike" kern="1200" cap="none" spc="0" normalizeH="0" baseline="0" noProof="0" dirty="0">
               <a:ln>
                 <a:noFill/>
               </a:ln>
@@ -24548,8 +24702,8 @@
         </p:nvSpPr>
         <p:spPr>
           <a:xfrm>
-            <a:off x="10016702" y="687087"/>
-            <a:ext cx="844839" cy="844839"/>
+            <a:off x="9182324" y="880936"/>
+            <a:ext cx="748733" cy="748733"/>
           </a:xfrm>
           <a:prstGeom prst="ellipse">
             <a:avLst/>
@@ -24601,7 +24755,7 @@
               <a:defRPr/>
             </a:pPr>
             <a:r>
-              <a:rPr kumimoji="0" lang="en-US" sz="1050" b="1" i="0" u="none" strike="noStrike" kern="1200" cap="none" spc="0" normalizeH="0" baseline="0" noProof="0" dirty="0">
+              <a:rPr kumimoji="0" lang="en-US" sz="900" b="1" i="0" u="none" strike="noStrike" kern="1200" cap="none" spc="0" normalizeH="0" baseline="0" noProof="0" dirty="0">
                 <a:ln>
                   <a:noFill/>
                 </a:ln>
@@ -24618,7 +24772,7 @@
               <a:t>/vehicle</a:t>
             </a:r>
             <a:br>
-              <a:rPr kumimoji="0" lang="en-US" sz="1050" b="1" i="0" u="none" strike="noStrike" kern="1200" cap="none" spc="0" normalizeH="0" baseline="0" noProof="0" dirty="0">
+              <a:rPr kumimoji="0" lang="en-US" sz="900" b="1" i="0" u="none" strike="noStrike" kern="1200" cap="none" spc="0" normalizeH="0" baseline="0" noProof="0" dirty="0">
                 <a:ln>
                   <a:noFill/>
                 </a:ln>
@@ -24634,7 +24788,7 @@
               </a:rPr>
             </a:br>
             <a:r>
-              <a:rPr kumimoji="0" lang="en-US" sz="1050" b="1" i="0" u="none" strike="noStrike" kern="1200" cap="none" spc="0" normalizeH="0" baseline="0" noProof="0" dirty="0">
+              <a:rPr kumimoji="0" lang="en-US" sz="900" b="1" i="0" u="none" strike="noStrike" kern="1200" cap="none" spc="0" normalizeH="0" baseline="0" noProof="0" dirty="0">
                 <a:ln>
                   <a:noFill/>
                 </a:ln>
@@ -24667,8 +24821,8 @@
         </p:nvSpPr>
         <p:spPr>
           <a:xfrm>
-            <a:off x="8149250" y="687087"/>
-            <a:ext cx="844839" cy="844839"/>
+            <a:off x="7527307" y="880936"/>
+            <a:ext cx="748733" cy="748733"/>
           </a:xfrm>
           <a:prstGeom prst="ellipse">
             <a:avLst/>
@@ -24720,7 +24874,7 @@
               <a:defRPr/>
             </a:pPr>
             <a:r>
-              <a:rPr kumimoji="0" lang="en-US" sz="1050" b="1" i="0" u="none" strike="noStrike" kern="1200" cap="none" spc="0" normalizeH="0" baseline="0" noProof="0" dirty="0">
+              <a:rPr kumimoji="0" lang="en-US" sz="900" b="1" i="0" u="none" strike="noStrike" kern="1200" cap="none" spc="0" normalizeH="0" baseline="0" noProof="0" dirty="0">
                 <a:ln>
                   <a:noFill/>
                 </a:ln>
@@ -24737,7 +24891,7 @@
               <a:t>/collect</a:t>
             </a:r>
             <a:br>
-              <a:rPr kumimoji="0" lang="en-US" sz="1050" b="1" i="0" u="none" strike="noStrike" kern="1200" cap="none" spc="0" normalizeH="0" baseline="0" noProof="0" dirty="0">
+              <a:rPr kumimoji="0" lang="en-US" sz="900" b="1" i="0" u="none" strike="noStrike" kern="1200" cap="none" spc="0" normalizeH="0" baseline="0" noProof="0" dirty="0">
                 <a:ln>
                   <a:noFill/>
                 </a:ln>
@@ -24753,7 +24907,7 @@
               </a:rPr>
             </a:br>
             <a:r>
-              <a:rPr kumimoji="0" lang="en-US" sz="1050" b="1" i="0" u="none" strike="noStrike" kern="1200" cap="none" spc="0" normalizeH="0" baseline="0" noProof="0" dirty="0">
+              <a:rPr kumimoji="0" lang="en-US" sz="900" b="1" i="0" u="none" strike="noStrike" kern="1200" cap="none" spc="0" normalizeH="0" baseline="0" noProof="0" dirty="0">
                 <a:ln>
                   <a:noFill/>
                 </a:ln>
@@ -24786,8 +24940,8 @@
         </p:nvSpPr>
         <p:spPr>
           <a:xfrm>
-            <a:off x="4389788" y="687087"/>
-            <a:ext cx="844839" cy="844839"/>
+            <a:off x="4195512" y="880936"/>
+            <a:ext cx="748733" cy="748733"/>
           </a:xfrm>
           <a:prstGeom prst="ellipse">
             <a:avLst/>
@@ -24839,7 +24993,7 @@
               <a:defRPr/>
             </a:pPr>
             <a:r>
-              <a:rPr kumimoji="0" lang="en-US" sz="1050" b="1" i="0" u="none" strike="noStrike" kern="1200" cap="none" spc="0" normalizeH="0" baseline="0" noProof="0" dirty="0">
+              <a:rPr kumimoji="0" lang="en-US" sz="900" b="1" i="0" u="none" strike="noStrike" kern="1200" cap="none" spc="0" normalizeH="0" baseline="0" noProof="0" dirty="0">
                 <a:ln>
                   <a:noFill/>
                 </a:ln>
@@ -24856,7 +25010,7 @@
               <a:t>/</a:t>
             </a:r>
             <a:r>
-              <a:rPr kumimoji="0" lang="en-US" sz="1050" b="1" i="0" u="none" strike="noStrike" kern="1200" cap="none" spc="0" normalizeH="0" baseline="0" noProof="0" dirty="0" err="1">
+              <a:rPr kumimoji="0" lang="en-US" sz="900" b="1" i="0" u="none" strike="noStrike" kern="1200" cap="none" spc="0" normalizeH="0" baseline="0" noProof="0" dirty="0" err="1">
                 <a:ln>
                   <a:noFill/>
                 </a:ln>
@@ -24872,7 +25026,7 @@
               </a:rPr>
               <a:t>exitcam</a:t>
             </a:r>
-            <a:endParaRPr kumimoji="0" lang="en-US" sz="1050" b="1" i="0" u="none" strike="noStrike" kern="1200" cap="none" spc="0" normalizeH="0" baseline="0" noProof="0" dirty="0">
+            <a:endParaRPr kumimoji="0" lang="en-US" sz="900" b="1" i="0" u="none" strike="noStrike" kern="1200" cap="none" spc="0" normalizeH="0" baseline="0" noProof="0" dirty="0">
               <a:ln>
                 <a:noFill/>
               </a:ln>
@@ -24903,8 +25057,8 @@
         </p:nvSpPr>
         <p:spPr>
           <a:xfrm>
-            <a:off x="392636" y="687087"/>
-            <a:ext cx="844839" cy="844839"/>
+            <a:off x="653064" y="880936"/>
+            <a:ext cx="748733" cy="748733"/>
           </a:xfrm>
           <a:prstGeom prst="ellipse">
             <a:avLst/>
@@ -24956,7 +25110,7 @@
               <a:defRPr/>
             </a:pPr>
             <a:r>
-              <a:rPr kumimoji="0" lang="en-US" sz="1050" b="1" i="0" u="none" strike="noStrike" kern="1200" cap="none" spc="0" normalizeH="0" baseline="0" noProof="0" dirty="0">
+              <a:rPr kumimoji="0" lang="en-US" sz="900" b="1" i="0" u="none" strike="noStrike" kern="1200" cap="none" spc="0" normalizeH="0" baseline="0" noProof="0" dirty="0">
                 <a:ln>
                   <a:noFill/>
                 </a:ln>
@@ -24992,7 +25146,7 @@
               <a:defRPr/>
             </a:pPr>
             <a:r>
-              <a:rPr lang="en-US" sz="1050" b="1" dirty="0">
+              <a:rPr lang="en-US" sz="900" b="1" dirty="0">
                 <a:solidFill>
                   <a:prstClr val="white"/>
                 </a:solidFill>
@@ -25000,7 +25154,7 @@
               </a:rPr>
               <a:t>Simulation</a:t>
             </a:r>
-            <a:endParaRPr kumimoji="0" lang="en-US" sz="1050" b="1" i="0" u="none" strike="noStrike" kern="1200" cap="none" spc="0" normalizeH="0" baseline="0" noProof="0" dirty="0">
+            <a:endParaRPr kumimoji="0" lang="en-US" sz="900" b="1" i="0" u="none" strike="noStrike" kern="1200" cap="none" spc="0" normalizeH="0" baseline="0" noProof="0" dirty="0">
               <a:ln>
                 <a:noFill/>
               </a:ln>
@@ -25034,8 +25188,8 @@
         </p:nvCxnSpPr>
         <p:spPr>
           <a:xfrm>
-            <a:off x="815056" y="1531926"/>
-            <a:ext cx="0" cy="4978701"/>
+            <a:off x="1027431" y="1629669"/>
+            <a:ext cx="0" cy="4720196"/>
           </a:xfrm>
           <a:prstGeom prst="line">
             <a:avLst/>
@@ -25077,8 +25231,8 @@
         </p:nvCxnSpPr>
         <p:spPr>
           <a:xfrm>
-            <a:off x="832158" y="2074425"/>
-            <a:ext cx="1403956" cy="0"/>
+            <a:off x="1042588" y="2110455"/>
+            <a:ext cx="1244246" cy="0"/>
           </a:xfrm>
           <a:prstGeom prst="straightConnector1">
             <a:avLst/>
@@ -25116,8 +25270,8 @@
         </p:nvSpPr>
         <p:spPr>
           <a:xfrm>
-            <a:off x="969170" y="1831386"/>
-            <a:ext cx="1170513" cy="253916"/>
+            <a:off x="1167168" y="1895064"/>
+            <a:ext cx="1031051" cy="230832"/>
           </a:xfrm>
           <a:prstGeom prst="rect">
             <a:avLst/>
@@ -25148,7 +25302,7 @@
               <a:defRPr/>
             </a:pPr>
             <a:r>
-              <a:rPr kumimoji="0" lang="nl-NL" sz="1050" b="0" i="0" u="none" strike="noStrike" kern="1200" cap="none" spc="0" normalizeH="0" baseline="0" noProof="0" dirty="0" err="1">
+              <a:rPr kumimoji="0" lang="nl-NL" sz="900" b="0" i="0" u="none" strike="noStrike" kern="1200" cap="none" spc="0" normalizeH="0" baseline="0" noProof="0" dirty="0" err="1">
                 <a:ln>
                   <a:noFill/>
                 </a:ln>
@@ -25164,7 +25318,7 @@
               </a:rPr>
               <a:t>VehicleRegistered</a:t>
             </a:r>
-            <a:endParaRPr kumimoji="0" lang="nl-NL" sz="1050" b="0" i="0" u="none" strike="noStrike" kern="1200" cap="none" spc="0" normalizeH="0" baseline="0" noProof="0" dirty="0">
+            <a:endParaRPr kumimoji="0" lang="nl-NL" sz="900" b="0" i="0" u="none" strike="noStrike" kern="1200" cap="none" spc="0" normalizeH="0" baseline="0" noProof="0" dirty="0">
               <a:ln>
                 <a:noFill/>
               </a:ln>
@@ -25197,8 +25351,8 @@
         </p:nvCxnSpPr>
         <p:spPr>
           <a:xfrm>
-            <a:off x="3675464" y="1531926"/>
-            <a:ext cx="0" cy="4978701"/>
+            <a:off x="3562447" y="1629669"/>
+            <a:ext cx="0" cy="4731452"/>
           </a:xfrm>
           <a:prstGeom prst="line">
             <a:avLst/>
@@ -25241,8 +25395,8 @@
         </p:nvCxnSpPr>
         <p:spPr>
           <a:xfrm flipH="1">
-            <a:off x="10410752" y="1531926"/>
-            <a:ext cx="28370" cy="4978701"/>
+            <a:off x="9529666" y="1629669"/>
+            <a:ext cx="27025" cy="4742706"/>
           </a:xfrm>
           <a:prstGeom prst="line">
             <a:avLst/>
@@ -25284,8 +25438,8 @@
         </p:nvCxnSpPr>
         <p:spPr>
           <a:xfrm>
-            <a:off x="4815759" y="1531926"/>
-            <a:ext cx="0" cy="4978701"/>
+            <a:off x="4573026" y="1629669"/>
+            <a:ext cx="0" cy="4715151"/>
           </a:xfrm>
           <a:prstGeom prst="line">
             <a:avLst/>
@@ -25328,8 +25482,8 @@
         </p:nvCxnSpPr>
         <p:spPr>
           <a:xfrm>
-            <a:off x="8571670" y="1531926"/>
-            <a:ext cx="0" cy="4978701"/>
+            <a:off x="7901675" y="1629669"/>
+            <a:ext cx="0" cy="4715151"/>
           </a:xfrm>
           <a:prstGeom prst="line">
             <a:avLst/>
@@ -25369,8 +25523,8 @@
         </p:nvSpPr>
         <p:spPr>
           <a:xfrm>
-            <a:off x="4981951" y="4442164"/>
-            <a:ext cx="1285929" cy="253916"/>
+            <a:off x="4720312" y="4208847"/>
+            <a:ext cx="1116011" cy="230832"/>
           </a:xfrm>
           <a:prstGeom prst="rect">
             <a:avLst/>
@@ -25401,7 +25555,7 @@
               <a:defRPr/>
             </a:pPr>
             <a:r>
-              <a:rPr kumimoji="0" lang="nl-NL" sz="900" b="0" i="1" u="none" strike="noStrike" kern="1200" cap="none" spc="0" normalizeH="0" baseline="0" noProof="0" dirty="0">
+              <a:rPr kumimoji="0" lang="nl-NL" sz="700" b="0" i="1" u="none" strike="noStrike" kern="1200" cap="none" spc="0" normalizeH="0" baseline="0" noProof="0" dirty="0">
                 <a:ln>
                   <a:noFill/>
                 </a:ln>
@@ -25418,6 +25572,23 @@
               <a:t>[</a:t>
             </a:r>
             <a:r>
+              <a:rPr kumimoji="0" lang="nl-NL" sz="700" b="0" i="1" u="none" strike="noStrike" kern="1200" cap="none" spc="0" normalizeH="0" baseline="0" noProof="0" dirty="0" err="1">
+                <a:ln>
+                  <a:noFill/>
+                </a:ln>
+                <a:solidFill>
+                  <a:srgbClr val="0070C0"/>
+                </a:solidFill>
+                <a:effectLst/>
+                <a:uLnTx/>
+                <a:uFillTx/>
+                <a:latin typeface="Calibri" panose="020F0502020204030204"/>
+                <a:ea typeface="+mn-ea"/>
+                <a:cs typeface="+mn-cs"/>
+              </a:rPr>
+              <a:t>Avg</a:t>
+            </a:r>
+            <a:r>
               <a:rPr kumimoji="0" lang="nl-NL" sz="900" b="0" i="1" u="none" strike="noStrike" kern="1200" cap="none" spc="0" normalizeH="0" baseline="0" noProof="0" dirty="0" err="1">
                 <a:ln>
                   <a:noFill/>
@@ -25432,27 +25603,10 @@
                 <a:ea typeface="+mn-ea"/>
                 <a:cs typeface="+mn-cs"/>
               </a:rPr>
-              <a:t>Avg</a:t>
-            </a:r>
-            <a:r>
-              <a:rPr kumimoji="0" lang="nl-NL" sz="1050" b="0" i="1" u="none" strike="noStrike" kern="1200" cap="none" spc="0" normalizeH="0" baseline="0" noProof="0" dirty="0" err="1">
-                <a:ln>
-                  <a:noFill/>
-                </a:ln>
-                <a:solidFill>
-                  <a:srgbClr val="0070C0"/>
-                </a:solidFill>
-                <a:effectLst/>
-                <a:uLnTx/>
-                <a:uFillTx/>
-                <a:latin typeface="Calibri" panose="020F0502020204030204"/>
-                <a:ea typeface="+mn-ea"/>
-                <a:cs typeface="+mn-cs"/>
-              </a:rPr>
               <a:t>SpeedOverLimit</a:t>
             </a:r>
             <a:r>
-              <a:rPr kumimoji="0" lang="nl-NL" sz="900" b="0" i="1" u="none" strike="noStrike" kern="1200" cap="none" spc="0" normalizeH="0" baseline="0" noProof="0" dirty="0">
+              <a:rPr kumimoji="0" lang="nl-NL" sz="700" b="0" i="1" u="none" strike="noStrike" kern="1200" cap="none" spc="0" normalizeH="0" baseline="0" noProof="0" dirty="0">
                 <a:ln>
                   <a:noFill/>
                 </a:ln>
@@ -25487,8 +25641,8 @@
         </p:nvCxnSpPr>
         <p:spPr>
           <a:xfrm>
-            <a:off x="832158" y="2975275"/>
-            <a:ext cx="1403956" cy="0"/>
+            <a:off x="1042588" y="2908827"/>
+            <a:ext cx="1244246" cy="0"/>
           </a:xfrm>
           <a:prstGeom prst="straightConnector1">
             <a:avLst/>
@@ -25526,8 +25680,8 @@
         </p:nvSpPr>
         <p:spPr>
           <a:xfrm>
-            <a:off x="969170" y="2732236"/>
-            <a:ext cx="1170513" cy="253916"/>
+            <a:off x="1167168" y="2693435"/>
+            <a:ext cx="1031051" cy="230832"/>
           </a:xfrm>
           <a:prstGeom prst="rect">
             <a:avLst/>
@@ -25558,7 +25712,7 @@
               <a:defRPr/>
             </a:pPr>
             <a:r>
-              <a:rPr kumimoji="0" lang="nl-NL" sz="1050" b="0" i="0" u="none" strike="noStrike" kern="1200" cap="none" spc="0" normalizeH="0" baseline="0" noProof="0" dirty="0" err="1">
+              <a:rPr kumimoji="0" lang="nl-NL" sz="900" b="0" i="0" u="none" strike="noStrike" kern="1200" cap="none" spc="0" normalizeH="0" baseline="0" noProof="0" dirty="0" err="1">
                 <a:ln>
                   <a:noFill/>
                 </a:ln>
@@ -25574,7 +25728,7 @@
               </a:rPr>
               <a:t>VehicleRegistered</a:t>
             </a:r>
-            <a:endParaRPr kumimoji="0" lang="nl-NL" sz="1050" b="0" i="0" u="none" strike="noStrike" kern="1200" cap="none" spc="0" normalizeH="0" baseline="0" noProof="0" dirty="0">
+            <a:endParaRPr kumimoji="0" lang="nl-NL" sz="900" b="0" i="0" u="none" strike="noStrike" kern="1200" cap="none" spc="0" normalizeH="0" baseline="0" noProof="0" dirty="0">
               <a:ln>
                 <a:noFill/>
               </a:ln>
@@ -25607,8 +25761,8 @@
         </p:nvCxnSpPr>
         <p:spPr>
           <a:xfrm>
-            <a:off x="8573315" y="5863217"/>
-            <a:ext cx="1837437" cy="0"/>
+            <a:off x="7903133" y="5468245"/>
+            <a:ext cx="1628415" cy="0"/>
           </a:xfrm>
           <a:prstGeom prst="straightConnector1">
             <a:avLst/>
@@ -25648,8 +25802,8 @@
         </p:nvCxnSpPr>
         <p:spPr>
           <a:xfrm>
-            <a:off x="8578994" y="6010836"/>
-            <a:ext cx="1831758" cy="0"/>
+            <a:off x="7908166" y="5599071"/>
+            <a:ext cx="1623383" cy="0"/>
           </a:xfrm>
           <a:prstGeom prst="straightConnector1">
             <a:avLst/>
@@ -25689,8 +25843,8 @@
         </p:nvSpPr>
         <p:spPr>
           <a:xfrm>
-            <a:off x="5847496" y="687087"/>
-            <a:ext cx="844839" cy="844839"/>
+            <a:off x="5487395" y="880936"/>
+            <a:ext cx="748733" cy="748733"/>
           </a:xfrm>
           <a:prstGeom prst="ellipse">
             <a:avLst/>
@@ -25742,7 +25896,7 @@
               <a:defRPr/>
             </a:pPr>
             <a:r>
-              <a:rPr kumimoji="0" lang="en-US" sz="1050" b="1" i="0" u="none" strike="noStrike" kern="1200" cap="none" spc="0" normalizeH="0" baseline="0" noProof="0" dirty="0">
+              <a:rPr kumimoji="0" lang="en-US" sz="900" b="1" i="0" u="none" strike="noStrike" kern="1200" cap="none" spc="0" normalizeH="0" baseline="0" noProof="0" dirty="0">
                 <a:ln>
                   <a:noFill/>
                 </a:ln>
@@ -25778,8 +25932,8 @@
         </p:nvCxnSpPr>
         <p:spPr>
           <a:xfrm>
-            <a:off x="6269916" y="1531926"/>
-            <a:ext cx="0" cy="4978701"/>
+            <a:off x="5861762" y="1629669"/>
+            <a:ext cx="0" cy="4715151"/>
           </a:xfrm>
           <a:prstGeom prst="line">
             <a:avLst/>
@@ -25821,8 +25975,8 @@
         </p:nvCxnSpPr>
         <p:spPr>
           <a:xfrm>
-            <a:off x="3675464" y="2572311"/>
-            <a:ext cx="2587087" cy="0"/>
+            <a:off x="3562447" y="2551703"/>
+            <a:ext cx="2292787" cy="0"/>
           </a:xfrm>
           <a:prstGeom prst="straightConnector1">
             <a:avLst/>
@@ -25860,8 +26014,8 @@
         </p:nvSpPr>
         <p:spPr>
           <a:xfrm>
-            <a:off x="3642458" y="2310610"/>
-            <a:ext cx="1191352" cy="253916"/>
+            <a:off x="3537569" y="2319772"/>
+            <a:ext cx="1047082" cy="230832"/>
           </a:xfrm>
           <a:prstGeom prst="rect">
             <a:avLst/>
@@ -25892,7 +26046,7 @@
               <a:defRPr/>
             </a:pPr>
             <a:r>
-              <a:rPr kumimoji="0" lang="nl-NL" sz="1050" b="0" i="0" u="none" strike="noStrike" kern="1200" cap="none" spc="0" normalizeH="0" baseline="0" noProof="0" dirty="0">
+              <a:rPr kumimoji="0" lang="nl-NL" sz="900" b="0" i="0" u="none" strike="noStrike" kern="1200" cap="none" spc="0" normalizeH="0" baseline="0" noProof="0" dirty="0">
                 <a:ln>
                   <a:noFill/>
                 </a:ln>
@@ -25909,7 +26063,7 @@
               <a:t>Store </a:t>
             </a:r>
             <a:r>
-              <a:rPr kumimoji="0" lang="nl-NL" sz="1050" b="0" i="0" u="none" strike="noStrike" kern="1200" cap="none" spc="0" normalizeH="0" baseline="0" noProof="0" dirty="0" err="1">
+              <a:rPr kumimoji="0" lang="nl-NL" sz="900" b="0" i="0" u="none" strike="noStrike" kern="1200" cap="none" spc="0" normalizeH="0" baseline="0" noProof="0" dirty="0" err="1">
                 <a:ln>
                   <a:noFill/>
                 </a:ln>
@@ -25925,7 +26079,7 @@
               </a:rPr>
               <a:t>VehicleState</a:t>
             </a:r>
-            <a:endParaRPr kumimoji="0" lang="nl-NL" sz="1050" b="0" i="0" u="none" strike="noStrike" kern="1200" cap="none" spc="0" normalizeH="0" baseline="0" noProof="0" dirty="0">
+            <a:endParaRPr kumimoji="0" lang="nl-NL" sz="900" b="0" i="0" u="none" strike="noStrike" kern="1200" cap="none" spc="0" normalizeH="0" baseline="0" noProof="0" dirty="0">
               <a:ln>
                 <a:noFill/>
               </a:ln>
@@ -25956,8 +26110,8 @@
         </p:nvGrpSpPr>
         <p:grpSpPr>
           <a:xfrm>
-            <a:off x="846263" y="1903824"/>
-            <a:ext cx="162636" cy="115101"/>
+            <a:off x="1055088" y="1959261"/>
+            <a:ext cx="144135" cy="102007"/>
             <a:chOff x="10585174" y="1490390"/>
             <a:chExt cx="407492" cy="286109"/>
           </a:xfrm>
@@ -26028,7 +26182,7 @@
                 <a:tabLst/>
                 <a:defRPr/>
               </a:pPr>
-              <a:endParaRPr kumimoji="0" lang="en-US" sz="1800" b="0" i="0" u="none" strike="noStrike" kern="1200" cap="none" spc="0" normalizeH="0" baseline="0" noProof="0">
+              <a:endParaRPr kumimoji="0" lang="en-US" sz="1400" b="0" i="0" u="none" strike="noStrike" kern="1200" cap="none" spc="0" normalizeH="0" baseline="0" noProof="0">
                 <a:ln>
                   <a:noFill/>
                 </a:ln>
@@ -26148,8 +26302,8 @@
         </p:nvCxnSpPr>
         <p:spPr>
           <a:xfrm>
-            <a:off x="4835935" y="3731567"/>
-            <a:ext cx="1426616" cy="0"/>
+            <a:off x="4590906" y="3579085"/>
+            <a:ext cx="1264328" cy="0"/>
           </a:xfrm>
           <a:prstGeom prst="straightConnector1">
             <a:avLst/>
@@ -26187,8 +26341,8 @@
         </p:nvSpPr>
         <p:spPr>
           <a:xfrm>
-            <a:off x="4785433" y="3497859"/>
-            <a:ext cx="1096775" cy="253916"/>
+            <a:off x="4549489" y="3371963"/>
+            <a:ext cx="965329" cy="230832"/>
           </a:xfrm>
           <a:prstGeom prst="rect">
             <a:avLst/>
@@ -26219,7 +26373,7 @@
               <a:defRPr/>
             </a:pPr>
             <a:r>
-              <a:rPr kumimoji="0" lang="nl-NL" sz="1050" b="0" i="0" u="none" strike="noStrike" kern="1200" cap="none" spc="0" normalizeH="0" baseline="0" noProof="0" dirty="0">
+              <a:rPr kumimoji="0" lang="nl-NL" sz="900" b="0" i="0" u="none" strike="noStrike" kern="1200" cap="none" spc="0" normalizeH="0" baseline="0" noProof="0" dirty="0">
                 <a:ln>
                   <a:noFill/>
                 </a:ln>
@@ -26236,7 +26390,7 @@
               <a:t>Get </a:t>
             </a:r>
             <a:r>
-              <a:rPr kumimoji="0" lang="nl-NL" sz="1050" b="0" i="0" u="none" strike="noStrike" kern="1200" cap="none" spc="0" normalizeH="0" baseline="0" noProof="0" dirty="0" err="1">
+              <a:rPr kumimoji="0" lang="nl-NL" sz="900" b="0" i="0" u="none" strike="noStrike" kern="1200" cap="none" spc="0" normalizeH="0" baseline="0" noProof="0" dirty="0" err="1">
                 <a:ln>
                   <a:noFill/>
                 </a:ln>
@@ -26252,7 +26406,7 @@
               </a:rPr>
               <a:t>VehicleState</a:t>
             </a:r>
-            <a:endParaRPr kumimoji="0" lang="nl-NL" sz="1050" b="0" i="0" u="none" strike="noStrike" kern="1200" cap="none" spc="0" normalizeH="0" baseline="0" noProof="0" dirty="0">
+            <a:endParaRPr kumimoji="0" lang="nl-NL" sz="900" b="0" i="0" u="none" strike="noStrike" kern="1200" cap="none" spc="0" normalizeH="0" baseline="0" noProof="0" dirty="0">
               <a:ln>
                 <a:noFill/>
               </a:ln>
@@ -26285,8 +26439,8 @@
         </p:nvCxnSpPr>
         <p:spPr>
           <a:xfrm>
-            <a:off x="4822747" y="3880222"/>
-            <a:ext cx="1439804" cy="0"/>
+            <a:off x="4579219" y="3710830"/>
+            <a:ext cx="1276016" cy="0"/>
           </a:xfrm>
           <a:prstGeom prst="straightConnector1">
             <a:avLst/>
@@ -26328,8 +26482,8 @@
         </p:nvCxnSpPr>
         <p:spPr>
           <a:xfrm flipH="1">
-            <a:off x="4822749" y="4842434"/>
-            <a:ext cx="2392586" cy="0"/>
+            <a:off x="4579220" y="4563584"/>
+            <a:ext cx="2120412" cy="0"/>
           </a:xfrm>
           <a:prstGeom prst="straightConnector1">
             <a:avLst/>
@@ -26368,8 +26522,8 @@
         </p:nvSpPr>
         <p:spPr>
           <a:xfrm>
-            <a:off x="4975632" y="4608726"/>
-            <a:ext cx="1176925" cy="253916"/>
+            <a:off x="4714712" y="4356462"/>
+            <a:ext cx="1040670" cy="230832"/>
           </a:xfrm>
           <a:prstGeom prst="rect">
             <a:avLst/>
@@ -26400,7 +26554,7 @@
               <a:defRPr/>
             </a:pPr>
             <a:r>
-              <a:rPr kumimoji="0" lang="nl-NL" sz="1050" b="0" i="0" u="none" strike="noStrike" kern="1200" cap="none" spc="0" normalizeH="0" baseline="0" noProof="0" dirty="0" err="1">
+              <a:rPr kumimoji="0" lang="nl-NL" sz="900" b="0" i="0" u="none" strike="noStrike" kern="1200" cap="none" spc="0" normalizeH="0" baseline="0" noProof="0" dirty="0" err="1">
                 <a:ln>
                   <a:noFill/>
                 </a:ln>
@@ -26416,7 +26570,7 @@
               </a:rPr>
               <a:t>SpeedingViolation</a:t>
             </a:r>
-            <a:endParaRPr kumimoji="0" lang="nl-NL" sz="1050" b="0" i="0" u="none" strike="noStrike" kern="1200" cap="none" spc="0" normalizeH="0" baseline="0" noProof="0" dirty="0">
+            <a:endParaRPr kumimoji="0" lang="nl-NL" sz="900" b="0" i="0" u="none" strike="noStrike" kern="1200" cap="none" spc="0" normalizeH="0" baseline="0" noProof="0" dirty="0">
               <a:ln>
                 <a:noFill/>
               </a:ln>
@@ -26447,8 +26601,8 @@
         </p:nvGrpSpPr>
         <p:grpSpPr>
           <a:xfrm>
-            <a:off x="856202" y="2808090"/>
-            <a:ext cx="162636" cy="115101"/>
+            <a:off x="1063896" y="2760660"/>
+            <a:ext cx="144135" cy="102007"/>
             <a:chOff x="10585174" y="1490390"/>
             <a:chExt cx="407492" cy="286109"/>
           </a:xfrm>
@@ -26519,7 +26673,7 @@
                 <a:tabLst/>
                 <a:defRPr/>
               </a:pPr>
-              <a:endParaRPr kumimoji="0" lang="en-US" sz="1800" b="0" i="0" u="none" strike="noStrike" kern="1200" cap="none" spc="0" normalizeH="0" baseline="0" noProof="0">
+              <a:endParaRPr kumimoji="0" lang="en-US" sz="1400" b="0" i="0" u="none" strike="noStrike" kern="1200" cap="none" spc="0" normalizeH="0" baseline="0" noProof="0">
                 <a:ln>
                   <a:noFill/>
                 </a:ln>
@@ -26637,8 +26791,8 @@
         </p:nvGrpSpPr>
         <p:grpSpPr>
           <a:xfrm>
-            <a:off x="4822747" y="4088508"/>
-            <a:ext cx="299274" cy="259267"/>
+            <a:off x="4579223" y="3895422"/>
+            <a:ext cx="265229" cy="229774"/>
             <a:chOff x="4738943" y="4803764"/>
             <a:chExt cx="361377" cy="259267"/>
           </a:xfrm>
@@ -26743,7 +26897,7 @@
           </p:nvCxnSpPr>
           <p:spPr>
             <a:xfrm>
-              <a:off x="5092700" y="4803764"/>
+              <a:off x="5092694" y="4803764"/>
               <a:ext cx="0" cy="259267"/>
             </a:xfrm>
             <a:prstGeom prst="straightConnector1">
@@ -26784,8 +26938,8 @@
         </p:nvSpPr>
         <p:spPr>
           <a:xfrm>
-            <a:off x="5080894" y="3990887"/>
-            <a:ext cx="1196161" cy="415498"/>
+            <a:off x="4808000" y="3808906"/>
+            <a:ext cx="1050288" cy="369332"/>
           </a:xfrm>
           <a:prstGeom prst="rect">
             <a:avLst/>
@@ -26816,7 +26970,7 @@
               <a:defRPr/>
             </a:pPr>
             <a:r>
-              <a:rPr kumimoji="0" lang="nl-NL" sz="1050" b="0" i="0" u="none" strike="noStrike" kern="1200" cap="none" spc="0" normalizeH="0" baseline="0" noProof="0" dirty="0" err="1">
+              <a:rPr kumimoji="0" lang="nl-NL" sz="900" b="0" i="0" u="none" strike="noStrike" kern="1200" cap="none" spc="0" normalizeH="0" baseline="0" noProof="0" dirty="0" err="1">
                 <a:ln>
                   <a:noFill/>
                 </a:ln>
@@ -26833,7 +26987,7 @@
               <a:t>Calculate</a:t>
             </a:r>
             <a:r>
-              <a:rPr kumimoji="0" lang="nl-NL" sz="1050" b="0" i="0" u="none" strike="noStrike" kern="1200" cap="none" spc="0" normalizeH="0" baseline="0" noProof="0" dirty="0">
+              <a:rPr kumimoji="0" lang="nl-NL" sz="900" b="0" i="0" u="none" strike="noStrike" kern="1200" cap="none" spc="0" normalizeH="0" baseline="0" noProof="0" dirty="0">
                 <a:ln>
                   <a:noFill/>
                 </a:ln>
@@ -26850,7 +27004,7 @@
               <a:t> </a:t>
             </a:r>
             <a:r>
-              <a:rPr kumimoji="0" lang="nl-NL" sz="1050" b="0" i="0" u="none" strike="noStrike" kern="1200" cap="none" spc="0" normalizeH="0" baseline="0" noProof="0" dirty="0" err="1">
+              <a:rPr kumimoji="0" lang="nl-NL" sz="900" b="0" i="0" u="none" strike="noStrike" kern="1200" cap="none" spc="0" normalizeH="0" baseline="0" noProof="0" dirty="0" err="1">
                 <a:ln>
                   <a:noFill/>
                 </a:ln>
@@ -26867,7 +27021,7 @@
               <a:t>Average</a:t>
             </a:r>
             <a:r>
-              <a:rPr kumimoji="0" lang="nl-NL" sz="1050" b="0" i="0" u="none" strike="noStrike" kern="1200" cap="none" spc="0" normalizeH="0" baseline="0" noProof="0" dirty="0">
+              <a:rPr kumimoji="0" lang="nl-NL" sz="900" b="0" i="0" u="none" strike="noStrike" kern="1200" cap="none" spc="0" normalizeH="0" baseline="0" noProof="0" dirty="0">
                 <a:ln>
                   <a:noFill/>
                 </a:ln>
@@ -26884,7 +27038,7 @@
               <a:t> </a:t>
             </a:r>
             <a:br>
-              <a:rPr kumimoji="0" lang="nl-NL" sz="1050" b="0" i="0" u="none" strike="noStrike" kern="1200" cap="none" spc="0" normalizeH="0" baseline="0" noProof="0" dirty="0">
+              <a:rPr kumimoji="0" lang="nl-NL" sz="900" b="0" i="0" u="none" strike="noStrike" kern="1200" cap="none" spc="0" normalizeH="0" baseline="0" noProof="0" dirty="0">
                 <a:ln>
                   <a:noFill/>
                 </a:ln>
@@ -26900,7 +27054,7 @@
               </a:rPr>
             </a:br>
             <a:r>
-              <a:rPr kumimoji="0" lang="nl-NL" sz="1050" b="0" i="0" u="none" strike="noStrike" kern="1200" cap="none" spc="0" normalizeH="0" baseline="0" noProof="0" dirty="0">
+              <a:rPr kumimoji="0" lang="nl-NL" sz="900" b="0" i="0" u="none" strike="noStrike" kern="1200" cap="none" spc="0" normalizeH="0" baseline="0" noProof="0" dirty="0">
                 <a:ln>
                   <a:noFill/>
                 </a:ln>
@@ -26933,8 +27087,8 @@
         </p:nvGrpSpPr>
         <p:grpSpPr>
           <a:xfrm>
-            <a:off x="8577821" y="5243699"/>
-            <a:ext cx="299274" cy="259267"/>
+            <a:off x="7907125" y="4919201"/>
+            <a:ext cx="265229" cy="229774"/>
             <a:chOff x="4738943" y="4803764"/>
             <a:chExt cx="361377" cy="259267"/>
           </a:xfrm>
@@ -27080,8 +27234,8 @@
         </p:nvSpPr>
         <p:spPr>
           <a:xfrm>
-            <a:off x="8808853" y="5246614"/>
-            <a:ext cx="947695" cy="253916"/>
+            <a:off x="8112476" y="4921785"/>
+            <a:ext cx="838691" cy="230832"/>
           </a:xfrm>
           <a:prstGeom prst="rect">
             <a:avLst/>
@@ -27112,7 +27266,7 @@
               <a:defRPr/>
             </a:pPr>
             <a:r>
-              <a:rPr kumimoji="0" lang="nl-NL" sz="1050" b="0" i="0" u="none" strike="noStrike" kern="1200" cap="none" spc="0" normalizeH="0" baseline="0" noProof="0" dirty="0" err="1">
+              <a:rPr kumimoji="0" lang="nl-NL" sz="900" b="0" i="0" u="none" strike="noStrike" kern="1200" cap="none" spc="0" normalizeH="0" baseline="0" noProof="0" dirty="0" err="1">
                 <a:ln>
                   <a:noFill/>
                 </a:ln>
@@ -27129,7 +27283,7 @@
               <a:t>Calculate</a:t>
             </a:r>
             <a:r>
-              <a:rPr kumimoji="0" lang="nl-NL" sz="1050" b="0" i="0" u="none" strike="noStrike" kern="1200" cap="none" spc="0" normalizeH="0" baseline="0" noProof="0" dirty="0">
+              <a:rPr kumimoji="0" lang="nl-NL" sz="900" b="0" i="0" u="none" strike="noStrike" kern="1200" cap="none" spc="0" normalizeH="0" baseline="0" noProof="0" dirty="0">
                 <a:ln>
                   <a:noFill/>
                 </a:ln>
@@ -27164,8 +27318,8 @@
         </p:nvCxnSpPr>
         <p:spPr>
           <a:xfrm>
-            <a:off x="8569468" y="6414132"/>
-            <a:ext cx="3004681" cy="0"/>
+            <a:off x="7899724" y="5956490"/>
+            <a:ext cx="2662877" cy="0"/>
           </a:xfrm>
           <a:prstGeom prst="straightConnector1">
             <a:avLst/>
@@ -27203,8 +27357,8 @@
         </p:nvSpPr>
         <p:spPr>
           <a:xfrm>
-            <a:off x="8563777" y="6160216"/>
-            <a:ext cx="958917" cy="253916"/>
+            <a:off x="7893037" y="5731458"/>
+            <a:ext cx="853119" cy="230832"/>
           </a:xfrm>
           <a:prstGeom prst="rect">
             <a:avLst/>
@@ -27235,7 +27389,7 @@
               <a:defRPr/>
             </a:pPr>
             <a:r>
-              <a:rPr kumimoji="0" lang="nl-NL" sz="1050" b="0" i="0" u="none" strike="noStrike" kern="1200" cap="none" spc="0" normalizeH="0" baseline="0" noProof="0" dirty="0" err="1">
+              <a:rPr kumimoji="0" lang="nl-NL" sz="900" b="0" i="0" u="none" strike="noStrike" kern="1200" cap="none" spc="0" normalizeH="0" baseline="0" noProof="0" dirty="0" err="1">
                 <a:ln>
                   <a:noFill/>
                 </a:ln>
@@ -27251,7 +27405,7 @@
               </a:rPr>
               <a:t>InvokeBinding</a:t>
             </a:r>
-            <a:endParaRPr kumimoji="0" lang="nl-NL" sz="1050" b="0" i="0" u="none" strike="noStrike" kern="1200" cap="none" spc="0" normalizeH="0" baseline="0" noProof="0" dirty="0">
+            <a:endParaRPr kumimoji="0" lang="nl-NL" sz="900" b="0" i="0" u="none" strike="noStrike" kern="1200" cap="none" spc="0" normalizeH="0" baseline="0" noProof="0" dirty="0">
               <a:ln>
                 <a:noFill/>
               </a:ln>
@@ -27282,8 +27436,8 @@
         </p:nvSpPr>
         <p:spPr>
           <a:xfrm>
-            <a:off x="1813694" y="687087"/>
-            <a:ext cx="844839" cy="844839"/>
+            <a:off x="1912467" y="880936"/>
+            <a:ext cx="748733" cy="748733"/>
           </a:xfrm>
           <a:prstGeom prst="ellipse">
             <a:avLst/>
@@ -27335,7 +27489,7 @@
               <a:defRPr/>
             </a:pPr>
             <a:r>
-              <a:rPr kumimoji="0" lang="en-US" sz="1050" b="1" i="0" u="none" strike="noStrike" kern="1200" cap="none" spc="0" normalizeH="0" baseline="0" noProof="0" dirty="0">
+              <a:rPr kumimoji="0" lang="en-US" sz="900" b="1" i="0" u="none" strike="noStrike" kern="1200" cap="none" spc="0" normalizeH="0" baseline="0" noProof="0" dirty="0">
                 <a:ln>
                   <a:noFill/>
                 </a:ln>
@@ -27351,7 +27505,7 @@
               </a:rPr>
               <a:t>MQTT</a:t>
             </a:r>
-            <a:endParaRPr lang="en-US" sz="1050" b="1" dirty="0">
+            <a:endParaRPr lang="en-US" sz="900" b="1" dirty="0">
               <a:solidFill>
                 <a:prstClr val="white"/>
               </a:solidFill>
@@ -27377,8 +27531,8 @@
         </p:nvCxnSpPr>
         <p:spPr>
           <a:xfrm>
-            <a:off x="2236114" y="1531926"/>
-            <a:ext cx="0" cy="4978701"/>
+            <a:off x="2286834" y="1629669"/>
+            <a:ext cx="0" cy="4731451"/>
           </a:xfrm>
           <a:prstGeom prst="line">
             <a:avLst/>
@@ -27420,8 +27574,8 @@
         </p:nvCxnSpPr>
         <p:spPr>
           <a:xfrm>
-            <a:off x="2236114" y="2343167"/>
-            <a:ext cx="1439350" cy="0"/>
+            <a:off x="2286834" y="2348626"/>
+            <a:ext cx="1275614" cy="0"/>
           </a:xfrm>
           <a:prstGeom prst="straightConnector1">
             <a:avLst/>
@@ -27460,8 +27614,8 @@
         </p:nvSpPr>
         <p:spPr>
           <a:xfrm>
-            <a:off x="2402443" y="2117244"/>
-            <a:ext cx="1170513" cy="253916"/>
+            <a:off x="2437396" y="2148403"/>
+            <a:ext cx="1031051" cy="230832"/>
           </a:xfrm>
           <a:prstGeom prst="rect">
             <a:avLst/>
@@ -27492,7 +27646,7 @@
               <a:defRPr/>
             </a:pPr>
             <a:r>
-              <a:rPr kumimoji="0" lang="nl-NL" sz="1050" b="0" i="0" u="none" strike="noStrike" kern="1200" cap="none" spc="0" normalizeH="0" baseline="0" noProof="0" dirty="0" err="1">
+              <a:rPr kumimoji="0" lang="nl-NL" sz="900" b="0" i="0" u="none" strike="noStrike" kern="1200" cap="none" spc="0" normalizeH="0" baseline="0" noProof="0" dirty="0" err="1">
                 <a:ln>
                   <a:noFill/>
                 </a:ln>
@@ -27508,7 +27662,7 @@
               </a:rPr>
               <a:t>VehicleRegistered</a:t>
             </a:r>
-            <a:endParaRPr kumimoji="0" lang="nl-NL" sz="1050" b="0" i="0" u="none" strike="noStrike" kern="1200" cap="none" spc="0" normalizeH="0" baseline="0" noProof="0" dirty="0">
+            <a:endParaRPr kumimoji="0" lang="nl-NL" sz="900" b="0" i="0" u="none" strike="noStrike" kern="1200" cap="none" spc="0" normalizeH="0" baseline="0" noProof="0" dirty="0">
               <a:ln>
                 <a:noFill/>
               </a:ln>
@@ -27539,8 +27693,8 @@
         </p:nvGrpSpPr>
         <p:grpSpPr>
           <a:xfrm>
-            <a:off x="2290583" y="2189682"/>
-            <a:ext cx="162636" cy="115101"/>
+            <a:off x="2335106" y="2212601"/>
+            <a:ext cx="144135" cy="102007"/>
             <a:chOff x="10585174" y="1490390"/>
             <a:chExt cx="407492" cy="286109"/>
           </a:xfrm>
@@ -27611,7 +27765,7 @@
                 <a:tabLst/>
                 <a:defRPr/>
               </a:pPr>
-              <a:endParaRPr kumimoji="0" lang="en-US" sz="1800" b="0" i="0" u="none" strike="noStrike" kern="1200" cap="none" spc="0" normalizeH="0" baseline="0" noProof="0">
+              <a:endParaRPr kumimoji="0" lang="en-US" sz="1400" b="0" i="0" u="none" strike="noStrike" kern="1200" cap="none" spc="0" normalizeH="0" baseline="0" noProof="0">
                 <a:ln>
                   <a:noFill/>
                 </a:ln>
@@ -27731,8 +27885,8 @@
         </p:nvCxnSpPr>
         <p:spPr>
           <a:xfrm>
-            <a:off x="2236114" y="3318786"/>
-            <a:ext cx="2549319" cy="0"/>
+            <a:off x="2286834" y="3213261"/>
+            <a:ext cx="2259316" cy="0"/>
           </a:xfrm>
           <a:prstGeom prst="straightConnector1">
             <a:avLst/>
@@ -27771,8 +27925,8 @@
         </p:nvSpPr>
         <p:spPr>
           <a:xfrm>
-            <a:off x="2426137" y="3092863"/>
-            <a:ext cx="1170513" cy="253916"/>
+            <a:off x="2458394" y="3013038"/>
+            <a:ext cx="1031051" cy="230832"/>
           </a:xfrm>
           <a:prstGeom prst="rect">
             <a:avLst/>
@@ -27803,7 +27957,7 @@
               <a:defRPr/>
             </a:pPr>
             <a:r>
-              <a:rPr kumimoji="0" lang="nl-NL" sz="1050" b="0" i="0" u="none" strike="noStrike" kern="1200" cap="none" spc="0" normalizeH="0" baseline="0" noProof="0" dirty="0" err="1">
+              <a:rPr kumimoji="0" lang="nl-NL" sz="900" b="0" i="0" u="none" strike="noStrike" kern="1200" cap="none" spc="0" normalizeH="0" baseline="0" noProof="0" dirty="0" err="1">
                 <a:ln>
                   <a:noFill/>
                 </a:ln>
@@ -27819,7 +27973,7 @@
               </a:rPr>
               <a:t>VehicleRegistered</a:t>
             </a:r>
-            <a:endParaRPr kumimoji="0" lang="nl-NL" sz="1050" b="0" i="0" u="none" strike="noStrike" kern="1200" cap="none" spc="0" normalizeH="0" baseline="0" noProof="0" dirty="0">
+            <a:endParaRPr kumimoji="0" lang="nl-NL" sz="900" b="0" i="0" u="none" strike="noStrike" kern="1200" cap="none" spc="0" normalizeH="0" baseline="0" noProof="0" dirty="0">
               <a:ln>
                 <a:noFill/>
               </a:ln>
@@ -27850,8 +28004,8 @@
         </p:nvGrpSpPr>
         <p:grpSpPr>
           <a:xfrm>
-            <a:off x="2292792" y="3165301"/>
-            <a:ext cx="162636" cy="115101"/>
+            <a:off x="2337064" y="3077236"/>
+            <a:ext cx="144135" cy="102007"/>
             <a:chOff x="10585174" y="1490390"/>
             <a:chExt cx="407492" cy="286109"/>
           </a:xfrm>
@@ -27922,7 +28076,7 @@
                 <a:tabLst/>
                 <a:defRPr/>
               </a:pPr>
-              <a:endParaRPr kumimoji="0" lang="en-US" sz="1800" b="0" i="0" u="none" strike="noStrike" kern="1200" cap="none" spc="0" normalizeH="0" baseline="0" noProof="0">
+              <a:endParaRPr kumimoji="0" lang="en-US" sz="1400" b="0" i="0" u="none" strike="noStrike" kern="1200" cap="none" spc="0" normalizeH="0" baseline="0" noProof="0">
                 <a:ln>
                   <a:noFill/>
                 </a:ln>
@@ -28040,8 +28194,8 @@
         </p:nvGrpSpPr>
         <p:grpSpPr>
           <a:xfrm>
-            <a:off x="4859740" y="4680217"/>
-            <a:ext cx="162636" cy="115101"/>
+            <a:off x="4612004" y="4419820"/>
+            <a:ext cx="144135" cy="102007"/>
             <a:chOff x="10585174" y="1490390"/>
             <a:chExt cx="407492" cy="286109"/>
           </a:xfrm>
@@ -28112,7 +28266,7 @@
                 <a:tabLst/>
                 <a:defRPr/>
               </a:pPr>
-              <a:endParaRPr kumimoji="0" lang="en-US" sz="1800" b="0" i="0" u="none" strike="noStrike" kern="1200" cap="none" spc="0" normalizeH="0" baseline="0" noProof="0">
+              <a:endParaRPr kumimoji="0" lang="en-US" sz="1400" b="0" i="0" u="none" strike="noStrike" kern="1200" cap="none" spc="0" normalizeH="0" baseline="0" noProof="0">
                 <a:ln>
                   <a:noFill/>
                 </a:ln>
@@ -28232,8 +28386,8 @@
         </p:nvCxnSpPr>
         <p:spPr>
           <a:xfrm flipH="1">
-            <a:off x="7224165" y="5134075"/>
-            <a:ext cx="1345303" cy="0"/>
+            <a:off x="6707457" y="4822048"/>
+            <a:ext cx="1192265" cy="0"/>
           </a:xfrm>
           <a:prstGeom prst="straightConnector1">
             <a:avLst/>
@@ -28272,8 +28426,8 @@
         </p:nvSpPr>
         <p:spPr>
           <a:xfrm>
-            <a:off x="7378206" y="4872374"/>
-            <a:ext cx="1176925" cy="253916"/>
+            <a:off x="6843976" y="4590117"/>
+            <a:ext cx="1040670" cy="230832"/>
           </a:xfrm>
           <a:prstGeom prst="rect">
             <a:avLst/>
@@ -28304,7 +28458,7 @@
               <a:defRPr/>
             </a:pPr>
             <a:r>
-              <a:rPr kumimoji="0" lang="nl-NL" sz="1050" b="0" i="0" u="none" strike="noStrike" kern="1200" cap="none" spc="0" normalizeH="0" baseline="0" noProof="0" dirty="0" err="1">
+              <a:rPr kumimoji="0" lang="nl-NL" sz="900" b="0" i="0" u="none" strike="noStrike" kern="1200" cap="none" spc="0" normalizeH="0" baseline="0" noProof="0" dirty="0" err="1">
                 <a:ln>
                   <a:noFill/>
                 </a:ln>
@@ -28320,7 +28474,7 @@
               </a:rPr>
               <a:t>SpeedingViolation</a:t>
             </a:r>
-            <a:endParaRPr kumimoji="0" lang="nl-NL" sz="1050" b="0" i="0" u="none" strike="noStrike" kern="1200" cap="none" spc="0" normalizeH="0" baseline="0" noProof="0" dirty="0">
+            <a:endParaRPr kumimoji="0" lang="nl-NL" sz="900" b="0" i="0" u="none" strike="noStrike" kern="1200" cap="none" spc="0" normalizeH="0" baseline="0" noProof="0" dirty="0">
               <a:ln>
                 <a:noFill/>
               </a:ln>
@@ -28351,8 +28505,8 @@
         </p:nvGrpSpPr>
         <p:grpSpPr>
           <a:xfrm>
-            <a:off x="7262314" y="4943865"/>
-            <a:ext cx="162636" cy="115101"/>
+            <a:off x="6741268" y="4653476"/>
+            <a:ext cx="144135" cy="102007"/>
             <a:chOff x="10585174" y="1490390"/>
             <a:chExt cx="407492" cy="286109"/>
           </a:xfrm>
@@ -28423,7 +28577,7 @@
                 <a:tabLst/>
                 <a:defRPr/>
               </a:pPr>
-              <a:endParaRPr kumimoji="0" lang="en-US" sz="1800" b="0" i="0" u="none" strike="noStrike" kern="1200" cap="none" spc="0" normalizeH="0" baseline="0" noProof="0">
+              <a:endParaRPr kumimoji="0" lang="en-US" sz="1400" b="0" i="0" u="none" strike="noStrike" kern="1200" cap="none" spc="0" normalizeH="0" baseline="0" noProof="0">
                 <a:ln>
                   <a:noFill/>
                 </a:ln>
@@ -28541,8 +28695,8 @@
         </p:nvSpPr>
         <p:spPr>
           <a:xfrm>
-            <a:off x="6792915" y="687087"/>
-            <a:ext cx="844839" cy="844839"/>
+            <a:off x="6325266" y="880936"/>
+            <a:ext cx="748733" cy="748733"/>
           </a:xfrm>
           <a:prstGeom prst="ellipse">
             <a:avLst/>
@@ -28594,7 +28748,7 @@
               <a:defRPr/>
             </a:pPr>
             <a:r>
-              <a:rPr kumimoji="0" lang="en-US" sz="1050" b="1" i="0" u="none" strike="noStrike" kern="1200" cap="none" spc="0" normalizeH="0" baseline="0" noProof="0" dirty="0" err="1">
+              <a:rPr kumimoji="0" lang="en-US" sz="900" b="1" i="0" u="none" strike="noStrike" kern="1200" cap="none" spc="0" normalizeH="0" baseline="0" noProof="0" dirty="0" err="1">
                 <a:ln>
                   <a:noFill/>
                 </a:ln>
@@ -28610,7 +28764,7 @@
               </a:rPr>
               <a:t>RabitMQ</a:t>
             </a:r>
-            <a:endParaRPr kumimoji="0" lang="en-US" sz="1050" b="1" i="0" u="none" strike="noStrike" kern="1200" cap="none" spc="0" normalizeH="0" baseline="0" noProof="0" dirty="0">
+            <a:endParaRPr kumimoji="0" lang="en-US" sz="900" b="1" i="0" u="none" strike="noStrike" kern="1200" cap="none" spc="0" normalizeH="0" baseline="0" noProof="0" dirty="0">
               <a:ln>
                 <a:noFill/>
               </a:ln>
@@ -28644,8 +28798,8 @@
         </p:nvCxnSpPr>
         <p:spPr>
           <a:xfrm>
-            <a:off x="7215335" y="1531926"/>
-            <a:ext cx="0" cy="4978701"/>
+            <a:off x="6699633" y="1629669"/>
+            <a:ext cx="0" cy="4715151"/>
           </a:xfrm>
           <a:prstGeom prst="line">
             <a:avLst/>
@@ -28702,8 +28856,8 @@
         </p:blipFill>
         <p:spPr>
           <a:xfrm>
-            <a:off x="6095344" y="885445"/>
-            <a:ext cx="323890" cy="278286"/>
+            <a:off x="5707049" y="1056730"/>
+            <a:ext cx="287045" cy="246629"/>
           </a:xfrm>
           <a:prstGeom prst="rect">
             <a:avLst/>
@@ -28738,8 +28892,8 @@
         </p:blipFill>
         <p:spPr>
           <a:xfrm>
-            <a:off x="2051458" y="907871"/>
-            <a:ext cx="360096" cy="266432"/>
+            <a:off x="2123184" y="1076605"/>
+            <a:ext cx="319133" cy="236123"/>
           </a:xfrm>
           <a:prstGeom prst="rect">
             <a:avLst/>
@@ -28774,8 +28928,8 @@
         </p:blipFill>
         <p:spPr>
           <a:xfrm>
-            <a:off x="7100484" y="891960"/>
-            <a:ext cx="266410" cy="281950"/>
+            <a:off x="6597847" y="1062504"/>
+            <a:ext cx="236104" cy="249876"/>
           </a:xfrm>
           <a:prstGeom prst="rect">
             <a:avLst/>
@@ -28796,8 +28950,8 @@
         </p:nvSpPr>
         <p:spPr>
           <a:xfrm>
-            <a:off x="11180099" y="687087"/>
-            <a:ext cx="844839" cy="844839"/>
+            <a:off x="10213377" y="880936"/>
+            <a:ext cx="748733" cy="748733"/>
           </a:xfrm>
           <a:prstGeom prst="ellipse">
             <a:avLst/>
@@ -28849,7 +29003,7 @@
               <a:defRPr/>
             </a:pPr>
             <a:r>
-              <a:rPr kumimoji="0" lang="en-US" sz="1050" b="1" i="0" u="none" strike="noStrike" kern="1200" cap="none" spc="0" normalizeH="0" baseline="0" noProof="0" dirty="0">
+              <a:rPr kumimoji="0" lang="en-US" sz="900" b="1" i="0" u="none" strike="noStrike" kern="1200" cap="none" spc="0" normalizeH="0" baseline="0" noProof="0" dirty="0">
                 <a:ln>
                   <a:noFill/>
                 </a:ln>
@@ -28885,8 +29039,8 @@
         </p:nvCxnSpPr>
         <p:spPr>
           <a:xfrm flipH="1">
-            <a:off x="11574149" y="1531926"/>
-            <a:ext cx="28370" cy="4978701"/>
+            <a:off x="10560847" y="1629669"/>
+            <a:ext cx="26897" cy="4720195"/>
           </a:xfrm>
           <a:prstGeom prst="line">
             <a:avLst/>
@@ -28912,6 +29066,368 @@
           </a:fontRef>
         </p:style>
       </p:cxnSp>
+      <p:sp>
+        <p:nvSpPr>
+          <p:cNvPr id="115" name="Left Brace 114">
+            <a:extLst>
+              <a:ext uri="{FF2B5EF4-FFF2-40B4-BE49-F238E27FC236}">
+                <a16:creationId xmlns:a16="http://schemas.microsoft.com/office/drawing/2014/main" id="{30D2DF78-A382-4616-AD69-9E6E881E7F9C}"/>
+              </a:ext>
+            </a:extLst>
+          </p:cNvPr>
+          <p:cNvSpPr/>
+          <p:nvPr/>
+        </p:nvSpPr>
+        <p:spPr>
+          <a:xfrm>
+            <a:off x="766020" y="2122576"/>
+            <a:ext cx="175899" cy="786249"/>
+          </a:xfrm>
+          <a:prstGeom prst="leftBrace">
+            <a:avLst>
+              <a:gd name="adj1" fmla="val 38327"/>
+              <a:gd name="adj2" fmla="val 50000"/>
+            </a:avLst>
+          </a:prstGeom>
+        </p:spPr>
+        <p:style>
+          <a:lnRef idx="1">
+            <a:schemeClr val="accent1"/>
+          </a:lnRef>
+          <a:fillRef idx="0">
+            <a:schemeClr val="accent1"/>
+          </a:fillRef>
+          <a:effectRef idx="0">
+            <a:schemeClr val="accent1"/>
+          </a:effectRef>
+          <a:fontRef idx="minor">
+            <a:schemeClr val="tx1"/>
+          </a:fontRef>
+        </p:style>
+        <p:txBody>
+          <a:bodyPr rtlCol="0" anchor="ctr"/>
+          <a:lstStyle/>
+          <a:p>
+            <a:pPr algn="ctr"/>
+            <a:endParaRPr lang="en-NL" sz="1400"/>
+          </a:p>
+        </p:txBody>
+      </p:sp>
+      <p:sp>
+        <p:nvSpPr>
+          <p:cNvPr id="117" name="TextBox 116">
+            <a:extLst>
+              <a:ext uri="{FF2B5EF4-FFF2-40B4-BE49-F238E27FC236}">
+                <a16:creationId xmlns:a16="http://schemas.microsoft.com/office/drawing/2014/main" id="{5ADCE7E3-7067-457C-8224-EE2C528762AE}"/>
+              </a:ext>
+            </a:extLst>
+          </p:cNvPr>
+          <p:cNvSpPr txBox="1"/>
+          <p:nvPr/>
+        </p:nvSpPr>
+        <p:spPr>
+          <a:xfrm>
+            <a:off x="203920" y="2288218"/>
+            <a:ext cx="577402" cy="369332"/>
+          </a:xfrm>
+          <a:prstGeom prst="rect">
+            <a:avLst/>
+          </a:prstGeom>
+          <a:noFill/>
+        </p:spPr>
+        <p:txBody>
+          <a:bodyPr wrap="none" rtlCol="0">
+            <a:spAutoFit/>
+          </a:bodyPr>
+          <a:lstStyle/>
+          <a:p>
+            <a:pPr marL="0" marR="0" lvl="0" indent="0" defTabSz="914400" rtl="0" eaLnBrk="1" fontAlgn="auto" latinLnBrk="0" hangingPunct="1">
+              <a:lnSpc>
+                <a:spcPct val="100000"/>
+              </a:lnSpc>
+              <a:spcBef>
+                <a:spcPts val="0"/>
+              </a:spcBef>
+              <a:spcAft>
+                <a:spcPts val="0"/>
+              </a:spcAft>
+              <a:buClrTx/>
+              <a:buSzTx/>
+              <a:buFontTx/>
+              <a:buNone/>
+              <a:tabLst/>
+              <a:defRPr/>
+            </a:pPr>
+            <a:r>
+              <a:rPr kumimoji="0" lang="nl-NL" sz="900" i="0" u="none" strike="noStrike" kern="1200" cap="none" spc="0" normalizeH="0" baseline="0" noProof="0" dirty="0">
+                <a:ln>
+                  <a:noFill/>
+                </a:ln>
+                <a:solidFill>
+                  <a:prstClr val="black"/>
+                </a:solidFill>
+                <a:effectLst/>
+                <a:uLnTx/>
+                <a:uFillTx/>
+                <a:latin typeface="Calibri" panose="020F0502020204030204"/>
+                <a:ea typeface="+mn-ea"/>
+                <a:cs typeface="+mn-cs"/>
+              </a:rPr>
+              <a:t>Random</a:t>
+            </a:r>
+          </a:p>
+          <a:p>
+            <a:pPr marL="0" marR="0" lvl="0" indent="0" defTabSz="914400" rtl="0" eaLnBrk="1" fontAlgn="auto" latinLnBrk="0" hangingPunct="1">
+              <a:lnSpc>
+                <a:spcPct val="100000"/>
+              </a:lnSpc>
+              <a:spcBef>
+                <a:spcPts val="0"/>
+              </a:spcBef>
+              <a:spcAft>
+                <a:spcPts val="0"/>
+              </a:spcAft>
+              <a:buClrTx/>
+              <a:buSzTx/>
+              <a:buFontTx/>
+              <a:buNone/>
+              <a:tabLst/>
+              <a:defRPr/>
+            </a:pPr>
+            <a:r>
+              <a:rPr lang="nl-NL" sz="900" dirty="0">
+                <a:solidFill>
+                  <a:prstClr val="black"/>
+                </a:solidFill>
+                <a:latin typeface="Calibri" panose="020F0502020204030204"/>
+              </a:rPr>
+              <a:t>Interval</a:t>
+            </a:r>
+            <a:endParaRPr kumimoji="0" lang="nl-NL" sz="900" i="0" u="none" strike="noStrike" kern="1200" cap="none" spc="0" normalizeH="0" baseline="0" noProof="0" dirty="0">
+              <a:ln>
+                <a:noFill/>
+              </a:ln>
+              <a:solidFill>
+                <a:prstClr val="black"/>
+              </a:solidFill>
+              <a:effectLst/>
+              <a:uLnTx/>
+              <a:uFillTx/>
+              <a:latin typeface="Calibri" panose="020F0502020204030204"/>
+              <a:ea typeface="+mn-ea"/>
+              <a:cs typeface="+mn-cs"/>
+            </a:endParaRPr>
+          </a:p>
+        </p:txBody>
+      </p:sp>
+      <p:cxnSp>
+        <p:nvCxnSpPr>
+          <p:cNvPr id="118" name="Straight Arrow Connector 117">
+            <a:extLst>
+              <a:ext uri="{FF2B5EF4-FFF2-40B4-BE49-F238E27FC236}">
+                <a16:creationId xmlns:a16="http://schemas.microsoft.com/office/drawing/2014/main" id="{249BF4D3-86C8-40CB-9BF5-FE349DB9D8D0}"/>
+              </a:ext>
+            </a:extLst>
+          </p:cNvPr>
+          <p:cNvCxnSpPr>
+            <a:cxnSpLocks/>
+          </p:cNvCxnSpPr>
+          <p:nvPr/>
+        </p:nvCxnSpPr>
+        <p:spPr>
+          <a:xfrm>
+            <a:off x="10564743" y="6181520"/>
+            <a:ext cx="804296" cy="0"/>
+          </a:xfrm>
+          <a:prstGeom prst="straightConnector1">
+            <a:avLst/>
+          </a:prstGeom>
+          <a:ln w="19050">
+            <a:tailEnd type="triangle"/>
+          </a:ln>
+        </p:spPr>
+        <p:style>
+          <a:lnRef idx="1">
+            <a:schemeClr val="accent1"/>
+          </a:lnRef>
+          <a:fillRef idx="0">
+            <a:schemeClr val="accent1"/>
+          </a:fillRef>
+          <a:effectRef idx="0">
+            <a:schemeClr val="accent1"/>
+          </a:effectRef>
+          <a:fontRef idx="minor">
+            <a:schemeClr val="tx1"/>
+          </a:fontRef>
+        </p:style>
+      </p:cxnSp>
+      <p:sp>
+        <p:nvSpPr>
+          <p:cNvPr id="122" name="TextBox 121">
+            <a:extLst>
+              <a:ext uri="{FF2B5EF4-FFF2-40B4-BE49-F238E27FC236}">
+                <a16:creationId xmlns:a16="http://schemas.microsoft.com/office/drawing/2014/main" id="{FAD506AE-F275-41B3-84A7-E9C525124D10}"/>
+              </a:ext>
+            </a:extLst>
+          </p:cNvPr>
+          <p:cNvSpPr txBox="1"/>
+          <p:nvPr/>
+        </p:nvSpPr>
+        <p:spPr>
+          <a:xfrm>
+            <a:off x="10525910" y="5989704"/>
+            <a:ext cx="700833" cy="230832"/>
+          </a:xfrm>
+          <a:prstGeom prst="rect">
+            <a:avLst/>
+          </a:prstGeom>
+          <a:noFill/>
+        </p:spPr>
+        <p:txBody>
+          <a:bodyPr wrap="none" rtlCol="0">
+            <a:spAutoFit/>
+          </a:bodyPr>
+          <a:lstStyle/>
+          <a:p>
+            <a:pPr marL="0" marR="0" lvl="0" indent="0" algn="ctr" defTabSz="914400" rtl="0" eaLnBrk="1" fontAlgn="auto" latinLnBrk="0" hangingPunct="1">
+              <a:lnSpc>
+                <a:spcPct val="100000"/>
+              </a:lnSpc>
+              <a:spcBef>
+                <a:spcPts val="0"/>
+              </a:spcBef>
+              <a:spcAft>
+                <a:spcPts val="0"/>
+              </a:spcAft>
+              <a:buClrTx/>
+              <a:buSzTx/>
+              <a:buFontTx/>
+              <a:buNone/>
+              <a:tabLst/>
+              <a:defRPr/>
+            </a:pPr>
+            <a:r>
+              <a:rPr kumimoji="0" lang="nl-NL" sz="900" b="0" i="0" u="none" strike="noStrike" kern="1200" cap="none" spc="0" normalizeH="0" baseline="0" noProof="0" dirty="0" err="1">
+                <a:ln>
+                  <a:noFill/>
+                </a:ln>
+                <a:solidFill>
+                  <a:prstClr val="black"/>
+                </a:solidFill>
+                <a:effectLst/>
+                <a:uLnTx/>
+                <a:uFillTx/>
+                <a:latin typeface="Calibri" panose="020F0502020204030204"/>
+                <a:ea typeface="+mn-ea"/>
+                <a:cs typeface="+mn-cs"/>
+              </a:rPr>
+              <a:t>Send</a:t>
+            </a:r>
+            <a:r>
+              <a:rPr kumimoji="0" lang="nl-NL" sz="900" b="0" i="0" u="none" strike="noStrike" kern="1200" cap="none" spc="0" normalizeH="0" baseline="0" noProof="0" dirty="0">
+                <a:ln>
+                  <a:noFill/>
+                </a:ln>
+                <a:solidFill>
+                  <a:prstClr val="black"/>
+                </a:solidFill>
+                <a:effectLst/>
+                <a:uLnTx/>
+                <a:uFillTx/>
+                <a:latin typeface="Calibri" panose="020F0502020204030204"/>
+                <a:ea typeface="+mn-ea"/>
+                <a:cs typeface="+mn-cs"/>
+              </a:rPr>
+              <a:t> Email</a:t>
+            </a:r>
+          </a:p>
+        </p:txBody>
+      </p:sp>
+      <p:sp>
+        <p:nvSpPr>
+          <p:cNvPr id="123" name="Cloud 122">
+            <a:extLst>
+              <a:ext uri="{FF2B5EF4-FFF2-40B4-BE49-F238E27FC236}">
+                <a16:creationId xmlns:a16="http://schemas.microsoft.com/office/drawing/2014/main" id="{F9E540BC-D5F8-449D-BE3F-B00A221D0F33}"/>
+              </a:ext>
+            </a:extLst>
+          </p:cNvPr>
+          <p:cNvSpPr/>
+          <p:nvPr/>
+        </p:nvSpPr>
+        <p:spPr>
+          <a:xfrm>
+            <a:off x="11368629" y="5979329"/>
+            <a:ext cx="504594" cy="365489"/>
+          </a:xfrm>
+          <a:prstGeom prst="cloud">
+            <a:avLst/>
+          </a:prstGeom>
+          <a:solidFill>
+            <a:schemeClr val="bg1">
+              <a:lumMod val="85000"/>
+            </a:schemeClr>
+          </a:solidFill>
+          <a:ln>
+            <a:solidFill>
+              <a:schemeClr val="tx1"/>
+            </a:solidFill>
+          </a:ln>
+        </p:spPr>
+        <p:style>
+          <a:lnRef idx="2">
+            <a:schemeClr val="accent1">
+              <a:shade val="50000"/>
+            </a:schemeClr>
+          </a:lnRef>
+          <a:fillRef idx="1">
+            <a:schemeClr val="accent1"/>
+          </a:fillRef>
+          <a:effectRef idx="0">
+            <a:schemeClr val="accent1"/>
+          </a:effectRef>
+          <a:fontRef idx="minor">
+            <a:schemeClr val="lt1"/>
+          </a:fontRef>
+        </p:style>
+        <p:txBody>
+          <a:bodyPr rtlCol="0" anchor="ctr"/>
+          <a:lstStyle/>
+          <a:p>
+            <a:pPr marL="0" marR="0" lvl="0" indent="0" algn="ctr" defTabSz="914400" rtl="0" eaLnBrk="1" fontAlgn="auto" latinLnBrk="0" hangingPunct="1">
+              <a:lnSpc>
+                <a:spcPct val="100000"/>
+              </a:lnSpc>
+              <a:spcBef>
+                <a:spcPts val="0"/>
+              </a:spcBef>
+              <a:spcAft>
+                <a:spcPts val="0"/>
+              </a:spcAft>
+              <a:buClrTx/>
+              <a:buSzTx/>
+              <a:buFontTx/>
+              <a:buNone/>
+              <a:tabLst/>
+              <a:defRPr/>
+            </a:pPr>
+            <a:endParaRPr kumimoji="0" lang="en-US" sz="1400" b="0" i="0" u="none" strike="noStrike" kern="1200" cap="none" spc="0" normalizeH="0" baseline="0" noProof="0">
+              <a:ln>
+                <a:noFill/>
+              </a:ln>
+              <a:solidFill>
+                <a:prstClr val="white"/>
+              </a:solidFill>
+              <a:effectLst/>
+              <a:uLnTx/>
+              <a:uFillTx/>
+              <a:latin typeface="Calibri" panose="020F0502020204030204"/>
+              <a:ea typeface="+mn-ea"/>
+              <a:cs typeface="+mn-cs"/>
+            </a:endParaRPr>
+          </a:p>
+        </p:txBody>
+      </p:sp>
     </p:spTree>
     <p:extLst>
       <p:ext uri="{BB962C8B-B14F-4D97-AF65-F5344CB8AC3E}">

--- a/Figures.pptx
+++ b/Figures.pptx
@@ -23846,8 +23846,8 @@
         </p:nvSpPr>
         <p:spPr>
           <a:xfrm>
-            <a:off x="203920" y="361816"/>
-            <a:ext cx="11784159" cy="6134367"/>
+            <a:off x="428492" y="361816"/>
+            <a:ext cx="11335015" cy="6134367"/>
           </a:xfrm>
           <a:prstGeom prst="rect">
             <a:avLst/>
@@ -23898,7 +23898,7 @@
         </p:nvSpPr>
         <p:spPr>
           <a:xfrm>
-            <a:off x="7861195" y="5275570"/>
+            <a:off x="8085766" y="5275570"/>
             <a:ext cx="1420582" cy="230832"/>
           </a:xfrm>
           <a:prstGeom prst="rect">
@@ -24028,7 +24028,7 @@
         </p:nvSpPr>
         <p:spPr>
           <a:xfrm>
-            <a:off x="486680" y="474644"/>
+            <a:off x="711251" y="474644"/>
             <a:ext cx="1099991" cy="1270301"/>
           </a:xfrm>
           <a:prstGeom prst="roundRect">
@@ -24158,7 +24158,7 @@
         </p:nvSpPr>
         <p:spPr>
           <a:xfrm>
-            <a:off x="7268213" y="474644"/>
+            <a:off x="7492784" y="474644"/>
             <a:ext cx="1185965" cy="1270301"/>
           </a:xfrm>
           <a:prstGeom prst="roundRect">
@@ -24288,7 +24288,7 @@
         </p:nvSpPr>
         <p:spPr>
           <a:xfrm>
-            <a:off x="8933152" y="474644"/>
+            <a:off x="8956900" y="474644"/>
             <a:ext cx="1185965" cy="1270301"/>
           </a:xfrm>
           <a:prstGeom prst="roundRect">
@@ -24452,7 +24452,7 @@
         </p:nvSpPr>
         <p:spPr>
           <a:xfrm>
-            <a:off x="3082517" y="474644"/>
+            <a:off x="3307088" y="474644"/>
             <a:ext cx="2033390" cy="1270301"/>
           </a:xfrm>
           <a:prstGeom prst="roundRect">
@@ -24585,7 +24585,7 @@
         </p:nvSpPr>
         <p:spPr>
           <a:xfrm>
-            <a:off x="3188081" y="880936"/>
+            <a:off x="3412652" y="880936"/>
             <a:ext cx="748733" cy="748733"/>
           </a:xfrm>
           <a:prstGeom prst="ellipse">
@@ -24702,7 +24702,7 @@
         </p:nvSpPr>
         <p:spPr>
           <a:xfrm>
-            <a:off x="9182324" y="880936"/>
+            <a:off x="9206072" y="880936"/>
             <a:ext cx="748733" cy="748733"/>
           </a:xfrm>
           <a:prstGeom prst="ellipse">
@@ -24821,7 +24821,7 @@
         </p:nvSpPr>
         <p:spPr>
           <a:xfrm>
-            <a:off x="7527307" y="880936"/>
+            <a:off x="7751878" y="880936"/>
             <a:ext cx="748733" cy="748733"/>
           </a:xfrm>
           <a:prstGeom prst="ellipse">
@@ -24940,7 +24940,7 @@
         </p:nvSpPr>
         <p:spPr>
           <a:xfrm>
-            <a:off x="4195512" y="880936"/>
+            <a:off x="4420083" y="880936"/>
             <a:ext cx="748733" cy="748733"/>
           </a:xfrm>
           <a:prstGeom prst="ellipse">
@@ -25057,7 +25057,7 @@
         </p:nvSpPr>
         <p:spPr>
           <a:xfrm>
-            <a:off x="653064" y="880936"/>
+            <a:off x="877635" y="880936"/>
             <a:ext cx="748733" cy="748733"/>
           </a:xfrm>
           <a:prstGeom prst="ellipse">
@@ -25188,7 +25188,7 @@
         </p:nvCxnSpPr>
         <p:spPr>
           <a:xfrm>
-            <a:off x="1027431" y="1629669"/>
+            <a:off x="1252002" y="1629669"/>
             <a:ext cx="0" cy="4720196"/>
           </a:xfrm>
           <a:prstGeom prst="line">
@@ -25231,7 +25231,7 @@
         </p:nvCxnSpPr>
         <p:spPr>
           <a:xfrm>
-            <a:off x="1042588" y="2110455"/>
+            <a:off x="1267159" y="2110455"/>
             <a:ext cx="1244246" cy="0"/>
           </a:xfrm>
           <a:prstGeom prst="straightConnector1">
@@ -25270,7 +25270,7 @@
         </p:nvSpPr>
         <p:spPr>
           <a:xfrm>
-            <a:off x="1167168" y="1895064"/>
+            <a:off x="1391739" y="1895064"/>
             <a:ext cx="1031051" cy="230832"/>
           </a:xfrm>
           <a:prstGeom prst="rect">
@@ -25351,7 +25351,7 @@
         </p:nvCxnSpPr>
         <p:spPr>
           <a:xfrm>
-            <a:off x="3562447" y="1629669"/>
+            <a:off x="3787018" y="1629669"/>
             <a:ext cx="0" cy="4731452"/>
           </a:xfrm>
           <a:prstGeom prst="line">
@@ -25395,7 +25395,7 @@
         </p:nvCxnSpPr>
         <p:spPr>
           <a:xfrm flipH="1">
-            <a:off x="9529666" y="1629669"/>
+            <a:off x="9553414" y="1629669"/>
             <a:ext cx="27025" cy="4742706"/>
           </a:xfrm>
           <a:prstGeom prst="line">
@@ -25438,7 +25438,7 @@
         </p:nvCxnSpPr>
         <p:spPr>
           <a:xfrm>
-            <a:off x="4573026" y="1629669"/>
+            <a:off x="4797597" y="1629669"/>
             <a:ext cx="0" cy="4715151"/>
           </a:xfrm>
           <a:prstGeom prst="line">
@@ -25482,7 +25482,7 @@
         </p:nvCxnSpPr>
         <p:spPr>
           <a:xfrm>
-            <a:off x="7901675" y="1629669"/>
+            <a:off x="8126246" y="1629669"/>
             <a:ext cx="0" cy="4715151"/>
           </a:xfrm>
           <a:prstGeom prst="line">
@@ -25523,7 +25523,7 @@
         </p:nvSpPr>
         <p:spPr>
           <a:xfrm>
-            <a:off x="4720312" y="4208847"/>
+            <a:off x="4944883" y="4208847"/>
             <a:ext cx="1116011" cy="230832"/>
           </a:xfrm>
           <a:prstGeom prst="rect">
@@ -25641,7 +25641,7 @@
         </p:nvCxnSpPr>
         <p:spPr>
           <a:xfrm>
-            <a:off x="1042588" y="2908827"/>
+            <a:off x="1267159" y="2908827"/>
             <a:ext cx="1244246" cy="0"/>
           </a:xfrm>
           <a:prstGeom prst="straightConnector1">
@@ -25680,7 +25680,7 @@
         </p:nvSpPr>
         <p:spPr>
           <a:xfrm>
-            <a:off x="1167168" y="2693435"/>
+            <a:off x="1391739" y="2693435"/>
             <a:ext cx="1031051" cy="230832"/>
           </a:xfrm>
           <a:prstGeom prst="rect">
@@ -25761,8 +25761,8 @@
         </p:nvCxnSpPr>
         <p:spPr>
           <a:xfrm>
-            <a:off x="7903133" y="5468245"/>
-            <a:ext cx="1628415" cy="0"/>
+            <a:off x="8127704" y="5468245"/>
+            <a:ext cx="1425710" cy="0"/>
           </a:xfrm>
           <a:prstGeom prst="straightConnector1">
             <a:avLst/>
@@ -25802,8 +25802,8 @@
         </p:nvCxnSpPr>
         <p:spPr>
           <a:xfrm>
-            <a:off x="7908166" y="5599071"/>
-            <a:ext cx="1623383" cy="0"/>
+            <a:off x="8132737" y="5599071"/>
+            <a:ext cx="1420677" cy="0"/>
           </a:xfrm>
           <a:prstGeom prst="straightConnector1">
             <a:avLst/>
@@ -25843,7 +25843,7 @@
         </p:nvSpPr>
         <p:spPr>
           <a:xfrm>
-            <a:off x="5487395" y="880936"/>
+            <a:off x="5711966" y="880936"/>
             <a:ext cx="748733" cy="748733"/>
           </a:xfrm>
           <a:prstGeom prst="ellipse">
@@ -25932,7 +25932,7 @@
         </p:nvCxnSpPr>
         <p:spPr>
           <a:xfrm>
-            <a:off x="5861762" y="1629669"/>
+            <a:off x="6086333" y="1629669"/>
             <a:ext cx="0" cy="4715151"/>
           </a:xfrm>
           <a:prstGeom prst="line">
@@ -25975,7 +25975,7 @@
         </p:nvCxnSpPr>
         <p:spPr>
           <a:xfrm>
-            <a:off x="3562447" y="2551703"/>
+            <a:off x="3787018" y="2551703"/>
             <a:ext cx="2292787" cy="0"/>
           </a:xfrm>
           <a:prstGeom prst="straightConnector1">
@@ -26014,7 +26014,7 @@
         </p:nvSpPr>
         <p:spPr>
           <a:xfrm>
-            <a:off x="3537569" y="2319772"/>
+            <a:off x="3762140" y="2319772"/>
             <a:ext cx="1047082" cy="230832"/>
           </a:xfrm>
           <a:prstGeom prst="rect">
@@ -26110,7 +26110,7 @@
         </p:nvGrpSpPr>
         <p:grpSpPr>
           <a:xfrm>
-            <a:off x="1055088" y="1959261"/>
+            <a:off x="1279659" y="1959261"/>
             <a:ext cx="144135" cy="102007"/>
             <a:chOff x="10585174" y="1490390"/>
             <a:chExt cx="407492" cy="286109"/>
@@ -26302,7 +26302,7 @@
         </p:nvCxnSpPr>
         <p:spPr>
           <a:xfrm>
-            <a:off x="4590906" y="3579085"/>
+            <a:off x="4815477" y="3579085"/>
             <a:ext cx="1264328" cy="0"/>
           </a:xfrm>
           <a:prstGeom prst="straightConnector1">
@@ -26341,7 +26341,7 @@
         </p:nvSpPr>
         <p:spPr>
           <a:xfrm>
-            <a:off x="4549489" y="3371963"/>
+            <a:off x="4774060" y="3371963"/>
             <a:ext cx="965329" cy="230832"/>
           </a:xfrm>
           <a:prstGeom prst="rect">
@@ -26439,7 +26439,7 @@
         </p:nvCxnSpPr>
         <p:spPr>
           <a:xfrm>
-            <a:off x="4579219" y="3710830"/>
+            <a:off x="4803790" y="3710830"/>
             <a:ext cx="1276016" cy="0"/>
           </a:xfrm>
           <a:prstGeom prst="straightConnector1">
@@ -26482,7 +26482,7 @@
         </p:nvCxnSpPr>
         <p:spPr>
           <a:xfrm flipH="1">
-            <a:off x="4579220" y="4563584"/>
+            <a:off x="4803791" y="4563584"/>
             <a:ext cx="2120412" cy="0"/>
           </a:xfrm>
           <a:prstGeom prst="straightConnector1">
@@ -26522,7 +26522,7 @@
         </p:nvSpPr>
         <p:spPr>
           <a:xfrm>
-            <a:off x="4714712" y="4356462"/>
+            <a:off x="4939283" y="4356462"/>
             <a:ext cx="1040670" cy="230832"/>
           </a:xfrm>
           <a:prstGeom prst="rect">
@@ -26601,7 +26601,7 @@
         </p:nvGrpSpPr>
         <p:grpSpPr>
           <a:xfrm>
-            <a:off x="1063896" y="2760660"/>
+            <a:off x="1288467" y="2760660"/>
             <a:ext cx="144135" cy="102007"/>
             <a:chOff x="10585174" y="1490390"/>
             <a:chExt cx="407492" cy="286109"/>
@@ -26791,7 +26791,7 @@
         </p:nvGrpSpPr>
         <p:grpSpPr>
           <a:xfrm>
-            <a:off x="4579223" y="3895422"/>
+            <a:off x="4803794" y="3895422"/>
             <a:ext cx="265229" cy="229774"/>
             <a:chOff x="4738943" y="4803764"/>
             <a:chExt cx="361377" cy="259267"/>
@@ -26938,7 +26938,7 @@
         </p:nvSpPr>
         <p:spPr>
           <a:xfrm>
-            <a:off x="4808000" y="3808906"/>
+            <a:off x="5032571" y="3808906"/>
             <a:ext cx="1050288" cy="369332"/>
           </a:xfrm>
           <a:prstGeom prst="rect">
@@ -27087,7 +27087,7 @@
         </p:nvGrpSpPr>
         <p:grpSpPr>
           <a:xfrm>
-            <a:off x="7907125" y="4919201"/>
+            <a:off x="8131696" y="4919201"/>
             <a:ext cx="265229" cy="229774"/>
             <a:chOff x="4738943" y="4803764"/>
             <a:chExt cx="361377" cy="259267"/>
@@ -27234,7 +27234,7 @@
         </p:nvSpPr>
         <p:spPr>
           <a:xfrm>
-            <a:off x="8112476" y="4921785"/>
+            <a:off x="8337047" y="4921785"/>
             <a:ext cx="838691" cy="230832"/>
           </a:xfrm>
           <a:prstGeom prst="rect">
@@ -27318,7 +27318,7 @@
         </p:nvCxnSpPr>
         <p:spPr>
           <a:xfrm>
-            <a:off x="7899724" y="5956490"/>
+            <a:off x="8124295" y="5956490"/>
             <a:ext cx="2662877" cy="0"/>
           </a:xfrm>
           <a:prstGeom prst="straightConnector1">
@@ -27357,7 +27357,7 @@
         </p:nvSpPr>
         <p:spPr>
           <a:xfrm>
-            <a:off x="7893037" y="5731458"/>
+            <a:off x="8117608" y="5731458"/>
             <a:ext cx="853119" cy="230832"/>
           </a:xfrm>
           <a:prstGeom prst="rect">
@@ -27436,7 +27436,7 @@
         </p:nvSpPr>
         <p:spPr>
           <a:xfrm>
-            <a:off x="1912467" y="880936"/>
+            <a:off x="2137038" y="880936"/>
             <a:ext cx="748733" cy="748733"/>
           </a:xfrm>
           <a:prstGeom prst="ellipse">
@@ -27531,7 +27531,7 @@
         </p:nvCxnSpPr>
         <p:spPr>
           <a:xfrm>
-            <a:off x="2286834" y="1629669"/>
+            <a:off x="2511405" y="1629669"/>
             <a:ext cx="0" cy="4731451"/>
           </a:xfrm>
           <a:prstGeom prst="line">
@@ -27574,7 +27574,7 @@
         </p:nvCxnSpPr>
         <p:spPr>
           <a:xfrm>
-            <a:off x="2286834" y="2348626"/>
+            <a:off x="2511405" y="2348626"/>
             <a:ext cx="1275614" cy="0"/>
           </a:xfrm>
           <a:prstGeom prst="straightConnector1">
@@ -27614,7 +27614,7 @@
         </p:nvSpPr>
         <p:spPr>
           <a:xfrm>
-            <a:off x="2437396" y="2148403"/>
+            <a:off x="2661967" y="2148403"/>
             <a:ext cx="1031051" cy="230832"/>
           </a:xfrm>
           <a:prstGeom prst="rect">
@@ -27693,7 +27693,7 @@
         </p:nvGrpSpPr>
         <p:grpSpPr>
           <a:xfrm>
-            <a:off x="2335106" y="2212601"/>
+            <a:off x="2559677" y="2212601"/>
             <a:ext cx="144135" cy="102007"/>
             <a:chOff x="10585174" y="1490390"/>
             <a:chExt cx="407492" cy="286109"/>
@@ -27885,7 +27885,7 @@
         </p:nvCxnSpPr>
         <p:spPr>
           <a:xfrm>
-            <a:off x="2286834" y="3213261"/>
+            <a:off x="2511405" y="3213261"/>
             <a:ext cx="2259316" cy="0"/>
           </a:xfrm>
           <a:prstGeom prst="straightConnector1">
@@ -27925,7 +27925,7 @@
         </p:nvSpPr>
         <p:spPr>
           <a:xfrm>
-            <a:off x="2458394" y="3013038"/>
+            <a:off x="2682965" y="3013038"/>
             <a:ext cx="1031051" cy="230832"/>
           </a:xfrm>
           <a:prstGeom prst="rect">
@@ -28004,7 +28004,7 @@
         </p:nvGrpSpPr>
         <p:grpSpPr>
           <a:xfrm>
-            <a:off x="2337064" y="3077236"/>
+            <a:off x="2561635" y="3077236"/>
             <a:ext cx="144135" cy="102007"/>
             <a:chOff x="10585174" y="1490390"/>
             <a:chExt cx="407492" cy="286109"/>
@@ -28194,7 +28194,7 @@
         </p:nvGrpSpPr>
         <p:grpSpPr>
           <a:xfrm>
-            <a:off x="4612004" y="4419820"/>
+            <a:off x="4836575" y="4419820"/>
             <a:ext cx="144135" cy="102007"/>
             <a:chOff x="10585174" y="1490390"/>
             <a:chExt cx="407492" cy="286109"/>
@@ -28386,7 +28386,7 @@
         </p:nvCxnSpPr>
         <p:spPr>
           <a:xfrm flipH="1">
-            <a:off x="6707457" y="4822048"/>
+            <a:off x="6932028" y="4822048"/>
             <a:ext cx="1192265" cy="0"/>
           </a:xfrm>
           <a:prstGeom prst="straightConnector1">
@@ -28426,7 +28426,7 @@
         </p:nvSpPr>
         <p:spPr>
           <a:xfrm>
-            <a:off x="6843976" y="4590117"/>
+            <a:off x="7068547" y="4590117"/>
             <a:ext cx="1040670" cy="230832"/>
           </a:xfrm>
           <a:prstGeom prst="rect">
@@ -28505,7 +28505,7 @@
         </p:nvGrpSpPr>
         <p:grpSpPr>
           <a:xfrm>
-            <a:off x="6741268" y="4653476"/>
+            <a:off x="6965839" y="4653476"/>
             <a:ext cx="144135" cy="102007"/>
             <a:chOff x="10585174" y="1490390"/>
             <a:chExt cx="407492" cy="286109"/>
@@ -28695,7 +28695,7 @@
         </p:nvSpPr>
         <p:spPr>
           <a:xfrm>
-            <a:off x="6325266" y="880936"/>
+            <a:off x="6549837" y="880936"/>
             <a:ext cx="748733" cy="748733"/>
           </a:xfrm>
           <a:prstGeom prst="ellipse">
@@ -28798,7 +28798,7 @@
         </p:nvCxnSpPr>
         <p:spPr>
           <a:xfrm>
-            <a:off x="6699633" y="1629669"/>
+            <a:off x="6924204" y="1629669"/>
             <a:ext cx="0" cy="4715151"/>
           </a:xfrm>
           <a:prstGeom prst="line">
@@ -28856,7 +28856,7 @@
         </p:blipFill>
         <p:spPr>
           <a:xfrm>
-            <a:off x="5707049" y="1056730"/>
+            <a:off x="5931620" y="1056730"/>
             <a:ext cx="287045" cy="246629"/>
           </a:xfrm>
           <a:prstGeom prst="rect">
@@ -28892,7 +28892,7 @@
         </p:blipFill>
         <p:spPr>
           <a:xfrm>
-            <a:off x="2123184" y="1076605"/>
+            <a:off x="2347755" y="1076605"/>
             <a:ext cx="319133" cy="236123"/>
           </a:xfrm>
           <a:prstGeom prst="rect">
@@ -28928,7 +28928,7 @@
         </p:blipFill>
         <p:spPr>
           <a:xfrm>
-            <a:off x="6597847" y="1062504"/>
+            <a:off x="6822418" y="1062504"/>
             <a:ext cx="236104" cy="249876"/>
           </a:xfrm>
           <a:prstGeom prst="rect">
@@ -28950,7 +28950,7 @@
         </p:nvSpPr>
         <p:spPr>
           <a:xfrm>
-            <a:off x="10213377" y="880936"/>
+            <a:off x="10237125" y="880936"/>
             <a:ext cx="748733" cy="748733"/>
           </a:xfrm>
           <a:prstGeom prst="ellipse">
@@ -29039,7 +29039,7 @@
         </p:nvCxnSpPr>
         <p:spPr>
           <a:xfrm flipH="1">
-            <a:off x="10560847" y="1629669"/>
+            <a:off x="10584595" y="1629669"/>
             <a:ext cx="26897" cy="4720195"/>
           </a:xfrm>
           <a:prstGeom prst="line">
@@ -29080,7 +29080,7 @@
         </p:nvSpPr>
         <p:spPr>
           <a:xfrm>
-            <a:off x="766020" y="2122576"/>
+            <a:off x="990591" y="2122576"/>
             <a:ext cx="175899" cy="786249"/>
           </a:xfrm>
           <a:prstGeom prst="leftBrace">
@@ -29127,7 +29127,7 @@
         </p:nvSpPr>
         <p:spPr>
           <a:xfrm>
-            <a:off x="203920" y="2288218"/>
+            <a:off x="428491" y="2288218"/>
             <a:ext cx="577402" cy="369332"/>
           </a:xfrm>
           <a:prstGeom prst="rect">
@@ -29236,8 +29236,8 @@
         </p:nvCxnSpPr>
         <p:spPr>
           <a:xfrm>
-            <a:off x="10564743" y="6181520"/>
-            <a:ext cx="804296" cy="0"/>
+            <a:off x="10588491" y="6257021"/>
+            <a:ext cx="650119" cy="0"/>
           </a:xfrm>
           <a:prstGeom prst="straightConnector1">
             <a:avLst/>
@@ -29275,8 +29275,8 @@
         </p:nvSpPr>
         <p:spPr>
           <a:xfrm>
-            <a:off x="10525910" y="5989704"/>
-            <a:ext cx="700833" cy="230832"/>
+            <a:off x="10537776" y="6037761"/>
+            <a:ext cx="700834" cy="230832"/>
           </a:xfrm>
           <a:prstGeom prst="rect">
             <a:avLst/>
@@ -29338,7 +29338,7 @@
                 <a:ea typeface="+mn-ea"/>
                 <a:cs typeface="+mn-cs"/>
               </a:rPr>
-              <a:t> Email</a:t>
+              <a:t> email</a:t>
             </a:r>
           </a:p>
         </p:txBody>
@@ -29357,8 +29357,8 @@
         </p:nvSpPr>
         <p:spPr>
           <a:xfrm>
-            <a:off x="11368629" y="5979329"/>
-            <a:ext cx="504594" cy="365489"/>
+            <a:off x="11240825" y="6098796"/>
+            <a:ext cx="404654" cy="293100"/>
           </a:xfrm>
           <a:prstGeom prst="cloud">
             <a:avLst/>

--- a/Figures.pptx
+++ b/Figures.pptx
@@ -202,7 +202,7 @@
           <a:p>
             <a:fld id="{FBE30875-4028-481A-8091-6EDB19798FA1}" type="datetimeFigureOut">
               <a:rPr lang="en-NL" smtClean="0"/>
-              <a:t>01/03/2021</a:t>
+              <a:t>09/03/2021</a:t>
             </a:fld>
             <a:endParaRPr lang="en-NL"/>
           </a:p>
@@ -907,7 +907,7 @@
           <a:p>
             <a:fld id="{766785BB-7706-4DEE-A3EF-8F6193F80700}" type="datetimeFigureOut">
               <a:rPr lang="en-NL" smtClean="0"/>
-              <a:t>01/03/2021</a:t>
+              <a:t>09/03/2021</a:t>
             </a:fld>
             <a:endParaRPr lang="en-NL"/>
           </a:p>
@@ -1107,7 +1107,7 @@
           <a:p>
             <a:fld id="{766785BB-7706-4DEE-A3EF-8F6193F80700}" type="datetimeFigureOut">
               <a:rPr lang="en-NL" smtClean="0"/>
-              <a:t>01/03/2021</a:t>
+              <a:t>09/03/2021</a:t>
             </a:fld>
             <a:endParaRPr lang="en-NL"/>
           </a:p>
@@ -1317,7 +1317,7 @@
           <a:p>
             <a:fld id="{766785BB-7706-4DEE-A3EF-8F6193F80700}" type="datetimeFigureOut">
               <a:rPr lang="en-NL" smtClean="0"/>
-              <a:t>01/03/2021</a:t>
+              <a:t>09/03/2021</a:t>
             </a:fld>
             <a:endParaRPr lang="en-NL"/>
           </a:p>
@@ -1539,7 +1539,7 @@
           <a:p>
             <a:fld id="{705B85CB-7326-4CDB-B6DC-66899E5F8844}" type="datetimeFigureOut">
               <a:rPr lang="nl-NL" smtClean="0"/>
-              <a:t>1-3-2021</a:t>
+              <a:t>9-3-2021</a:t>
             </a:fld>
             <a:endParaRPr lang="nl-NL"/>
           </a:p>
@@ -1739,7 +1739,7 @@
           <a:p>
             <a:fld id="{705B85CB-7326-4CDB-B6DC-66899E5F8844}" type="datetimeFigureOut">
               <a:rPr lang="nl-NL" smtClean="0"/>
-              <a:t>1-3-2021</a:t>
+              <a:t>9-3-2021</a:t>
             </a:fld>
             <a:endParaRPr lang="nl-NL"/>
           </a:p>
@@ -2015,7 +2015,7 @@
           <a:p>
             <a:fld id="{705B85CB-7326-4CDB-B6DC-66899E5F8844}" type="datetimeFigureOut">
               <a:rPr lang="nl-NL" smtClean="0"/>
-              <a:t>1-3-2021</a:t>
+              <a:t>9-3-2021</a:t>
             </a:fld>
             <a:endParaRPr lang="nl-NL"/>
           </a:p>
@@ -2283,7 +2283,7 @@
           <a:p>
             <a:fld id="{705B85CB-7326-4CDB-B6DC-66899E5F8844}" type="datetimeFigureOut">
               <a:rPr lang="nl-NL" smtClean="0"/>
-              <a:t>1-3-2021</a:t>
+              <a:t>9-3-2021</a:t>
             </a:fld>
             <a:endParaRPr lang="nl-NL"/>
           </a:p>
@@ -2698,7 +2698,7 @@
           <a:p>
             <a:fld id="{705B85CB-7326-4CDB-B6DC-66899E5F8844}" type="datetimeFigureOut">
               <a:rPr lang="nl-NL" smtClean="0"/>
-              <a:t>1-3-2021</a:t>
+              <a:t>9-3-2021</a:t>
             </a:fld>
             <a:endParaRPr lang="nl-NL"/>
           </a:p>
@@ -2840,7 +2840,7 @@
           <a:p>
             <a:fld id="{705B85CB-7326-4CDB-B6DC-66899E5F8844}" type="datetimeFigureOut">
               <a:rPr lang="nl-NL" smtClean="0"/>
-              <a:t>1-3-2021</a:t>
+              <a:t>9-3-2021</a:t>
             </a:fld>
             <a:endParaRPr lang="nl-NL"/>
           </a:p>
@@ -2953,7 +2953,7 @@
           <a:p>
             <a:fld id="{705B85CB-7326-4CDB-B6DC-66899E5F8844}" type="datetimeFigureOut">
               <a:rPr lang="nl-NL" smtClean="0"/>
-              <a:t>1-3-2021</a:t>
+              <a:t>9-3-2021</a:t>
             </a:fld>
             <a:endParaRPr lang="nl-NL"/>
           </a:p>
@@ -3266,7 +3266,7 @@
           <a:p>
             <a:fld id="{705B85CB-7326-4CDB-B6DC-66899E5F8844}" type="datetimeFigureOut">
               <a:rPr lang="nl-NL" smtClean="0"/>
-              <a:t>1-3-2021</a:t>
+              <a:t>9-3-2021</a:t>
             </a:fld>
             <a:endParaRPr lang="nl-NL"/>
           </a:p>
@@ -3466,7 +3466,7 @@
           <a:p>
             <a:fld id="{766785BB-7706-4DEE-A3EF-8F6193F80700}" type="datetimeFigureOut">
               <a:rPr lang="en-NL" smtClean="0"/>
-              <a:t>01/03/2021</a:t>
+              <a:t>09/03/2021</a:t>
             </a:fld>
             <a:endParaRPr lang="en-NL"/>
           </a:p>
@@ -3755,7 +3755,7 @@
           <a:p>
             <a:fld id="{705B85CB-7326-4CDB-B6DC-66899E5F8844}" type="datetimeFigureOut">
               <a:rPr lang="nl-NL" smtClean="0"/>
-              <a:t>1-3-2021</a:t>
+              <a:t>9-3-2021</a:t>
             </a:fld>
             <a:endParaRPr lang="nl-NL"/>
           </a:p>
@@ -3955,7 +3955,7 @@
           <a:p>
             <a:fld id="{705B85CB-7326-4CDB-B6DC-66899E5F8844}" type="datetimeFigureOut">
               <a:rPr lang="nl-NL" smtClean="0"/>
-              <a:t>1-3-2021</a:t>
+              <a:t>9-3-2021</a:t>
             </a:fld>
             <a:endParaRPr lang="nl-NL"/>
           </a:p>
@@ -4165,7 +4165,7 @@
           <a:p>
             <a:fld id="{705B85CB-7326-4CDB-B6DC-66899E5F8844}" type="datetimeFigureOut">
               <a:rPr lang="nl-NL" smtClean="0"/>
-              <a:t>1-3-2021</a:t>
+              <a:t>9-3-2021</a:t>
             </a:fld>
             <a:endParaRPr lang="nl-NL"/>
           </a:p>
@@ -4441,7 +4441,7 @@
           <a:p>
             <a:fld id="{766785BB-7706-4DEE-A3EF-8F6193F80700}" type="datetimeFigureOut">
               <a:rPr lang="en-NL" smtClean="0"/>
-              <a:t>01/03/2021</a:t>
+              <a:t>09/03/2021</a:t>
             </a:fld>
             <a:endParaRPr lang="en-NL"/>
           </a:p>
@@ -4709,7 +4709,7 @@
           <a:p>
             <a:fld id="{766785BB-7706-4DEE-A3EF-8F6193F80700}" type="datetimeFigureOut">
               <a:rPr lang="en-NL" smtClean="0"/>
-              <a:t>01/03/2021</a:t>
+              <a:t>09/03/2021</a:t>
             </a:fld>
             <a:endParaRPr lang="en-NL"/>
           </a:p>
@@ -5124,7 +5124,7 @@
           <a:p>
             <a:fld id="{766785BB-7706-4DEE-A3EF-8F6193F80700}" type="datetimeFigureOut">
               <a:rPr lang="en-NL" smtClean="0"/>
-              <a:t>01/03/2021</a:t>
+              <a:t>09/03/2021</a:t>
             </a:fld>
             <a:endParaRPr lang="en-NL"/>
           </a:p>
@@ -5266,7 +5266,7 @@
           <a:p>
             <a:fld id="{766785BB-7706-4DEE-A3EF-8F6193F80700}" type="datetimeFigureOut">
               <a:rPr lang="en-NL" smtClean="0"/>
-              <a:t>01/03/2021</a:t>
+              <a:t>09/03/2021</a:t>
             </a:fld>
             <a:endParaRPr lang="en-NL"/>
           </a:p>
@@ -5379,7 +5379,7 @@
           <a:p>
             <a:fld id="{766785BB-7706-4DEE-A3EF-8F6193F80700}" type="datetimeFigureOut">
               <a:rPr lang="en-NL" smtClean="0"/>
-              <a:t>01/03/2021</a:t>
+              <a:t>09/03/2021</a:t>
             </a:fld>
             <a:endParaRPr lang="en-NL"/>
           </a:p>
@@ -5692,7 +5692,7 @@
           <a:p>
             <a:fld id="{766785BB-7706-4DEE-A3EF-8F6193F80700}" type="datetimeFigureOut">
               <a:rPr lang="en-NL" smtClean="0"/>
-              <a:t>01/03/2021</a:t>
+              <a:t>09/03/2021</a:t>
             </a:fld>
             <a:endParaRPr lang="en-NL"/>
           </a:p>
@@ -5981,7 +5981,7 @@
           <a:p>
             <a:fld id="{766785BB-7706-4DEE-A3EF-8F6193F80700}" type="datetimeFigureOut">
               <a:rPr lang="en-NL" smtClean="0"/>
-              <a:t>01/03/2021</a:t>
+              <a:t>09/03/2021</a:t>
             </a:fld>
             <a:endParaRPr lang="en-NL"/>
           </a:p>
@@ -6224,7 +6224,7 @@
           <a:p>
             <a:fld id="{766785BB-7706-4DEE-A3EF-8F6193F80700}" type="datetimeFigureOut">
               <a:rPr lang="en-NL" smtClean="0"/>
-              <a:t>01/03/2021</a:t>
+              <a:t>09/03/2021</a:t>
             </a:fld>
             <a:endParaRPr lang="en-NL"/>
           </a:p>
@@ -6794,7 +6794,7 @@
           <a:p>
             <a:fld id="{705B85CB-7326-4CDB-B6DC-66899E5F8844}" type="datetimeFigureOut">
               <a:rPr lang="nl-NL" smtClean="0"/>
-              <a:t>1-3-2021</a:t>
+              <a:t>9-3-2021</a:t>
             </a:fld>
             <a:endParaRPr lang="nl-NL"/>
           </a:p>
@@ -16188,7 +16188,7 @@
         <p:spPr>
           <a:xfrm>
             <a:off x="2095099" y="385011"/>
-            <a:ext cx="8001802" cy="6179418"/>
+            <a:ext cx="8189804" cy="6179418"/>
           </a:xfrm>
           <a:prstGeom prst="rect">
             <a:avLst/>
@@ -19472,8 +19472,8 @@
         </p:nvSpPr>
         <p:spPr>
           <a:xfrm>
-            <a:off x="2928010" y="5821168"/>
-            <a:ext cx="5591933" cy="572516"/>
+            <a:off x="2630364" y="5821168"/>
+            <a:ext cx="7036027" cy="572516"/>
           </a:xfrm>
           <a:prstGeom prst="roundRect">
             <a:avLst/>
@@ -19543,7 +19543,7 @@
         </p:nvSpPr>
         <p:spPr>
           <a:xfrm>
-            <a:off x="3111098" y="5903651"/>
+            <a:off x="2813452" y="5903651"/>
             <a:ext cx="173366" cy="173366"/>
           </a:xfrm>
           <a:prstGeom prst="ellipse">
@@ -19622,7 +19622,7 @@
         </p:nvSpPr>
         <p:spPr>
           <a:xfrm>
-            <a:off x="4944881" y="5903651"/>
+            <a:off x="4647235" y="5903651"/>
             <a:ext cx="173366" cy="173366"/>
           </a:xfrm>
           <a:prstGeom prst="ellipse">
@@ -19701,7 +19701,7 @@
         </p:nvSpPr>
         <p:spPr>
           <a:xfrm>
-            <a:off x="3284463" y="5859529"/>
+            <a:off x="2986817" y="5859529"/>
             <a:ext cx="1331965" cy="261610"/>
           </a:xfrm>
           <a:prstGeom prst="rect">
@@ -19788,7 +19788,7 @@
         </p:nvSpPr>
         <p:spPr>
           <a:xfrm>
-            <a:off x="5101833" y="5859529"/>
+            <a:off x="4804187" y="5859529"/>
             <a:ext cx="1331966" cy="261610"/>
           </a:xfrm>
           <a:prstGeom prst="rect">
@@ -19861,7 +19861,7 @@
         </p:nvSpPr>
         <p:spPr>
           <a:xfrm>
-            <a:off x="6794322" y="5903651"/>
+            <a:off x="6496676" y="5903651"/>
             <a:ext cx="173366" cy="173366"/>
           </a:xfrm>
           <a:prstGeom prst="ellipse">
@@ -19934,7 +19934,7 @@
         </p:nvSpPr>
         <p:spPr>
           <a:xfrm>
-            <a:off x="6951519" y="5859529"/>
+            <a:off x="6653873" y="5859529"/>
             <a:ext cx="1460915" cy="261610"/>
           </a:xfrm>
           <a:prstGeom prst="rect">
@@ -20007,7 +20007,7 @@
         </p:nvSpPr>
         <p:spPr>
           <a:xfrm>
-            <a:off x="3284464" y="6103514"/>
+            <a:off x="2986818" y="6103514"/>
             <a:ext cx="1460915" cy="261610"/>
           </a:xfrm>
           <a:prstGeom prst="rect">
@@ -20108,7 +20108,7 @@
         </p:nvSpPr>
         <p:spPr>
           <a:xfrm>
-            <a:off x="3111098" y="6147636"/>
+            <a:off x="2813452" y="6147636"/>
             <a:ext cx="173366" cy="173366"/>
           </a:xfrm>
           <a:prstGeom prst="ellipse">
@@ -20181,7 +20181,7 @@
         </p:nvSpPr>
         <p:spPr>
           <a:xfrm>
-            <a:off x="5101833" y="6103514"/>
+            <a:off x="4804187" y="6103514"/>
             <a:ext cx="1460915" cy="261610"/>
           </a:xfrm>
           <a:prstGeom prst="rect">
@@ -20254,7 +20254,7 @@
         </p:nvSpPr>
         <p:spPr>
           <a:xfrm>
-            <a:off x="4944636" y="6147636"/>
+            <a:off x="4646990" y="6147636"/>
             <a:ext cx="173366" cy="173366"/>
           </a:xfrm>
           <a:prstGeom prst="ellipse">
@@ -21009,7 +21009,7 @@
         </p:nvSpPr>
         <p:spPr>
           <a:xfrm>
-            <a:off x="6951335" y="6103514"/>
+            <a:off x="6653689" y="6103514"/>
             <a:ext cx="1460915" cy="261610"/>
           </a:xfrm>
           <a:prstGeom prst="rect">
@@ -21096,7 +21096,7 @@
         </p:nvSpPr>
         <p:spPr>
           <a:xfrm>
-            <a:off x="6794138" y="6147636"/>
+            <a:off x="6496492" y="6147636"/>
             <a:ext cx="173366" cy="173366"/>
           </a:xfrm>
           <a:prstGeom prst="ellipse">
@@ -21707,6 +21707,225 @@
                 </a:solidFill>
               </a:rPr>
               <a:t>6</a:t>
+            </a:r>
+            <a:endParaRPr kumimoji="0" lang="en-US" sz="1050" b="0" i="0" u="none" strike="noStrike" kern="0" cap="none" spc="0" normalizeH="0" baseline="0" noProof="0" dirty="0">
+              <a:ln>
+                <a:noFill/>
+              </a:ln>
+              <a:solidFill>
+                <a:prstClr val="white"/>
+              </a:solidFill>
+              <a:effectLst/>
+              <a:uLnTx/>
+              <a:uFillTx/>
+            </a:endParaRPr>
+          </a:p>
+        </p:txBody>
+      </p:sp>
+      <p:sp>
+        <p:nvSpPr>
+          <p:cNvPr id="74" name="TextBox 73">
+            <a:extLst>
+              <a:ext uri="{FF2B5EF4-FFF2-40B4-BE49-F238E27FC236}">
+                <a16:creationId xmlns:a16="http://schemas.microsoft.com/office/drawing/2014/main" id="{CA92D50C-6462-4F09-AF9D-EE2164EC1193}"/>
+              </a:ext>
+            </a:extLst>
+          </p:cNvPr>
+          <p:cNvSpPr txBox="1"/>
+          <p:nvPr/>
+        </p:nvSpPr>
+        <p:spPr>
+          <a:xfrm>
+            <a:off x="8487023" y="5865138"/>
+            <a:ext cx="1006452" cy="261610"/>
+          </a:xfrm>
+          <a:prstGeom prst="rect">
+            <a:avLst/>
+          </a:prstGeom>
+          <a:noFill/>
+        </p:spPr>
+        <p:txBody>
+          <a:bodyPr wrap="square" rtlCol="0">
+            <a:spAutoFit/>
+          </a:bodyPr>
+          <a:lstStyle/>
+          <a:p>
+            <a:pPr marL="0" marR="0" lvl="0" indent="0" defTabSz="914400" eaLnBrk="1" fontAlgn="auto" latinLnBrk="0" hangingPunct="1">
+              <a:lnSpc>
+                <a:spcPct val="100000"/>
+              </a:lnSpc>
+              <a:spcBef>
+                <a:spcPts val="0"/>
+              </a:spcBef>
+              <a:spcAft>
+                <a:spcPts val="0"/>
+              </a:spcAft>
+              <a:buClrTx/>
+              <a:buSzTx/>
+              <a:buFontTx/>
+              <a:buNone/>
+              <a:tabLst/>
+              <a:defRPr/>
+            </a:pPr>
+            <a:r>
+              <a:rPr kumimoji="0" lang="nl-NL" sz="1100" b="0" i="0" u="none" strike="noStrike" kern="0" cap="none" spc="0" normalizeH="0" baseline="0" noProof="0" dirty="0">
+                <a:ln>
+                  <a:noFill/>
+                </a:ln>
+                <a:solidFill>
+                  <a:prstClr val="black"/>
+                </a:solidFill>
+                <a:effectLst/>
+                <a:uLnTx/>
+                <a:uFillTx/>
+              </a:rPr>
+              <a:t>Actors</a:t>
+            </a:r>
+            <a:endParaRPr kumimoji="0" lang="en-US" sz="1100" b="0" i="0" u="none" strike="noStrike" kern="0" cap="none" spc="0" normalizeH="0" baseline="0" noProof="0" dirty="0">
+              <a:ln>
+                <a:noFill/>
+              </a:ln>
+              <a:solidFill>
+                <a:prstClr val="black"/>
+              </a:solidFill>
+              <a:effectLst/>
+              <a:uLnTx/>
+              <a:uFillTx/>
+            </a:endParaRPr>
+          </a:p>
+        </p:txBody>
+      </p:sp>
+      <p:sp>
+        <p:nvSpPr>
+          <p:cNvPr id="76" name="Oval 75">
+            <a:extLst>
+              <a:ext uri="{FF2B5EF4-FFF2-40B4-BE49-F238E27FC236}">
+                <a16:creationId xmlns:a16="http://schemas.microsoft.com/office/drawing/2014/main" id="{244B3D0B-552F-4E59-B6F9-8B528C1C8669}"/>
+              </a:ext>
+            </a:extLst>
+          </p:cNvPr>
+          <p:cNvSpPr/>
+          <p:nvPr/>
+        </p:nvSpPr>
+        <p:spPr>
+          <a:xfrm>
+            <a:off x="8329825" y="5909260"/>
+            <a:ext cx="173366" cy="173366"/>
+          </a:xfrm>
+          <a:prstGeom prst="ellipse">
+            <a:avLst/>
+          </a:prstGeom>
+          <a:solidFill>
+            <a:sysClr val="windowText" lastClr="000000"/>
+          </a:solidFill>
+          <a:ln w="12700" cap="flat" cmpd="sng" algn="ctr">
+            <a:noFill/>
+            <a:prstDash val="solid"/>
+            <a:miter lim="800000"/>
+          </a:ln>
+          <a:effectLst/>
+        </p:spPr>
+        <p:txBody>
+          <a:bodyPr rtlCol="0" anchor="ctr"/>
+          <a:lstStyle/>
+          <a:p>
+            <a:pPr marL="0" marR="0" lvl="0" indent="0" algn="ctr" defTabSz="914400" eaLnBrk="1" fontAlgn="auto" latinLnBrk="0" hangingPunct="1">
+              <a:lnSpc>
+                <a:spcPct val="100000"/>
+              </a:lnSpc>
+              <a:spcBef>
+                <a:spcPts val="0"/>
+              </a:spcBef>
+              <a:spcAft>
+                <a:spcPts val="0"/>
+              </a:spcAft>
+              <a:buClrTx/>
+              <a:buSzTx/>
+              <a:buFontTx/>
+              <a:buNone/>
+              <a:tabLst/>
+              <a:defRPr/>
+            </a:pPr>
+            <a:r>
+              <a:rPr lang="nl-NL" sz="1050" kern="0" noProof="0" dirty="0">
+                <a:solidFill>
+                  <a:prstClr val="white"/>
+                </a:solidFill>
+              </a:rPr>
+              <a:t>7</a:t>
+            </a:r>
+            <a:endParaRPr kumimoji="0" lang="en-US" sz="1050" b="0" i="0" u="none" strike="noStrike" kern="0" cap="none" spc="0" normalizeH="0" baseline="0" noProof="0" dirty="0">
+              <a:ln>
+                <a:noFill/>
+              </a:ln>
+              <a:solidFill>
+                <a:prstClr val="white"/>
+              </a:solidFill>
+              <a:effectLst/>
+              <a:uLnTx/>
+              <a:uFillTx/>
+            </a:endParaRPr>
+          </a:p>
+        </p:txBody>
+      </p:sp>
+      <p:sp>
+        <p:nvSpPr>
+          <p:cNvPr id="77" name="Oval 76">
+            <a:extLst>
+              <a:ext uri="{FF2B5EF4-FFF2-40B4-BE49-F238E27FC236}">
+                <a16:creationId xmlns:a16="http://schemas.microsoft.com/office/drawing/2014/main" id="{6B87DC33-8CFD-4817-8C2F-B82694329923}"/>
+              </a:ext>
+            </a:extLst>
+          </p:cNvPr>
+          <p:cNvSpPr/>
+          <p:nvPr/>
+        </p:nvSpPr>
+        <p:spPr>
+          <a:xfrm>
+            <a:off x="9666567" y="751226"/>
+            <a:ext cx="173366" cy="173366"/>
+          </a:xfrm>
+          <a:prstGeom prst="ellipse">
+            <a:avLst/>
+          </a:prstGeom>
+          <a:solidFill>
+            <a:sysClr val="windowText" lastClr="000000"/>
+          </a:solidFill>
+          <a:ln w="12700" cap="flat" cmpd="sng" algn="ctr">
+            <a:noFill/>
+            <a:prstDash val="solid"/>
+            <a:miter lim="800000"/>
+          </a:ln>
+          <a:effectLst/>
+        </p:spPr>
+        <p:txBody>
+          <a:bodyPr rtlCol="0" anchor="ctr"/>
+          <a:lstStyle/>
+          <a:p>
+            <a:pPr marL="0" marR="0" lvl="0" indent="0" algn="ctr" defTabSz="914400" eaLnBrk="1" fontAlgn="auto" latinLnBrk="0" hangingPunct="1">
+              <a:lnSpc>
+                <a:spcPct val="100000"/>
+              </a:lnSpc>
+              <a:spcBef>
+                <a:spcPts val="0"/>
+              </a:spcBef>
+              <a:spcAft>
+                <a:spcPts val="0"/>
+              </a:spcAft>
+              <a:buClrTx/>
+              <a:buSzTx/>
+              <a:buFontTx/>
+              <a:buNone/>
+              <a:tabLst/>
+              <a:defRPr/>
+            </a:pPr>
+            <a:r>
+              <a:rPr lang="nl-NL" sz="1050" kern="0" dirty="0">
+                <a:solidFill>
+                  <a:prstClr val="white"/>
+                </a:solidFill>
+              </a:rPr>
+              <a:t>7</a:t>
             </a:r>
             <a:endParaRPr kumimoji="0" lang="en-US" sz="1050" b="0" i="0" u="none" strike="noStrike" kern="0" cap="none" spc="0" normalizeH="0" baseline="0" noProof="0" dirty="0">
               <a:ln>
@@ -23744,6 +23963,129 @@
                                   </p:childTnLst>
                                 </p:cTn>
                               </p:par>
+                              <p:par>
+                                <p:cTn id="177" presetID="10" presetClass="entr" presetSubtype="0" fill="hold" grpId="0" nodeType="withEffect">
+                                  <p:stCondLst>
+                                    <p:cond delay="0"/>
+                                  </p:stCondLst>
+                                  <p:childTnLst>
+                                    <p:set>
+                                      <p:cBhvr>
+                                        <p:cTn id="178" dur="1" fill="hold">
+                                          <p:stCondLst>
+                                            <p:cond delay="0"/>
+                                          </p:stCondLst>
+                                        </p:cTn>
+                                        <p:tgtEl>
+                                          <p:spTgt spid="76"/>
+                                        </p:tgtEl>
+                                        <p:attrNameLst>
+                                          <p:attrName>style.visibility</p:attrName>
+                                        </p:attrNameLst>
+                                      </p:cBhvr>
+                                      <p:to>
+                                        <p:strVal val="visible"/>
+                                      </p:to>
+                                    </p:set>
+                                    <p:animEffect transition="in" filter="fade">
+                                      <p:cBhvr>
+                                        <p:cTn id="179" dur="500"/>
+                                        <p:tgtEl>
+                                          <p:spTgt spid="76"/>
+                                        </p:tgtEl>
+                                      </p:cBhvr>
+                                    </p:animEffect>
+                                  </p:childTnLst>
+                                </p:cTn>
+                              </p:par>
+                              <p:par>
+                                <p:cTn id="180" presetID="10" presetClass="entr" presetSubtype="0" fill="hold" grpId="0" nodeType="withEffect">
+                                  <p:stCondLst>
+                                    <p:cond delay="0"/>
+                                  </p:stCondLst>
+                                  <p:childTnLst>
+                                    <p:set>
+                                      <p:cBhvr>
+                                        <p:cTn id="181" dur="1" fill="hold">
+                                          <p:stCondLst>
+                                            <p:cond delay="0"/>
+                                          </p:stCondLst>
+                                        </p:cTn>
+                                        <p:tgtEl>
+                                          <p:spTgt spid="74"/>
+                                        </p:tgtEl>
+                                        <p:attrNameLst>
+                                          <p:attrName>style.visibility</p:attrName>
+                                        </p:attrNameLst>
+                                      </p:cBhvr>
+                                      <p:to>
+                                        <p:strVal val="visible"/>
+                                      </p:to>
+                                    </p:set>
+                                    <p:animEffect transition="in" filter="fade">
+                                      <p:cBhvr>
+                                        <p:cTn id="182" dur="500"/>
+                                        <p:tgtEl>
+                                          <p:spTgt spid="74"/>
+                                        </p:tgtEl>
+                                      </p:cBhvr>
+                                    </p:animEffect>
+                                  </p:childTnLst>
+                                </p:cTn>
+                              </p:par>
+                            </p:childTnLst>
+                          </p:cTn>
+                        </p:par>
+                      </p:childTnLst>
+                    </p:cTn>
+                  </p:par>
+                  <p:par>
+                    <p:cTn id="183" fill="hold">
+                      <p:stCondLst>
+                        <p:cond delay="indefinite"/>
+                      </p:stCondLst>
+                      <p:childTnLst>
+                        <p:par>
+                          <p:cTn id="184" fill="hold">
+                            <p:stCondLst>
+                              <p:cond delay="0"/>
+                            </p:stCondLst>
+                            <p:childTnLst>
+                              <p:par>
+                                <p:cTn id="185" presetID="10" presetClass="entr" presetSubtype="0" fill="hold" grpId="0" nodeType="clickEffect">
+                                  <p:stCondLst>
+                                    <p:cond delay="0"/>
+                                  </p:stCondLst>
+                                  <p:childTnLst>
+                                    <p:set>
+                                      <p:cBhvr>
+                                        <p:cTn id="186" dur="1" fill="hold">
+                                          <p:stCondLst>
+                                            <p:cond delay="0"/>
+                                          </p:stCondLst>
+                                        </p:cTn>
+                                        <p:tgtEl>
+                                          <p:spTgt spid="77"/>
+                                        </p:tgtEl>
+                                        <p:attrNameLst>
+                                          <p:attrName>style.visibility</p:attrName>
+                                        </p:attrNameLst>
+                                      </p:cBhvr>
+                                      <p:to>
+                                        <p:strVal val="visible"/>
+                                      </p:to>
+                                    </p:set>
+                                    <p:animEffect transition="in" filter="fade">
+                                      <p:cBhvr>
+                                        <p:cTn id="187" dur="500"/>
+                                        <p:tgtEl>
+                                          <p:spTgt spid="77"/>
+                                        </p:tgtEl>
+                                      </p:cBhvr>
+                                    </p:animEffect>
+                                  </p:childTnLst>
+                                </p:cTn>
+                              </p:par>
                             </p:childTnLst>
                           </p:cTn>
                         </p:par>
@@ -23810,6 +24152,9 @@
       <p:bldP spid="179" grpId="0" animBg="1"/>
       <p:bldP spid="84" grpId="0" animBg="1"/>
       <p:bldP spid="183" grpId="0" animBg="1"/>
+      <p:bldP spid="74" grpId="0"/>
+      <p:bldP spid="76" grpId="0" animBg="1"/>
+      <p:bldP spid="77" grpId="0" animBg="1"/>
     </p:bldLst>
   </p:timing>
 </p:sld>

--- a/Figures.pptx
+++ b/Figures.pptx
@@ -202,7 +202,7 @@
           <a:p>
             <a:fld id="{FBE30875-4028-481A-8091-6EDB19798FA1}" type="datetimeFigureOut">
               <a:rPr lang="en-NL" smtClean="0"/>
-              <a:t>09/03/2021</a:t>
+              <a:t>18/04/2021</a:t>
             </a:fld>
             <a:endParaRPr lang="en-NL"/>
           </a:p>
@@ -907,7 +907,7 @@
           <a:p>
             <a:fld id="{766785BB-7706-4DEE-A3EF-8F6193F80700}" type="datetimeFigureOut">
               <a:rPr lang="en-NL" smtClean="0"/>
-              <a:t>09/03/2021</a:t>
+              <a:t>18/04/2021</a:t>
             </a:fld>
             <a:endParaRPr lang="en-NL"/>
           </a:p>
@@ -1107,7 +1107,7 @@
           <a:p>
             <a:fld id="{766785BB-7706-4DEE-A3EF-8F6193F80700}" type="datetimeFigureOut">
               <a:rPr lang="en-NL" smtClean="0"/>
-              <a:t>09/03/2021</a:t>
+              <a:t>18/04/2021</a:t>
             </a:fld>
             <a:endParaRPr lang="en-NL"/>
           </a:p>
@@ -1317,7 +1317,7 @@
           <a:p>
             <a:fld id="{766785BB-7706-4DEE-A3EF-8F6193F80700}" type="datetimeFigureOut">
               <a:rPr lang="en-NL" smtClean="0"/>
-              <a:t>09/03/2021</a:t>
+              <a:t>18/04/2021</a:t>
             </a:fld>
             <a:endParaRPr lang="en-NL"/>
           </a:p>
@@ -1539,7 +1539,7 @@
           <a:p>
             <a:fld id="{705B85CB-7326-4CDB-B6DC-66899E5F8844}" type="datetimeFigureOut">
               <a:rPr lang="nl-NL" smtClean="0"/>
-              <a:t>9-3-2021</a:t>
+              <a:t>18-4-2021</a:t>
             </a:fld>
             <a:endParaRPr lang="nl-NL"/>
           </a:p>
@@ -1739,7 +1739,7 @@
           <a:p>
             <a:fld id="{705B85CB-7326-4CDB-B6DC-66899E5F8844}" type="datetimeFigureOut">
               <a:rPr lang="nl-NL" smtClean="0"/>
-              <a:t>9-3-2021</a:t>
+              <a:t>18-4-2021</a:t>
             </a:fld>
             <a:endParaRPr lang="nl-NL"/>
           </a:p>
@@ -2015,7 +2015,7 @@
           <a:p>
             <a:fld id="{705B85CB-7326-4CDB-B6DC-66899E5F8844}" type="datetimeFigureOut">
               <a:rPr lang="nl-NL" smtClean="0"/>
-              <a:t>9-3-2021</a:t>
+              <a:t>18-4-2021</a:t>
             </a:fld>
             <a:endParaRPr lang="nl-NL"/>
           </a:p>
@@ -2283,7 +2283,7 @@
           <a:p>
             <a:fld id="{705B85CB-7326-4CDB-B6DC-66899E5F8844}" type="datetimeFigureOut">
               <a:rPr lang="nl-NL" smtClean="0"/>
-              <a:t>9-3-2021</a:t>
+              <a:t>18-4-2021</a:t>
             </a:fld>
             <a:endParaRPr lang="nl-NL"/>
           </a:p>
@@ -2698,7 +2698,7 @@
           <a:p>
             <a:fld id="{705B85CB-7326-4CDB-B6DC-66899E5F8844}" type="datetimeFigureOut">
               <a:rPr lang="nl-NL" smtClean="0"/>
-              <a:t>9-3-2021</a:t>
+              <a:t>18-4-2021</a:t>
             </a:fld>
             <a:endParaRPr lang="nl-NL"/>
           </a:p>
@@ -2840,7 +2840,7 @@
           <a:p>
             <a:fld id="{705B85CB-7326-4CDB-B6DC-66899E5F8844}" type="datetimeFigureOut">
               <a:rPr lang="nl-NL" smtClean="0"/>
-              <a:t>9-3-2021</a:t>
+              <a:t>18-4-2021</a:t>
             </a:fld>
             <a:endParaRPr lang="nl-NL"/>
           </a:p>
@@ -2953,7 +2953,7 @@
           <a:p>
             <a:fld id="{705B85CB-7326-4CDB-B6DC-66899E5F8844}" type="datetimeFigureOut">
               <a:rPr lang="nl-NL" smtClean="0"/>
-              <a:t>9-3-2021</a:t>
+              <a:t>18-4-2021</a:t>
             </a:fld>
             <a:endParaRPr lang="nl-NL"/>
           </a:p>
@@ -3266,7 +3266,7 @@
           <a:p>
             <a:fld id="{705B85CB-7326-4CDB-B6DC-66899E5F8844}" type="datetimeFigureOut">
               <a:rPr lang="nl-NL" smtClean="0"/>
-              <a:t>9-3-2021</a:t>
+              <a:t>18-4-2021</a:t>
             </a:fld>
             <a:endParaRPr lang="nl-NL"/>
           </a:p>
@@ -3466,7 +3466,7 @@
           <a:p>
             <a:fld id="{766785BB-7706-4DEE-A3EF-8F6193F80700}" type="datetimeFigureOut">
               <a:rPr lang="en-NL" smtClean="0"/>
-              <a:t>09/03/2021</a:t>
+              <a:t>18/04/2021</a:t>
             </a:fld>
             <a:endParaRPr lang="en-NL"/>
           </a:p>
@@ -3755,7 +3755,7 @@
           <a:p>
             <a:fld id="{705B85CB-7326-4CDB-B6DC-66899E5F8844}" type="datetimeFigureOut">
               <a:rPr lang="nl-NL" smtClean="0"/>
-              <a:t>9-3-2021</a:t>
+              <a:t>18-4-2021</a:t>
             </a:fld>
             <a:endParaRPr lang="nl-NL"/>
           </a:p>
@@ -3955,7 +3955,7 @@
           <a:p>
             <a:fld id="{705B85CB-7326-4CDB-B6DC-66899E5F8844}" type="datetimeFigureOut">
               <a:rPr lang="nl-NL" smtClean="0"/>
-              <a:t>9-3-2021</a:t>
+              <a:t>18-4-2021</a:t>
             </a:fld>
             <a:endParaRPr lang="nl-NL"/>
           </a:p>
@@ -4165,7 +4165,7 @@
           <a:p>
             <a:fld id="{705B85CB-7326-4CDB-B6DC-66899E5F8844}" type="datetimeFigureOut">
               <a:rPr lang="nl-NL" smtClean="0"/>
-              <a:t>9-3-2021</a:t>
+              <a:t>18-4-2021</a:t>
             </a:fld>
             <a:endParaRPr lang="nl-NL"/>
           </a:p>
@@ -4441,7 +4441,7 @@
           <a:p>
             <a:fld id="{766785BB-7706-4DEE-A3EF-8F6193F80700}" type="datetimeFigureOut">
               <a:rPr lang="en-NL" smtClean="0"/>
-              <a:t>09/03/2021</a:t>
+              <a:t>18/04/2021</a:t>
             </a:fld>
             <a:endParaRPr lang="en-NL"/>
           </a:p>
@@ -4709,7 +4709,7 @@
           <a:p>
             <a:fld id="{766785BB-7706-4DEE-A3EF-8F6193F80700}" type="datetimeFigureOut">
               <a:rPr lang="en-NL" smtClean="0"/>
-              <a:t>09/03/2021</a:t>
+              <a:t>18/04/2021</a:t>
             </a:fld>
             <a:endParaRPr lang="en-NL"/>
           </a:p>
@@ -5124,7 +5124,7 @@
           <a:p>
             <a:fld id="{766785BB-7706-4DEE-A3EF-8F6193F80700}" type="datetimeFigureOut">
               <a:rPr lang="en-NL" smtClean="0"/>
-              <a:t>09/03/2021</a:t>
+              <a:t>18/04/2021</a:t>
             </a:fld>
             <a:endParaRPr lang="en-NL"/>
           </a:p>
@@ -5266,7 +5266,7 @@
           <a:p>
             <a:fld id="{766785BB-7706-4DEE-A3EF-8F6193F80700}" type="datetimeFigureOut">
               <a:rPr lang="en-NL" smtClean="0"/>
-              <a:t>09/03/2021</a:t>
+              <a:t>18/04/2021</a:t>
             </a:fld>
             <a:endParaRPr lang="en-NL"/>
           </a:p>
@@ -5379,7 +5379,7 @@
           <a:p>
             <a:fld id="{766785BB-7706-4DEE-A3EF-8F6193F80700}" type="datetimeFigureOut">
               <a:rPr lang="en-NL" smtClean="0"/>
-              <a:t>09/03/2021</a:t>
+              <a:t>18/04/2021</a:t>
             </a:fld>
             <a:endParaRPr lang="en-NL"/>
           </a:p>
@@ -5692,7 +5692,7 @@
           <a:p>
             <a:fld id="{766785BB-7706-4DEE-A3EF-8F6193F80700}" type="datetimeFigureOut">
               <a:rPr lang="en-NL" smtClean="0"/>
-              <a:t>09/03/2021</a:t>
+              <a:t>18/04/2021</a:t>
             </a:fld>
             <a:endParaRPr lang="en-NL"/>
           </a:p>
@@ -5981,7 +5981,7 @@
           <a:p>
             <a:fld id="{766785BB-7706-4DEE-A3EF-8F6193F80700}" type="datetimeFigureOut">
               <a:rPr lang="en-NL" smtClean="0"/>
-              <a:t>09/03/2021</a:t>
+              <a:t>18/04/2021</a:t>
             </a:fld>
             <a:endParaRPr lang="en-NL"/>
           </a:p>
@@ -6224,7 +6224,7 @@
           <a:p>
             <a:fld id="{766785BB-7706-4DEE-A3EF-8F6193F80700}" type="datetimeFigureOut">
               <a:rPr lang="en-NL" smtClean="0"/>
-              <a:t>09/03/2021</a:t>
+              <a:t>18/04/2021</a:t>
             </a:fld>
             <a:endParaRPr lang="en-NL"/>
           </a:p>
@@ -6794,7 +6794,7 @@
           <a:p>
             <a:fld id="{705B85CB-7326-4CDB-B6DC-66899E5F8844}" type="datetimeFigureOut">
               <a:rPr lang="nl-NL" smtClean="0"/>
-              <a:t>9-3-2021</a:t>
+              <a:t>18-4-2021</a:t>
             </a:fld>
             <a:endParaRPr lang="nl-NL"/>
           </a:p>
@@ -29225,7 +29225,6 @@
         </p:nvPicPr>
         <p:blipFill rotWithShape="1">
           <a:blip r:embed="rId5">
-            <a:biLevel thresh="25000"/>
             <a:extLst>
               <a:ext uri="{28A0092B-C50C-407E-A947-70E740481C1C}">
                 <a14:useLocalDpi xmlns:a14="http://schemas.microsoft.com/office/drawing/2010/main" val="0"/>
